--- a/final_presentation.pptx
+++ b/final_presentation.pptx
@@ -7,6 +7,9 @@
     <p:sldMasterId id="2147483713" r:id="rId3"/>
     <p:sldMasterId id="2147483739" r:id="rId4"/>
   </p:sldMasterIdLst>
+  <p:notesMasterIdLst>
+    <p:notesMasterId r:id="rId22"/>
+  </p:notesMasterIdLst>
   <p:sldIdLst>
     <p:sldId id="256" r:id="rId5"/>
     <p:sldId id="257" r:id="rId6"/>
@@ -16,7 +19,15 @@
     <p:sldId id="263" r:id="rId10"/>
     <p:sldId id="268" r:id="rId11"/>
     <p:sldId id="261" r:id="rId12"/>
-    <p:sldId id="269" r:id="rId13"/>
+    <p:sldId id="270" r:id="rId13"/>
+    <p:sldId id="271" r:id="rId14"/>
+    <p:sldId id="272" r:id="rId15"/>
+    <p:sldId id="273" r:id="rId16"/>
+    <p:sldId id="274" r:id="rId17"/>
+    <p:sldId id="275" r:id="rId18"/>
+    <p:sldId id="276" r:id="rId19"/>
+    <p:sldId id="277" r:id="rId20"/>
+    <p:sldId id="269" r:id="rId21"/>
   </p:sldIdLst>
   <p:sldSz cx="10080625" cy="5670550"/>
   <p:notesSz cx="7772400" cy="10058400"/>
@@ -115,7 +126,2534 @@
       </a:defRPr>
     </a:lvl9pPr>
   </p:defaultTextStyle>
+  <p:extLst>
+    <p:ext uri="{EFAFB233-063F-42B5-8137-9DF3F51BA10A}">
+      <p15:sldGuideLst xmlns:p15="http://schemas.microsoft.com/office/powerpoint/2012/main"/>
+    </p:ext>
+  </p:extLst>
 </p:presentation>
+</file>
+
+<file path=ppt/charts/chart1.xml><?xml version="1.0" encoding="utf-8"?>
+<c:chartSpace xmlns:c="http://schemas.openxmlformats.org/drawingml/2006/chart" xmlns:a="http://schemas.openxmlformats.org/drawingml/2006/main" xmlns:r="http://schemas.openxmlformats.org/officeDocument/2006/relationships" xmlns:c16r2="http://schemas.microsoft.com/office/drawing/2015/06/chart">
+  <c:date1904 val="0"/>
+  <c:lang val="en-US"/>
+  <c:roundedCorners val="0"/>
+  <mc:AlternateContent xmlns:mc="http://schemas.openxmlformats.org/markup-compatibility/2006">
+    <mc:Choice xmlns:c14="http://schemas.microsoft.com/office/drawing/2007/8/2/chart" Requires="c14">
+      <c14:style val="102"/>
+    </mc:Choice>
+    <mc:Fallback>
+      <c:style val="2"/>
+    </mc:Fallback>
+  </mc:AlternateContent>
+  <c:chart>
+    <c:title>
+      <c:tx>
+        <c:rich>
+          <a:bodyPr rot="0" spcFirstLastPara="1" vertOverflow="ellipsis" vert="horz" wrap="square" anchor="ctr" anchorCtr="1"/>
+          <a:lstStyle/>
+          <a:p>
+            <a:pPr>
+              <a:defRPr sz="1400" b="0" i="0" u="none" strike="noStrike" kern="1200" spc="0" baseline="0">
+                <a:solidFill>
+                  <a:schemeClr val="tx1">
+                    <a:lumMod val="65000"/>
+                    <a:lumOff val="35000"/>
+                  </a:schemeClr>
+                </a:solidFill>
+                <a:latin typeface="+mn-lt"/>
+                <a:ea typeface="+mn-ea"/>
+                <a:cs typeface="+mn-cs"/>
+              </a:defRPr>
+            </a:pPr>
+            <a:r>
+              <a:rPr lang="en-US" dirty="0"/>
+              <a:t>User-Period</a:t>
+            </a:r>
+            <a:r>
+              <a:rPr lang="en-US" baseline="0" dirty="0"/>
+              <a:t> Purchases</a:t>
+            </a:r>
+            <a:endParaRPr lang="en-US" dirty="0"/>
+          </a:p>
+        </c:rich>
+      </c:tx>
+      <c:layout>
+        <c:manualLayout>
+          <c:xMode val="edge"/>
+          <c:yMode val="edge"/>
+          <c:x val="0.31969974793287192"/>
+          <c:y val="7.0689957102199871E-2"/>
+        </c:manualLayout>
+      </c:layout>
+      <c:overlay val="0"/>
+      <c:spPr>
+        <a:noFill/>
+        <a:ln>
+          <a:noFill/>
+        </a:ln>
+        <a:effectLst/>
+      </c:spPr>
+      <c:txPr>
+        <a:bodyPr rot="0" spcFirstLastPara="1" vertOverflow="ellipsis" vert="horz" wrap="square" anchor="ctr" anchorCtr="1"/>
+        <a:lstStyle/>
+        <a:p>
+          <a:pPr>
+            <a:defRPr sz="1400" b="0" i="0" u="none" strike="noStrike" kern="1200" spc="0" baseline="0">
+              <a:solidFill>
+                <a:schemeClr val="tx1">
+                  <a:lumMod val="65000"/>
+                  <a:lumOff val="35000"/>
+                </a:schemeClr>
+              </a:solidFill>
+              <a:latin typeface="+mn-lt"/>
+              <a:ea typeface="+mn-ea"/>
+              <a:cs typeface="+mn-cs"/>
+            </a:defRPr>
+          </a:pPr>
+          <a:endParaRPr lang="en-US"/>
+        </a:p>
+      </c:txPr>
+    </c:title>
+    <c:autoTitleDeleted val="0"/>
+    <c:plotArea>
+      <c:layout/>
+      <c:scatterChart>
+        <c:scatterStyle val="lineMarker"/>
+        <c:varyColors val="0"/>
+        <c:ser>
+          <c:idx val="0"/>
+          <c:order val="0"/>
+          <c:tx>
+            <c:strRef>
+              <c:f>Sheet1!$B$1</c:f>
+              <c:strCache>
+                <c:ptCount val="1"/>
+                <c:pt idx="0">
+                  <c:v>Purchases</c:v>
+                </c:pt>
+              </c:strCache>
+            </c:strRef>
+          </c:tx>
+          <c:spPr>
+            <a:ln w="19050" cap="rnd">
+              <a:noFill/>
+              <a:round/>
+            </a:ln>
+            <a:effectLst/>
+          </c:spPr>
+          <c:marker>
+            <c:symbol val="circle"/>
+            <c:size val="5"/>
+            <c:spPr>
+              <a:solidFill>
+                <a:schemeClr val="accent1"/>
+              </a:solidFill>
+              <a:ln w="9525">
+                <a:solidFill>
+                  <a:schemeClr val="accent1"/>
+                </a:solidFill>
+              </a:ln>
+              <a:effectLst/>
+            </c:spPr>
+          </c:marker>
+          <c:trendline>
+            <c:spPr>
+              <a:ln w="19050" cap="rnd">
+                <a:solidFill>
+                  <a:schemeClr val="accent2"/>
+                </a:solidFill>
+                <a:prstDash val="sysDot"/>
+              </a:ln>
+              <a:effectLst/>
+            </c:spPr>
+            <c:trendlineType val="linear"/>
+            <c:dispRSqr val="0"/>
+            <c:dispEq val="0"/>
+          </c:trendline>
+          <c:xVal>
+            <c:numRef>
+              <c:f>Sheet1!$A$2:$A$7</c:f>
+              <c:numCache>
+                <c:formatCode>General</c:formatCode>
+                <c:ptCount val="6"/>
+                <c:pt idx="0">
+                  <c:v>1</c:v>
+                </c:pt>
+                <c:pt idx="1">
+                  <c:v>2</c:v>
+                </c:pt>
+                <c:pt idx="2">
+                  <c:v>3</c:v>
+                </c:pt>
+                <c:pt idx="3">
+                  <c:v>4</c:v>
+                </c:pt>
+                <c:pt idx="4">
+                  <c:v>5</c:v>
+                </c:pt>
+                <c:pt idx="5">
+                  <c:v>6</c:v>
+                </c:pt>
+              </c:numCache>
+            </c:numRef>
+          </c:xVal>
+          <c:yVal>
+            <c:numRef>
+              <c:f>Sheet1!$B$2:$B$7</c:f>
+              <c:numCache>
+                <c:formatCode>General</c:formatCode>
+                <c:ptCount val="6"/>
+                <c:pt idx="0">
+                  <c:v>2</c:v>
+                </c:pt>
+                <c:pt idx="1">
+                  <c:v>10</c:v>
+                </c:pt>
+                <c:pt idx="2">
+                  <c:v>5</c:v>
+                </c:pt>
+                <c:pt idx="3">
+                  <c:v>21</c:v>
+                </c:pt>
+                <c:pt idx="4">
+                  <c:v>19</c:v>
+                </c:pt>
+                <c:pt idx="5">
+                  <c:v>50</c:v>
+                </c:pt>
+              </c:numCache>
+            </c:numRef>
+          </c:yVal>
+          <c:smooth val="0"/>
+          <c:extLst>
+            <c:ext xmlns:c16="http://schemas.microsoft.com/office/drawing/2014/chart" uri="{C3380CC4-5D6E-409C-BE32-E72D297353CC}">
+              <c16:uniqueId val="{00000001-F027-47BC-8F8E-109577A85578}"/>
+            </c:ext>
+          </c:extLst>
+        </c:ser>
+        <c:dLbls>
+          <c:showLegendKey val="0"/>
+          <c:showVal val="0"/>
+          <c:showCatName val="0"/>
+          <c:showSerName val="0"/>
+          <c:showPercent val="0"/>
+          <c:showBubbleSize val="0"/>
+        </c:dLbls>
+        <c:axId val="709403967"/>
+        <c:axId val="709397727"/>
+      </c:scatterChart>
+      <c:valAx>
+        <c:axId val="709403967"/>
+        <c:scaling>
+          <c:orientation val="minMax"/>
+          <c:max val="6"/>
+          <c:min val="1"/>
+        </c:scaling>
+        <c:delete val="0"/>
+        <c:axPos val="b"/>
+        <c:majorGridlines>
+          <c:spPr>
+            <a:ln w="9525" cap="flat" cmpd="sng" algn="ctr">
+              <a:solidFill>
+                <a:schemeClr val="tx1">
+                  <a:lumMod val="15000"/>
+                  <a:lumOff val="85000"/>
+                </a:schemeClr>
+              </a:solidFill>
+              <a:round/>
+            </a:ln>
+            <a:effectLst/>
+          </c:spPr>
+        </c:majorGridlines>
+        <c:title>
+          <c:tx>
+            <c:rich>
+              <a:bodyPr rot="0" spcFirstLastPara="1" vertOverflow="ellipsis" vert="horz" wrap="square" anchor="ctr" anchorCtr="1"/>
+              <a:lstStyle/>
+              <a:p>
+                <a:pPr>
+                  <a:defRPr sz="1000" b="0" i="0" u="none" strike="noStrike" kern="1200" baseline="0">
+                    <a:solidFill>
+                      <a:schemeClr val="tx1">
+                        <a:lumMod val="65000"/>
+                        <a:lumOff val="35000"/>
+                      </a:schemeClr>
+                    </a:solidFill>
+                    <a:latin typeface="+mn-lt"/>
+                    <a:ea typeface="+mn-ea"/>
+                    <a:cs typeface="+mn-cs"/>
+                  </a:defRPr>
+                </a:pPr>
+                <a:r>
+                  <a:rPr lang="en-US"/>
+                  <a:t>Period</a:t>
+                </a:r>
+              </a:p>
+            </c:rich>
+          </c:tx>
+          <c:overlay val="0"/>
+          <c:spPr>
+            <a:noFill/>
+            <a:ln>
+              <a:noFill/>
+            </a:ln>
+            <a:effectLst/>
+          </c:spPr>
+          <c:txPr>
+            <a:bodyPr rot="0" spcFirstLastPara="1" vertOverflow="ellipsis" vert="horz" wrap="square" anchor="ctr" anchorCtr="1"/>
+            <a:lstStyle/>
+            <a:p>
+              <a:pPr>
+                <a:defRPr sz="1000" b="0" i="0" u="none" strike="noStrike" kern="1200" baseline="0">
+                  <a:solidFill>
+                    <a:schemeClr val="tx1">
+                      <a:lumMod val="65000"/>
+                      <a:lumOff val="35000"/>
+                    </a:schemeClr>
+                  </a:solidFill>
+                  <a:latin typeface="+mn-lt"/>
+                  <a:ea typeface="+mn-ea"/>
+                  <a:cs typeface="+mn-cs"/>
+                </a:defRPr>
+              </a:pPr>
+              <a:endParaRPr lang="en-US"/>
+            </a:p>
+          </c:txPr>
+        </c:title>
+        <c:numFmt formatCode="General" sourceLinked="1"/>
+        <c:majorTickMark val="none"/>
+        <c:minorTickMark val="none"/>
+        <c:tickLblPos val="low"/>
+        <c:spPr>
+          <a:noFill/>
+          <a:ln w="9525" cap="flat" cmpd="sng" algn="ctr">
+            <a:solidFill>
+              <a:schemeClr val="tx1">
+                <a:lumMod val="25000"/>
+                <a:lumOff val="75000"/>
+              </a:schemeClr>
+            </a:solidFill>
+            <a:round/>
+          </a:ln>
+          <a:effectLst/>
+        </c:spPr>
+        <c:txPr>
+          <a:bodyPr rot="-60000000" spcFirstLastPara="1" vertOverflow="ellipsis" vert="horz" wrap="square" anchor="ctr" anchorCtr="1"/>
+          <a:lstStyle/>
+          <a:p>
+            <a:pPr>
+              <a:defRPr sz="900" b="0" i="0" u="none" strike="noStrike" kern="1200" baseline="0">
+                <a:solidFill>
+                  <a:schemeClr val="tx1">
+                    <a:lumMod val="65000"/>
+                    <a:lumOff val="35000"/>
+                  </a:schemeClr>
+                </a:solidFill>
+                <a:latin typeface="+mn-lt"/>
+                <a:ea typeface="+mn-ea"/>
+                <a:cs typeface="+mn-cs"/>
+              </a:defRPr>
+            </a:pPr>
+            <a:endParaRPr lang="en-US"/>
+          </a:p>
+        </c:txPr>
+        <c:crossAx val="709397727"/>
+        <c:crosses val="autoZero"/>
+        <c:crossBetween val="midCat"/>
+      </c:valAx>
+      <c:valAx>
+        <c:axId val="709397727"/>
+        <c:scaling>
+          <c:orientation val="minMax"/>
+          <c:min val="0"/>
+        </c:scaling>
+        <c:delete val="0"/>
+        <c:axPos val="l"/>
+        <c:majorGridlines>
+          <c:spPr>
+            <a:ln w="9525" cap="flat" cmpd="sng" algn="ctr">
+              <a:solidFill>
+                <a:schemeClr val="tx1">
+                  <a:lumMod val="15000"/>
+                  <a:lumOff val="85000"/>
+                </a:schemeClr>
+              </a:solidFill>
+              <a:round/>
+            </a:ln>
+            <a:effectLst/>
+          </c:spPr>
+        </c:majorGridlines>
+        <c:title>
+          <c:tx>
+            <c:rich>
+              <a:bodyPr rot="-5400000" spcFirstLastPara="1" vertOverflow="ellipsis" vert="horz" wrap="square" anchor="ctr" anchorCtr="1"/>
+              <a:lstStyle/>
+              <a:p>
+                <a:pPr>
+                  <a:defRPr sz="1000" b="0" i="0" u="none" strike="noStrike" kern="1200" baseline="0">
+                    <a:solidFill>
+                      <a:schemeClr val="tx1">
+                        <a:lumMod val="65000"/>
+                        <a:lumOff val="35000"/>
+                      </a:schemeClr>
+                    </a:solidFill>
+                    <a:latin typeface="+mn-lt"/>
+                    <a:ea typeface="+mn-ea"/>
+                    <a:cs typeface="+mn-cs"/>
+                  </a:defRPr>
+                </a:pPr>
+                <a:r>
+                  <a:rPr lang="en-US"/>
+                  <a:t>Purchases</a:t>
+                </a:r>
+              </a:p>
+            </c:rich>
+          </c:tx>
+          <c:overlay val="0"/>
+          <c:spPr>
+            <a:noFill/>
+            <a:ln>
+              <a:noFill/>
+            </a:ln>
+            <a:effectLst/>
+          </c:spPr>
+          <c:txPr>
+            <a:bodyPr rot="-5400000" spcFirstLastPara="1" vertOverflow="ellipsis" vert="horz" wrap="square" anchor="ctr" anchorCtr="1"/>
+            <a:lstStyle/>
+            <a:p>
+              <a:pPr>
+                <a:defRPr sz="1000" b="0" i="0" u="none" strike="noStrike" kern="1200" baseline="0">
+                  <a:solidFill>
+                    <a:schemeClr val="tx1">
+                      <a:lumMod val="65000"/>
+                      <a:lumOff val="35000"/>
+                    </a:schemeClr>
+                  </a:solidFill>
+                  <a:latin typeface="+mn-lt"/>
+                  <a:ea typeface="+mn-ea"/>
+                  <a:cs typeface="+mn-cs"/>
+                </a:defRPr>
+              </a:pPr>
+              <a:endParaRPr lang="en-US"/>
+            </a:p>
+          </c:txPr>
+        </c:title>
+        <c:numFmt formatCode="General" sourceLinked="1"/>
+        <c:majorTickMark val="none"/>
+        <c:minorTickMark val="none"/>
+        <c:tickLblPos val="nextTo"/>
+        <c:spPr>
+          <a:noFill/>
+          <a:ln w="9525" cap="flat" cmpd="sng" algn="ctr">
+            <a:solidFill>
+              <a:schemeClr val="tx1">
+                <a:lumMod val="25000"/>
+                <a:lumOff val="75000"/>
+              </a:schemeClr>
+            </a:solidFill>
+            <a:round/>
+          </a:ln>
+          <a:effectLst/>
+        </c:spPr>
+        <c:txPr>
+          <a:bodyPr rot="-60000000" spcFirstLastPara="1" vertOverflow="ellipsis" vert="horz" wrap="square" anchor="ctr" anchorCtr="1"/>
+          <a:lstStyle/>
+          <a:p>
+            <a:pPr>
+              <a:defRPr sz="900" b="0" i="0" u="none" strike="noStrike" kern="1200" baseline="0">
+                <a:solidFill>
+                  <a:schemeClr val="tx1">
+                    <a:lumMod val="65000"/>
+                    <a:lumOff val="35000"/>
+                  </a:schemeClr>
+                </a:solidFill>
+                <a:latin typeface="+mn-lt"/>
+                <a:ea typeface="+mn-ea"/>
+                <a:cs typeface="+mn-cs"/>
+              </a:defRPr>
+            </a:pPr>
+            <a:endParaRPr lang="en-US"/>
+          </a:p>
+        </c:txPr>
+        <c:crossAx val="709403967"/>
+        <c:crosses val="autoZero"/>
+        <c:crossBetween val="midCat"/>
+      </c:valAx>
+      <c:spPr>
+        <a:noFill/>
+        <a:ln>
+          <a:noFill/>
+        </a:ln>
+        <a:effectLst/>
+      </c:spPr>
+    </c:plotArea>
+    <c:plotVisOnly val="1"/>
+    <c:dispBlanksAs val="gap"/>
+    <c:extLst>
+      <c:ext xmlns:c16r3="http://schemas.microsoft.com/office/drawing/2017/03/chart" uri="{56B9EC1D-385E-4148-901F-78D8002777C0}">
+        <c16r3:dataDisplayOptions16>
+          <c16r3:dispNaAsBlank val="1"/>
+        </c16r3:dataDisplayOptions16>
+      </c:ext>
+    </c:extLst>
+    <c:showDLblsOverMax val="0"/>
+  </c:chart>
+  <c:spPr>
+    <a:noFill/>
+    <a:ln>
+      <a:noFill/>
+    </a:ln>
+    <a:effectLst/>
+  </c:spPr>
+  <c:txPr>
+    <a:bodyPr/>
+    <a:lstStyle/>
+    <a:p>
+      <a:pPr>
+        <a:defRPr/>
+      </a:pPr>
+      <a:endParaRPr lang="en-US"/>
+    </a:p>
+  </c:txPr>
+  <c:externalData r:id="rId3">
+    <c:autoUpdate val="0"/>
+  </c:externalData>
+</c:chartSpace>
+</file>
+
+<file path=ppt/charts/chart2.xml><?xml version="1.0" encoding="utf-8"?>
+<c:chartSpace xmlns:c="http://schemas.openxmlformats.org/drawingml/2006/chart" xmlns:a="http://schemas.openxmlformats.org/drawingml/2006/main" xmlns:r="http://schemas.openxmlformats.org/officeDocument/2006/relationships" xmlns:c16r2="http://schemas.microsoft.com/office/drawing/2015/06/chart">
+  <c:date1904 val="0"/>
+  <c:lang val="en-US"/>
+  <c:roundedCorners val="0"/>
+  <mc:AlternateContent xmlns:mc="http://schemas.openxmlformats.org/markup-compatibility/2006">
+    <mc:Choice xmlns:c14="http://schemas.microsoft.com/office/drawing/2007/8/2/chart" Requires="c14">
+      <c14:style val="102"/>
+    </mc:Choice>
+    <mc:Fallback>
+      <c:style val="2"/>
+    </mc:Fallback>
+  </mc:AlternateContent>
+  <c:chart>
+    <c:title>
+      <c:tx>
+        <c:rich>
+          <a:bodyPr rot="0" spcFirstLastPara="1" vertOverflow="ellipsis" vert="horz" wrap="square" anchor="ctr" anchorCtr="1"/>
+          <a:lstStyle/>
+          <a:p>
+            <a:pPr>
+              <a:defRPr sz="1400" b="0" i="0" u="none" strike="noStrike" kern="1200" spc="0" baseline="0">
+                <a:solidFill>
+                  <a:schemeClr val="tx1">
+                    <a:lumMod val="65000"/>
+                    <a:lumOff val="35000"/>
+                  </a:schemeClr>
+                </a:solidFill>
+                <a:latin typeface="+mn-lt"/>
+                <a:ea typeface="+mn-ea"/>
+                <a:cs typeface="+mn-cs"/>
+              </a:defRPr>
+            </a:pPr>
+            <a:r>
+              <a:rPr lang="en-US"/>
+              <a:t>Merchant-Period</a:t>
+            </a:r>
+            <a:r>
+              <a:rPr lang="en-US" baseline="0"/>
+              <a:t> Clicks</a:t>
+            </a:r>
+            <a:endParaRPr lang="en-US"/>
+          </a:p>
+        </c:rich>
+      </c:tx>
+      <c:layout>
+        <c:manualLayout>
+          <c:xMode val="edge"/>
+          <c:yMode val="edge"/>
+          <c:x val="0.36773600174978133"/>
+          <c:y val="5.5555555555555552E-2"/>
+        </c:manualLayout>
+      </c:layout>
+      <c:overlay val="0"/>
+      <c:spPr>
+        <a:noFill/>
+        <a:ln>
+          <a:noFill/>
+        </a:ln>
+        <a:effectLst/>
+      </c:spPr>
+      <c:txPr>
+        <a:bodyPr rot="0" spcFirstLastPara="1" vertOverflow="ellipsis" vert="horz" wrap="square" anchor="ctr" anchorCtr="1"/>
+        <a:lstStyle/>
+        <a:p>
+          <a:pPr>
+            <a:defRPr sz="1400" b="0" i="0" u="none" strike="noStrike" kern="1200" spc="0" baseline="0">
+              <a:solidFill>
+                <a:schemeClr val="tx1">
+                  <a:lumMod val="65000"/>
+                  <a:lumOff val="35000"/>
+                </a:schemeClr>
+              </a:solidFill>
+              <a:latin typeface="+mn-lt"/>
+              <a:ea typeface="+mn-ea"/>
+              <a:cs typeface="+mn-cs"/>
+            </a:defRPr>
+          </a:pPr>
+          <a:endParaRPr lang="en-US"/>
+        </a:p>
+      </c:txPr>
+    </c:title>
+    <c:autoTitleDeleted val="0"/>
+    <c:plotArea>
+      <c:layout/>
+      <c:scatterChart>
+        <c:scatterStyle val="lineMarker"/>
+        <c:varyColors val="0"/>
+        <c:ser>
+          <c:idx val="0"/>
+          <c:order val="0"/>
+          <c:tx>
+            <c:strRef>
+              <c:f>Sheet1!$B$15</c:f>
+              <c:strCache>
+                <c:ptCount val="1"/>
+                <c:pt idx="0">
+                  <c:v>Clicks</c:v>
+                </c:pt>
+              </c:strCache>
+            </c:strRef>
+          </c:tx>
+          <c:spPr>
+            <a:ln w="19050" cap="rnd">
+              <a:noFill/>
+              <a:round/>
+            </a:ln>
+            <a:effectLst/>
+          </c:spPr>
+          <c:marker>
+            <c:symbol val="circle"/>
+            <c:size val="5"/>
+            <c:spPr>
+              <a:solidFill>
+                <a:schemeClr val="accent1"/>
+              </a:solidFill>
+              <a:ln w="9525">
+                <a:solidFill>
+                  <a:schemeClr val="accent1"/>
+                </a:solidFill>
+              </a:ln>
+              <a:effectLst/>
+            </c:spPr>
+          </c:marker>
+          <c:trendline>
+            <c:spPr>
+              <a:ln w="19050" cap="rnd">
+                <a:solidFill>
+                  <a:schemeClr val="accent2"/>
+                </a:solidFill>
+                <a:prstDash val="sysDot"/>
+              </a:ln>
+              <a:effectLst/>
+            </c:spPr>
+            <c:trendlineType val="linear"/>
+            <c:dispRSqr val="0"/>
+            <c:dispEq val="0"/>
+          </c:trendline>
+          <c:xVal>
+            <c:numRef>
+              <c:f>Sheet1!$A$16:$A$21</c:f>
+              <c:numCache>
+                <c:formatCode>General</c:formatCode>
+                <c:ptCount val="6"/>
+                <c:pt idx="0">
+                  <c:v>1</c:v>
+                </c:pt>
+                <c:pt idx="1">
+                  <c:v>2</c:v>
+                </c:pt>
+                <c:pt idx="2">
+                  <c:v>3</c:v>
+                </c:pt>
+                <c:pt idx="3">
+                  <c:v>4</c:v>
+                </c:pt>
+                <c:pt idx="4">
+                  <c:v>5</c:v>
+                </c:pt>
+                <c:pt idx="5">
+                  <c:v>6</c:v>
+                </c:pt>
+              </c:numCache>
+            </c:numRef>
+          </c:xVal>
+          <c:yVal>
+            <c:numRef>
+              <c:f>Sheet1!$B$16:$B$21</c:f>
+              <c:numCache>
+                <c:formatCode>General</c:formatCode>
+                <c:ptCount val="6"/>
+                <c:pt idx="0">
+                  <c:v>347901</c:v>
+                </c:pt>
+                <c:pt idx="1">
+                  <c:v>125048</c:v>
+                </c:pt>
+                <c:pt idx="2">
+                  <c:v>101852</c:v>
+                </c:pt>
+                <c:pt idx="3">
+                  <c:v>150874</c:v>
+                </c:pt>
+                <c:pt idx="4">
+                  <c:v>70247</c:v>
+                </c:pt>
+                <c:pt idx="5">
+                  <c:v>90115</c:v>
+                </c:pt>
+              </c:numCache>
+            </c:numRef>
+          </c:yVal>
+          <c:smooth val="0"/>
+          <c:extLst>
+            <c:ext xmlns:c16="http://schemas.microsoft.com/office/drawing/2014/chart" uri="{C3380CC4-5D6E-409C-BE32-E72D297353CC}">
+              <c16:uniqueId val="{00000001-0A09-4258-B476-A7673550B7DF}"/>
+            </c:ext>
+          </c:extLst>
+        </c:ser>
+        <c:dLbls>
+          <c:showLegendKey val="0"/>
+          <c:showVal val="0"/>
+          <c:showCatName val="0"/>
+          <c:showSerName val="0"/>
+          <c:showPercent val="0"/>
+          <c:showBubbleSize val="0"/>
+        </c:dLbls>
+        <c:axId val="709394815"/>
+        <c:axId val="709395231"/>
+      </c:scatterChart>
+      <c:valAx>
+        <c:axId val="709394815"/>
+        <c:scaling>
+          <c:orientation val="minMax"/>
+          <c:max val="6"/>
+          <c:min val="1"/>
+        </c:scaling>
+        <c:delete val="0"/>
+        <c:axPos val="b"/>
+        <c:majorGridlines>
+          <c:spPr>
+            <a:ln w="9525" cap="flat" cmpd="sng" algn="ctr">
+              <a:solidFill>
+                <a:schemeClr val="tx1">
+                  <a:lumMod val="15000"/>
+                  <a:lumOff val="85000"/>
+                </a:schemeClr>
+              </a:solidFill>
+              <a:round/>
+            </a:ln>
+            <a:effectLst/>
+          </c:spPr>
+        </c:majorGridlines>
+        <c:title>
+          <c:tx>
+            <c:rich>
+              <a:bodyPr rot="0" spcFirstLastPara="1" vertOverflow="ellipsis" vert="horz" wrap="square" anchor="ctr" anchorCtr="1"/>
+              <a:lstStyle/>
+              <a:p>
+                <a:pPr>
+                  <a:defRPr sz="1000" b="0" i="0" u="none" strike="noStrike" kern="1200" baseline="0">
+                    <a:solidFill>
+                      <a:schemeClr val="tx1">
+                        <a:lumMod val="65000"/>
+                        <a:lumOff val="35000"/>
+                      </a:schemeClr>
+                    </a:solidFill>
+                    <a:latin typeface="+mn-lt"/>
+                    <a:ea typeface="+mn-ea"/>
+                    <a:cs typeface="+mn-cs"/>
+                  </a:defRPr>
+                </a:pPr>
+                <a:r>
+                  <a:rPr lang="en-US"/>
+                  <a:t>Period</a:t>
+                </a:r>
+              </a:p>
+            </c:rich>
+          </c:tx>
+          <c:overlay val="0"/>
+          <c:spPr>
+            <a:noFill/>
+            <a:ln>
+              <a:noFill/>
+            </a:ln>
+            <a:effectLst/>
+          </c:spPr>
+          <c:txPr>
+            <a:bodyPr rot="0" spcFirstLastPara="1" vertOverflow="ellipsis" vert="horz" wrap="square" anchor="ctr" anchorCtr="1"/>
+            <a:lstStyle/>
+            <a:p>
+              <a:pPr>
+                <a:defRPr sz="1000" b="0" i="0" u="none" strike="noStrike" kern="1200" baseline="0">
+                  <a:solidFill>
+                    <a:schemeClr val="tx1">
+                      <a:lumMod val="65000"/>
+                      <a:lumOff val="35000"/>
+                    </a:schemeClr>
+                  </a:solidFill>
+                  <a:latin typeface="+mn-lt"/>
+                  <a:ea typeface="+mn-ea"/>
+                  <a:cs typeface="+mn-cs"/>
+                </a:defRPr>
+              </a:pPr>
+              <a:endParaRPr lang="en-US"/>
+            </a:p>
+          </c:txPr>
+        </c:title>
+        <c:numFmt formatCode="General" sourceLinked="1"/>
+        <c:majorTickMark val="none"/>
+        <c:minorTickMark val="none"/>
+        <c:tickLblPos val="nextTo"/>
+        <c:spPr>
+          <a:noFill/>
+          <a:ln w="9525" cap="flat" cmpd="sng" algn="ctr">
+            <a:solidFill>
+              <a:schemeClr val="tx1">
+                <a:lumMod val="25000"/>
+                <a:lumOff val="75000"/>
+              </a:schemeClr>
+            </a:solidFill>
+            <a:round/>
+          </a:ln>
+          <a:effectLst/>
+        </c:spPr>
+        <c:txPr>
+          <a:bodyPr rot="-60000000" spcFirstLastPara="1" vertOverflow="ellipsis" vert="horz" wrap="square" anchor="ctr" anchorCtr="1"/>
+          <a:lstStyle/>
+          <a:p>
+            <a:pPr>
+              <a:defRPr sz="900" b="0" i="0" u="none" strike="noStrike" kern="1200" baseline="0">
+                <a:solidFill>
+                  <a:schemeClr val="tx1">
+                    <a:lumMod val="65000"/>
+                    <a:lumOff val="35000"/>
+                  </a:schemeClr>
+                </a:solidFill>
+                <a:latin typeface="+mn-lt"/>
+                <a:ea typeface="+mn-ea"/>
+                <a:cs typeface="+mn-cs"/>
+              </a:defRPr>
+            </a:pPr>
+            <a:endParaRPr lang="en-US"/>
+          </a:p>
+        </c:txPr>
+        <c:crossAx val="709395231"/>
+        <c:crosses val="autoZero"/>
+        <c:crossBetween val="midCat"/>
+      </c:valAx>
+      <c:valAx>
+        <c:axId val="709395231"/>
+        <c:scaling>
+          <c:orientation val="minMax"/>
+        </c:scaling>
+        <c:delete val="0"/>
+        <c:axPos val="l"/>
+        <c:majorGridlines>
+          <c:spPr>
+            <a:ln w="9525" cap="flat" cmpd="sng" algn="ctr">
+              <a:solidFill>
+                <a:schemeClr val="tx1">
+                  <a:lumMod val="15000"/>
+                  <a:lumOff val="85000"/>
+                </a:schemeClr>
+              </a:solidFill>
+              <a:round/>
+            </a:ln>
+            <a:effectLst/>
+          </c:spPr>
+        </c:majorGridlines>
+        <c:title>
+          <c:tx>
+            <c:rich>
+              <a:bodyPr rot="-5400000" spcFirstLastPara="1" vertOverflow="ellipsis" vert="horz" wrap="square" anchor="ctr" anchorCtr="1"/>
+              <a:lstStyle/>
+              <a:p>
+                <a:pPr>
+                  <a:defRPr sz="1000" b="0" i="0" u="none" strike="noStrike" kern="1200" baseline="0">
+                    <a:solidFill>
+                      <a:schemeClr val="tx1">
+                        <a:lumMod val="65000"/>
+                        <a:lumOff val="35000"/>
+                      </a:schemeClr>
+                    </a:solidFill>
+                    <a:latin typeface="+mn-lt"/>
+                    <a:ea typeface="+mn-ea"/>
+                    <a:cs typeface="+mn-cs"/>
+                  </a:defRPr>
+                </a:pPr>
+                <a:r>
+                  <a:rPr lang="en-US"/>
+                  <a:t>Clicks</a:t>
+                </a:r>
+              </a:p>
+            </c:rich>
+          </c:tx>
+          <c:overlay val="0"/>
+          <c:spPr>
+            <a:noFill/>
+            <a:ln>
+              <a:noFill/>
+            </a:ln>
+            <a:effectLst/>
+          </c:spPr>
+          <c:txPr>
+            <a:bodyPr rot="-5400000" spcFirstLastPara="1" vertOverflow="ellipsis" vert="horz" wrap="square" anchor="ctr" anchorCtr="1"/>
+            <a:lstStyle/>
+            <a:p>
+              <a:pPr>
+                <a:defRPr sz="1000" b="0" i="0" u="none" strike="noStrike" kern="1200" baseline="0">
+                  <a:solidFill>
+                    <a:schemeClr val="tx1">
+                      <a:lumMod val="65000"/>
+                      <a:lumOff val="35000"/>
+                    </a:schemeClr>
+                  </a:solidFill>
+                  <a:latin typeface="+mn-lt"/>
+                  <a:ea typeface="+mn-ea"/>
+                  <a:cs typeface="+mn-cs"/>
+                </a:defRPr>
+              </a:pPr>
+              <a:endParaRPr lang="en-US"/>
+            </a:p>
+          </c:txPr>
+        </c:title>
+        <c:numFmt formatCode="General" sourceLinked="1"/>
+        <c:majorTickMark val="none"/>
+        <c:minorTickMark val="none"/>
+        <c:tickLblPos val="nextTo"/>
+        <c:spPr>
+          <a:noFill/>
+          <a:ln w="9525" cap="flat" cmpd="sng" algn="ctr">
+            <a:solidFill>
+              <a:schemeClr val="tx1">
+                <a:lumMod val="25000"/>
+                <a:lumOff val="75000"/>
+              </a:schemeClr>
+            </a:solidFill>
+            <a:round/>
+          </a:ln>
+          <a:effectLst/>
+        </c:spPr>
+        <c:txPr>
+          <a:bodyPr rot="-60000000" spcFirstLastPara="1" vertOverflow="ellipsis" vert="horz" wrap="square" anchor="ctr" anchorCtr="1"/>
+          <a:lstStyle/>
+          <a:p>
+            <a:pPr>
+              <a:defRPr sz="900" b="0" i="0" u="none" strike="noStrike" kern="1200" baseline="0">
+                <a:solidFill>
+                  <a:schemeClr val="tx1">
+                    <a:lumMod val="65000"/>
+                    <a:lumOff val="35000"/>
+                  </a:schemeClr>
+                </a:solidFill>
+                <a:latin typeface="+mn-lt"/>
+                <a:ea typeface="+mn-ea"/>
+                <a:cs typeface="+mn-cs"/>
+              </a:defRPr>
+            </a:pPr>
+            <a:endParaRPr lang="en-US"/>
+          </a:p>
+        </c:txPr>
+        <c:crossAx val="709394815"/>
+        <c:crosses val="autoZero"/>
+        <c:crossBetween val="midCat"/>
+      </c:valAx>
+      <c:spPr>
+        <a:noFill/>
+        <a:ln>
+          <a:noFill/>
+        </a:ln>
+        <a:effectLst/>
+      </c:spPr>
+    </c:plotArea>
+    <c:plotVisOnly val="1"/>
+    <c:dispBlanksAs val="gap"/>
+    <c:extLst>
+      <c:ext xmlns:c16r3="http://schemas.microsoft.com/office/drawing/2017/03/chart" uri="{56B9EC1D-385E-4148-901F-78D8002777C0}">
+        <c16r3:dataDisplayOptions16>
+          <c16r3:dispNaAsBlank val="1"/>
+        </c16r3:dataDisplayOptions16>
+      </c:ext>
+    </c:extLst>
+    <c:showDLblsOverMax val="0"/>
+  </c:chart>
+  <c:spPr>
+    <a:noFill/>
+    <a:ln>
+      <a:noFill/>
+    </a:ln>
+    <a:effectLst/>
+  </c:spPr>
+  <c:txPr>
+    <a:bodyPr/>
+    <a:lstStyle/>
+    <a:p>
+      <a:pPr>
+        <a:defRPr/>
+      </a:pPr>
+      <a:endParaRPr lang="en-US"/>
+    </a:p>
+  </c:txPr>
+  <c:externalData r:id="rId3">
+    <c:autoUpdate val="0"/>
+  </c:externalData>
+</c:chartSpace>
+</file>
+
+<file path=ppt/charts/colors1.xml><?xml version="1.0" encoding="utf-8"?>
+<cs:colorStyle xmlns:cs="http://schemas.microsoft.com/office/drawing/2012/chartStyle" xmlns:a="http://schemas.openxmlformats.org/drawingml/2006/main" meth="cycle" id="10">
+  <a:schemeClr val="accent1"/>
+  <a:schemeClr val="accent2"/>
+  <a:schemeClr val="accent3"/>
+  <a:schemeClr val="accent4"/>
+  <a:schemeClr val="accent5"/>
+  <a:schemeClr val="accent6"/>
+  <cs:variation/>
+  <cs:variation>
+    <a:lumMod val="60000"/>
+  </cs:variation>
+  <cs:variation>
+    <a:lumMod val="80000"/>
+    <a:lumOff val="20000"/>
+  </cs:variation>
+  <cs:variation>
+    <a:lumMod val="80000"/>
+  </cs:variation>
+  <cs:variation>
+    <a:lumMod val="60000"/>
+    <a:lumOff val="40000"/>
+  </cs:variation>
+  <cs:variation>
+    <a:lumMod val="50000"/>
+  </cs:variation>
+  <cs:variation>
+    <a:lumMod val="70000"/>
+    <a:lumOff val="30000"/>
+  </cs:variation>
+  <cs:variation>
+    <a:lumMod val="70000"/>
+  </cs:variation>
+  <cs:variation>
+    <a:lumMod val="50000"/>
+    <a:lumOff val="50000"/>
+  </cs:variation>
+</cs:colorStyle>
+</file>
+
+<file path=ppt/charts/colors2.xml><?xml version="1.0" encoding="utf-8"?>
+<cs:colorStyle xmlns:cs="http://schemas.microsoft.com/office/drawing/2012/chartStyle" xmlns:a="http://schemas.openxmlformats.org/drawingml/2006/main" meth="cycle" id="10">
+  <a:schemeClr val="accent1"/>
+  <a:schemeClr val="accent2"/>
+  <a:schemeClr val="accent3"/>
+  <a:schemeClr val="accent4"/>
+  <a:schemeClr val="accent5"/>
+  <a:schemeClr val="accent6"/>
+  <cs:variation/>
+  <cs:variation>
+    <a:lumMod val="60000"/>
+  </cs:variation>
+  <cs:variation>
+    <a:lumMod val="80000"/>
+    <a:lumOff val="20000"/>
+  </cs:variation>
+  <cs:variation>
+    <a:lumMod val="80000"/>
+  </cs:variation>
+  <cs:variation>
+    <a:lumMod val="60000"/>
+    <a:lumOff val="40000"/>
+  </cs:variation>
+  <cs:variation>
+    <a:lumMod val="50000"/>
+  </cs:variation>
+  <cs:variation>
+    <a:lumMod val="70000"/>
+    <a:lumOff val="30000"/>
+  </cs:variation>
+  <cs:variation>
+    <a:lumMod val="70000"/>
+  </cs:variation>
+  <cs:variation>
+    <a:lumMod val="50000"/>
+    <a:lumOff val="50000"/>
+  </cs:variation>
+</cs:colorStyle>
+</file>
+
+<file path=ppt/charts/style1.xml><?xml version="1.0" encoding="utf-8"?>
+<cs:chartStyle xmlns:cs="http://schemas.microsoft.com/office/drawing/2012/chartStyle" xmlns:a="http://schemas.openxmlformats.org/drawingml/2006/main" id="240">
+  <cs:axisTitle>
+    <cs:lnRef idx="0"/>
+    <cs:fillRef idx="0"/>
+    <cs:effectRef idx="0"/>
+    <cs:fontRef idx="minor">
+      <a:schemeClr val="tx1">
+        <a:lumMod val="65000"/>
+        <a:lumOff val="35000"/>
+      </a:schemeClr>
+    </cs:fontRef>
+    <cs:defRPr sz="1000" kern="1200"/>
+  </cs:axisTitle>
+  <cs:categoryAxis>
+    <cs:lnRef idx="0"/>
+    <cs:fillRef idx="0"/>
+    <cs:effectRef idx="0"/>
+    <cs:fontRef idx="minor">
+      <a:schemeClr val="tx1">
+        <a:lumMod val="65000"/>
+        <a:lumOff val="35000"/>
+      </a:schemeClr>
+    </cs:fontRef>
+    <cs:spPr>
+      <a:ln w="9525" cap="flat" cmpd="sng" algn="ctr">
+        <a:solidFill>
+          <a:schemeClr val="tx1">
+            <a:lumMod val="25000"/>
+            <a:lumOff val="75000"/>
+          </a:schemeClr>
+        </a:solidFill>
+        <a:round/>
+      </a:ln>
+    </cs:spPr>
+    <cs:defRPr sz="900" kern="1200"/>
+  </cs:categoryAxis>
+  <cs:chartArea mods="allowNoFillOverride allowNoLineOverride">
+    <cs:lnRef idx="0"/>
+    <cs:fillRef idx="0"/>
+    <cs:effectRef idx="0"/>
+    <cs:fontRef idx="minor">
+      <a:schemeClr val="tx1"/>
+    </cs:fontRef>
+    <cs:spPr>
+      <a:solidFill>
+        <a:schemeClr val="bg1"/>
+      </a:solidFill>
+      <a:ln w="9525" cap="flat" cmpd="sng" algn="ctr">
+        <a:solidFill>
+          <a:schemeClr val="tx1">
+            <a:lumMod val="15000"/>
+            <a:lumOff val="85000"/>
+          </a:schemeClr>
+        </a:solidFill>
+        <a:round/>
+      </a:ln>
+    </cs:spPr>
+    <cs:defRPr sz="1000" kern="1200"/>
+  </cs:chartArea>
+  <cs:dataLabel>
+    <cs:lnRef idx="0"/>
+    <cs:fillRef idx="0"/>
+    <cs:effectRef idx="0"/>
+    <cs:fontRef idx="minor">
+      <a:schemeClr val="tx1">
+        <a:lumMod val="75000"/>
+        <a:lumOff val="25000"/>
+      </a:schemeClr>
+    </cs:fontRef>
+    <cs:defRPr sz="900" kern="1200"/>
+  </cs:dataLabel>
+  <cs:dataLabelCallout>
+    <cs:lnRef idx="0"/>
+    <cs:fillRef idx="0"/>
+    <cs:effectRef idx="0"/>
+    <cs:fontRef idx="minor">
+      <a:schemeClr val="dk1">
+        <a:lumMod val="65000"/>
+        <a:lumOff val="35000"/>
+      </a:schemeClr>
+    </cs:fontRef>
+    <cs:spPr>
+      <a:solidFill>
+        <a:schemeClr val="lt1"/>
+      </a:solidFill>
+      <a:ln>
+        <a:solidFill>
+          <a:schemeClr val="dk1">
+            <a:lumMod val="25000"/>
+            <a:lumOff val="75000"/>
+          </a:schemeClr>
+        </a:solidFill>
+      </a:ln>
+    </cs:spPr>
+    <cs:defRPr sz="900" kern="1200"/>
+    <cs:bodyPr rot="0" spcFirstLastPara="1" vertOverflow="clip" horzOverflow="clip" vert="horz" wrap="square" lIns="36576" tIns="18288" rIns="36576" bIns="18288" anchor="ctr" anchorCtr="1">
+      <a:spAutoFit/>
+    </cs:bodyPr>
+  </cs:dataLabelCallout>
+  <cs:dataPoint>
+    <cs:lnRef idx="0"/>
+    <cs:fillRef idx="1">
+      <cs:styleClr val="auto"/>
+    </cs:fillRef>
+    <cs:effectRef idx="0"/>
+    <cs:fontRef idx="minor">
+      <a:schemeClr val="tx1"/>
+    </cs:fontRef>
+  </cs:dataPoint>
+  <cs:dataPoint3D>
+    <cs:lnRef idx="0"/>
+    <cs:fillRef idx="1">
+      <cs:styleClr val="auto"/>
+    </cs:fillRef>
+    <cs:effectRef idx="0"/>
+    <cs:fontRef idx="minor">
+      <a:schemeClr val="tx1"/>
+    </cs:fontRef>
+  </cs:dataPoint3D>
+  <cs:dataPointLine>
+    <cs:lnRef idx="0">
+      <cs:styleClr val="auto"/>
+    </cs:lnRef>
+    <cs:fillRef idx="1"/>
+    <cs:effectRef idx="0"/>
+    <cs:fontRef idx="minor">
+      <a:schemeClr val="tx1"/>
+    </cs:fontRef>
+    <cs:spPr>
+      <a:ln w="19050" cap="rnd">
+        <a:solidFill>
+          <a:schemeClr val="phClr"/>
+        </a:solidFill>
+        <a:round/>
+      </a:ln>
+    </cs:spPr>
+  </cs:dataPointLine>
+  <cs:dataPointMarker>
+    <cs:lnRef idx="0">
+      <cs:styleClr val="auto"/>
+    </cs:lnRef>
+    <cs:fillRef idx="1">
+      <cs:styleClr val="auto"/>
+    </cs:fillRef>
+    <cs:effectRef idx="0"/>
+    <cs:fontRef idx="minor">
+      <a:schemeClr val="tx1"/>
+    </cs:fontRef>
+    <cs:spPr>
+      <a:ln w="9525">
+        <a:solidFill>
+          <a:schemeClr val="phClr"/>
+        </a:solidFill>
+      </a:ln>
+    </cs:spPr>
+  </cs:dataPointMarker>
+  <cs:dataPointMarkerLayout symbol="circle" size="5"/>
+  <cs:dataPointWireframe>
+    <cs:lnRef idx="0">
+      <cs:styleClr val="auto"/>
+    </cs:lnRef>
+    <cs:fillRef idx="0"/>
+    <cs:effectRef idx="0"/>
+    <cs:fontRef idx="minor">
+      <a:schemeClr val="dk1"/>
+    </cs:fontRef>
+    <cs:spPr>
+      <a:ln w="9525" cap="rnd">
+        <a:solidFill>
+          <a:schemeClr val="phClr"/>
+        </a:solidFill>
+        <a:round/>
+      </a:ln>
+    </cs:spPr>
+  </cs:dataPointWireframe>
+  <cs:dataTable>
+    <cs:lnRef idx="0"/>
+    <cs:fillRef idx="0"/>
+    <cs:effectRef idx="0"/>
+    <cs:fontRef idx="minor">
+      <a:schemeClr val="tx1">
+        <a:lumMod val="65000"/>
+        <a:lumOff val="35000"/>
+      </a:schemeClr>
+    </cs:fontRef>
+    <cs:spPr>
+      <a:noFill/>
+      <a:ln w="9525" cap="flat" cmpd="sng" algn="ctr">
+        <a:solidFill>
+          <a:schemeClr val="tx1">
+            <a:lumMod val="15000"/>
+            <a:lumOff val="85000"/>
+          </a:schemeClr>
+        </a:solidFill>
+        <a:round/>
+      </a:ln>
+    </cs:spPr>
+    <cs:defRPr sz="900" kern="1200"/>
+  </cs:dataTable>
+  <cs:downBar>
+    <cs:lnRef idx="0"/>
+    <cs:fillRef idx="0"/>
+    <cs:effectRef idx="0"/>
+    <cs:fontRef idx="minor">
+      <a:schemeClr val="tx1"/>
+    </cs:fontRef>
+    <cs:spPr>
+      <a:solidFill>
+        <a:schemeClr val="dk1">
+          <a:lumMod val="75000"/>
+          <a:lumOff val="25000"/>
+        </a:schemeClr>
+      </a:solidFill>
+      <a:ln w="9525" cap="flat" cmpd="sng" algn="ctr">
+        <a:solidFill>
+          <a:schemeClr val="tx1">
+            <a:lumMod val="65000"/>
+            <a:lumOff val="35000"/>
+          </a:schemeClr>
+        </a:solidFill>
+        <a:round/>
+      </a:ln>
+    </cs:spPr>
+  </cs:downBar>
+  <cs:dropLine>
+    <cs:lnRef idx="0"/>
+    <cs:fillRef idx="0"/>
+    <cs:effectRef idx="0"/>
+    <cs:fontRef idx="minor">
+      <a:schemeClr val="tx1"/>
+    </cs:fontRef>
+    <cs:spPr>
+      <a:ln w="9525" cap="flat" cmpd="sng" algn="ctr">
+        <a:solidFill>
+          <a:schemeClr val="tx1">
+            <a:lumMod val="35000"/>
+            <a:lumOff val="65000"/>
+          </a:schemeClr>
+        </a:solidFill>
+        <a:round/>
+      </a:ln>
+    </cs:spPr>
+  </cs:dropLine>
+  <cs:errorBar>
+    <cs:lnRef idx="0"/>
+    <cs:fillRef idx="0"/>
+    <cs:effectRef idx="0"/>
+    <cs:fontRef idx="minor">
+      <a:schemeClr val="tx1"/>
+    </cs:fontRef>
+    <cs:spPr>
+      <a:ln w="9525" cap="flat" cmpd="sng" algn="ctr">
+        <a:solidFill>
+          <a:schemeClr val="tx1">
+            <a:lumMod val="65000"/>
+            <a:lumOff val="35000"/>
+          </a:schemeClr>
+        </a:solidFill>
+        <a:round/>
+      </a:ln>
+    </cs:spPr>
+  </cs:errorBar>
+  <cs:floor>
+    <cs:lnRef idx="0"/>
+    <cs:fillRef idx="0"/>
+    <cs:effectRef idx="0"/>
+    <cs:fontRef idx="minor">
+      <a:schemeClr val="tx1"/>
+    </cs:fontRef>
+    <cs:spPr>
+      <a:noFill/>
+      <a:ln>
+        <a:noFill/>
+      </a:ln>
+    </cs:spPr>
+  </cs:floor>
+  <cs:gridlineMajor>
+    <cs:lnRef idx="0"/>
+    <cs:fillRef idx="0"/>
+    <cs:effectRef idx="0"/>
+    <cs:fontRef idx="minor">
+      <a:schemeClr val="tx1"/>
+    </cs:fontRef>
+    <cs:spPr>
+      <a:ln w="9525" cap="flat" cmpd="sng" algn="ctr">
+        <a:solidFill>
+          <a:schemeClr val="tx1">
+            <a:lumMod val="15000"/>
+            <a:lumOff val="85000"/>
+          </a:schemeClr>
+        </a:solidFill>
+        <a:round/>
+      </a:ln>
+    </cs:spPr>
+  </cs:gridlineMajor>
+  <cs:gridlineMinor>
+    <cs:lnRef idx="0"/>
+    <cs:fillRef idx="0"/>
+    <cs:effectRef idx="0"/>
+    <cs:fontRef idx="minor">
+      <a:schemeClr val="tx1"/>
+    </cs:fontRef>
+    <cs:spPr>
+      <a:ln w="9525" cap="flat" cmpd="sng" algn="ctr">
+        <a:solidFill>
+          <a:schemeClr val="tx1">
+            <a:lumMod val="5000"/>
+            <a:lumOff val="95000"/>
+          </a:schemeClr>
+        </a:solidFill>
+        <a:round/>
+      </a:ln>
+    </cs:spPr>
+  </cs:gridlineMinor>
+  <cs:hiLoLine>
+    <cs:lnRef idx="0"/>
+    <cs:fillRef idx="0"/>
+    <cs:effectRef idx="0"/>
+    <cs:fontRef idx="minor">
+      <a:schemeClr val="tx1"/>
+    </cs:fontRef>
+    <cs:spPr>
+      <a:ln w="9525" cap="flat" cmpd="sng" algn="ctr">
+        <a:solidFill>
+          <a:schemeClr val="tx1">
+            <a:lumMod val="50000"/>
+            <a:lumOff val="50000"/>
+          </a:schemeClr>
+        </a:solidFill>
+        <a:round/>
+      </a:ln>
+    </cs:spPr>
+  </cs:hiLoLine>
+  <cs:leaderLine>
+    <cs:lnRef idx="0"/>
+    <cs:fillRef idx="0"/>
+    <cs:effectRef idx="0"/>
+    <cs:fontRef idx="minor">
+      <a:schemeClr val="tx1"/>
+    </cs:fontRef>
+    <cs:spPr>
+      <a:ln w="9525" cap="flat" cmpd="sng" algn="ctr">
+        <a:solidFill>
+          <a:schemeClr val="tx1">
+            <a:lumMod val="35000"/>
+            <a:lumOff val="65000"/>
+          </a:schemeClr>
+        </a:solidFill>
+        <a:round/>
+      </a:ln>
+    </cs:spPr>
+  </cs:leaderLine>
+  <cs:legend>
+    <cs:lnRef idx="0"/>
+    <cs:fillRef idx="0"/>
+    <cs:effectRef idx="0"/>
+    <cs:fontRef idx="minor">
+      <a:schemeClr val="tx1">
+        <a:lumMod val="65000"/>
+        <a:lumOff val="35000"/>
+      </a:schemeClr>
+    </cs:fontRef>
+    <cs:defRPr sz="900" kern="1200"/>
+  </cs:legend>
+  <cs:plotArea mods="allowNoFillOverride allowNoLineOverride">
+    <cs:lnRef idx="0"/>
+    <cs:fillRef idx="0"/>
+    <cs:effectRef idx="0"/>
+    <cs:fontRef idx="minor">
+      <a:schemeClr val="tx1"/>
+    </cs:fontRef>
+  </cs:plotArea>
+  <cs:plotArea3D mods="allowNoFillOverride allowNoLineOverride">
+    <cs:lnRef idx="0"/>
+    <cs:fillRef idx="0"/>
+    <cs:effectRef idx="0"/>
+    <cs:fontRef idx="minor">
+      <a:schemeClr val="tx1"/>
+    </cs:fontRef>
+  </cs:plotArea3D>
+  <cs:seriesAxis>
+    <cs:lnRef idx="0"/>
+    <cs:fillRef idx="0"/>
+    <cs:effectRef idx="0"/>
+    <cs:fontRef idx="minor">
+      <a:schemeClr val="tx1">
+        <a:lumMod val="65000"/>
+        <a:lumOff val="35000"/>
+      </a:schemeClr>
+    </cs:fontRef>
+    <cs:defRPr sz="900" kern="1200"/>
+  </cs:seriesAxis>
+  <cs:seriesLine>
+    <cs:lnRef idx="0"/>
+    <cs:fillRef idx="0"/>
+    <cs:effectRef idx="0"/>
+    <cs:fontRef idx="minor">
+      <a:schemeClr val="tx1"/>
+    </cs:fontRef>
+    <cs:spPr>
+      <a:ln w="9525" cap="flat" cmpd="sng" algn="ctr">
+        <a:solidFill>
+          <a:schemeClr val="tx1">
+            <a:lumMod val="35000"/>
+            <a:lumOff val="65000"/>
+          </a:schemeClr>
+        </a:solidFill>
+        <a:round/>
+      </a:ln>
+    </cs:spPr>
+  </cs:seriesLine>
+  <cs:title>
+    <cs:lnRef idx="0"/>
+    <cs:fillRef idx="0"/>
+    <cs:effectRef idx="0"/>
+    <cs:fontRef idx="minor">
+      <a:schemeClr val="tx1">
+        <a:lumMod val="65000"/>
+        <a:lumOff val="35000"/>
+      </a:schemeClr>
+    </cs:fontRef>
+    <cs:defRPr sz="1400" b="0" kern="1200" spc="0" baseline="0"/>
+  </cs:title>
+  <cs:trendline>
+    <cs:lnRef idx="0">
+      <cs:styleClr val="auto"/>
+    </cs:lnRef>
+    <cs:fillRef idx="0"/>
+    <cs:effectRef idx="0"/>
+    <cs:fontRef idx="minor">
+      <a:schemeClr val="tx1"/>
+    </cs:fontRef>
+    <cs:spPr>
+      <a:ln w="19050" cap="rnd">
+        <a:solidFill>
+          <a:schemeClr val="phClr"/>
+        </a:solidFill>
+        <a:prstDash val="sysDot"/>
+      </a:ln>
+    </cs:spPr>
+  </cs:trendline>
+  <cs:trendlineLabel>
+    <cs:lnRef idx="0"/>
+    <cs:fillRef idx="0"/>
+    <cs:effectRef idx="0"/>
+    <cs:fontRef idx="minor">
+      <a:schemeClr val="tx1">
+        <a:lumMod val="65000"/>
+        <a:lumOff val="35000"/>
+      </a:schemeClr>
+    </cs:fontRef>
+    <cs:defRPr sz="900" kern="1200"/>
+  </cs:trendlineLabel>
+  <cs:upBar>
+    <cs:lnRef idx="0"/>
+    <cs:fillRef idx="0"/>
+    <cs:effectRef idx="0"/>
+    <cs:fontRef idx="minor">
+      <a:schemeClr val="tx1"/>
+    </cs:fontRef>
+    <cs:spPr>
+      <a:solidFill>
+        <a:schemeClr val="lt1"/>
+      </a:solidFill>
+      <a:ln w="9525" cap="flat" cmpd="sng" algn="ctr">
+        <a:solidFill>
+          <a:schemeClr val="tx1">
+            <a:lumMod val="65000"/>
+            <a:lumOff val="35000"/>
+          </a:schemeClr>
+        </a:solidFill>
+        <a:round/>
+      </a:ln>
+    </cs:spPr>
+  </cs:upBar>
+  <cs:valueAxis>
+    <cs:lnRef idx="0"/>
+    <cs:fillRef idx="0"/>
+    <cs:effectRef idx="0"/>
+    <cs:fontRef idx="minor">
+      <a:schemeClr val="tx1">
+        <a:lumMod val="65000"/>
+        <a:lumOff val="35000"/>
+      </a:schemeClr>
+    </cs:fontRef>
+    <cs:spPr>
+      <a:ln w="9525" cap="flat" cmpd="sng" algn="ctr">
+        <a:solidFill>
+          <a:schemeClr val="tx1">
+            <a:lumMod val="25000"/>
+            <a:lumOff val="75000"/>
+          </a:schemeClr>
+        </a:solidFill>
+        <a:round/>
+      </a:ln>
+    </cs:spPr>
+    <cs:defRPr sz="900" kern="1200"/>
+  </cs:valueAxis>
+  <cs:wall>
+    <cs:lnRef idx="0"/>
+    <cs:fillRef idx="0"/>
+    <cs:effectRef idx="0"/>
+    <cs:fontRef idx="minor">
+      <a:schemeClr val="tx1"/>
+    </cs:fontRef>
+    <cs:spPr>
+      <a:noFill/>
+      <a:ln>
+        <a:noFill/>
+      </a:ln>
+    </cs:spPr>
+  </cs:wall>
+</cs:chartStyle>
+</file>
+
+<file path=ppt/charts/style2.xml><?xml version="1.0" encoding="utf-8"?>
+<cs:chartStyle xmlns:cs="http://schemas.microsoft.com/office/drawing/2012/chartStyle" xmlns:a="http://schemas.openxmlformats.org/drawingml/2006/main" id="240">
+  <cs:axisTitle>
+    <cs:lnRef idx="0"/>
+    <cs:fillRef idx="0"/>
+    <cs:effectRef idx="0"/>
+    <cs:fontRef idx="minor">
+      <a:schemeClr val="tx1">
+        <a:lumMod val="65000"/>
+        <a:lumOff val="35000"/>
+      </a:schemeClr>
+    </cs:fontRef>
+    <cs:defRPr sz="1000" kern="1200"/>
+  </cs:axisTitle>
+  <cs:categoryAxis>
+    <cs:lnRef idx="0"/>
+    <cs:fillRef idx="0"/>
+    <cs:effectRef idx="0"/>
+    <cs:fontRef idx="minor">
+      <a:schemeClr val="tx1">
+        <a:lumMod val="65000"/>
+        <a:lumOff val="35000"/>
+      </a:schemeClr>
+    </cs:fontRef>
+    <cs:spPr>
+      <a:ln w="9525" cap="flat" cmpd="sng" algn="ctr">
+        <a:solidFill>
+          <a:schemeClr val="tx1">
+            <a:lumMod val="25000"/>
+            <a:lumOff val="75000"/>
+          </a:schemeClr>
+        </a:solidFill>
+        <a:round/>
+      </a:ln>
+    </cs:spPr>
+    <cs:defRPr sz="900" kern="1200"/>
+  </cs:categoryAxis>
+  <cs:chartArea mods="allowNoFillOverride allowNoLineOverride">
+    <cs:lnRef idx="0"/>
+    <cs:fillRef idx="0"/>
+    <cs:effectRef idx="0"/>
+    <cs:fontRef idx="minor">
+      <a:schemeClr val="tx1"/>
+    </cs:fontRef>
+    <cs:spPr>
+      <a:solidFill>
+        <a:schemeClr val="bg1"/>
+      </a:solidFill>
+      <a:ln w="9525" cap="flat" cmpd="sng" algn="ctr">
+        <a:solidFill>
+          <a:schemeClr val="tx1">
+            <a:lumMod val="15000"/>
+            <a:lumOff val="85000"/>
+          </a:schemeClr>
+        </a:solidFill>
+        <a:round/>
+      </a:ln>
+    </cs:spPr>
+    <cs:defRPr sz="1000" kern="1200"/>
+  </cs:chartArea>
+  <cs:dataLabel>
+    <cs:lnRef idx="0"/>
+    <cs:fillRef idx="0"/>
+    <cs:effectRef idx="0"/>
+    <cs:fontRef idx="minor">
+      <a:schemeClr val="tx1">
+        <a:lumMod val="75000"/>
+        <a:lumOff val="25000"/>
+      </a:schemeClr>
+    </cs:fontRef>
+    <cs:defRPr sz="900" kern="1200"/>
+  </cs:dataLabel>
+  <cs:dataLabelCallout>
+    <cs:lnRef idx="0"/>
+    <cs:fillRef idx="0"/>
+    <cs:effectRef idx="0"/>
+    <cs:fontRef idx="minor">
+      <a:schemeClr val="dk1">
+        <a:lumMod val="65000"/>
+        <a:lumOff val="35000"/>
+      </a:schemeClr>
+    </cs:fontRef>
+    <cs:spPr>
+      <a:solidFill>
+        <a:schemeClr val="lt1"/>
+      </a:solidFill>
+      <a:ln>
+        <a:solidFill>
+          <a:schemeClr val="dk1">
+            <a:lumMod val="25000"/>
+            <a:lumOff val="75000"/>
+          </a:schemeClr>
+        </a:solidFill>
+      </a:ln>
+    </cs:spPr>
+    <cs:defRPr sz="900" kern="1200"/>
+    <cs:bodyPr rot="0" spcFirstLastPara="1" vertOverflow="clip" horzOverflow="clip" vert="horz" wrap="square" lIns="36576" tIns="18288" rIns="36576" bIns="18288" anchor="ctr" anchorCtr="1">
+      <a:spAutoFit/>
+    </cs:bodyPr>
+  </cs:dataLabelCallout>
+  <cs:dataPoint>
+    <cs:lnRef idx="0"/>
+    <cs:fillRef idx="1">
+      <cs:styleClr val="auto"/>
+    </cs:fillRef>
+    <cs:effectRef idx="0"/>
+    <cs:fontRef idx="minor">
+      <a:schemeClr val="tx1"/>
+    </cs:fontRef>
+  </cs:dataPoint>
+  <cs:dataPoint3D>
+    <cs:lnRef idx="0"/>
+    <cs:fillRef idx="1">
+      <cs:styleClr val="auto"/>
+    </cs:fillRef>
+    <cs:effectRef idx="0"/>
+    <cs:fontRef idx="minor">
+      <a:schemeClr val="tx1"/>
+    </cs:fontRef>
+  </cs:dataPoint3D>
+  <cs:dataPointLine>
+    <cs:lnRef idx="0">
+      <cs:styleClr val="auto"/>
+    </cs:lnRef>
+    <cs:fillRef idx="1"/>
+    <cs:effectRef idx="0"/>
+    <cs:fontRef idx="minor">
+      <a:schemeClr val="tx1"/>
+    </cs:fontRef>
+    <cs:spPr>
+      <a:ln w="19050" cap="rnd">
+        <a:solidFill>
+          <a:schemeClr val="phClr"/>
+        </a:solidFill>
+        <a:round/>
+      </a:ln>
+    </cs:spPr>
+  </cs:dataPointLine>
+  <cs:dataPointMarker>
+    <cs:lnRef idx="0">
+      <cs:styleClr val="auto"/>
+    </cs:lnRef>
+    <cs:fillRef idx="1">
+      <cs:styleClr val="auto"/>
+    </cs:fillRef>
+    <cs:effectRef idx="0"/>
+    <cs:fontRef idx="minor">
+      <a:schemeClr val="tx1"/>
+    </cs:fontRef>
+    <cs:spPr>
+      <a:ln w="9525">
+        <a:solidFill>
+          <a:schemeClr val="phClr"/>
+        </a:solidFill>
+      </a:ln>
+    </cs:spPr>
+  </cs:dataPointMarker>
+  <cs:dataPointMarkerLayout symbol="circle" size="5"/>
+  <cs:dataPointWireframe>
+    <cs:lnRef idx="0">
+      <cs:styleClr val="auto"/>
+    </cs:lnRef>
+    <cs:fillRef idx="0"/>
+    <cs:effectRef idx="0"/>
+    <cs:fontRef idx="minor">
+      <a:schemeClr val="dk1"/>
+    </cs:fontRef>
+    <cs:spPr>
+      <a:ln w="9525" cap="rnd">
+        <a:solidFill>
+          <a:schemeClr val="phClr"/>
+        </a:solidFill>
+        <a:round/>
+      </a:ln>
+    </cs:spPr>
+  </cs:dataPointWireframe>
+  <cs:dataTable>
+    <cs:lnRef idx="0"/>
+    <cs:fillRef idx="0"/>
+    <cs:effectRef idx="0"/>
+    <cs:fontRef idx="minor">
+      <a:schemeClr val="tx1">
+        <a:lumMod val="65000"/>
+        <a:lumOff val="35000"/>
+      </a:schemeClr>
+    </cs:fontRef>
+    <cs:spPr>
+      <a:noFill/>
+      <a:ln w="9525" cap="flat" cmpd="sng" algn="ctr">
+        <a:solidFill>
+          <a:schemeClr val="tx1">
+            <a:lumMod val="15000"/>
+            <a:lumOff val="85000"/>
+          </a:schemeClr>
+        </a:solidFill>
+        <a:round/>
+      </a:ln>
+    </cs:spPr>
+    <cs:defRPr sz="900" kern="1200"/>
+  </cs:dataTable>
+  <cs:downBar>
+    <cs:lnRef idx="0"/>
+    <cs:fillRef idx="0"/>
+    <cs:effectRef idx="0"/>
+    <cs:fontRef idx="minor">
+      <a:schemeClr val="tx1"/>
+    </cs:fontRef>
+    <cs:spPr>
+      <a:solidFill>
+        <a:schemeClr val="dk1">
+          <a:lumMod val="75000"/>
+          <a:lumOff val="25000"/>
+        </a:schemeClr>
+      </a:solidFill>
+      <a:ln w="9525" cap="flat" cmpd="sng" algn="ctr">
+        <a:solidFill>
+          <a:schemeClr val="tx1">
+            <a:lumMod val="65000"/>
+            <a:lumOff val="35000"/>
+          </a:schemeClr>
+        </a:solidFill>
+        <a:round/>
+      </a:ln>
+    </cs:spPr>
+  </cs:downBar>
+  <cs:dropLine>
+    <cs:lnRef idx="0"/>
+    <cs:fillRef idx="0"/>
+    <cs:effectRef idx="0"/>
+    <cs:fontRef idx="minor">
+      <a:schemeClr val="tx1"/>
+    </cs:fontRef>
+    <cs:spPr>
+      <a:ln w="9525" cap="flat" cmpd="sng" algn="ctr">
+        <a:solidFill>
+          <a:schemeClr val="tx1">
+            <a:lumMod val="35000"/>
+            <a:lumOff val="65000"/>
+          </a:schemeClr>
+        </a:solidFill>
+        <a:round/>
+      </a:ln>
+    </cs:spPr>
+  </cs:dropLine>
+  <cs:errorBar>
+    <cs:lnRef idx="0"/>
+    <cs:fillRef idx="0"/>
+    <cs:effectRef idx="0"/>
+    <cs:fontRef idx="minor">
+      <a:schemeClr val="tx1"/>
+    </cs:fontRef>
+    <cs:spPr>
+      <a:ln w="9525" cap="flat" cmpd="sng" algn="ctr">
+        <a:solidFill>
+          <a:schemeClr val="tx1">
+            <a:lumMod val="65000"/>
+            <a:lumOff val="35000"/>
+          </a:schemeClr>
+        </a:solidFill>
+        <a:round/>
+      </a:ln>
+    </cs:spPr>
+  </cs:errorBar>
+  <cs:floor>
+    <cs:lnRef idx="0"/>
+    <cs:fillRef idx="0"/>
+    <cs:effectRef idx="0"/>
+    <cs:fontRef idx="minor">
+      <a:schemeClr val="tx1"/>
+    </cs:fontRef>
+    <cs:spPr>
+      <a:noFill/>
+      <a:ln>
+        <a:noFill/>
+      </a:ln>
+    </cs:spPr>
+  </cs:floor>
+  <cs:gridlineMajor>
+    <cs:lnRef idx="0"/>
+    <cs:fillRef idx="0"/>
+    <cs:effectRef idx="0"/>
+    <cs:fontRef idx="minor">
+      <a:schemeClr val="tx1"/>
+    </cs:fontRef>
+    <cs:spPr>
+      <a:ln w="9525" cap="flat" cmpd="sng" algn="ctr">
+        <a:solidFill>
+          <a:schemeClr val="tx1">
+            <a:lumMod val="15000"/>
+            <a:lumOff val="85000"/>
+          </a:schemeClr>
+        </a:solidFill>
+        <a:round/>
+      </a:ln>
+    </cs:spPr>
+  </cs:gridlineMajor>
+  <cs:gridlineMinor>
+    <cs:lnRef idx="0"/>
+    <cs:fillRef idx="0"/>
+    <cs:effectRef idx="0"/>
+    <cs:fontRef idx="minor">
+      <a:schemeClr val="tx1"/>
+    </cs:fontRef>
+    <cs:spPr>
+      <a:ln w="9525" cap="flat" cmpd="sng" algn="ctr">
+        <a:solidFill>
+          <a:schemeClr val="tx1">
+            <a:lumMod val="5000"/>
+            <a:lumOff val="95000"/>
+          </a:schemeClr>
+        </a:solidFill>
+        <a:round/>
+      </a:ln>
+    </cs:spPr>
+  </cs:gridlineMinor>
+  <cs:hiLoLine>
+    <cs:lnRef idx="0"/>
+    <cs:fillRef idx="0"/>
+    <cs:effectRef idx="0"/>
+    <cs:fontRef idx="minor">
+      <a:schemeClr val="tx1"/>
+    </cs:fontRef>
+    <cs:spPr>
+      <a:ln w="9525" cap="flat" cmpd="sng" algn="ctr">
+        <a:solidFill>
+          <a:schemeClr val="tx1">
+            <a:lumMod val="50000"/>
+            <a:lumOff val="50000"/>
+          </a:schemeClr>
+        </a:solidFill>
+        <a:round/>
+      </a:ln>
+    </cs:spPr>
+  </cs:hiLoLine>
+  <cs:leaderLine>
+    <cs:lnRef idx="0"/>
+    <cs:fillRef idx="0"/>
+    <cs:effectRef idx="0"/>
+    <cs:fontRef idx="minor">
+      <a:schemeClr val="tx1"/>
+    </cs:fontRef>
+    <cs:spPr>
+      <a:ln w="9525" cap="flat" cmpd="sng" algn="ctr">
+        <a:solidFill>
+          <a:schemeClr val="tx1">
+            <a:lumMod val="35000"/>
+            <a:lumOff val="65000"/>
+          </a:schemeClr>
+        </a:solidFill>
+        <a:round/>
+      </a:ln>
+    </cs:spPr>
+  </cs:leaderLine>
+  <cs:legend>
+    <cs:lnRef idx="0"/>
+    <cs:fillRef idx="0"/>
+    <cs:effectRef idx="0"/>
+    <cs:fontRef idx="minor">
+      <a:schemeClr val="tx1">
+        <a:lumMod val="65000"/>
+        <a:lumOff val="35000"/>
+      </a:schemeClr>
+    </cs:fontRef>
+    <cs:defRPr sz="900" kern="1200"/>
+  </cs:legend>
+  <cs:plotArea mods="allowNoFillOverride allowNoLineOverride">
+    <cs:lnRef idx="0"/>
+    <cs:fillRef idx="0"/>
+    <cs:effectRef idx="0"/>
+    <cs:fontRef idx="minor">
+      <a:schemeClr val="tx1"/>
+    </cs:fontRef>
+  </cs:plotArea>
+  <cs:plotArea3D mods="allowNoFillOverride allowNoLineOverride">
+    <cs:lnRef idx="0"/>
+    <cs:fillRef idx="0"/>
+    <cs:effectRef idx="0"/>
+    <cs:fontRef idx="minor">
+      <a:schemeClr val="tx1"/>
+    </cs:fontRef>
+  </cs:plotArea3D>
+  <cs:seriesAxis>
+    <cs:lnRef idx="0"/>
+    <cs:fillRef idx="0"/>
+    <cs:effectRef idx="0"/>
+    <cs:fontRef idx="minor">
+      <a:schemeClr val="tx1">
+        <a:lumMod val="65000"/>
+        <a:lumOff val="35000"/>
+      </a:schemeClr>
+    </cs:fontRef>
+    <cs:defRPr sz="900" kern="1200"/>
+  </cs:seriesAxis>
+  <cs:seriesLine>
+    <cs:lnRef idx="0"/>
+    <cs:fillRef idx="0"/>
+    <cs:effectRef idx="0"/>
+    <cs:fontRef idx="minor">
+      <a:schemeClr val="tx1"/>
+    </cs:fontRef>
+    <cs:spPr>
+      <a:ln w="9525" cap="flat" cmpd="sng" algn="ctr">
+        <a:solidFill>
+          <a:schemeClr val="tx1">
+            <a:lumMod val="35000"/>
+            <a:lumOff val="65000"/>
+          </a:schemeClr>
+        </a:solidFill>
+        <a:round/>
+      </a:ln>
+    </cs:spPr>
+  </cs:seriesLine>
+  <cs:title>
+    <cs:lnRef idx="0"/>
+    <cs:fillRef idx="0"/>
+    <cs:effectRef idx="0"/>
+    <cs:fontRef idx="minor">
+      <a:schemeClr val="tx1">
+        <a:lumMod val="65000"/>
+        <a:lumOff val="35000"/>
+      </a:schemeClr>
+    </cs:fontRef>
+    <cs:defRPr sz="1400" b="0" kern="1200" spc="0" baseline="0"/>
+  </cs:title>
+  <cs:trendline>
+    <cs:lnRef idx="0">
+      <cs:styleClr val="auto"/>
+    </cs:lnRef>
+    <cs:fillRef idx="0"/>
+    <cs:effectRef idx="0"/>
+    <cs:fontRef idx="minor">
+      <a:schemeClr val="tx1"/>
+    </cs:fontRef>
+    <cs:spPr>
+      <a:ln w="19050" cap="rnd">
+        <a:solidFill>
+          <a:schemeClr val="phClr"/>
+        </a:solidFill>
+        <a:prstDash val="sysDot"/>
+      </a:ln>
+    </cs:spPr>
+  </cs:trendline>
+  <cs:trendlineLabel>
+    <cs:lnRef idx="0"/>
+    <cs:fillRef idx="0"/>
+    <cs:effectRef idx="0"/>
+    <cs:fontRef idx="minor">
+      <a:schemeClr val="tx1">
+        <a:lumMod val="65000"/>
+        <a:lumOff val="35000"/>
+      </a:schemeClr>
+    </cs:fontRef>
+    <cs:defRPr sz="900" kern="1200"/>
+  </cs:trendlineLabel>
+  <cs:upBar>
+    <cs:lnRef idx="0"/>
+    <cs:fillRef idx="0"/>
+    <cs:effectRef idx="0"/>
+    <cs:fontRef idx="minor">
+      <a:schemeClr val="tx1"/>
+    </cs:fontRef>
+    <cs:spPr>
+      <a:solidFill>
+        <a:schemeClr val="lt1"/>
+      </a:solidFill>
+      <a:ln w="9525" cap="flat" cmpd="sng" algn="ctr">
+        <a:solidFill>
+          <a:schemeClr val="tx1">
+            <a:lumMod val="65000"/>
+            <a:lumOff val="35000"/>
+          </a:schemeClr>
+        </a:solidFill>
+        <a:round/>
+      </a:ln>
+    </cs:spPr>
+  </cs:upBar>
+  <cs:valueAxis>
+    <cs:lnRef idx="0"/>
+    <cs:fillRef idx="0"/>
+    <cs:effectRef idx="0"/>
+    <cs:fontRef idx="minor">
+      <a:schemeClr val="tx1">
+        <a:lumMod val="65000"/>
+        <a:lumOff val="35000"/>
+      </a:schemeClr>
+    </cs:fontRef>
+    <cs:spPr>
+      <a:ln w="9525" cap="flat" cmpd="sng" algn="ctr">
+        <a:solidFill>
+          <a:schemeClr val="tx1">
+            <a:lumMod val="25000"/>
+            <a:lumOff val="75000"/>
+          </a:schemeClr>
+        </a:solidFill>
+        <a:round/>
+      </a:ln>
+    </cs:spPr>
+    <cs:defRPr sz="900" kern="1200"/>
+  </cs:valueAxis>
+  <cs:wall>
+    <cs:lnRef idx="0"/>
+    <cs:fillRef idx="0"/>
+    <cs:effectRef idx="0"/>
+    <cs:fontRef idx="minor">
+      <a:schemeClr val="tx1"/>
+    </cs:fontRef>
+    <cs:spPr>
+      <a:noFill/>
+      <a:ln>
+        <a:noFill/>
+      </a:ln>
+    </cs:spPr>
+  </cs:wall>
+</cs:chartStyle>
+</file>
+
+<file path=ppt/notesMasters/notesMaster1.xml><?xml version="1.0" encoding="utf-8"?>
+<p:notesMaster xmlns:a="http://schemas.openxmlformats.org/drawingml/2006/main" xmlns:r="http://schemas.openxmlformats.org/officeDocument/2006/relationships" xmlns:p="http://schemas.openxmlformats.org/presentationml/2006/main">
+  <p:cSld>
+    <p:bg>
+      <p:bgRef idx="1001">
+        <a:schemeClr val="bg1"/>
+      </p:bgRef>
+    </p:bg>
+    <p:spTree>
+      <p:nvGrpSpPr>
+        <p:cNvPr id="1" name=""/>
+        <p:cNvGrpSpPr/>
+        <p:nvPr/>
+      </p:nvGrpSpPr>
+      <p:grpSpPr>
+        <a:xfrm>
+          <a:off x="0" y="0"/>
+          <a:ext cx="0" cy="0"/>
+          <a:chOff x="0" y="0"/>
+          <a:chExt cx="0" cy="0"/>
+        </a:xfrm>
+      </p:grpSpPr>
+      <p:sp>
+        <p:nvSpPr>
+          <p:cNvPr id="2" name="Header Placeholder 1"/>
+          <p:cNvSpPr>
+            <a:spLocks noGrp="1"/>
+          </p:cNvSpPr>
+          <p:nvPr>
+            <p:ph type="hdr" sz="quarter"/>
+          </p:nvPr>
+        </p:nvSpPr>
+        <p:spPr>
+          <a:xfrm>
+            <a:off x="0" y="0"/>
+            <a:ext cx="3368675" cy="504825"/>
+          </a:xfrm>
+          <a:prstGeom prst="rect">
+            <a:avLst/>
+          </a:prstGeom>
+        </p:spPr>
+        <p:txBody>
+          <a:bodyPr vert="horz" lIns="91440" tIns="45720" rIns="91440" bIns="45720" rtlCol="0"/>
+          <a:lstStyle>
+            <a:lvl1pPr algn="l">
+              <a:defRPr sz="1200"/>
+            </a:lvl1pPr>
+          </a:lstStyle>
+          <a:p>
+            <a:endParaRPr lang="en-US"/>
+          </a:p>
+        </p:txBody>
+      </p:sp>
+      <p:sp>
+        <p:nvSpPr>
+          <p:cNvPr id="3" name="Date Placeholder 2"/>
+          <p:cNvSpPr>
+            <a:spLocks noGrp="1"/>
+          </p:cNvSpPr>
+          <p:nvPr>
+            <p:ph type="dt" idx="1"/>
+          </p:nvPr>
+        </p:nvSpPr>
+        <p:spPr>
+          <a:xfrm>
+            <a:off x="4402138" y="0"/>
+            <a:ext cx="3368675" cy="504825"/>
+          </a:xfrm>
+          <a:prstGeom prst="rect">
+            <a:avLst/>
+          </a:prstGeom>
+        </p:spPr>
+        <p:txBody>
+          <a:bodyPr vert="horz" lIns="91440" tIns="45720" rIns="91440" bIns="45720" rtlCol="0"/>
+          <a:lstStyle>
+            <a:lvl1pPr algn="r">
+              <a:defRPr sz="1200"/>
+            </a:lvl1pPr>
+          </a:lstStyle>
+          <a:p>
+            <a:fld id="{F6460D3B-541D-CE4A-A63F-1518EF685EF4}" type="datetimeFigureOut">
+              <a:rPr lang="en-US" smtClean="0"/>
+              <a:t>12/13/21</a:t>
+            </a:fld>
+            <a:endParaRPr lang="en-US"/>
+          </a:p>
+        </p:txBody>
+      </p:sp>
+      <p:sp>
+        <p:nvSpPr>
+          <p:cNvPr id="4" name="Slide Image Placeholder 3"/>
+          <p:cNvSpPr>
+            <a:spLocks noGrp="1" noRot="1" noChangeAspect="1"/>
+          </p:cNvSpPr>
+          <p:nvPr>
+            <p:ph type="sldImg" idx="2"/>
+          </p:nvPr>
+        </p:nvSpPr>
+        <p:spPr>
+          <a:xfrm>
+            <a:off x="869950" y="1257300"/>
+            <a:ext cx="6032500" cy="3394075"/>
+          </a:xfrm>
+          <a:prstGeom prst="rect">
+            <a:avLst/>
+          </a:prstGeom>
+          <a:noFill/>
+          <a:ln w="12700">
+            <a:solidFill>
+              <a:prstClr val="black"/>
+            </a:solidFill>
+          </a:ln>
+        </p:spPr>
+        <p:txBody>
+          <a:bodyPr vert="horz" lIns="91440" tIns="45720" rIns="91440" bIns="45720" rtlCol="0" anchor="ctr"/>
+          <a:lstStyle/>
+          <a:p>
+            <a:endParaRPr lang="en-US"/>
+          </a:p>
+        </p:txBody>
+      </p:sp>
+      <p:sp>
+        <p:nvSpPr>
+          <p:cNvPr id="5" name="Notes Placeholder 4"/>
+          <p:cNvSpPr>
+            <a:spLocks noGrp="1"/>
+          </p:cNvSpPr>
+          <p:nvPr>
+            <p:ph type="body" sz="quarter" idx="3"/>
+          </p:nvPr>
+        </p:nvSpPr>
+        <p:spPr>
+          <a:xfrm>
+            <a:off x="777875" y="4840288"/>
+            <a:ext cx="6216650" cy="3960812"/>
+          </a:xfrm>
+          <a:prstGeom prst="rect">
+            <a:avLst/>
+          </a:prstGeom>
+        </p:spPr>
+        <p:txBody>
+          <a:bodyPr vert="horz" lIns="91440" tIns="45720" rIns="91440" bIns="45720" rtlCol="0"/>
+          <a:lstStyle/>
+          <a:p>
+            <a:pPr lvl="0"/>
+            <a:r>
+              <a:rPr lang="en-US"/>
+              <a:t>Edit Master text styles</a:t>
+            </a:r>
+          </a:p>
+          <a:p>
+            <a:pPr lvl="1"/>
+            <a:r>
+              <a:rPr lang="en-US"/>
+              <a:t>Second level</a:t>
+            </a:r>
+          </a:p>
+          <a:p>
+            <a:pPr lvl="2"/>
+            <a:r>
+              <a:rPr lang="en-US"/>
+              <a:t>Third level</a:t>
+            </a:r>
+          </a:p>
+          <a:p>
+            <a:pPr lvl="3"/>
+            <a:r>
+              <a:rPr lang="en-US"/>
+              <a:t>Fourth level</a:t>
+            </a:r>
+          </a:p>
+          <a:p>
+            <a:pPr lvl="4"/>
+            <a:r>
+              <a:rPr lang="en-US"/>
+              <a:t>Fifth level</a:t>
+            </a:r>
+          </a:p>
+        </p:txBody>
+      </p:sp>
+      <p:sp>
+        <p:nvSpPr>
+          <p:cNvPr id="6" name="Footer Placeholder 5"/>
+          <p:cNvSpPr>
+            <a:spLocks noGrp="1"/>
+          </p:cNvSpPr>
+          <p:nvPr>
+            <p:ph type="ftr" sz="quarter" idx="4"/>
+          </p:nvPr>
+        </p:nvSpPr>
+        <p:spPr>
+          <a:xfrm>
+            <a:off x="0" y="9553575"/>
+            <a:ext cx="3368675" cy="504825"/>
+          </a:xfrm>
+          <a:prstGeom prst="rect">
+            <a:avLst/>
+          </a:prstGeom>
+        </p:spPr>
+        <p:txBody>
+          <a:bodyPr vert="horz" lIns="91440" tIns="45720" rIns="91440" bIns="45720" rtlCol="0" anchor="b"/>
+          <a:lstStyle>
+            <a:lvl1pPr algn="l">
+              <a:defRPr sz="1200"/>
+            </a:lvl1pPr>
+          </a:lstStyle>
+          <a:p>
+            <a:endParaRPr lang="en-US"/>
+          </a:p>
+        </p:txBody>
+      </p:sp>
+      <p:sp>
+        <p:nvSpPr>
+          <p:cNvPr id="7" name="Slide Number Placeholder 6"/>
+          <p:cNvSpPr>
+            <a:spLocks noGrp="1"/>
+          </p:cNvSpPr>
+          <p:nvPr>
+            <p:ph type="sldNum" sz="quarter" idx="5"/>
+          </p:nvPr>
+        </p:nvSpPr>
+        <p:spPr>
+          <a:xfrm>
+            <a:off x="4402138" y="9553575"/>
+            <a:ext cx="3368675" cy="504825"/>
+          </a:xfrm>
+          <a:prstGeom prst="rect">
+            <a:avLst/>
+          </a:prstGeom>
+        </p:spPr>
+        <p:txBody>
+          <a:bodyPr vert="horz" lIns="91440" tIns="45720" rIns="91440" bIns="45720" rtlCol="0" anchor="b"/>
+          <a:lstStyle>
+            <a:lvl1pPr algn="r">
+              <a:defRPr sz="1200"/>
+            </a:lvl1pPr>
+          </a:lstStyle>
+          <a:p>
+            <a:fld id="{CD7CFE7C-9533-3F49-BE06-8A4ED1170869}" type="slidenum">
+              <a:rPr lang="en-US" smtClean="0"/>
+              <a:t>‹#›</a:t>
+            </a:fld>
+            <a:endParaRPr lang="en-US"/>
+          </a:p>
+        </p:txBody>
+      </p:sp>
+    </p:spTree>
+    <p:extLst>
+      <p:ext uri="{BB962C8B-B14F-4D97-AF65-F5344CB8AC3E}">
+        <p14:creationId xmlns:p14="http://schemas.microsoft.com/office/powerpoint/2010/main" val="864749408"/>
+      </p:ext>
+    </p:extLst>
+  </p:cSld>
+  <p:clrMap bg1="lt1" tx1="dk1" bg2="lt2" tx2="dk2" accent1="accent1" accent2="accent2" accent3="accent3" accent4="accent4" accent5="accent5" accent6="accent6" hlink="hlink" folHlink="folHlink"/>
+  <p:notesStyle>
+    <a:lvl1pPr marL="0" algn="l" defTabSz="914400" rtl="0" eaLnBrk="1" latinLnBrk="0" hangingPunct="1">
+      <a:defRPr sz="1200" kern="1200">
+        <a:solidFill>
+          <a:schemeClr val="tx1"/>
+        </a:solidFill>
+        <a:latin typeface="+mn-lt"/>
+        <a:ea typeface="+mn-ea"/>
+        <a:cs typeface="+mn-cs"/>
+      </a:defRPr>
+    </a:lvl1pPr>
+    <a:lvl2pPr marL="457200" algn="l" defTabSz="914400" rtl="0" eaLnBrk="1" latinLnBrk="0" hangingPunct="1">
+      <a:defRPr sz="1200" kern="1200">
+        <a:solidFill>
+          <a:schemeClr val="tx1"/>
+        </a:solidFill>
+        <a:latin typeface="+mn-lt"/>
+        <a:ea typeface="+mn-ea"/>
+        <a:cs typeface="+mn-cs"/>
+      </a:defRPr>
+    </a:lvl2pPr>
+    <a:lvl3pPr marL="914400" algn="l" defTabSz="914400" rtl="0" eaLnBrk="1" latinLnBrk="0" hangingPunct="1">
+      <a:defRPr sz="1200" kern="1200">
+        <a:solidFill>
+          <a:schemeClr val="tx1"/>
+        </a:solidFill>
+        <a:latin typeface="+mn-lt"/>
+        <a:ea typeface="+mn-ea"/>
+        <a:cs typeface="+mn-cs"/>
+      </a:defRPr>
+    </a:lvl3pPr>
+    <a:lvl4pPr marL="1371600" algn="l" defTabSz="914400" rtl="0" eaLnBrk="1" latinLnBrk="0" hangingPunct="1">
+      <a:defRPr sz="1200" kern="1200">
+        <a:solidFill>
+          <a:schemeClr val="tx1"/>
+        </a:solidFill>
+        <a:latin typeface="+mn-lt"/>
+        <a:ea typeface="+mn-ea"/>
+        <a:cs typeface="+mn-cs"/>
+      </a:defRPr>
+    </a:lvl4pPr>
+    <a:lvl5pPr marL="1828800" algn="l" defTabSz="914400" rtl="0" eaLnBrk="1" latinLnBrk="0" hangingPunct="1">
+      <a:defRPr sz="1200" kern="1200">
+        <a:solidFill>
+          <a:schemeClr val="tx1"/>
+        </a:solidFill>
+        <a:latin typeface="+mn-lt"/>
+        <a:ea typeface="+mn-ea"/>
+        <a:cs typeface="+mn-cs"/>
+      </a:defRPr>
+    </a:lvl5pPr>
+    <a:lvl6pPr marL="2286000" algn="l" defTabSz="914400" rtl="0" eaLnBrk="1" latinLnBrk="0" hangingPunct="1">
+      <a:defRPr sz="1200" kern="1200">
+        <a:solidFill>
+          <a:schemeClr val="tx1"/>
+        </a:solidFill>
+        <a:latin typeface="+mn-lt"/>
+        <a:ea typeface="+mn-ea"/>
+        <a:cs typeface="+mn-cs"/>
+      </a:defRPr>
+    </a:lvl6pPr>
+    <a:lvl7pPr marL="2743200" algn="l" defTabSz="914400" rtl="0" eaLnBrk="1" latinLnBrk="0" hangingPunct="1">
+      <a:defRPr sz="1200" kern="1200">
+        <a:solidFill>
+          <a:schemeClr val="tx1"/>
+        </a:solidFill>
+        <a:latin typeface="+mn-lt"/>
+        <a:ea typeface="+mn-ea"/>
+        <a:cs typeface="+mn-cs"/>
+      </a:defRPr>
+    </a:lvl7pPr>
+    <a:lvl8pPr marL="3200400" algn="l" defTabSz="914400" rtl="0" eaLnBrk="1" latinLnBrk="0" hangingPunct="1">
+      <a:defRPr sz="1200" kern="1200">
+        <a:solidFill>
+          <a:schemeClr val="tx1"/>
+        </a:solidFill>
+        <a:latin typeface="+mn-lt"/>
+        <a:ea typeface="+mn-ea"/>
+        <a:cs typeface="+mn-cs"/>
+      </a:defRPr>
+    </a:lvl8pPr>
+    <a:lvl9pPr marL="3657600" algn="l" defTabSz="914400" rtl="0" eaLnBrk="1" latinLnBrk="0" hangingPunct="1">
+      <a:defRPr sz="1200" kern="1200">
+        <a:solidFill>
+          <a:schemeClr val="tx1"/>
+        </a:solidFill>
+        <a:latin typeface="+mn-lt"/>
+        <a:ea typeface="+mn-ea"/>
+        <a:cs typeface="+mn-cs"/>
+      </a:defRPr>
+    </a:lvl9pPr>
+  </p:notesStyle>
+</p:notesMaster>
+</file>
+
+<file path=ppt/notesSlides/notesSlide1.xml><?xml version="1.0" encoding="utf-8"?>
+<p:notes xmlns:a="http://schemas.openxmlformats.org/drawingml/2006/main" xmlns:r="http://schemas.openxmlformats.org/officeDocument/2006/relationships" xmlns:p="http://schemas.openxmlformats.org/presentationml/2006/main">
+  <p:cSld>
+    <p:spTree>
+      <p:nvGrpSpPr>
+        <p:cNvPr id="1" name=""/>
+        <p:cNvGrpSpPr/>
+        <p:nvPr/>
+      </p:nvGrpSpPr>
+      <p:grpSpPr>
+        <a:xfrm>
+          <a:off x="0" y="0"/>
+          <a:ext cx="0" cy="0"/>
+          <a:chOff x="0" y="0"/>
+          <a:chExt cx="0" cy="0"/>
+        </a:xfrm>
+      </p:grpSpPr>
+      <p:sp>
+        <p:nvSpPr>
+          <p:cNvPr id="2" name="Slide Image Placeholder 1"/>
+          <p:cNvSpPr>
+            <a:spLocks noGrp="1" noRot="1" noChangeAspect="1"/>
+          </p:cNvSpPr>
+          <p:nvPr>
+            <p:ph type="sldImg"/>
+          </p:nvPr>
+        </p:nvSpPr>
+        <p:spPr/>
+      </p:sp>
+      <p:sp>
+        <p:nvSpPr>
+          <p:cNvPr id="3" name="Notes Placeholder 2"/>
+          <p:cNvSpPr>
+            <a:spLocks noGrp="1"/>
+          </p:cNvSpPr>
+          <p:nvPr>
+            <p:ph type="body" idx="1"/>
+          </p:nvPr>
+        </p:nvSpPr>
+        <p:spPr/>
+        <p:txBody>
+          <a:bodyPr/>
+          <a:lstStyle/>
+          <a:p>
+            <a:endParaRPr lang="en-US" dirty="0"/>
+          </a:p>
+        </p:txBody>
+      </p:sp>
+      <p:sp>
+        <p:nvSpPr>
+          <p:cNvPr id="4" name="Slide Number Placeholder 3"/>
+          <p:cNvSpPr>
+            <a:spLocks noGrp="1"/>
+          </p:cNvSpPr>
+          <p:nvPr>
+            <p:ph type="sldNum" sz="quarter" idx="5"/>
+          </p:nvPr>
+        </p:nvSpPr>
+        <p:spPr/>
+        <p:txBody>
+          <a:bodyPr/>
+          <a:lstStyle/>
+          <a:p>
+            <a:fld id="{2F10DD1C-4348-4E45-B107-FDFA807FA2C7}" type="slidenum">
+              <a:rPr lang="en-US" smtClean="0"/>
+              <a:t>15</a:t>
+            </a:fld>
+            <a:endParaRPr lang="en-US"/>
+          </a:p>
+        </p:txBody>
+      </p:sp>
+    </p:spTree>
+    <p:extLst>
+      <p:ext uri="{BB962C8B-B14F-4D97-AF65-F5344CB8AC3E}">
+        <p14:creationId xmlns:p14="http://schemas.microsoft.com/office/powerpoint/2010/main" val="2447476851"/>
+      </p:ext>
+    </p:extLst>
+  </p:cSld>
+  <p:clrMapOvr>
+    <a:masterClrMapping/>
+  </p:clrMapOvr>
+</p:notes>
 </file>
 
 <file path=ppt/slideLayouts/slideLayout1.xml><?xml version="1.0" encoding="utf-8"?>
@@ -11814,6 +14352,5085 @@
 </p:sld>
 </file>
 
+<file path=ppt/slides/slide10.xml><?xml version="1.0" encoding="utf-8"?>
+<p:sld xmlns:a="http://schemas.openxmlformats.org/drawingml/2006/main" xmlns:r="http://schemas.openxmlformats.org/officeDocument/2006/relationships" xmlns:p="http://schemas.openxmlformats.org/presentationml/2006/main">
+  <p:cSld>
+    <p:spTree>
+      <p:nvGrpSpPr>
+        <p:cNvPr id="1" name=""/>
+        <p:cNvGrpSpPr/>
+        <p:nvPr/>
+      </p:nvGrpSpPr>
+      <p:grpSpPr>
+        <a:xfrm>
+          <a:off x="0" y="0"/>
+          <a:ext cx="0" cy="0"/>
+          <a:chOff x="0" y="0"/>
+          <a:chExt cx="0" cy="0"/>
+        </a:xfrm>
+      </p:grpSpPr>
+      <p:sp>
+        <p:nvSpPr>
+          <p:cNvPr id="3" name="TextBox 2">
+            <a:extLst>
+              <a:ext uri="{FF2B5EF4-FFF2-40B4-BE49-F238E27FC236}">
+                <a16:creationId xmlns:a16="http://schemas.microsoft.com/office/drawing/2014/main" id="{88B2BE3F-F61F-4CC6-82E1-13E0EB04FE53}"/>
+              </a:ext>
+            </a:extLst>
+          </p:cNvPr>
+          <p:cNvSpPr txBox="1"/>
+          <p:nvPr/>
+        </p:nvSpPr>
+        <p:spPr>
+          <a:xfrm>
+            <a:off x="2519997" y="234434"/>
+            <a:ext cx="5040630" cy="584775"/>
+          </a:xfrm>
+          <a:prstGeom prst="rect">
+            <a:avLst/>
+          </a:prstGeom>
+          <a:noFill/>
+        </p:spPr>
+        <p:txBody>
+          <a:bodyPr wrap="square">
+            <a:spAutoFit/>
+          </a:bodyPr>
+          <a:lstStyle/>
+          <a:p>
+            <a:pPr algn="ctr"/>
+            <a:r>
+              <a:rPr lang="en-US" sz="3200" dirty="0"/>
+              <a:t>Feature Engineering</a:t>
+            </a:r>
+          </a:p>
+        </p:txBody>
+      </p:sp>
+      <p:sp>
+        <p:nvSpPr>
+          <p:cNvPr id="4" name="TextBox 3">
+            <a:extLst>
+              <a:ext uri="{FF2B5EF4-FFF2-40B4-BE49-F238E27FC236}">
+                <a16:creationId xmlns:a16="http://schemas.microsoft.com/office/drawing/2014/main" id="{5A975B15-98A3-4D33-9CD0-F390BE18F962}"/>
+              </a:ext>
+            </a:extLst>
+          </p:cNvPr>
+          <p:cNvSpPr txBox="1"/>
+          <p:nvPr/>
+        </p:nvSpPr>
+        <p:spPr>
+          <a:xfrm>
+            <a:off x="1684062" y="2500243"/>
+            <a:ext cx="6712499" cy="2118529"/>
+          </a:xfrm>
+          <a:prstGeom prst="rect">
+            <a:avLst/>
+          </a:prstGeom>
+          <a:noFill/>
+        </p:spPr>
+        <p:txBody>
+          <a:bodyPr wrap="square" rtlCol="0">
+            <a:spAutoFit/>
+          </a:bodyPr>
+          <a:lstStyle/>
+          <a:p>
+            <a:pPr marL="342900" indent="-342900">
+              <a:lnSpc>
+                <a:spcPct val="150000"/>
+              </a:lnSpc>
+              <a:buFont typeface="+mj-lt"/>
+              <a:buAutoNum type="arabicPeriod"/>
+            </a:pPr>
+            <a:r>
+              <a:rPr lang="en-US" dirty="0"/>
+              <a:t>Counting features (counting user purchase frequency, etc.)</a:t>
+            </a:r>
+          </a:p>
+          <a:p>
+            <a:pPr marL="342900" indent="-342900">
+              <a:lnSpc>
+                <a:spcPct val="150000"/>
+              </a:lnSpc>
+              <a:buFont typeface="+mj-lt"/>
+              <a:buAutoNum type="arabicPeriod"/>
+            </a:pPr>
+            <a:r>
+              <a:rPr lang="en-US" dirty="0"/>
+              <a:t>Statistical analysis features based on counting features</a:t>
+            </a:r>
+          </a:p>
+          <a:p>
+            <a:pPr marL="342900" indent="-342900">
+              <a:lnSpc>
+                <a:spcPct val="150000"/>
+              </a:lnSpc>
+              <a:buFont typeface="+mj-lt"/>
+              <a:buAutoNum type="arabicPeriod"/>
+            </a:pPr>
+            <a:r>
+              <a:rPr lang="en-US" dirty="0"/>
+              <a:t>Time period features (time span analysis, double 11 features)</a:t>
+            </a:r>
+          </a:p>
+          <a:p>
+            <a:pPr marL="342900" indent="-342900">
+              <a:lnSpc>
+                <a:spcPct val="150000"/>
+              </a:lnSpc>
+              <a:buFont typeface="+mj-lt"/>
+              <a:buAutoNum type="arabicPeriod"/>
+            </a:pPr>
+            <a:r>
+              <a:rPr lang="en-US" dirty="0"/>
+              <a:t>Principal component analysis features (PCA features)</a:t>
+            </a:r>
+          </a:p>
+          <a:p>
+            <a:pPr marL="342900" indent="-342900">
+              <a:lnSpc>
+                <a:spcPct val="150000"/>
+              </a:lnSpc>
+              <a:buFont typeface="+mj-lt"/>
+              <a:buAutoNum type="arabicPeriod"/>
+            </a:pPr>
+            <a:endParaRPr lang="en-US" dirty="0"/>
+          </a:p>
+        </p:txBody>
+      </p:sp>
+      <p:sp>
+        <p:nvSpPr>
+          <p:cNvPr id="5" name="TextBox 4">
+            <a:extLst>
+              <a:ext uri="{FF2B5EF4-FFF2-40B4-BE49-F238E27FC236}">
+                <a16:creationId xmlns:a16="http://schemas.microsoft.com/office/drawing/2014/main" id="{824C623F-6016-4A81-BD31-38E65EAF88DA}"/>
+              </a:ext>
+            </a:extLst>
+          </p:cNvPr>
+          <p:cNvSpPr txBox="1"/>
+          <p:nvPr/>
+        </p:nvSpPr>
+        <p:spPr>
+          <a:xfrm>
+            <a:off x="1684062" y="1468720"/>
+            <a:ext cx="6712499" cy="892552"/>
+          </a:xfrm>
+          <a:prstGeom prst="rect">
+            <a:avLst/>
+          </a:prstGeom>
+          <a:noFill/>
+        </p:spPr>
+        <p:txBody>
+          <a:bodyPr wrap="square">
+            <a:spAutoFit/>
+          </a:bodyPr>
+          <a:lstStyle/>
+          <a:p>
+            <a:pPr marL="285750" indent="-285750" algn="just">
+              <a:buFont typeface="Arial" panose="020B0604020202020204" pitchFamily="34" charset="0"/>
+              <a:buChar char="•"/>
+            </a:pPr>
+            <a:r>
+              <a:rPr lang="en-US" dirty="0"/>
+              <a:t>There’s no strong correlation between users and merchants in the initial dataset</a:t>
+            </a:r>
+          </a:p>
+          <a:p>
+            <a:pPr algn="just"/>
+            <a:r>
+              <a:rPr lang="en-US" sz="1600" dirty="0"/>
+              <a:t>     </a:t>
+            </a:r>
+            <a:r>
+              <a:rPr lang="en-US" sz="1600" b="1" dirty="0"/>
+              <a:t>Solution</a:t>
+            </a:r>
+            <a:r>
+              <a:rPr lang="en-US" sz="1600" dirty="0"/>
+              <a:t>: Create features!</a:t>
+            </a:r>
+          </a:p>
+        </p:txBody>
+      </p:sp>
+    </p:spTree>
+    <p:extLst>
+      <p:ext uri="{BB962C8B-B14F-4D97-AF65-F5344CB8AC3E}">
+        <p14:creationId xmlns:p14="http://schemas.microsoft.com/office/powerpoint/2010/main" val="3092169904"/>
+      </p:ext>
+    </p:extLst>
+  </p:cSld>
+  <p:clrMapOvr>
+    <a:masterClrMapping/>
+  </p:clrMapOvr>
+</p:sld>
+</file>
+
+<file path=ppt/slides/slide11.xml><?xml version="1.0" encoding="utf-8"?>
+<p:sld xmlns:a="http://schemas.openxmlformats.org/drawingml/2006/main" xmlns:r="http://schemas.openxmlformats.org/officeDocument/2006/relationships" xmlns:p="http://schemas.openxmlformats.org/presentationml/2006/main">
+  <p:cSld>
+    <p:spTree>
+      <p:nvGrpSpPr>
+        <p:cNvPr id="1" name=""/>
+        <p:cNvGrpSpPr/>
+        <p:nvPr/>
+      </p:nvGrpSpPr>
+      <p:grpSpPr>
+        <a:xfrm>
+          <a:off x="0" y="0"/>
+          <a:ext cx="0" cy="0"/>
+          <a:chOff x="0" y="0"/>
+          <a:chExt cx="0" cy="0"/>
+        </a:xfrm>
+      </p:grpSpPr>
+      <p:sp>
+        <p:nvSpPr>
+          <p:cNvPr id="3" name="TextBox 2">
+            <a:extLst>
+              <a:ext uri="{FF2B5EF4-FFF2-40B4-BE49-F238E27FC236}">
+                <a16:creationId xmlns:a16="http://schemas.microsoft.com/office/drawing/2014/main" id="{DFC8BB87-6514-4A93-BFD4-3492C4C26372}"/>
+              </a:ext>
+            </a:extLst>
+          </p:cNvPr>
+          <p:cNvSpPr txBox="1"/>
+          <p:nvPr/>
+        </p:nvSpPr>
+        <p:spPr>
+          <a:xfrm>
+            <a:off x="1700428" y="214415"/>
+            <a:ext cx="6679768" cy="584775"/>
+          </a:xfrm>
+          <a:prstGeom prst="rect">
+            <a:avLst/>
+          </a:prstGeom>
+          <a:noFill/>
+        </p:spPr>
+        <p:txBody>
+          <a:bodyPr wrap="square">
+            <a:spAutoFit/>
+          </a:bodyPr>
+          <a:lstStyle/>
+          <a:p>
+            <a:pPr algn="ctr"/>
+            <a:r>
+              <a:rPr lang="en-US" sz="3200" dirty="0"/>
+              <a:t>Counting Features</a:t>
+            </a:r>
+          </a:p>
+        </p:txBody>
+      </p:sp>
+      <p:sp>
+        <p:nvSpPr>
+          <p:cNvPr id="6" name="TextBox 5">
+            <a:extLst>
+              <a:ext uri="{FF2B5EF4-FFF2-40B4-BE49-F238E27FC236}">
+                <a16:creationId xmlns:a16="http://schemas.microsoft.com/office/drawing/2014/main" id="{C42C480B-77DC-4B92-8373-A05F1B67F726}"/>
+              </a:ext>
+            </a:extLst>
+          </p:cNvPr>
+          <p:cNvSpPr txBox="1"/>
+          <p:nvPr/>
+        </p:nvSpPr>
+        <p:spPr>
+          <a:xfrm>
+            <a:off x="1034209" y="1384465"/>
+            <a:ext cx="4179810" cy="584775"/>
+          </a:xfrm>
+          <a:prstGeom prst="rect">
+            <a:avLst/>
+          </a:prstGeom>
+          <a:noFill/>
+        </p:spPr>
+        <p:txBody>
+          <a:bodyPr wrap="square" rtlCol="0">
+            <a:spAutoFit/>
+          </a:bodyPr>
+          <a:lstStyle/>
+          <a:p>
+            <a:pPr algn="just"/>
+            <a:r>
+              <a:rPr lang="en-US" sz="1600" dirty="0"/>
+              <a:t>Interactions regarding users, merchants or even both together.</a:t>
+            </a:r>
+          </a:p>
+        </p:txBody>
+      </p:sp>
+      <p:graphicFrame>
+        <p:nvGraphicFramePr>
+          <p:cNvPr id="9" name="Table 9">
+            <a:extLst>
+              <a:ext uri="{FF2B5EF4-FFF2-40B4-BE49-F238E27FC236}">
+                <a16:creationId xmlns:a16="http://schemas.microsoft.com/office/drawing/2014/main" id="{2C2526FE-8117-4F32-9408-70FA3C7C6D05}"/>
+              </a:ext>
+            </a:extLst>
+          </p:cNvPr>
+          <p:cNvGraphicFramePr>
+            <a:graphicFrameLocks noGrp="1"/>
+          </p:cNvGraphicFramePr>
+          <p:nvPr>
+            <p:extLst/>
+          </p:nvPr>
+        </p:nvGraphicFramePr>
+        <p:xfrm>
+          <a:off x="659884" y="2404359"/>
+          <a:ext cx="4928460" cy="2560320"/>
+        </p:xfrm>
+        <a:graphic>
+          <a:graphicData uri="http://schemas.openxmlformats.org/drawingml/2006/table">
+            <a:tbl>
+              <a:tblPr firstRow="1" bandRow="1">
+                <a:tableStyleId>{9D7B26C5-4107-4FEC-AEDC-1716B250A1EF}</a:tableStyleId>
+              </a:tblPr>
+              <a:tblGrid>
+                <a:gridCol w="821410">
+                  <a:extLst>
+                    <a:ext uri="{9D8B030D-6E8A-4147-A177-3AD203B41FA5}">
+                      <a16:colId xmlns:a16="http://schemas.microsoft.com/office/drawing/2014/main" val="1935527031"/>
+                    </a:ext>
+                  </a:extLst>
+                </a:gridCol>
+                <a:gridCol w="821410">
+                  <a:extLst>
+                    <a:ext uri="{9D8B030D-6E8A-4147-A177-3AD203B41FA5}">
+                      <a16:colId xmlns:a16="http://schemas.microsoft.com/office/drawing/2014/main" val="2053740939"/>
+                    </a:ext>
+                  </a:extLst>
+                </a:gridCol>
+                <a:gridCol w="821410">
+                  <a:extLst>
+                    <a:ext uri="{9D8B030D-6E8A-4147-A177-3AD203B41FA5}">
+                      <a16:colId xmlns:a16="http://schemas.microsoft.com/office/drawing/2014/main" val="2624816796"/>
+                    </a:ext>
+                  </a:extLst>
+                </a:gridCol>
+                <a:gridCol w="821410">
+                  <a:extLst>
+                    <a:ext uri="{9D8B030D-6E8A-4147-A177-3AD203B41FA5}">
+                      <a16:colId xmlns:a16="http://schemas.microsoft.com/office/drawing/2014/main" val="4043552819"/>
+                    </a:ext>
+                  </a:extLst>
+                </a:gridCol>
+                <a:gridCol w="821410">
+                  <a:extLst>
+                    <a:ext uri="{9D8B030D-6E8A-4147-A177-3AD203B41FA5}">
+                      <a16:colId xmlns:a16="http://schemas.microsoft.com/office/drawing/2014/main" val="2405461513"/>
+                    </a:ext>
+                  </a:extLst>
+                </a:gridCol>
+                <a:gridCol w="821410">
+                  <a:extLst>
+                    <a:ext uri="{9D8B030D-6E8A-4147-A177-3AD203B41FA5}">
+                      <a16:colId xmlns:a16="http://schemas.microsoft.com/office/drawing/2014/main" val="2179074640"/>
+                    </a:ext>
+                  </a:extLst>
+                </a:gridCol>
+              </a:tblGrid>
+              <a:tr h="0">
+                <a:tc>
+                  <a:txBody>
+                    <a:bodyPr/>
+                    <a:lstStyle/>
+                    <a:p>
+                      <a:pPr algn="ctr"/>
+                      <a:r>
+                        <a:rPr lang="en-US" sz="800" dirty="0"/>
+                        <a:t>User ID</a:t>
+                      </a:r>
+                    </a:p>
+                  </a:txBody>
+                  <a:tcPr/>
+                </a:tc>
+                <a:tc>
+                  <a:txBody>
+                    <a:bodyPr/>
+                    <a:lstStyle/>
+                    <a:p>
+                      <a:pPr algn="ctr"/>
+                      <a:r>
+                        <a:rPr lang="en-US" sz="800" dirty="0"/>
+                        <a:t>Items</a:t>
+                      </a:r>
+                    </a:p>
+                  </a:txBody>
+                  <a:tcPr/>
+                </a:tc>
+                <a:tc>
+                  <a:txBody>
+                    <a:bodyPr/>
+                    <a:lstStyle/>
+                    <a:p>
+                      <a:pPr algn="ctr"/>
+                      <a:r>
+                        <a:rPr lang="en-US" sz="800" dirty="0"/>
+                        <a:t>Categories</a:t>
+                      </a:r>
+                    </a:p>
+                  </a:txBody>
+                  <a:tcPr/>
+                </a:tc>
+                <a:tc>
+                  <a:txBody>
+                    <a:bodyPr/>
+                    <a:lstStyle/>
+                    <a:p>
+                      <a:pPr algn="ctr"/>
+                      <a:r>
+                        <a:rPr lang="en-US" sz="800" dirty="0"/>
+                        <a:t>Brands</a:t>
+                      </a:r>
+                    </a:p>
+                  </a:txBody>
+                  <a:tcPr/>
+                </a:tc>
+                <a:tc>
+                  <a:txBody>
+                    <a:bodyPr/>
+                    <a:lstStyle/>
+                    <a:p>
+                      <a:pPr algn="ctr"/>
+                      <a:r>
+                        <a:rPr lang="en-US" sz="800" dirty="0"/>
+                        <a:t>Days</a:t>
+                      </a:r>
+                    </a:p>
+                  </a:txBody>
+                  <a:tcPr/>
+                </a:tc>
+                <a:tc>
+                  <a:txBody>
+                    <a:bodyPr/>
+                    <a:lstStyle/>
+                    <a:p>
+                      <a:pPr algn="ctr"/>
+                      <a:r>
+                        <a:rPr lang="en-US" sz="800" dirty="0"/>
+                        <a:t>Months</a:t>
+                      </a:r>
+                    </a:p>
+                  </a:txBody>
+                  <a:tcPr/>
+                </a:tc>
+                <a:extLst>
+                  <a:ext uri="{0D108BD9-81ED-4DB2-BD59-A6C34878D82A}">
+                    <a16:rowId xmlns:a16="http://schemas.microsoft.com/office/drawing/2014/main" val="94545088"/>
+                  </a:ext>
+                </a:extLst>
+              </a:tr>
+              <a:tr h="0">
+                <a:tc>
+                  <a:txBody>
+                    <a:bodyPr/>
+                    <a:lstStyle/>
+                    <a:p>
+                      <a:pPr algn="ctr"/>
+                      <a:r>
+                        <a:rPr lang="en-US" sz="800" dirty="0"/>
+                        <a:t>263947</a:t>
+                      </a:r>
+                    </a:p>
+                  </a:txBody>
+                  <a:tcPr/>
+                </a:tc>
+                <a:tc>
+                  <a:txBody>
+                    <a:bodyPr/>
+                    <a:lstStyle/>
+                    <a:p>
+                      <a:pPr algn="ctr"/>
+                      <a:r>
+                        <a:rPr lang="en-US" sz="800" dirty="0"/>
+                        <a:t>36</a:t>
+                      </a:r>
+                    </a:p>
+                  </a:txBody>
+                  <a:tcPr/>
+                </a:tc>
+                <a:tc>
+                  <a:txBody>
+                    <a:bodyPr/>
+                    <a:lstStyle/>
+                    <a:p>
+                      <a:pPr algn="ctr"/>
+                      <a:r>
+                        <a:rPr lang="en-US" sz="800" dirty="0"/>
+                        <a:t>26</a:t>
+                      </a:r>
+                    </a:p>
+                  </a:txBody>
+                  <a:tcPr/>
+                </a:tc>
+                <a:tc>
+                  <a:txBody>
+                    <a:bodyPr/>
+                    <a:lstStyle/>
+                    <a:p>
+                      <a:pPr algn="ctr"/>
+                      <a:r>
+                        <a:rPr lang="en-US" sz="800" dirty="0"/>
+                        <a:t>20</a:t>
+                      </a:r>
+                    </a:p>
+                  </a:txBody>
+                  <a:tcPr/>
+                </a:tc>
+                <a:tc>
+                  <a:txBody>
+                    <a:bodyPr/>
+                    <a:lstStyle/>
+                    <a:p>
+                      <a:pPr algn="ctr"/>
+                      <a:r>
+                        <a:rPr lang="en-US" sz="800" dirty="0"/>
+                        <a:t>22</a:t>
+                      </a:r>
+                    </a:p>
+                  </a:txBody>
+                  <a:tcPr/>
+                </a:tc>
+                <a:tc>
+                  <a:txBody>
+                    <a:bodyPr/>
+                    <a:lstStyle/>
+                    <a:p>
+                      <a:pPr algn="ctr"/>
+                      <a:r>
+                        <a:rPr lang="en-US" sz="800" dirty="0"/>
+                        <a:t>6</a:t>
+                      </a:r>
+                    </a:p>
+                  </a:txBody>
+                  <a:tcPr/>
+                </a:tc>
+                <a:extLst>
+                  <a:ext uri="{0D108BD9-81ED-4DB2-BD59-A6C34878D82A}">
+                    <a16:rowId xmlns:a16="http://schemas.microsoft.com/office/drawing/2014/main" val="3927590148"/>
+                  </a:ext>
+                </a:extLst>
+              </a:tr>
+              <a:tr h="0">
+                <a:tc>
+                  <a:txBody>
+                    <a:bodyPr/>
+                    <a:lstStyle/>
+                    <a:p>
+                      <a:pPr algn="ctr"/>
+                      <a:r>
+                        <a:rPr lang="en-US" sz="800" dirty="0"/>
+                        <a:t>338674</a:t>
+                      </a:r>
+                    </a:p>
+                  </a:txBody>
+                  <a:tcPr/>
+                </a:tc>
+                <a:tc>
+                  <a:txBody>
+                    <a:bodyPr/>
+                    <a:lstStyle/>
+                    <a:p>
+                      <a:pPr algn="ctr"/>
+                      <a:r>
+                        <a:rPr lang="en-US" sz="800" dirty="0"/>
+                        <a:t>68</a:t>
+                      </a:r>
+                    </a:p>
+                  </a:txBody>
+                  <a:tcPr/>
+                </a:tc>
+                <a:tc>
+                  <a:txBody>
+                    <a:bodyPr/>
+                    <a:lstStyle/>
+                    <a:p>
+                      <a:pPr algn="ctr"/>
+                      <a:r>
+                        <a:rPr lang="en-US" sz="800" dirty="0"/>
+                        <a:t>14</a:t>
+                      </a:r>
+                    </a:p>
+                  </a:txBody>
+                  <a:tcPr/>
+                </a:tc>
+                <a:tc>
+                  <a:txBody>
+                    <a:bodyPr/>
+                    <a:lstStyle/>
+                    <a:p>
+                      <a:pPr algn="ctr"/>
+                      <a:r>
+                        <a:rPr lang="en-US" sz="800" dirty="0"/>
+                        <a:t>34</a:t>
+                      </a:r>
+                    </a:p>
+                  </a:txBody>
+                  <a:tcPr/>
+                </a:tc>
+                <a:tc>
+                  <a:txBody>
+                    <a:bodyPr/>
+                    <a:lstStyle/>
+                    <a:p>
+                      <a:pPr algn="ctr"/>
+                      <a:r>
+                        <a:rPr lang="en-US" sz="800" dirty="0"/>
+                        <a:t>23</a:t>
+                      </a:r>
+                    </a:p>
+                  </a:txBody>
+                  <a:tcPr/>
+                </a:tc>
+                <a:tc>
+                  <a:txBody>
+                    <a:bodyPr/>
+                    <a:lstStyle/>
+                    <a:p>
+                      <a:pPr algn="ctr"/>
+                      <a:r>
+                        <a:rPr lang="en-US" sz="800" dirty="0"/>
+                        <a:t>6</a:t>
+                      </a:r>
+                    </a:p>
+                  </a:txBody>
+                  <a:tcPr/>
+                </a:tc>
+                <a:extLst>
+                  <a:ext uri="{0D108BD9-81ED-4DB2-BD59-A6C34878D82A}">
+                    <a16:rowId xmlns:a16="http://schemas.microsoft.com/office/drawing/2014/main" val="2679457691"/>
+                  </a:ext>
+                </a:extLst>
+              </a:tr>
+              <a:tr h="0">
+                <a:tc>
+                  <a:txBody>
+                    <a:bodyPr/>
+                    <a:lstStyle/>
+                    <a:p>
+                      <a:pPr algn="ctr"/>
+                      <a:r>
+                        <a:rPr lang="en-US" sz="800" dirty="0"/>
+                        <a:t>9058</a:t>
+                      </a:r>
+                    </a:p>
+                  </a:txBody>
+                  <a:tcPr/>
+                </a:tc>
+                <a:tc>
+                  <a:txBody>
+                    <a:bodyPr/>
+                    <a:lstStyle/>
+                    <a:p>
+                      <a:pPr algn="ctr"/>
+                      <a:r>
+                        <a:rPr lang="en-US" sz="800" dirty="0"/>
+                        <a:t>42</a:t>
+                      </a:r>
+                    </a:p>
+                  </a:txBody>
+                  <a:tcPr/>
+                </a:tc>
+                <a:tc>
+                  <a:txBody>
+                    <a:bodyPr/>
+                    <a:lstStyle/>
+                    <a:p>
+                      <a:pPr algn="ctr"/>
+                      <a:r>
+                        <a:rPr lang="en-US" sz="800" dirty="0"/>
+                        <a:t>18</a:t>
+                      </a:r>
+                    </a:p>
+                  </a:txBody>
+                  <a:tcPr/>
+                </a:tc>
+                <a:tc>
+                  <a:txBody>
+                    <a:bodyPr/>
+                    <a:lstStyle/>
+                    <a:p>
+                      <a:pPr algn="ctr"/>
+                      <a:r>
+                        <a:rPr lang="en-US" sz="800" dirty="0"/>
+                        <a:t>19</a:t>
+                      </a:r>
+                    </a:p>
+                  </a:txBody>
+                  <a:tcPr/>
+                </a:tc>
+                <a:tc>
+                  <a:txBody>
+                    <a:bodyPr/>
+                    <a:lstStyle/>
+                    <a:p>
+                      <a:pPr algn="ctr"/>
+                      <a:r>
+                        <a:rPr lang="en-US" sz="800" dirty="0"/>
+                        <a:t>16</a:t>
+                      </a:r>
+                    </a:p>
+                  </a:txBody>
+                  <a:tcPr/>
+                </a:tc>
+                <a:tc>
+                  <a:txBody>
+                    <a:bodyPr/>
+                    <a:lstStyle/>
+                    <a:p>
+                      <a:pPr algn="ctr"/>
+                      <a:r>
+                        <a:rPr lang="en-US" sz="800" dirty="0"/>
+                        <a:t>5</a:t>
+                      </a:r>
+                    </a:p>
+                  </a:txBody>
+                  <a:tcPr/>
+                </a:tc>
+                <a:extLst>
+                  <a:ext uri="{0D108BD9-81ED-4DB2-BD59-A6C34878D82A}">
+                    <a16:rowId xmlns:a16="http://schemas.microsoft.com/office/drawing/2014/main" val="3477957664"/>
+                  </a:ext>
+                </a:extLst>
+              </a:tr>
+              <a:tr h="0">
+                <a:tc>
+                  <a:txBody>
+                    <a:bodyPr/>
+                    <a:lstStyle/>
+                    <a:p>
+                      <a:pPr algn="ctr"/>
+                      <a:r>
+                        <a:rPr lang="en-US" sz="800" dirty="0"/>
+                        <a:t>237186</a:t>
+                      </a:r>
+                    </a:p>
+                  </a:txBody>
+                  <a:tcPr/>
+                </a:tc>
+                <a:tc>
+                  <a:txBody>
+                    <a:bodyPr/>
+                    <a:lstStyle/>
+                    <a:p>
+                      <a:pPr algn="ctr"/>
+                      <a:r>
+                        <a:rPr lang="en-US" sz="800" dirty="0"/>
+                        <a:t>20</a:t>
+                      </a:r>
+                    </a:p>
+                  </a:txBody>
+                  <a:tcPr/>
+                </a:tc>
+                <a:tc>
+                  <a:txBody>
+                    <a:bodyPr/>
+                    <a:lstStyle/>
+                    <a:p>
+                      <a:pPr algn="ctr"/>
+                      <a:r>
+                        <a:rPr lang="en-US" sz="800" dirty="0"/>
+                        <a:t>9</a:t>
+                      </a:r>
+                    </a:p>
+                  </a:txBody>
+                  <a:tcPr/>
+                </a:tc>
+                <a:tc>
+                  <a:txBody>
+                    <a:bodyPr/>
+                    <a:lstStyle/>
+                    <a:p>
+                      <a:pPr algn="ctr"/>
+                      <a:r>
+                        <a:rPr lang="en-US" sz="800" dirty="0"/>
+                        <a:t>18</a:t>
+                      </a:r>
+                    </a:p>
+                  </a:txBody>
+                  <a:tcPr/>
+                </a:tc>
+                <a:tc>
+                  <a:txBody>
+                    <a:bodyPr/>
+                    <a:lstStyle/>
+                    <a:p>
+                      <a:pPr algn="ctr"/>
+                      <a:r>
+                        <a:rPr lang="en-US" sz="800" dirty="0"/>
+                        <a:t>6</a:t>
+                      </a:r>
+                    </a:p>
+                  </a:txBody>
+                  <a:tcPr/>
+                </a:tc>
+                <a:tc>
+                  <a:txBody>
+                    <a:bodyPr/>
+                    <a:lstStyle/>
+                    <a:p>
+                      <a:pPr algn="ctr"/>
+                      <a:r>
+                        <a:rPr lang="en-US" sz="800" dirty="0"/>
+                        <a:t>4</a:t>
+                      </a:r>
+                    </a:p>
+                  </a:txBody>
+                  <a:tcPr/>
+                </a:tc>
+                <a:extLst>
+                  <a:ext uri="{0D108BD9-81ED-4DB2-BD59-A6C34878D82A}">
+                    <a16:rowId xmlns:a16="http://schemas.microsoft.com/office/drawing/2014/main" val="4136625272"/>
+                  </a:ext>
+                </a:extLst>
+              </a:tr>
+              <a:tr h="0">
+                <a:tc>
+                  <a:txBody>
+                    <a:bodyPr/>
+                    <a:lstStyle/>
+                    <a:p>
+                      <a:pPr algn="ctr"/>
+                      <a:r>
+                        <a:rPr lang="en-US" sz="800" dirty="0"/>
+                        <a:t>100871</a:t>
+                      </a:r>
+                    </a:p>
+                  </a:txBody>
+                  <a:tcPr/>
+                </a:tc>
+                <a:tc>
+                  <a:txBody>
+                    <a:bodyPr/>
+                    <a:lstStyle/>
+                    <a:p>
+                      <a:pPr algn="ctr"/>
+                      <a:r>
+                        <a:rPr lang="en-US" sz="800" dirty="0"/>
+                        <a:t>56</a:t>
+                      </a:r>
+                    </a:p>
+                  </a:txBody>
+                  <a:tcPr/>
+                </a:tc>
+                <a:tc>
+                  <a:txBody>
+                    <a:bodyPr/>
+                    <a:lstStyle/>
+                    <a:p>
+                      <a:pPr algn="ctr"/>
+                      <a:r>
+                        <a:rPr lang="en-US" sz="800" dirty="0"/>
+                        <a:t>22</a:t>
+                      </a:r>
+                    </a:p>
+                  </a:txBody>
+                  <a:tcPr/>
+                </a:tc>
+                <a:tc>
+                  <a:txBody>
+                    <a:bodyPr/>
+                    <a:lstStyle/>
+                    <a:p>
+                      <a:pPr algn="ctr"/>
+                      <a:r>
+                        <a:rPr lang="en-US" sz="800" dirty="0"/>
+                        <a:t>35</a:t>
+                      </a:r>
+                    </a:p>
+                  </a:txBody>
+                  <a:tcPr/>
+                </a:tc>
+                <a:tc>
+                  <a:txBody>
+                    <a:bodyPr/>
+                    <a:lstStyle/>
+                    <a:p>
+                      <a:pPr algn="ctr"/>
+                      <a:r>
+                        <a:rPr lang="en-US" sz="800" dirty="0"/>
+                        <a:t>17</a:t>
+                      </a:r>
+                    </a:p>
+                  </a:txBody>
+                  <a:tcPr/>
+                </a:tc>
+                <a:tc>
+                  <a:txBody>
+                    <a:bodyPr/>
+                    <a:lstStyle/>
+                    <a:p>
+                      <a:pPr algn="ctr"/>
+                      <a:r>
+                        <a:rPr lang="en-US" sz="800" dirty="0"/>
+                        <a:t>6</a:t>
+                      </a:r>
+                    </a:p>
+                  </a:txBody>
+                  <a:tcPr/>
+                </a:tc>
+                <a:extLst>
+                  <a:ext uri="{0D108BD9-81ED-4DB2-BD59-A6C34878D82A}">
+                    <a16:rowId xmlns:a16="http://schemas.microsoft.com/office/drawing/2014/main" val="2569028482"/>
+                  </a:ext>
+                </a:extLst>
+              </a:tr>
+              <a:tr h="0">
+                <a:tc>
+                  <a:txBody>
+                    <a:bodyPr/>
+                    <a:lstStyle/>
+                    <a:p>
+                      <a:pPr algn="ctr"/>
+                      <a:r>
+                        <a:rPr lang="en-US" sz="800" dirty="0"/>
+                        <a:t>…</a:t>
+                      </a:r>
+                    </a:p>
+                  </a:txBody>
+                  <a:tcPr/>
+                </a:tc>
+                <a:tc>
+                  <a:txBody>
+                    <a:bodyPr/>
+                    <a:lstStyle/>
+                    <a:p>
+                      <a:pPr algn="ctr"/>
+                      <a:r>
+                        <a:rPr lang="en-US" sz="800" dirty="0"/>
+                        <a:t>…</a:t>
+                      </a:r>
+                    </a:p>
+                  </a:txBody>
+                  <a:tcPr/>
+                </a:tc>
+                <a:tc>
+                  <a:txBody>
+                    <a:bodyPr/>
+                    <a:lstStyle/>
+                    <a:p>
+                      <a:pPr algn="ctr"/>
+                      <a:r>
+                        <a:rPr lang="en-US" sz="800" dirty="0"/>
+                        <a:t>…</a:t>
+                      </a:r>
+                    </a:p>
+                  </a:txBody>
+                  <a:tcPr/>
+                </a:tc>
+                <a:tc>
+                  <a:txBody>
+                    <a:bodyPr/>
+                    <a:lstStyle/>
+                    <a:p>
+                      <a:pPr algn="ctr"/>
+                      <a:r>
+                        <a:rPr lang="en-US" sz="800" dirty="0"/>
+                        <a:t>…</a:t>
+                      </a:r>
+                    </a:p>
+                  </a:txBody>
+                  <a:tcPr/>
+                </a:tc>
+                <a:tc>
+                  <a:txBody>
+                    <a:bodyPr/>
+                    <a:lstStyle/>
+                    <a:p>
+                      <a:pPr algn="ctr"/>
+                      <a:r>
+                        <a:rPr lang="en-US" sz="800" dirty="0"/>
+                        <a:t>…</a:t>
+                      </a:r>
+                    </a:p>
+                  </a:txBody>
+                  <a:tcPr/>
+                </a:tc>
+                <a:tc>
+                  <a:txBody>
+                    <a:bodyPr/>
+                    <a:lstStyle/>
+                    <a:p>
+                      <a:pPr algn="ctr"/>
+                      <a:r>
+                        <a:rPr lang="en-US" sz="800" dirty="0"/>
+                        <a:t>…</a:t>
+                      </a:r>
+                    </a:p>
+                  </a:txBody>
+                  <a:tcPr/>
+                </a:tc>
+                <a:extLst>
+                  <a:ext uri="{0D108BD9-81ED-4DB2-BD59-A6C34878D82A}">
+                    <a16:rowId xmlns:a16="http://schemas.microsoft.com/office/drawing/2014/main" val="3129840939"/>
+                  </a:ext>
+                </a:extLst>
+              </a:tr>
+              <a:tr h="0">
+                <a:tc>
+                  <a:txBody>
+                    <a:bodyPr/>
+                    <a:lstStyle/>
+                    <a:p>
+                      <a:pPr algn="ctr"/>
+                      <a:r>
+                        <a:rPr lang="en-US" sz="800" dirty="0"/>
+                        <a:t>49472</a:t>
+                      </a:r>
+                    </a:p>
+                  </a:txBody>
+                  <a:tcPr/>
+                </a:tc>
+                <a:tc>
+                  <a:txBody>
+                    <a:bodyPr/>
+                    <a:lstStyle/>
+                    <a:p>
+                      <a:pPr algn="ctr"/>
+                      <a:r>
+                        <a:rPr lang="en-US" sz="800" dirty="0"/>
+                        <a:t>17</a:t>
+                      </a:r>
+                    </a:p>
+                  </a:txBody>
+                  <a:tcPr/>
+                </a:tc>
+                <a:tc>
+                  <a:txBody>
+                    <a:bodyPr/>
+                    <a:lstStyle/>
+                    <a:p>
+                      <a:pPr algn="ctr"/>
+                      <a:r>
+                        <a:rPr lang="en-US" sz="800" dirty="0"/>
+                        <a:t>12</a:t>
+                      </a:r>
+                    </a:p>
+                  </a:txBody>
+                  <a:tcPr/>
+                </a:tc>
+                <a:tc>
+                  <a:txBody>
+                    <a:bodyPr/>
+                    <a:lstStyle/>
+                    <a:p>
+                      <a:pPr algn="ctr"/>
+                      <a:r>
+                        <a:rPr lang="en-US" sz="800" dirty="0"/>
+                        <a:t>11</a:t>
+                      </a:r>
+                    </a:p>
+                  </a:txBody>
+                  <a:tcPr/>
+                </a:tc>
+                <a:tc>
+                  <a:txBody>
+                    <a:bodyPr/>
+                    <a:lstStyle/>
+                    <a:p>
+                      <a:pPr algn="ctr"/>
+                      <a:r>
+                        <a:rPr lang="en-US" sz="800" dirty="0"/>
+                        <a:t>7</a:t>
+                      </a:r>
+                    </a:p>
+                  </a:txBody>
+                  <a:tcPr/>
+                </a:tc>
+                <a:tc>
+                  <a:txBody>
+                    <a:bodyPr/>
+                    <a:lstStyle/>
+                    <a:p>
+                      <a:pPr algn="ctr"/>
+                      <a:r>
+                        <a:rPr lang="en-US" sz="800" dirty="0"/>
+                        <a:t>4</a:t>
+                      </a:r>
+                    </a:p>
+                  </a:txBody>
+                  <a:tcPr/>
+                </a:tc>
+                <a:extLst>
+                  <a:ext uri="{0D108BD9-81ED-4DB2-BD59-A6C34878D82A}">
+                    <a16:rowId xmlns:a16="http://schemas.microsoft.com/office/drawing/2014/main" val="2900605880"/>
+                  </a:ext>
+                </a:extLst>
+              </a:tr>
+              <a:tr h="0">
+                <a:tc>
+                  <a:txBody>
+                    <a:bodyPr/>
+                    <a:lstStyle/>
+                    <a:p>
+                      <a:pPr algn="ctr"/>
+                      <a:r>
+                        <a:rPr lang="en-US" sz="800" dirty="0"/>
+                        <a:t>28974</a:t>
+                      </a:r>
+                    </a:p>
+                  </a:txBody>
+                  <a:tcPr/>
+                </a:tc>
+                <a:tc>
+                  <a:txBody>
+                    <a:bodyPr/>
+                    <a:lstStyle/>
+                    <a:p>
+                      <a:pPr algn="ctr"/>
+                      <a:r>
+                        <a:rPr lang="en-US" sz="800" dirty="0"/>
+                        <a:t>129</a:t>
+                      </a:r>
+                    </a:p>
+                  </a:txBody>
+                  <a:tcPr/>
+                </a:tc>
+                <a:tc>
+                  <a:txBody>
+                    <a:bodyPr/>
+                    <a:lstStyle/>
+                    <a:p>
+                      <a:pPr algn="ctr"/>
+                      <a:r>
+                        <a:rPr lang="en-US" sz="800" dirty="0"/>
+                        <a:t>43</a:t>
+                      </a:r>
+                    </a:p>
+                  </a:txBody>
+                  <a:tcPr/>
+                </a:tc>
+                <a:tc>
+                  <a:txBody>
+                    <a:bodyPr/>
+                    <a:lstStyle/>
+                    <a:p>
+                      <a:pPr algn="ctr"/>
+                      <a:r>
+                        <a:rPr lang="en-US" sz="800" dirty="0"/>
+                        <a:t>61</a:t>
+                      </a:r>
+                    </a:p>
+                  </a:txBody>
+                  <a:tcPr/>
+                </a:tc>
+                <a:tc>
+                  <a:txBody>
+                    <a:bodyPr/>
+                    <a:lstStyle/>
+                    <a:p>
+                      <a:pPr algn="ctr"/>
+                      <a:r>
+                        <a:rPr lang="en-US" sz="800" dirty="0"/>
+                        <a:t>21</a:t>
+                      </a:r>
+                    </a:p>
+                  </a:txBody>
+                  <a:tcPr/>
+                </a:tc>
+                <a:tc>
+                  <a:txBody>
+                    <a:bodyPr/>
+                    <a:lstStyle/>
+                    <a:p>
+                      <a:pPr algn="ctr"/>
+                      <a:r>
+                        <a:rPr lang="en-US" sz="800" dirty="0"/>
+                        <a:t>4</a:t>
+                      </a:r>
+                    </a:p>
+                  </a:txBody>
+                  <a:tcPr/>
+                </a:tc>
+                <a:extLst>
+                  <a:ext uri="{0D108BD9-81ED-4DB2-BD59-A6C34878D82A}">
+                    <a16:rowId xmlns:a16="http://schemas.microsoft.com/office/drawing/2014/main" val="3444955994"/>
+                  </a:ext>
+                </a:extLst>
+              </a:tr>
+              <a:tr h="0">
+                <a:tc>
+                  <a:txBody>
+                    <a:bodyPr/>
+                    <a:lstStyle/>
+                    <a:p>
+                      <a:pPr algn="ctr"/>
+                      <a:r>
+                        <a:rPr lang="en-US" sz="800" dirty="0"/>
+                        <a:t>359629</a:t>
+                      </a:r>
+                    </a:p>
+                  </a:txBody>
+                  <a:tcPr/>
+                </a:tc>
+                <a:tc>
+                  <a:txBody>
+                    <a:bodyPr/>
+                    <a:lstStyle/>
+                    <a:p>
+                      <a:pPr algn="ctr"/>
+                      <a:r>
+                        <a:rPr lang="en-US" sz="800" dirty="0"/>
+                        <a:t>223</a:t>
+                      </a:r>
+                    </a:p>
+                  </a:txBody>
+                  <a:tcPr/>
+                </a:tc>
+                <a:tc>
+                  <a:txBody>
+                    <a:bodyPr/>
+                    <a:lstStyle/>
+                    <a:p>
+                      <a:pPr algn="ctr"/>
+                      <a:r>
+                        <a:rPr lang="en-US" sz="800" dirty="0"/>
+                        <a:t>55</a:t>
+                      </a:r>
+                    </a:p>
+                  </a:txBody>
+                  <a:tcPr/>
+                </a:tc>
+                <a:tc>
+                  <a:txBody>
+                    <a:bodyPr/>
+                    <a:lstStyle/>
+                    <a:p>
+                      <a:pPr algn="ctr"/>
+                      <a:r>
+                        <a:rPr lang="en-US" sz="800" dirty="0"/>
+                        <a:t>64</a:t>
+                      </a:r>
+                    </a:p>
+                  </a:txBody>
+                  <a:tcPr/>
+                </a:tc>
+                <a:tc>
+                  <a:txBody>
+                    <a:bodyPr/>
+                    <a:lstStyle/>
+                    <a:p>
+                      <a:pPr algn="ctr"/>
+                      <a:r>
+                        <a:rPr lang="en-US" sz="800" dirty="0"/>
+                        <a:t>34</a:t>
+                      </a:r>
+                    </a:p>
+                  </a:txBody>
+                  <a:tcPr/>
+                </a:tc>
+                <a:tc>
+                  <a:txBody>
+                    <a:bodyPr/>
+                    <a:lstStyle/>
+                    <a:p>
+                      <a:pPr algn="ctr"/>
+                      <a:r>
+                        <a:rPr lang="en-US" sz="800" dirty="0"/>
+                        <a:t>5</a:t>
+                      </a:r>
+                    </a:p>
+                  </a:txBody>
+                  <a:tcPr/>
+                </a:tc>
+                <a:extLst>
+                  <a:ext uri="{0D108BD9-81ED-4DB2-BD59-A6C34878D82A}">
+                    <a16:rowId xmlns:a16="http://schemas.microsoft.com/office/drawing/2014/main" val="1381086814"/>
+                  </a:ext>
+                </a:extLst>
+              </a:tr>
+              <a:tr h="0">
+                <a:tc>
+                  <a:txBody>
+                    <a:bodyPr/>
+                    <a:lstStyle/>
+                    <a:p>
+                      <a:pPr algn="ctr"/>
+                      <a:r>
+                        <a:rPr lang="en-US" sz="800" dirty="0"/>
+                        <a:t>216711</a:t>
+                      </a:r>
+                    </a:p>
+                  </a:txBody>
+                  <a:tcPr/>
+                </a:tc>
+                <a:tc>
+                  <a:txBody>
+                    <a:bodyPr/>
+                    <a:lstStyle/>
+                    <a:p>
+                      <a:pPr algn="ctr"/>
+                      <a:r>
+                        <a:rPr lang="en-US" sz="800" dirty="0"/>
+                        <a:t>1950</a:t>
+                      </a:r>
+                    </a:p>
+                  </a:txBody>
+                  <a:tcPr/>
+                </a:tc>
+                <a:tc>
+                  <a:txBody>
+                    <a:bodyPr/>
+                    <a:lstStyle/>
+                    <a:p>
+                      <a:pPr algn="ctr"/>
+                      <a:r>
+                        <a:rPr lang="en-US" sz="800" dirty="0"/>
+                        <a:t>319</a:t>
+                      </a:r>
+                    </a:p>
+                  </a:txBody>
+                  <a:tcPr/>
+                </a:tc>
+                <a:tc>
+                  <a:txBody>
+                    <a:bodyPr/>
+                    <a:lstStyle/>
+                    <a:p>
+                      <a:pPr algn="ctr"/>
+                      <a:r>
+                        <a:rPr lang="en-US" sz="800" dirty="0"/>
+                        <a:t>726</a:t>
+                      </a:r>
+                    </a:p>
+                  </a:txBody>
+                  <a:tcPr/>
+                </a:tc>
+                <a:tc>
+                  <a:txBody>
+                    <a:bodyPr/>
+                    <a:lstStyle/>
+                    <a:p>
+                      <a:pPr algn="ctr"/>
+                      <a:r>
+                        <a:rPr lang="en-US" sz="800" dirty="0"/>
+                        <a:t>126</a:t>
+                      </a:r>
+                    </a:p>
+                  </a:txBody>
+                  <a:tcPr/>
+                </a:tc>
+                <a:tc>
+                  <a:txBody>
+                    <a:bodyPr/>
+                    <a:lstStyle/>
+                    <a:p>
+                      <a:pPr algn="ctr"/>
+                      <a:r>
+                        <a:rPr lang="en-US" sz="800" dirty="0"/>
+                        <a:t>6</a:t>
+                      </a:r>
+                    </a:p>
+                  </a:txBody>
+                  <a:tcPr/>
+                </a:tc>
+                <a:extLst>
+                  <a:ext uri="{0D108BD9-81ED-4DB2-BD59-A6C34878D82A}">
+                    <a16:rowId xmlns:a16="http://schemas.microsoft.com/office/drawing/2014/main" val="3186770763"/>
+                  </a:ext>
+                </a:extLst>
+              </a:tr>
+              <a:tr h="0">
+                <a:tc>
+                  <a:txBody>
+                    <a:bodyPr/>
+                    <a:lstStyle/>
+                    <a:p>
+                      <a:pPr algn="ctr"/>
+                      <a:r>
+                        <a:rPr lang="en-US" sz="800" dirty="0"/>
+                        <a:t>61119</a:t>
+                      </a:r>
+                    </a:p>
+                  </a:txBody>
+                  <a:tcPr/>
+                </a:tc>
+                <a:tc>
+                  <a:txBody>
+                    <a:bodyPr/>
+                    <a:lstStyle/>
+                    <a:p>
+                      <a:pPr algn="ctr"/>
+                      <a:r>
+                        <a:rPr lang="en-US" sz="800" dirty="0"/>
+                        <a:t>153</a:t>
+                      </a:r>
+                    </a:p>
+                  </a:txBody>
+                  <a:tcPr/>
+                </a:tc>
+                <a:tc>
+                  <a:txBody>
+                    <a:bodyPr/>
+                    <a:lstStyle/>
+                    <a:p>
+                      <a:pPr algn="ctr"/>
+                      <a:r>
+                        <a:rPr lang="en-US" sz="800" dirty="0"/>
+                        <a:t>46</a:t>
+                      </a:r>
+                    </a:p>
+                  </a:txBody>
+                  <a:tcPr/>
+                </a:tc>
+                <a:tc>
+                  <a:txBody>
+                    <a:bodyPr/>
+                    <a:lstStyle/>
+                    <a:p>
+                      <a:pPr algn="ctr"/>
+                      <a:r>
+                        <a:rPr lang="en-US" sz="800" dirty="0"/>
+                        <a:t>72</a:t>
+                      </a:r>
+                    </a:p>
+                  </a:txBody>
+                  <a:tcPr/>
+                </a:tc>
+                <a:tc>
+                  <a:txBody>
+                    <a:bodyPr/>
+                    <a:lstStyle/>
+                    <a:p>
+                      <a:pPr algn="ctr"/>
+                      <a:r>
+                        <a:rPr lang="en-US" sz="800" dirty="0"/>
+                        <a:t>34</a:t>
+                      </a:r>
+                    </a:p>
+                  </a:txBody>
+                  <a:tcPr/>
+                </a:tc>
+                <a:tc>
+                  <a:txBody>
+                    <a:bodyPr/>
+                    <a:lstStyle/>
+                    <a:p>
+                      <a:pPr algn="ctr"/>
+                      <a:r>
+                        <a:rPr lang="en-US" sz="800" dirty="0"/>
+                        <a:t>5</a:t>
+                      </a:r>
+                    </a:p>
+                  </a:txBody>
+                  <a:tcPr/>
+                </a:tc>
+                <a:extLst>
+                  <a:ext uri="{0D108BD9-81ED-4DB2-BD59-A6C34878D82A}">
+                    <a16:rowId xmlns:a16="http://schemas.microsoft.com/office/drawing/2014/main" val="3105223172"/>
+                  </a:ext>
+                </a:extLst>
+              </a:tr>
+            </a:tbl>
+          </a:graphicData>
+        </a:graphic>
+      </p:graphicFrame>
+      <p:pic>
+        <p:nvPicPr>
+          <p:cNvPr id="11" name="Picture 10">
+            <a:extLst>
+              <a:ext uri="{FF2B5EF4-FFF2-40B4-BE49-F238E27FC236}">
+                <a16:creationId xmlns:a16="http://schemas.microsoft.com/office/drawing/2014/main" id="{4A4B0E0C-8D93-4A3F-86F4-C4A7064E5FB1}"/>
+              </a:ext>
+            </a:extLst>
+          </p:cNvPr>
+          <p:cNvPicPr>
+            <a:picLocks noChangeAspect="1"/>
+          </p:cNvPicPr>
+          <p:nvPr/>
+        </p:nvPicPr>
+        <p:blipFill>
+          <a:blip r:embed="rId2" cstate="print">
+            <a:extLst>
+              <a:ext uri="{28A0092B-C50C-407E-A947-70E740481C1C}">
+                <a14:useLocalDpi xmlns:a14="http://schemas.microsoft.com/office/drawing/2010/main" val="0"/>
+              </a:ext>
+            </a:extLst>
+          </a:blip>
+          <a:stretch>
+            <a:fillRect/>
+          </a:stretch>
+        </p:blipFill>
+        <p:spPr>
+          <a:xfrm>
+            <a:off x="6223377" y="1676853"/>
+            <a:ext cx="3197364" cy="3197364"/>
+          </a:xfrm>
+          <a:prstGeom prst="rect">
+            <a:avLst/>
+          </a:prstGeom>
+        </p:spPr>
+      </p:pic>
+    </p:spTree>
+    <p:extLst>
+      <p:ext uri="{BB962C8B-B14F-4D97-AF65-F5344CB8AC3E}">
+        <p14:creationId xmlns:p14="http://schemas.microsoft.com/office/powerpoint/2010/main" val="2686512986"/>
+      </p:ext>
+    </p:extLst>
+  </p:cSld>
+  <p:clrMapOvr>
+    <a:masterClrMapping/>
+  </p:clrMapOvr>
+</p:sld>
+</file>
+
+<file path=ppt/slides/slide12.xml><?xml version="1.0" encoding="utf-8"?>
+<p:sld xmlns:a="http://schemas.openxmlformats.org/drawingml/2006/main" xmlns:r="http://schemas.openxmlformats.org/officeDocument/2006/relationships" xmlns:p="http://schemas.openxmlformats.org/presentationml/2006/main">
+  <p:cSld>
+    <p:spTree>
+      <p:nvGrpSpPr>
+        <p:cNvPr id="1" name=""/>
+        <p:cNvGrpSpPr/>
+        <p:nvPr/>
+      </p:nvGrpSpPr>
+      <p:grpSpPr>
+        <a:xfrm>
+          <a:off x="0" y="0"/>
+          <a:ext cx="0" cy="0"/>
+          <a:chOff x="0" y="0"/>
+          <a:chExt cx="0" cy="0"/>
+        </a:xfrm>
+      </p:grpSpPr>
+      <p:sp>
+        <p:nvSpPr>
+          <p:cNvPr id="5" name="TextBox 4">
+            <a:extLst>
+              <a:ext uri="{FF2B5EF4-FFF2-40B4-BE49-F238E27FC236}">
+                <a16:creationId xmlns:a16="http://schemas.microsoft.com/office/drawing/2014/main" id="{B487B602-F62B-43E3-BE12-593DF83BCCC8}"/>
+              </a:ext>
+            </a:extLst>
+          </p:cNvPr>
+          <p:cNvSpPr txBox="1"/>
+          <p:nvPr/>
+        </p:nvSpPr>
+        <p:spPr>
+          <a:xfrm>
+            <a:off x="2368549" y="394454"/>
+            <a:ext cx="5343525" cy="584775"/>
+          </a:xfrm>
+          <a:prstGeom prst="rect">
+            <a:avLst/>
+          </a:prstGeom>
+          <a:noFill/>
+        </p:spPr>
+        <p:txBody>
+          <a:bodyPr wrap="square">
+            <a:spAutoFit/>
+          </a:bodyPr>
+          <a:lstStyle/>
+          <a:p>
+            <a:pPr algn="ctr"/>
+            <a:r>
+              <a:rPr lang="en-US" sz="3200" dirty="0"/>
+              <a:t>Statistical Analysis Features </a:t>
+            </a:r>
+          </a:p>
+        </p:txBody>
+      </p:sp>
+      <p:sp>
+        <p:nvSpPr>
+          <p:cNvPr id="6" name="TextBox 5">
+            <a:extLst>
+              <a:ext uri="{FF2B5EF4-FFF2-40B4-BE49-F238E27FC236}">
+                <a16:creationId xmlns:a16="http://schemas.microsoft.com/office/drawing/2014/main" id="{43DAB628-E566-4810-A720-8BEE9E4F5721}"/>
+              </a:ext>
+            </a:extLst>
+          </p:cNvPr>
+          <p:cNvSpPr txBox="1"/>
+          <p:nvPr/>
+        </p:nvSpPr>
+        <p:spPr>
+          <a:xfrm>
+            <a:off x="2229285" y="1281747"/>
+            <a:ext cx="5622052" cy="1477328"/>
+          </a:xfrm>
+          <a:prstGeom prst="rect">
+            <a:avLst/>
+          </a:prstGeom>
+          <a:noFill/>
+        </p:spPr>
+        <p:txBody>
+          <a:bodyPr wrap="none" rtlCol="0">
+            <a:spAutoFit/>
+          </a:bodyPr>
+          <a:lstStyle/>
+          <a:p>
+            <a:r>
+              <a:rPr lang="en-US" dirty="0"/>
+              <a:t>Over the calculated user-merchant counting features:</a:t>
+            </a:r>
+          </a:p>
+          <a:p>
+            <a:pPr marL="285750" indent="-285750">
+              <a:buFont typeface="Arial" panose="020B0604020202020204" pitchFamily="34" charset="0"/>
+              <a:buChar char="•"/>
+            </a:pPr>
+            <a:r>
+              <a:rPr lang="en-US" dirty="0"/>
+              <a:t>Max</a:t>
+            </a:r>
+          </a:p>
+          <a:p>
+            <a:pPr marL="285750" indent="-285750">
+              <a:buFont typeface="Arial" panose="020B0604020202020204" pitchFamily="34" charset="0"/>
+              <a:buChar char="•"/>
+            </a:pPr>
+            <a:r>
+              <a:rPr lang="en-US" dirty="0"/>
+              <a:t>Mean</a:t>
+            </a:r>
+          </a:p>
+          <a:p>
+            <a:pPr marL="285750" indent="-285750">
+              <a:buFont typeface="Arial" panose="020B0604020202020204" pitchFamily="34" charset="0"/>
+              <a:buChar char="•"/>
+            </a:pPr>
+            <a:r>
+              <a:rPr lang="en-US" dirty="0"/>
+              <a:t>Median</a:t>
+            </a:r>
+          </a:p>
+          <a:p>
+            <a:pPr marL="285750" indent="-285750">
+              <a:buFont typeface="Arial" panose="020B0604020202020204" pitchFamily="34" charset="0"/>
+              <a:buChar char="•"/>
+            </a:pPr>
+            <a:r>
+              <a:rPr lang="en-US" dirty="0"/>
+              <a:t>Standard deviation</a:t>
+            </a:r>
+          </a:p>
+        </p:txBody>
+      </p:sp>
+      <p:sp>
+        <p:nvSpPr>
+          <p:cNvPr id="9" name="Arrow: Right 8">
+            <a:extLst>
+              <a:ext uri="{FF2B5EF4-FFF2-40B4-BE49-F238E27FC236}">
+                <a16:creationId xmlns:a16="http://schemas.microsoft.com/office/drawing/2014/main" id="{B9A8F375-020C-4634-B5D3-2D93D9713396}"/>
+              </a:ext>
+            </a:extLst>
+          </p:cNvPr>
+          <p:cNvSpPr/>
+          <p:nvPr/>
+        </p:nvSpPr>
+        <p:spPr>
+          <a:xfrm>
+            <a:off x="5557833" y="3608342"/>
+            <a:ext cx="678180" cy="312420"/>
+          </a:xfrm>
+          <a:prstGeom prst="rightArrow">
+            <a:avLst/>
+          </a:prstGeom>
+          <a:solidFill>
+            <a:schemeClr val="bg1">
+              <a:lumMod val="75000"/>
+            </a:schemeClr>
+          </a:solidFill>
+          <a:ln>
+            <a:solidFill>
+              <a:schemeClr val="bg1">
+                <a:lumMod val="85000"/>
+              </a:schemeClr>
+            </a:solidFill>
+          </a:ln>
+        </p:spPr>
+        <p:style>
+          <a:lnRef idx="2">
+            <a:schemeClr val="accent1">
+              <a:shade val="50000"/>
+            </a:schemeClr>
+          </a:lnRef>
+          <a:fillRef idx="1">
+            <a:schemeClr val="accent1"/>
+          </a:fillRef>
+          <a:effectRef idx="0">
+            <a:schemeClr val="accent1"/>
+          </a:effectRef>
+          <a:fontRef idx="minor">
+            <a:schemeClr val="lt1"/>
+          </a:fontRef>
+        </p:style>
+        <p:txBody>
+          <a:bodyPr rtlCol="0" anchor="ctr"/>
+          <a:lstStyle/>
+          <a:p>
+            <a:pPr algn="ctr"/>
+            <a:endParaRPr lang="en-US">
+              <a:ln w="0"/>
+              <a:solidFill>
+                <a:schemeClr val="tx1"/>
+              </a:solidFill>
+              <a:effectLst>
+                <a:outerShdw blurRad="38100" dist="19050" dir="2700000" algn="tl" rotWithShape="0">
+                  <a:schemeClr val="dk1">
+                    <a:alpha val="40000"/>
+                  </a:schemeClr>
+                </a:outerShdw>
+              </a:effectLst>
+            </a:endParaRPr>
+          </a:p>
+        </p:txBody>
+      </p:sp>
+      <p:graphicFrame>
+        <p:nvGraphicFramePr>
+          <p:cNvPr id="14" name="Table 14">
+            <a:extLst>
+              <a:ext uri="{FF2B5EF4-FFF2-40B4-BE49-F238E27FC236}">
+                <a16:creationId xmlns:a16="http://schemas.microsoft.com/office/drawing/2014/main" id="{285F6B79-B814-4700-B645-BF8A231BA94D}"/>
+              </a:ext>
+            </a:extLst>
+          </p:cNvPr>
+          <p:cNvGraphicFramePr>
+            <a:graphicFrameLocks noGrp="1"/>
+          </p:cNvGraphicFramePr>
+          <p:nvPr>
+            <p:extLst/>
+          </p:nvPr>
+        </p:nvGraphicFramePr>
+        <p:xfrm>
+          <a:off x="1627625" y="3116852"/>
+          <a:ext cx="3661503" cy="1295400"/>
+        </p:xfrm>
+        <a:graphic>
+          <a:graphicData uri="http://schemas.openxmlformats.org/drawingml/2006/table">
+            <a:tbl>
+              <a:tblPr firstRow="1" bandRow="1">
+                <a:tableStyleId>{9D7B26C5-4107-4FEC-AEDC-1716B250A1EF}</a:tableStyleId>
+              </a:tblPr>
+              <a:tblGrid>
+                <a:gridCol w="1220501">
+                  <a:extLst>
+                    <a:ext uri="{9D8B030D-6E8A-4147-A177-3AD203B41FA5}">
+                      <a16:colId xmlns:a16="http://schemas.microsoft.com/office/drawing/2014/main" val="4209355329"/>
+                    </a:ext>
+                  </a:extLst>
+                </a:gridCol>
+                <a:gridCol w="1220501">
+                  <a:extLst>
+                    <a:ext uri="{9D8B030D-6E8A-4147-A177-3AD203B41FA5}">
+                      <a16:colId xmlns:a16="http://schemas.microsoft.com/office/drawing/2014/main" val="4112978314"/>
+                    </a:ext>
+                  </a:extLst>
+                </a:gridCol>
+                <a:gridCol w="1220501">
+                  <a:extLst>
+                    <a:ext uri="{9D8B030D-6E8A-4147-A177-3AD203B41FA5}">
+                      <a16:colId xmlns:a16="http://schemas.microsoft.com/office/drawing/2014/main" val="2692483892"/>
+                    </a:ext>
+                  </a:extLst>
+                </a:gridCol>
+              </a:tblGrid>
+              <a:tr h="247178">
+                <a:tc>
+                  <a:txBody>
+                    <a:bodyPr/>
+                    <a:lstStyle/>
+                    <a:p>
+                      <a:pPr algn="ctr"/>
+                      <a:r>
+                        <a:rPr lang="en-US" sz="1100" dirty="0"/>
+                        <a:t>User ID</a:t>
+                      </a:r>
+                    </a:p>
+                  </a:txBody>
+                  <a:tcPr/>
+                </a:tc>
+                <a:tc>
+                  <a:txBody>
+                    <a:bodyPr/>
+                    <a:lstStyle/>
+                    <a:p>
+                      <a:pPr algn="ctr"/>
+                      <a:r>
+                        <a:rPr lang="en-US" sz="1100" dirty="0"/>
+                        <a:t>Merchant ID</a:t>
+                      </a:r>
+                    </a:p>
+                  </a:txBody>
+                  <a:tcPr/>
+                </a:tc>
+                <a:tc>
+                  <a:txBody>
+                    <a:bodyPr/>
+                    <a:lstStyle/>
+                    <a:p>
+                      <a:pPr algn="ctr"/>
+                      <a:r>
+                        <a:rPr lang="en-US" sz="1100" dirty="0"/>
+                        <a:t>Purchases</a:t>
+                      </a:r>
+                    </a:p>
+                  </a:txBody>
+                  <a:tcPr/>
+                </a:tc>
+                <a:extLst>
+                  <a:ext uri="{0D108BD9-81ED-4DB2-BD59-A6C34878D82A}">
+                    <a16:rowId xmlns:a16="http://schemas.microsoft.com/office/drawing/2014/main" val="1818282858"/>
+                  </a:ext>
+                </a:extLst>
+              </a:tr>
+              <a:tr h="247178">
+                <a:tc>
+                  <a:txBody>
+                    <a:bodyPr/>
+                    <a:lstStyle/>
+                    <a:p>
+                      <a:pPr algn="ctr"/>
+                      <a:r>
+                        <a:rPr lang="en-US" sz="1100" dirty="0"/>
+                        <a:t>34176</a:t>
+                      </a:r>
+                    </a:p>
+                  </a:txBody>
+                  <a:tcPr/>
+                </a:tc>
+                <a:tc>
+                  <a:txBody>
+                    <a:bodyPr/>
+                    <a:lstStyle/>
+                    <a:p>
+                      <a:pPr algn="ctr"/>
+                      <a:r>
+                        <a:rPr lang="en-US" sz="1100" dirty="0"/>
+                        <a:t>3906</a:t>
+                      </a:r>
+                    </a:p>
+                  </a:txBody>
+                  <a:tcPr/>
+                </a:tc>
+                <a:tc>
+                  <a:txBody>
+                    <a:bodyPr/>
+                    <a:lstStyle/>
+                    <a:p>
+                      <a:pPr algn="ctr"/>
+                      <a:r>
+                        <a:rPr lang="en-US" sz="1100" dirty="0"/>
+                        <a:t>1</a:t>
+                      </a:r>
+                    </a:p>
+                  </a:txBody>
+                  <a:tcPr/>
+                </a:tc>
+                <a:extLst>
+                  <a:ext uri="{0D108BD9-81ED-4DB2-BD59-A6C34878D82A}">
+                    <a16:rowId xmlns:a16="http://schemas.microsoft.com/office/drawing/2014/main" val="2759643257"/>
+                  </a:ext>
+                </a:extLst>
+              </a:tr>
+              <a:tr h="247178">
+                <a:tc>
+                  <a:txBody>
+                    <a:bodyPr/>
+                    <a:lstStyle/>
+                    <a:p>
+                      <a:pPr algn="ctr"/>
+                      <a:r>
+                        <a:rPr lang="en-US" sz="1100" dirty="0"/>
+                        <a:t>34176</a:t>
+                      </a:r>
+                    </a:p>
+                  </a:txBody>
+                  <a:tcPr/>
+                </a:tc>
+                <a:tc>
+                  <a:txBody>
+                    <a:bodyPr/>
+                    <a:lstStyle/>
+                    <a:p>
+                      <a:pPr algn="ctr"/>
+                      <a:r>
+                        <a:rPr lang="en-US" sz="1100" dirty="0"/>
+                        <a:t>121</a:t>
+                      </a:r>
+                    </a:p>
+                  </a:txBody>
+                  <a:tcPr/>
+                </a:tc>
+                <a:tc>
+                  <a:txBody>
+                    <a:bodyPr/>
+                    <a:lstStyle/>
+                    <a:p>
+                      <a:pPr algn="ctr"/>
+                      <a:r>
+                        <a:rPr lang="en-US" sz="1100" dirty="0"/>
+                        <a:t>1</a:t>
+                      </a:r>
+                    </a:p>
+                  </a:txBody>
+                  <a:tcPr/>
+                </a:tc>
+                <a:extLst>
+                  <a:ext uri="{0D108BD9-81ED-4DB2-BD59-A6C34878D82A}">
+                    <a16:rowId xmlns:a16="http://schemas.microsoft.com/office/drawing/2014/main" val="2439465319"/>
+                  </a:ext>
+                </a:extLst>
+              </a:tr>
+              <a:tr h="247178">
+                <a:tc>
+                  <a:txBody>
+                    <a:bodyPr/>
+                    <a:lstStyle/>
+                    <a:p>
+                      <a:pPr algn="ctr"/>
+                      <a:r>
+                        <a:rPr lang="en-US" sz="1100" dirty="0"/>
+                        <a:t>34176</a:t>
+                      </a:r>
+                    </a:p>
+                  </a:txBody>
+                  <a:tcPr/>
+                </a:tc>
+                <a:tc>
+                  <a:txBody>
+                    <a:bodyPr/>
+                    <a:lstStyle/>
+                    <a:p>
+                      <a:pPr algn="ctr"/>
+                      <a:r>
+                        <a:rPr lang="en-US" sz="1100" dirty="0"/>
+                        <a:t>4356</a:t>
+                      </a:r>
+                    </a:p>
+                  </a:txBody>
+                  <a:tcPr/>
+                </a:tc>
+                <a:tc>
+                  <a:txBody>
+                    <a:bodyPr/>
+                    <a:lstStyle/>
+                    <a:p>
+                      <a:pPr algn="ctr"/>
+                      <a:r>
+                        <a:rPr lang="en-US" sz="1100" dirty="0"/>
+                        <a:t>6</a:t>
+                      </a:r>
+                    </a:p>
+                  </a:txBody>
+                  <a:tcPr/>
+                </a:tc>
+                <a:extLst>
+                  <a:ext uri="{0D108BD9-81ED-4DB2-BD59-A6C34878D82A}">
+                    <a16:rowId xmlns:a16="http://schemas.microsoft.com/office/drawing/2014/main" val="1656419135"/>
+                  </a:ext>
+                </a:extLst>
+              </a:tr>
+              <a:tr h="245137">
+                <a:tc>
+                  <a:txBody>
+                    <a:bodyPr/>
+                    <a:lstStyle/>
+                    <a:p>
+                      <a:pPr algn="ctr"/>
+                      <a:r>
+                        <a:rPr lang="en-US" sz="1100" dirty="0"/>
+                        <a:t>34176</a:t>
+                      </a:r>
+                    </a:p>
+                  </a:txBody>
+                  <a:tcPr/>
+                </a:tc>
+                <a:tc>
+                  <a:txBody>
+                    <a:bodyPr/>
+                    <a:lstStyle/>
+                    <a:p>
+                      <a:pPr algn="ctr"/>
+                      <a:r>
+                        <a:rPr lang="en-US" sz="1100" dirty="0"/>
+                        <a:t>2217</a:t>
+                      </a:r>
+                    </a:p>
+                  </a:txBody>
+                  <a:tcPr/>
+                </a:tc>
+                <a:tc>
+                  <a:txBody>
+                    <a:bodyPr/>
+                    <a:lstStyle/>
+                    <a:p>
+                      <a:pPr algn="ctr"/>
+                      <a:r>
+                        <a:rPr lang="en-US" sz="1100" dirty="0"/>
+                        <a:t>1</a:t>
+                      </a:r>
+                    </a:p>
+                  </a:txBody>
+                  <a:tcPr/>
+                </a:tc>
+                <a:extLst>
+                  <a:ext uri="{0D108BD9-81ED-4DB2-BD59-A6C34878D82A}">
+                    <a16:rowId xmlns:a16="http://schemas.microsoft.com/office/drawing/2014/main" val="3912958294"/>
+                  </a:ext>
+                </a:extLst>
+              </a:tr>
+            </a:tbl>
+          </a:graphicData>
+        </a:graphic>
+      </p:graphicFrame>
+      <p:graphicFrame>
+        <p:nvGraphicFramePr>
+          <p:cNvPr id="15" name="Table 15">
+            <a:extLst>
+              <a:ext uri="{FF2B5EF4-FFF2-40B4-BE49-F238E27FC236}">
+                <a16:creationId xmlns:a16="http://schemas.microsoft.com/office/drawing/2014/main" id="{BC291D06-07E8-4EF1-A60A-7C9603F48695}"/>
+              </a:ext>
+            </a:extLst>
+          </p:cNvPr>
+          <p:cNvGraphicFramePr>
+            <a:graphicFrameLocks noGrp="1"/>
+          </p:cNvGraphicFramePr>
+          <p:nvPr>
+            <p:extLst/>
+          </p:nvPr>
+        </p:nvGraphicFramePr>
+        <p:xfrm>
+          <a:off x="6504718" y="3116852"/>
+          <a:ext cx="1719588" cy="1295400"/>
+        </p:xfrm>
+        <a:graphic>
+          <a:graphicData uri="http://schemas.openxmlformats.org/drawingml/2006/table">
+            <a:tbl>
+              <a:tblPr firstRow="1" bandRow="1">
+                <a:tableStyleId>{9D7B26C5-4107-4FEC-AEDC-1716B250A1EF}</a:tableStyleId>
+              </a:tblPr>
+              <a:tblGrid>
+                <a:gridCol w="859794">
+                  <a:extLst>
+                    <a:ext uri="{9D8B030D-6E8A-4147-A177-3AD203B41FA5}">
+                      <a16:colId xmlns:a16="http://schemas.microsoft.com/office/drawing/2014/main" val="4037665219"/>
+                    </a:ext>
+                  </a:extLst>
+                </a:gridCol>
+                <a:gridCol w="859794">
+                  <a:extLst>
+                    <a:ext uri="{9D8B030D-6E8A-4147-A177-3AD203B41FA5}">
+                      <a16:colId xmlns:a16="http://schemas.microsoft.com/office/drawing/2014/main" val="2444402967"/>
+                    </a:ext>
+                  </a:extLst>
+                </a:gridCol>
+              </a:tblGrid>
+              <a:tr h="259080">
+                <a:tc>
+                  <a:txBody>
+                    <a:bodyPr/>
+                    <a:lstStyle/>
+                    <a:p>
+                      <a:pPr algn="ctr"/>
+                      <a:r>
+                        <a:rPr lang="en-US" sz="1100" dirty="0"/>
+                        <a:t>Used ID</a:t>
+                      </a:r>
+                    </a:p>
+                  </a:txBody>
+                  <a:tcPr/>
+                </a:tc>
+                <a:tc>
+                  <a:txBody>
+                    <a:bodyPr/>
+                    <a:lstStyle/>
+                    <a:p>
+                      <a:pPr algn="ctr"/>
+                      <a:r>
+                        <a:rPr lang="en-US" sz="1100" dirty="0"/>
+                        <a:t>34176</a:t>
+                      </a:r>
+                    </a:p>
+                  </a:txBody>
+                  <a:tcPr/>
+                </a:tc>
+                <a:extLst>
+                  <a:ext uri="{0D108BD9-81ED-4DB2-BD59-A6C34878D82A}">
+                    <a16:rowId xmlns:a16="http://schemas.microsoft.com/office/drawing/2014/main" val="3773729332"/>
+                  </a:ext>
+                </a:extLst>
+              </a:tr>
+              <a:tr h="259080">
+                <a:tc>
+                  <a:txBody>
+                    <a:bodyPr/>
+                    <a:lstStyle/>
+                    <a:p>
+                      <a:pPr algn="ctr"/>
+                      <a:r>
+                        <a:rPr lang="en-US" sz="1100" dirty="0"/>
+                        <a:t>max</a:t>
+                      </a:r>
+                    </a:p>
+                  </a:txBody>
+                  <a:tcPr/>
+                </a:tc>
+                <a:tc>
+                  <a:txBody>
+                    <a:bodyPr/>
+                    <a:lstStyle/>
+                    <a:p>
+                      <a:pPr algn="ctr"/>
+                      <a:r>
+                        <a:rPr lang="en-US" sz="1100" dirty="0"/>
+                        <a:t>6</a:t>
+                      </a:r>
+                    </a:p>
+                  </a:txBody>
+                  <a:tcPr/>
+                </a:tc>
+                <a:extLst>
+                  <a:ext uri="{0D108BD9-81ED-4DB2-BD59-A6C34878D82A}">
+                    <a16:rowId xmlns:a16="http://schemas.microsoft.com/office/drawing/2014/main" val="3069579961"/>
+                  </a:ext>
+                </a:extLst>
+              </a:tr>
+              <a:tr h="259080">
+                <a:tc>
+                  <a:txBody>
+                    <a:bodyPr/>
+                    <a:lstStyle/>
+                    <a:p>
+                      <a:pPr algn="ctr"/>
+                      <a:r>
+                        <a:rPr lang="en-US" sz="1100" dirty="0"/>
+                        <a:t>mean</a:t>
+                      </a:r>
+                    </a:p>
+                  </a:txBody>
+                  <a:tcPr/>
+                </a:tc>
+                <a:tc>
+                  <a:txBody>
+                    <a:bodyPr/>
+                    <a:lstStyle/>
+                    <a:p>
+                      <a:pPr algn="ctr"/>
+                      <a:r>
+                        <a:rPr lang="en-US" sz="1100" dirty="0"/>
+                        <a:t>2.25</a:t>
+                      </a:r>
+                    </a:p>
+                  </a:txBody>
+                  <a:tcPr/>
+                </a:tc>
+                <a:extLst>
+                  <a:ext uri="{0D108BD9-81ED-4DB2-BD59-A6C34878D82A}">
+                    <a16:rowId xmlns:a16="http://schemas.microsoft.com/office/drawing/2014/main" val="4035758726"/>
+                  </a:ext>
+                </a:extLst>
+              </a:tr>
+              <a:tr h="259080">
+                <a:tc>
+                  <a:txBody>
+                    <a:bodyPr/>
+                    <a:lstStyle/>
+                    <a:p>
+                      <a:pPr algn="ctr"/>
+                      <a:r>
+                        <a:rPr lang="en-US" sz="1100" dirty="0"/>
+                        <a:t>median</a:t>
+                      </a:r>
+                    </a:p>
+                  </a:txBody>
+                  <a:tcPr/>
+                </a:tc>
+                <a:tc>
+                  <a:txBody>
+                    <a:bodyPr/>
+                    <a:lstStyle/>
+                    <a:p>
+                      <a:pPr algn="ctr"/>
+                      <a:r>
+                        <a:rPr lang="en-US" sz="1100" dirty="0"/>
+                        <a:t>1</a:t>
+                      </a:r>
+                    </a:p>
+                  </a:txBody>
+                  <a:tcPr/>
+                </a:tc>
+                <a:extLst>
+                  <a:ext uri="{0D108BD9-81ED-4DB2-BD59-A6C34878D82A}">
+                    <a16:rowId xmlns:a16="http://schemas.microsoft.com/office/drawing/2014/main" val="2034631159"/>
+                  </a:ext>
+                </a:extLst>
+              </a:tr>
+              <a:tr h="259080">
+                <a:tc>
+                  <a:txBody>
+                    <a:bodyPr/>
+                    <a:lstStyle/>
+                    <a:p>
+                      <a:pPr algn="ctr"/>
+                      <a:r>
+                        <a:rPr lang="en-US" sz="1100" dirty="0"/>
+                        <a:t>std</a:t>
+                      </a:r>
+                    </a:p>
+                  </a:txBody>
+                  <a:tcPr/>
+                </a:tc>
+                <a:tc>
+                  <a:txBody>
+                    <a:bodyPr/>
+                    <a:lstStyle/>
+                    <a:p>
+                      <a:pPr algn="ctr"/>
+                      <a:r>
+                        <a:rPr lang="en-US" sz="1100" dirty="0"/>
+                        <a:t>2.5</a:t>
+                      </a:r>
+                    </a:p>
+                  </a:txBody>
+                  <a:tcPr/>
+                </a:tc>
+                <a:extLst>
+                  <a:ext uri="{0D108BD9-81ED-4DB2-BD59-A6C34878D82A}">
+                    <a16:rowId xmlns:a16="http://schemas.microsoft.com/office/drawing/2014/main" val="558978840"/>
+                  </a:ext>
+                </a:extLst>
+              </a:tr>
+            </a:tbl>
+          </a:graphicData>
+        </a:graphic>
+      </p:graphicFrame>
+    </p:spTree>
+    <p:extLst>
+      <p:ext uri="{BB962C8B-B14F-4D97-AF65-F5344CB8AC3E}">
+        <p14:creationId xmlns:p14="http://schemas.microsoft.com/office/powerpoint/2010/main" val="2855617368"/>
+      </p:ext>
+    </p:extLst>
+  </p:cSld>
+  <p:clrMapOvr>
+    <a:masterClrMapping/>
+  </p:clrMapOvr>
+</p:sld>
+</file>
+
+<file path=ppt/slides/slide13.xml><?xml version="1.0" encoding="utf-8"?>
+<p:sld xmlns:a="http://schemas.openxmlformats.org/drawingml/2006/main" xmlns:r="http://schemas.openxmlformats.org/officeDocument/2006/relationships" xmlns:p="http://schemas.openxmlformats.org/presentationml/2006/main">
+  <p:cSld>
+    <p:spTree>
+      <p:nvGrpSpPr>
+        <p:cNvPr id="1" name=""/>
+        <p:cNvGrpSpPr/>
+        <p:nvPr/>
+      </p:nvGrpSpPr>
+      <p:grpSpPr>
+        <a:xfrm>
+          <a:off x="0" y="0"/>
+          <a:ext cx="0" cy="0"/>
+          <a:chOff x="0" y="0"/>
+          <a:chExt cx="0" cy="0"/>
+        </a:xfrm>
+      </p:grpSpPr>
+      <p:sp>
+        <p:nvSpPr>
+          <p:cNvPr id="2" name="TextBox 1">
+            <a:extLst>
+              <a:ext uri="{FF2B5EF4-FFF2-40B4-BE49-F238E27FC236}">
+                <a16:creationId xmlns:a16="http://schemas.microsoft.com/office/drawing/2014/main" id="{7A3BD4FF-3E22-4196-BE13-0CAE0CBFBA41}"/>
+              </a:ext>
+            </a:extLst>
+          </p:cNvPr>
+          <p:cNvSpPr txBox="1"/>
+          <p:nvPr/>
+        </p:nvSpPr>
+        <p:spPr>
+          <a:xfrm>
+            <a:off x="2772409" y="181094"/>
+            <a:ext cx="4535805" cy="739754"/>
+          </a:xfrm>
+          <a:prstGeom prst="rect">
+            <a:avLst/>
+          </a:prstGeom>
+          <a:noFill/>
+        </p:spPr>
+        <p:txBody>
+          <a:bodyPr wrap="square">
+            <a:spAutoFit/>
+          </a:bodyPr>
+          <a:lstStyle/>
+          <a:p>
+            <a:pPr algn="ctr">
+              <a:lnSpc>
+                <a:spcPct val="150000"/>
+              </a:lnSpc>
+            </a:pPr>
+            <a:r>
+              <a:rPr lang="en-US" sz="3200" dirty="0"/>
+              <a:t>Time Period Features</a:t>
+            </a:r>
+          </a:p>
+        </p:txBody>
+      </p:sp>
+      <p:pic>
+        <p:nvPicPr>
+          <p:cNvPr id="3" name="Picture 2">
+            <a:extLst>
+              <a:ext uri="{FF2B5EF4-FFF2-40B4-BE49-F238E27FC236}">
+                <a16:creationId xmlns:a16="http://schemas.microsoft.com/office/drawing/2014/main" id="{AA800184-AB77-433F-9633-FE729A8AB72F}"/>
+              </a:ext>
+            </a:extLst>
+          </p:cNvPr>
+          <p:cNvPicPr>
+            <a:picLocks noChangeAspect="1"/>
+          </p:cNvPicPr>
+          <p:nvPr/>
+        </p:nvPicPr>
+        <p:blipFill>
+          <a:blip r:embed="rId2" cstate="print">
+            <a:extLst>
+              <a:ext uri="{28A0092B-C50C-407E-A947-70E740481C1C}">
+                <a14:useLocalDpi xmlns:a14="http://schemas.microsoft.com/office/drawing/2010/main" val="0"/>
+              </a:ext>
+            </a:extLst>
+          </a:blip>
+          <a:stretch>
+            <a:fillRect/>
+          </a:stretch>
+        </p:blipFill>
+        <p:spPr>
+          <a:xfrm>
+            <a:off x="597850" y="2533963"/>
+            <a:ext cx="8884922" cy="1287787"/>
+          </a:xfrm>
+          <a:prstGeom prst="rect">
+            <a:avLst/>
+          </a:prstGeom>
+        </p:spPr>
+      </p:pic>
+    </p:spTree>
+    <p:extLst>
+      <p:ext uri="{BB962C8B-B14F-4D97-AF65-F5344CB8AC3E}">
+        <p14:creationId xmlns:p14="http://schemas.microsoft.com/office/powerpoint/2010/main" val="1537261712"/>
+      </p:ext>
+    </p:extLst>
+  </p:cSld>
+  <p:clrMapOvr>
+    <a:masterClrMapping/>
+  </p:clrMapOvr>
+</p:sld>
+</file>
+
+<file path=ppt/slides/slide14.xml><?xml version="1.0" encoding="utf-8"?>
+<p:sld xmlns:a="http://schemas.openxmlformats.org/drawingml/2006/main" xmlns:r="http://schemas.openxmlformats.org/officeDocument/2006/relationships" xmlns:p="http://schemas.openxmlformats.org/presentationml/2006/main">
+  <p:cSld>
+    <p:spTree>
+      <p:nvGrpSpPr>
+        <p:cNvPr id="1" name=""/>
+        <p:cNvGrpSpPr/>
+        <p:nvPr/>
+      </p:nvGrpSpPr>
+      <p:grpSpPr>
+        <a:xfrm>
+          <a:off x="0" y="0"/>
+          <a:ext cx="0" cy="0"/>
+          <a:chOff x="0" y="0"/>
+          <a:chExt cx="0" cy="0"/>
+        </a:xfrm>
+      </p:grpSpPr>
+      <p:graphicFrame>
+        <p:nvGraphicFramePr>
+          <p:cNvPr id="2" name="Chart 1" title="Period">
+            <a:extLst>
+              <a:ext uri="{FF2B5EF4-FFF2-40B4-BE49-F238E27FC236}">
+                <a16:creationId xmlns:a16="http://schemas.microsoft.com/office/drawing/2014/main" id="{78E8D828-B221-41EF-A519-01B7EAE34D31}"/>
+              </a:ext>
+            </a:extLst>
+          </p:cNvPr>
+          <p:cNvGraphicFramePr>
+            <a:graphicFrameLocks/>
+          </p:cNvGraphicFramePr>
+          <p:nvPr>
+            <p:extLst/>
+          </p:nvPr>
+        </p:nvGraphicFramePr>
+        <p:xfrm>
+          <a:off x="5616714" y="162186"/>
+          <a:ext cx="4110413" cy="2335551"/>
+        </p:xfrm>
+        <a:graphic>
+          <a:graphicData uri="http://schemas.openxmlformats.org/drawingml/2006/chart">
+            <c:chart xmlns:c="http://schemas.openxmlformats.org/drawingml/2006/chart" xmlns:r="http://schemas.openxmlformats.org/officeDocument/2006/relationships" r:id="rId2"/>
+          </a:graphicData>
+        </a:graphic>
+      </p:graphicFrame>
+      <p:graphicFrame>
+        <p:nvGraphicFramePr>
+          <p:cNvPr id="3" name="Table 14">
+            <a:extLst>
+              <a:ext uri="{FF2B5EF4-FFF2-40B4-BE49-F238E27FC236}">
+                <a16:creationId xmlns:a16="http://schemas.microsoft.com/office/drawing/2014/main" id="{9D3C064F-4C41-4CFB-81B0-157699043BA5}"/>
+              </a:ext>
+            </a:extLst>
+          </p:cNvPr>
+          <p:cNvGraphicFramePr>
+            <a:graphicFrameLocks noGrp="1"/>
+          </p:cNvGraphicFramePr>
+          <p:nvPr>
+            <p:extLst/>
+          </p:nvPr>
+        </p:nvGraphicFramePr>
+        <p:xfrm>
+          <a:off x="2987040" y="423181"/>
+          <a:ext cx="1790700" cy="1813560"/>
+        </p:xfrm>
+        <a:graphic>
+          <a:graphicData uri="http://schemas.openxmlformats.org/drawingml/2006/table">
+            <a:tbl>
+              <a:tblPr firstRow="1" bandRow="1">
+                <a:tableStyleId>{9D7B26C5-4107-4FEC-AEDC-1716B250A1EF}</a:tableStyleId>
+              </a:tblPr>
+              <a:tblGrid>
+                <a:gridCol w="895350">
+                  <a:extLst>
+                    <a:ext uri="{9D8B030D-6E8A-4147-A177-3AD203B41FA5}">
+                      <a16:colId xmlns:a16="http://schemas.microsoft.com/office/drawing/2014/main" val="4209355329"/>
+                    </a:ext>
+                  </a:extLst>
+                </a:gridCol>
+                <a:gridCol w="895350">
+                  <a:extLst>
+                    <a:ext uri="{9D8B030D-6E8A-4147-A177-3AD203B41FA5}">
+                      <a16:colId xmlns:a16="http://schemas.microsoft.com/office/drawing/2014/main" val="4112978314"/>
+                    </a:ext>
+                  </a:extLst>
+                </a:gridCol>
+              </a:tblGrid>
+              <a:tr h="231827">
+                <a:tc>
+                  <a:txBody>
+                    <a:bodyPr/>
+                    <a:lstStyle/>
+                    <a:p>
+                      <a:pPr algn="ctr"/>
+                      <a:r>
+                        <a:rPr lang="en-US" sz="1100" dirty="0"/>
+                        <a:t>Period</a:t>
+                      </a:r>
+                    </a:p>
+                  </a:txBody>
+                  <a:tcPr/>
+                </a:tc>
+                <a:tc>
+                  <a:txBody>
+                    <a:bodyPr/>
+                    <a:lstStyle/>
+                    <a:p>
+                      <a:pPr algn="ctr"/>
+                      <a:r>
+                        <a:rPr lang="en-US" sz="1100" dirty="0"/>
+                        <a:t>Purchases</a:t>
+                      </a:r>
+                    </a:p>
+                  </a:txBody>
+                  <a:tcPr/>
+                </a:tc>
+                <a:extLst>
+                  <a:ext uri="{0D108BD9-81ED-4DB2-BD59-A6C34878D82A}">
+                    <a16:rowId xmlns:a16="http://schemas.microsoft.com/office/drawing/2014/main" val="1818282858"/>
+                  </a:ext>
+                </a:extLst>
+              </a:tr>
+              <a:tr h="231827">
+                <a:tc>
+                  <a:txBody>
+                    <a:bodyPr/>
+                    <a:lstStyle/>
+                    <a:p>
+                      <a:pPr algn="ctr"/>
+                      <a:r>
+                        <a:rPr lang="en-US" sz="1100" dirty="0"/>
+                        <a:t>1</a:t>
+                      </a:r>
+                    </a:p>
+                  </a:txBody>
+                  <a:tcPr/>
+                </a:tc>
+                <a:tc>
+                  <a:txBody>
+                    <a:bodyPr/>
+                    <a:lstStyle/>
+                    <a:p>
+                      <a:pPr algn="ctr"/>
+                      <a:r>
+                        <a:rPr lang="en-US" sz="1100" dirty="0"/>
+                        <a:t>2</a:t>
+                      </a:r>
+                    </a:p>
+                  </a:txBody>
+                  <a:tcPr/>
+                </a:tc>
+                <a:extLst>
+                  <a:ext uri="{0D108BD9-81ED-4DB2-BD59-A6C34878D82A}">
+                    <a16:rowId xmlns:a16="http://schemas.microsoft.com/office/drawing/2014/main" val="2759643257"/>
+                  </a:ext>
+                </a:extLst>
+              </a:tr>
+              <a:tr h="231827">
+                <a:tc>
+                  <a:txBody>
+                    <a:bodyPr/>
+                    <a:lstStyle/>
+                    <a:p>
+                      <a:pPr algn="ctr"/>
+                      <a:r>
+                        <a:rPr lang="en-US" sz="1100" dirty="0"/>
+                        <a:t>2</a:t>
+                      </a:r>
+                    </a:p>
+                  </a:txBody>
+                  <a:tcPr/>
+                </a:tc>
+                <a:tc>
+                  <a:txBody>
+                    <a:bodyPr/>
+                    <a:lstStyle/>
+                    <a:p>
+                      <a:pPr algn="ctr"/>
+                      <a:r>
+                        <a:rPr lang="en-US" sz="1100" dirty="0"/>
+                        <a:t>10</a:t>
+                      </a:r>
+                    </a:p>
+                  </a:txBody>
+                  <a:tcPr/>
+                </a:tc>
+                <a:extLst>
+                  <a:ext uri="{0D108BD9-81ED-4DB2-BD59-A6C34878D82A}">
+                    <a16:rowId xmlns:a16="http://schemas.microsoft.com/office/drawing/2014/main" val="2439465319"/>
+                  </a:ext>
+                </a:extLst>
+              </a:tr>
+              <a:tr h="231827">
+                <a:tc>
+                  <a:txBody>
+                    <a:bodyPr/>
+                    <a:lstStyle/>
+                    <a:p>
+                      <a:pPr algn="ctr"/>
+                      <a:r>
+                        <a:rPr lang="en-US" sz="1100" dirty="0"/>
+                        <a:t>3</a:t>
+                      </a:r>
+                    </a:p>
+                  </a:txBody>
+                  <a:tcPr/>
+                </a:tc>
+                <a:tc>
+                  <a:txBody>
+                    <a:bodyPr/>
+                    <a:lstStyle/>
+                    <a:p>
+                      <a:pPr algn="ctr"/>
+                      <a:r>
+                        <a:rPr lang="en-US" sz="1100" dirty="0"/>
+                        <a:t>5</a:t>
+                      </a:r>
+                    </a:p>
+                  </a:txBody>
+                  <a:tcPr/>
+                </a:tc>
+                <a:extLst>
+                  <a:ext uri="{0D108BD9-81ED-4DB2-BD59-A6C34878D82A}">
+                    <a16:rowId xmlns:a16="http://schemas.microsoft.com/office/drawing/2014/main" val="1656419135"/>
+                  </a:ext>
+                </a:extLst>
+              </a:tr>
+              <a:tr h="231827">
+                <a:tc>
+                  <a:txBody>
+                    <a:bodyPr/>
+                    <a:lstStyle/>
+                    <a:p>
+                      <a:pPr algn="ctr"/>
+                      <a:r>
+                        <a:rPr lang="en-US" sz="1100" dirty="0"/>
+                        <a:t>4</a:t>
+                      </a:r>
+                    </a:p>
+                  </a:txBody>
+                  <a:tcPr/>
+                </a:tc>
+                <a:tc>
+                  <a:txBody>
+                    <a:bodyPr/>
+                    <a:lstStyle/>
+                    <a:p>
+                      <a:pPr algn="ctr"/>
+                      <a:r>
+                        <a:rPr lang="en-US" sz="1100" dirty="0"/>
+                        <a:t>21</a:t>
+                      </a:r>
+                    </a:p>
+                  </a:txBody>
+                  <a:tcPr/>
+                </a:tc>
+                <a:extLst>
+                  <a:ext uri="{0D108BD9-81ED-4DB2-BD59-A6C34878D82A}">
+                    <a16:rowId xmlns:a16="http://schemas.microsoft.com/office/drawing/2014/main" val="3912958294"/>
+                  </a:ext>
+                </a:extLst>
+              </a:tr>
+              <a:tr h="231827">
+                <a:tc>
+                  <a:txBody>
+                    <a:bodyPr/>
+                    <a:lstStyle/>
+                    <a:p>
+                      <a:pPr algn="ctr"/>
+                      <a:r>
+                        <a:rPr lang="en-US" sz="1100" dirty="0"/>
+                        <a:t>5</a:t>
+                      </a:r>
+                    </a:p>
+                  </a:txBody>
+                  <a:tcPr/>
+                </a:tc>
+                <a:tc>
+                  <a:txBody>
+                    <a:bodyPr/>
+                    <a:lstStyle/>
+                    <a:p>
+                      <a:pPr algn="ctr"/>
+                      <a:r>
+                        <a:rPr lang="en-US" sz="1100" dirty="0"/>
+                        <a:t>19</a:t>
+                      </a:r>
+                    </a:p>
+                  </a:txBody>
+                  <a:tcPr/>
+                </a:tc>
+                <a:extLst>
+                  <a:ext uri="{0D108BD9-81ED-4DB2-BD59-A6C34878D82A}">
+                    <a16:rowId xmlns:a16="http://schemas.microsoft.com/office/drawing/2014/main" val="182722128"/>
+                  </a:ext>
+                </a:extLst>
+              </a:tr>
+              <a:tr h="231827">
+                <a:tc>
+                  <a:txBody>
+                    <a:bodyPr/>
+                    <a:lstStyle/>
+                    <a:p>
+                      <a:pPr algn="ctr"/>
+                      <a:r>
+                        <a:rPr lang="en-US" sz="1100" dirty="0"/>
+                        <a:t>6</a:t>
+                      </a:r>
+                    </a:p>
+                  </a:txBody>
+                  <a:tcPr/>
+                </a:tc>
+                <a:tc>
+                  <a:txBody>
+                    <a:bodyPr/>
+                    <a:lstStyle/>
+                    <a:p>
+                      <a:pPr algn="ctr"/>
+                      <a:r>
+                        <a:rPr lang="en-US" sz="1100" dirty="0"/>
+                        <a:t>50</a:t>
+                      </a:r>
+                    </a:p>
+                  </a:txBody>
+                  <a:tcPr/>
+                </a:tc>
+                <a:extLst>
+                  <a:ext uri="{0D108BD9-81ED-4DB2-BD59-A6C34878D82A}">
+                    <a16:rowId xmlns:a16="http://schemas.microsoft.com/office/drawing/2014/main" val="2433904280"/>
+                  </a:ext>
+                </a:extLst>
+              </a:tr>
+            </a:tbl>
+          </a:graphicData>
+        </a:graphic>
+      </p:graphicFrame>
+      <p:sp>
+        <p:nvSpPr>
+          <p:cNvPr id="4" name="Arrow: Right 3">
+            <a:extLst>
+              <a:ext uri="{FF2B5EF4-FFF2-40B4-BE49-F238E27FC236}">
+                <a16:creationId xmlns:a16="http://schemas.microsoft.com/office/drawing/2014/main" id="{453DDC0A-18C8-4C63-92EA-98FFF6F25E46}"/>
+              </a:ext>
+            </a:extLst>
+          </p:cNvPr>
+          <p:cNvSpPr/>
+          <p:nvPr/>
+        </p:nvSpPr>
+        <p:spPr>
+          <a:xfrm>
+            <a:off x="4987430" y="1173751"/>
+            <a:ext cx="678180" cy="312420"/>
+          </a:xfrm>
+          <a:prstGeom prst="rightArrow">
+            <a:avLst/>
+          </a:prstGeom>
+          <a:solidFill>
+            <a:schemeClr val="bg1">
+              <a:lumMod val="75000"/>
+            </a:schemeClr>
+          </a:solidFill>
+          <a:ln>
+            <a:solidFill>
+              <a:schemeClr val="bg1">
+                <a:lumMod val="85000"/>
+              </a:schemeClr>
+            </a:solidFill>
+          </a:ln>
+        </p:spPr>
+        <p:style>
+          <a:lnRef idx="2">
+            <a:schemeClr val="accent1">
+              <a:shade val="50000"/>
+            </a:schemeClr>
+          </a:lnRef>
+          <a:fillRef idx="1">
+            <a:schemeClr val="accent1"/>
+          </a:fillRef>
+          <a:effectRef idx="0">
+            <a:schemeClr val="accent1"/>
+          </a:effectRef>
+          <a:fontRef idx="minor">
+            <a:schemeClr val="lt1"/>
+          </a:fontRef>
+        </p:style>
+        <p:txBody>
+          <a:bodyPr rtlCol="0" anchor="ctr"/>
+          <a:lstStyle/>
+          <a:p>
+            <a:pPr algn="ctr"/>
+            <a:endParaRPr lang="en-US">
+              <a:ln w="0"/>
+              <a:solidFill>
+                <a:schemeClr val="tx1"/>
+              </a:solidFill>
+              <a:effectLst>
+                <a:outerShdw blurRad="38100" dist="19050" dir="2700000" algn="tl" rotWithShape="0">
+                  <a:schemeClr val="dk1">
+                    <a:alpha val="40000"/>
+                  </a:schemeClr>
+                </a:outerShdw>
+              </a:effectLst>
+            </a:endParaRPr>
+          </a:p>
+        </p:txBody>
+      </p:sp>
+      <p:graphicFrame>
+        <p:nvGraphicFramePr>
+          <p:cNvPr id="6" name="Table 14">
+            <a:extLst>
+              <a:ext uri="{FF2B5EF4-FFF2-40B4-BE49-F238E27FC236}">
+                <a16:creationId xmlns:a16="http://schemas.microsoft.com/office/drawing/2014/main" id="{0F9BFBA0-2139-47C3-AD9E-6D86D0FF996A}"/>
+              </a:ext>
+            </a:extLst>
+          </p:cNvPr>
+          <p:cNvGraphicFramePr>
+            <a:graphicFrameLocks noGrp="1"/>
+          </p:cNvGraphicFramePr>
+          <p:nvPr>
+            <p:extLst/>
+          </p:nvPr>
+        </p:nvGraphicFramePr>
+        <p:xfrm>
+          <a:off x="449580" y="3486421"/>
+          <a:ext cx="1790700" cy="1813560"/>
+        </p:xfrm>
+        <a:graphic>
+          <a:graphicData uri="http://schemas.openxmlformats.org/drawingml/2006/table">
+            <a:tbl>
+              <a:tblPr firstRow="1" bandRow="1">
+                <a:tableStyleId>{9D7B26C5-4107-4FEC-AEDC-1716B250A1EF}</a:tableStyleId>
+              </a:tblPr>
+              <a:tblGrid>
+                <a:gridCol w="895350">
+                  <a:extLst>
+                    <a:ext uri="{9D8B030D-6E8A-4147-A177-3AD203B41FA5}">
+                      <a16:colId xmlns:a16="http://schemas.microsoft.com/office/drawing/2014/main" val="4209355329"/>
+                    </a:ext>
+                  </a:extLst>
+                </a:gridCol>
+                <a:gridCol w="895350">
+                  <a:extLst>
+                    <a:ext uri="{9D8B030D-6E8A-4147-A177-3AD203B41FA5}">
+                      <a16:colId xmlns:a16="http://schemas.microsoft.com/office/drawing/2014/main" val="4112978314"/>
+                    </a:ext>
+                  </a:extLst>
+                </a:gridCol>
+              </a:tblGrid>
+              <a:tr h="231827">
+                <a:tc>
+                  <a:txBody>
+                    <a:bodyPr/>
+                    <a:lstStyle/>
+                    <a:p>
+                      <a:pPr algn="ctr"/>
+                      <a:r>
+                        <a:rPr lang="en-US" sz="1100" dirty="0"/>
+                        <a:t>Period</a:t>
+                      </a:r>
+                    </a:p>
+                  </a:txBody>
+                  <a:tcPr/>
+                </a:tc>
+                <a:tc>
+                  <a:txBody>
+                    <a:bodyPr/>
+                    <a:lstStyle/>
+                    <a:p>
+                      <a:pPr algn="ctr"/>
+                      <a:r>
+                        <a:rPr lang="en-US" sz="1100" dirty="0"/>
+                        <a:t>Purchases</a:t>
+                      </a:r>
+                    </a:p>
+                  </a:txBody>
+                  <a:tcPr/>
+                </a:tc>
+                <a:extLst>
+                  <a:ext uri="{0D108BD9-81ED-4DB2-BD59-A6C34878D82A}">
+                    <a16:rowId xmlns:a16="http://schemas.microsoft.com/office/drawing/2014/main" val="1818282858"/>
+                  </a:ext>
+                </a:extLst>
+              </a:tr>
+              <a:tr h="231827">
+                <a:tc>
+                  <a:txBody>
+                    <a:bodyPr/>
+                    <a:lstStyle/>
+                    <a:p>
+                      <a:pPr algn="ctr"/>
+                      <a:r>
+                        <a:rPr lang="en-US" sz="1100" dirty="0"/>
+                        <a:t>1</a:t>
+                      </a:r>
+                    </a:p>
+                  </a:txBody>
+                  <a:tcPr/>
+                </a:tc>
+                <a:tc>
+                  <a:txBody>
+                    <a:bodyPr/>
+                    <a:lstStyle/>
+                    <a:p>
+                      <a:pPr algn="ctr"/>
+                      <a:r>
+                        <a:rPr lang="en-US" sz="1100" dirty="0"/>
+                        <a:t>347901</a:t>
+                      </a:r>
+                    </a:p>
+                  </a:txBody>
+                  <a:tcPr/>
+                </a:tc>
+                <a:extLst>
+                  <a:ext uri="{0D108BD9-81ED-4DB2-BD59-A6C34878D82A}">
+                    <a16:rowId xmlns:a16="http://schemas.microsoft.com/office/drawing/2014/main" val="2759643257"/>
+                  </a:ext>
+                </a:extLst>
+              </a:tr>
+              <a:tr h="231827">
+                <a:tc>
+                  <a:txBody>
+                    <a:bodyPr/>
+                    <a:lstStyle/>
+                    <a:p>
+                      <a:pPr algn="ctr"/>
+                      <a:r>
+                        <a:rPr lang="en-US" sz="1100" dirty="0"/>
+                        <a:t>2</a:t>
+                      </a:r>
+                    </a:p>
+                  </a:txBody>
+                  <a:tcPr/>
+                </a:tc>
+                <a:tc>
+                  <a:txBody>
+                    <a:bodyPr/>
+                    <a:lstStyle/>
+                    <a:p>
+                      <a:pPr algn="ctr"/>
+                      <a:r>
+                        <a:rPr lang="en-US" sz="1100" dirty="0"/>
+                        <a:t>125048</a:t>
+                      </a:r>
+                    </a:p>
+                  </a:txBody>
+                  <a:tcPr/>
+                </a:tc>
+                <a:extLst>
+                  <a:ext uri="{0D108BD9-81ED-4DB2-BD59-A6C34878D82A}">
+                    <a16:rowId xmlns:a16="http://schemas.microsoft.com/office/drawing/2014/main" val="2439465319"/>
+                  </a:ext>
+                </a:extLst>
+              </a:tr>
+              <a:tr h="231827">
+                <a:tc>
+                  <a:txBody>
+                    <a:bodyPr/>
+                    <a:lstStyle/>
+                    <a:p>
+                      <a:pPr algn="ctr"/>
+                      <a:r>
+                        <a:rPr lang="en-US" sz="1100" dirty="0"/>
+                        <a:t>3</a:t>
+                      </a:r>
+                    </a:p>
+                  </a:txBody>
+                  <a:tcPr/>
+                </a:tc>
+                <a:tc>
+                  <a:txBody>
+                    <a:bodyPr/>
+                    <a:lstStyle/>
+                    <a:p>
+                      <a:pPr algn="ctr"/>
+                      <a:r>
+                        <a:rPr lang="en-US" sz="1100" dirty="0"/>
+                        <a:t>101852</a:t>
+                      </a:r>
+                    </a:p>
+                  </a:txBody>
+                  <a:tcPr/>
+                </a:tc>
+                <a:extLst>
+                  <a:ext uri="{0D108BD9-81ED-4DB2-BD59-A6C34878D82A}">
+                    <a16:rowId xmlns:a16="http://schemas.microsoft.com/office/drawing/2014/main" val="1656419135"/>
+                  </a:ext>
+                </a:extLst>
+              </a:tr>
+              <a:tr h="231827">
+                <a:tc>
+                  <a:txBody>
+                    <a:bodyPr/>
+                    <a:lstStyle/>
+                    <a:p>
+                      <a:pPr algn="ctr"/>
+                      <a:r>
+                        <a:rPr lang="en-US" sz="1100" dirty="0"/>
+                        <a:t>4</a:t>
+                      </a:r>
+                    </a:p>
+                  </a:txBody>
+                  <a:tcPr/>
+                </a:tc>
+                <a:tc>
+                  <a:txBody>
+                    <a:bodyPr/>
+                    <a:lstStyle/>
+                    <a:p>
+                      <a:pPr algn="ctr"/>
+                      <a:r>
+                        <a:rPr lang="en-US" sz="1100" dirty="0"/>
+                        <a:t>150874</a:t>
+                      </a:r>
+                    </a:p>
+                  </a:txBody>
+                  <a:tcPr/>
+                </a:tc>
+                <a:extLst>
+                  <a:ext uri="{0D108BD9-81ED-4DB2-BD59-A6C34878D82A}">
+                    <a16:rowId xmlns:a16="http://schemas.microsoft.com/office/drawing/2014/main" val="3912958294"/>
+                  </a:ext>
+                </a:extLst>
+              </a:tr>
+              <a:tr h="231827">
+                <a:tc>
+                  <a:txBody>
+                    <a:bodyPr/>
+                    <a:lstStyle/>
+                    <a:p>
+                      <a:pPr algn="ctr"/>
+                      <a:r>
+                        <a:rPr lang="en-US" sz="1100" dirty="0"/>
+                        <a:t>5</a:t>
+                      </a:r>
+                    </a:p>
+                  </a:txBody>
+                  <a:tcPr/>
+                </a:tc>
+                <a:tc>
+                  <a:txBody>
+                    <a:bodyPr/>
+                    <a:lstStyle/>
+                    <a:p>
+                      <a:pPr algn="ctr"/>
+                      <a:r>
+                        <a:rPr lang="en-US" sz="1100" dirty="0"/>
+                        <a:t>70247</a:t>
+                      </a:r>
+                    </a:p>
+                  </a:txBody>
+                  <a:tcPr/>
+                </a:tc>
+                <a:extLst>
+                  <a:ext uri="{0D108BD9-81ED-4DB2-BD59-A6C34878D82A}">
+                    <a16:rowId xmlns:a16="http://schemas.microsoft.com/office/drawing/2014/main" val="182722128"/>
+                  </a:ext>
+                </a:extLst>
+              </a:tr>
+              <a:tr h="231827">
+                <a:tc>
+                  <a:txBody>
+                    <a:bodyPr/>
+                    <a:lstStyle/>
+                    <a:p>
+                      <a:pPr algn="ctr"/>
+                      <a:r>
+                        <a:rPr lang="en-US" sz="1100" dirty="0"/>
+                        <a:t>6</a:t>
+                      </a:r>
+                    </a:p>
+                  </a:txBody>
+                  <a:tcPr/>
+                </a:tc>
+                <a:tc>
+                  <a:txBody>
+                    <a:bodyPr/>
+                    <a:lstStyle/>
+                    <a:p>
+                      <a:pPr algn="ctr"/>
+                      <a:r>
+                        <a:rPr lang="en-US" sz="1100" dirty="0"/>
+                        <a:t>90115</a:t>
+                      </a:r>
+                    </a:p>
+                  </a:txBody>
+                  <a:tcPr/>
+                </a:tc>
+                <a:extLst>
+                  <a:ext uri="{0D108BD9-81ED-4DB2-BD59-A6C34878D82A}">
+                    <a16:rowId xmlns:a16="http://schemas.microsoft.com/office/drawing/2014/main" val="2433904280"/>
+                  </a:ext>
+                </a:extLst>
+              </a:tr>
+            </a:tbl>
+          </a:graphicData>
+        </a:graphic>
+      </p:graphicFrame>
+      <p:graphicFrame>
+        <p:nvGraphicFramePr>
+          <p:cNvPr id="7" name="Chart 6">
+            <a:extLst>
+              <a:ext uri="{FF2B5EF4-FFF2-40B4-BE49-F238E27FC236}">
+                <a16:creationId xmlns:a16="http://schemas.microsoft.com/office/drawing/2014/main" id="{C7994292-B99A-4AFD-9595-075E9F80CE1D}"/>
+              </a:ext>
+            </a:extLst>
+          </p:cNvPr>
+          <p:cNvGraphicFramePr>
+            <a:graphicFrameLocks/>
+          </p:cNvGraphicFramePr>
+          <p:nvPr>
+            <p:extLst/>
+          </p:nvPr>
+        </p:nvGraphicFramePr>
+        <p:xfrm>
+          <a:off x="3082290" y="3126198"/>
+          <a:ext cx="4110413" cy="2457179"/>
+        </p:xfrm>
+        <a:graphic>
+          <a:graphicData uri="http://schemas.openxmlformats.org/drawingml/2006/chart">
+            <c:chart xmlns:c="http://schemas.openxmlformats.org/drawingml/2006/chart" xmlns:r="http://schemas.openxmlformats.org/officeDocument/2006/relationships" r:id="rId3"/>
+          </a:graphicData>
+        </a:graphic>
+      </p:graphicFrame>
+      <p:sp>
+        <p:nvSpPr>
+          <p:cNvPr id="8" name="Arrow: Right 7">
+            <a:extLst>
+              <a:ext uri="{FF2B5EF4-FFF2-40B4-BE49-F238E27FC236}">
+                <a16:creationId xmlns:a16="http://schemas.microsoft.com/office/drawing/2014/main" id="{F99D39C9-B470-42E8-82FE-8137259460E8}"/>
+              </a:ext>
+            </a:extLst>
+          </p:cNvPr>
+          <p:cNvSpPr/>
+          <p:nvPr/>
+        </p:nvSpPr>
+        <p:spPr>
+          <a:xfrm>
+            <a:off x="2404110" y="4198577"/>
+            <a:ext cx="678180" cy="312420"/>
+          </a:xfrm>
+          <a:prstGeom prst="rightArrow">
+            <a:avLst/>
+          </a:prstGeom>
+          <a:solidFill>
+            <a:schemeClr val="bg1">
+              <a:lumMod val="75000"/>
+            </a:schemeClr>
+          </a:solidFill>
+          <a:ln>
+            <a:solidFill>
+              <a:schemeClr val="bg1">
+                <a:lumMod val="85000"/>
+              </a:schemeClr>
+            </a:solidFill>
+          </a:ln>
+        </p:spPr>
+        <p:style>
+          <a:lnRef idx="2">
+            <a:schemeClr val="accent1">
+              <a:shade val="50000"/>
+            </a:schemeClr>
+          </a:lnRef>
+          <a:fillRef idx="1">
+            <a:schemeClr val="accent1"/>
+          </a:fillRef>
+          <a:effectRef idx="0">
+            <a:schemeClr val="accent1"/>
+          </a:effectRef>
+          <a:fontRef idx="minor">
+            <a:schemeClr val="lt1"/>
+          </a:fontRef>
+        </p:style>
+        <p:txBody>
+          <a:bodyPr rtlCol="0" anchor="ctr"/>
+          <a:lstStyle/>
+          <a:p>
+            <a:pPr algn="ctr"/>
+            <a:endParaRPr lang="en-US">
+              <a:ln w="0"/>
+              <a:solidFill>
+                <a:schemeClr val="tx1"/>
+              </a:solidFill>
+              <a:effectLst>
+                <a:outerShdw blurRad="38100" dist="19050" dir="2700000" algn="tl" rotWithShape="0">
+                  <a:schemeClr val="dk1">
+                    <a:alpha val="40000"/>
+                  </a:schemeClr>
+                </a:outerShdw>
+              </a:effectLst>
+            </a:endParaRPr>
+          </a:p>
+        </p:txBody>
+      </p:sp>
+      <p:pic>
+        <p:nvPicPr>
+          <p:cNvPr id="10" name="Picture 9">
+            <a:extLst>
+              <a:ext uri="{FF2B5EF4-FFF2-40B4-BE49-F238E27FC236}">
+                <a16:creationId xmlns:a16="http://schemas.microsoft.com/office/drawing/2014/main" id="{CA0F62AD-71D4-4D55-9373-5EB5F15758D4}"/>
+              </a:ext>
+            </a:extLst>
+          </p:cNvPr>
+          <p:cNvPicPr>
+            <a:picLocks noChangeAspect="1"/>
+          </p:cNvPicPr>
+          <p:nvPr/>
+        </p:nvPicPr>
+        <p:blipFill>
+          <a:blip r:embed="rId4"/>
+          <a:stretch>
+            <a:fillRect/>
+          </a:stretch>
+        </p:blipFill>
+        <p:spPr>
+          <a:xfrm>
+            <a:off x="264506" y="2387941"/>
+            <a:ext cx="2160847" cy="894667"/>
+          </a:xfrm>
+          <a:prstGeom prst="rect">
+            <a:avLst/>
+          </a:prstGeom>
+        </p:spPr>
+      </p:pic>
+    </p:spTree>
+    <p:extLst>
+      <p:ext uri="{BB962C8B-B14F-4D97-AF65-F5344CB8AC3E}">
+        <p14:creationId xmlns:p14="http://schemas.microsoft.com/office/powerpoint/2010/main" val="136554622"/>
+      </p:ext>
+    </p:extLst>
+  </p:cSld>
+  <p:clrMapOvr>
+    <a:masterClrMapping/>
+  </p:clrMapOvr>
+</p:sld>
+</file>
+
+<file path=ppt/slides/slide15.xml><?xml version="1.0" encoding="utf-8"?>
+<p:sld xmlns:a="http://schemas.openxmlformats.org/drawingml/2006/main" xmlns:r="http://schemas.openxmlformats.org/officeDocument/2006/relationships" xmlns:p="http://schemas.openxmlformats.org/presentationml/2006/main">
+  <p:cSld>
+    <p:spTree>
+      <p:nvGrpSpPr>
+        <p:cNvPr id="1" name=""/>
+        <p:cNvGrpSpPr/>
+        <p:nvPr/>
+      </p:nvGrpSpPr>
+      <p:grpSpPr>
+        <a:xfrm>
+          <a:off x="0" y="0"/>
+          <a:ext cx="0" cy="0"/>
+          <a:chOff x="0" y="0"/>
+          <a:chExt cx="0" cy="0"/>
+        </a:xfrm>
+      </p:grpSpPr>
+      <p:sp>
+        <p:nvSpPr>
+          <p:cNvPr id="3" name="TextBox 2">
+            <a:extLst>
+              <a:ext uri="{FF2B5EF4-FFF2-40B4-BE49-F238E27FC236}">
+                <a16:creationId xmlns:a16="http://schemas.microsoft.com/office/drawing/2014/main" id="{E6FD2A95-96BE-40A0-A3B6-032A7392B869}"/>
+              </a:ext>
+            </a:extLst>
+          </p:cNvPr>
+          <p:cNvSpPr txBox="1"/>
+          <p:nvPr/>
+        </p:nvSpPr>
+        <p:spPr>
+          <a:xfrm>
+            <a:off x="2926474" y="108820"/>
+            <a:ext cx="4227675" cy="739754"/>
+          </a:xfrm>
+          <a:prstGeom prst="rect">
+            <a:avLst/>
+          </a:prstGeom>
+          <a:noFill/>
+        </p:spPr>
+        <p:txBody>
+          <a:bodyPr wrap="square">
+            <a:spAutoFit/>
+          </a:bodyPr>
+          <a:lstStyle/>
+          <a:p>
+            <a:pPr algn="ctr">
+              <a:lnSpc>
+                <a:spcPct val="150000"/>
+              </a:lnSpc>
+            </a:pPr>
+            <a:r>
+              <a:rPr lang="en-US" sz="3200" dirty="0"/>
+              <a:t>Double 11 Features</a:t>
+            </a:r>
+          </a:p>
+        </p:txBody>
+      </p:sp>
+      <p:pic>
+        <p:nvPicPr>
+          <p:cNvPr id="1026" name="Picture 2" descr="What Alibaba&amp;amp;#039;s Double 11 event tells us about China&amp;amp;#039;s economy  EJINSIGHT - ejinsight.com">
+            <a:extLst>
+              <a:ext uri="{FF2B5EF4-FFF2-40B4-BE49-F238E27FC236}">
+                <a16:creationId xmlns:a16="http://schemas.microsoft.com/office/drawing/2014/main" id="{62970204-4143-4A9A-A03E-78A19B50717F}"/>
+              </a:ext>
+            </a:extLst>
+          </p:cNvPr>
+          <p:cNvPicPr>
+            <a:picLocks noChangeAspect="1" noChangeArrowheads="1"/>
+          </p:cNvPicPr>
+          <p:nvPr/>
+        </p:nvPicPr>
+        <p:blipFill>
+          <a:blip r:embed="rId3" cstate="print">
+            <a:extLst>
+              <a:ext uri="{28A0092B-C50C-407E-A947-70E740481C1C}">
+                <a14:useLocalDpi xmlns:a14="http://schemas.microsoft.com/office/drawing/2010/main" val="0"/>
+              </a:ext>
+            </a:extLst>
+          </a:blip>
+          <a:srcRect/>
+          <a:stretch>
+            <a:fillRect/>
+          </a:stretch>
+        </p:blipFill>
+        <p:spPr bwMode="auto">
+          <a:xfrm>
+            <a:off x="714294" y="2835275"/>
+            <a:ext cx="4424357" cy="2294395"/>
+          </a:xfrm>
+          <a:prstGeom prst="rect">
+            <a:avLst/>
+          </a:prstGeom>
+          <a:noFill/>
+          <a:extLst>
+            <a:ext uri="{909E8E84-426E-40DD-AFC4-6F175D3DCCD1}">
+              <a14:hiddenFill xmlns:a14="http://schemas.microsoft.com/office/drawing/2010/main">
+                <a:solidFill>
+                  <a:srgbClr val="FFFFFF"/>
+                </a:solidFill>
+              </a14:hiddenFill>
+            </a:ext>
+          </a:extLst>
+        </p:spPr>
+      </p:pic>
+      <p:sp>
+        <p:nvSpPr>
+          <p:cNvPr id="2" name="TextBox 1">
+            <a:extLst>
+              <a:ext uri="{FF2B5EF4-FFF2-40B4-BE49-F238E27FC236}">
+                <a16:creationId xmlns:a16="http://schemas.microsoft.com/office/drawing/2014/main" id="{D4098634-28E5-4EFA-89FD-0D5752EF0BE9}"/>
+              </a:ext>
+            </a:extLst>
+          </p:cNvPr>
+          <p:cNvSpPr txBox="1"/>
+          <p:nvPr/>
+        </p:nvSpPr>
+        <p:spPr>
+          <a:xfrm>
+            <a:off x="714295" y="1477580"/>
+            <a:ext cx="4424357" cy="923330"/>
+          </a:xfrm>
+          <a:prstGeom prst="rect">
+            <a:avLst/>
+          </a:prstGeom>
+          <a:noFill/>
+        </p:spPr>
+        <p:txBody>
+          <a:bodyPr wrap="square" rtlCol="0">
+            <a:spAutoFit/>
+          </a:bodyPr>
+          <a:lstStyle/>
+          <a:p>
+            <a:pPr marL="285750" indent="-285750">
+              <a:buFont typeface="Arial" panose="020B0604020202020204" pitchFamily="34" charset="0"/>
+              <a:buChar char="•"/>
+            </a:pPr>
+            <a:r>
+              <a:rPr lang="en-US" sz="1800" kern="100" dirty="0">
+                <a:effectLst/>
+                <a:latin typeface="Calibri" panose="020F0502020204030204" pitchFamily="34" charset="0"/>
+                <a:ea typeface="SimSun" panose="02010600030101010101" pitchFamily="2" charset="-122"/>
+                <a:cs typeface="Times New Roman" panose="02020603050405020304" pitchFamily="18" charset="0"/>
+              </a:rPr>
+              <a:t>11</a:t>
+            </a:r>
+            <a:r>
+              <a:rPr lang="en-US" sz="1800" kern="100" baseline="30000" dirty="0">
+                <a:effectLst/>
+                <a:latin typeface="Calibri" panose="020F0502020204030204" pitchFamily="34" charset="0"/>
+                <a:ea typeface="SimSun" panose="02010600030101010101" pitchFamily="2" charset="-122"/>
+                <a:cs typeface="Times New Roman" panose="02020603050405020304" pitchFamily="18" charset="0"/>
+              </a:rPr>
+              <a:t>th</a:t>
+            </a:r>
+            <a:r>
+              <a:rPr lang="en-US" sz="1800" kern="100" dirty="0">
+                <a:effectLst/>
+                <a:latin typeface="Calibri" panose="020F0502020204030204" pitchFamily="34" charset="0"/>
+                <a:ea typeface="SimSun" panose="02010600030101010101" pitchFamily="2" charset="-122"/>
+                <a:cs typeface="Times New Roman" panose="02020603050405020304" pitchFamily="18" charset="0"/>
+              </a:rPr>
+              <a:t> November – shopping festival</a:t>
+            </a:r>
+          </a:p>
+          <a:p>
+            <a:pPr marL="285750" indent="-285750">
+              <a:buFont typeface="Arial" panose="020B0604020202020204" pitchFamily="34" charset="0"/>
+              <a:buChar char="•"/>
+            </a:pPr>
+            <a:r>
+              <a:rPr lang="en-US" kern="100" dirty="0">
+                <a:latin typeface="Calibri" panose="020F0502020204030204" pitchFamily="34" charset="0"/>
+                <a:ea typeface="SimSun" panose="02010600030101010101" pitchFamily="2" charset="-122"/>
+                <a:cs typeface="Times New Roman" panose="02020603050405020304" pitchFamily="18" charset="0"/>
+              </a:rPr>
+              <a:t>Huge volume of online transactions</a:t>
+            </a:r>
+          </a:p>
+          <a:p>
+            <a:pPr marL="285750" indent="-285750">
+              <a:buFont typeface="Arial" panose="020B0604020202020204" pitchFamily="34" charset="0"/>
+              <a:buChar char="•"/>
+            </a:pPr>
+            <a:r>
+              <a:rPr lang="en-US" kern="100" dirty="0">
+                <a:latin typeface="Calibri" panose="020F0502020204030204" pitchFamily="34" charset="0"/>
+                <a:ea typeface="SimSun" panose="02010600030101010101" pitchFamily="2" charset="-122"/>
+                <a:cs typeface="Times New Roman" panose="02020603050405020304" pitchFamily="18" charset="0"/>
+              </a:rPr>
+              <a:t>O</a:t>
+            </a:r>
+            <a:r>
+              <a:rPr lang="en-US" sz="1800" kern="100" dirty="0">
+                <a:effectLst/>
+                <a:latin typeface="Calibri" panose="020F0502020204030204" pitchFamily="34" charset="0"/>
+                <a:ea typeface="SimSun" panose="02010600030101010101" pitchFamily="2" charset="-122"/>
+                <a:cs typeface="Times New Roman" panose="02020603050405020304" pitchFamily="18" charset="0"/>
+              </a:rPr>
+              <a:t>ne-time deal hunters</a:t>
+            </a:r>
+          </a:p>
+        </p:txBody>
+      </p:sp>
+      <p:pic>
+        <p:nvPicPr>
+          <p:cNvPr id="5" name="Picture 4">
+            <a:extLst>
+              <a:ext uri="{FF2B5EF4-FFF2-40B4-BE49-F238E27FC236}">
+                <a16:creationId xmlns:a16="http://schemas.microsoft.com/office/drawing/2014/main" id="{A1F9EB7B-D3AE-4ADB-B3FB-DB58F13683C5}"/>
+              </a:ext>
+            </a:extLst>
+          </p:cNvPr>
+          <p:cNvPicPr>
+            <a:picLocks noChangeAspect="1"/>
+          </p:cNvPicPr>
+          <p:nvPr/>
+        </p:nvPicPr>
+        <p:blipFill>
+          <a:blip r:embed="rId4">
+            <a:extLst>
+              <a:ext uri="{28A0092B-C50C-407E-A947-70E740481C1C}">
+                <a14:useLocalDpi xmlns:a14="http://schemas.microsoft.com/office/drawing/2010/main" val="0"/>
+              </a:ext>
+            </a:extLst>
+          </a:blip>
+          <a:stretch>
+            <a:fillRect/>
+          </a:stretch>
+        </p:blipFill>
+        <p:spPr>
+          <a:xfrm>
+            <a:off x="4975919" y="1495471"/>
+            <a:ext cx="4603334" cy="3068890"/>
+          </a:xfrm>
+          <a:prstGeom prst="rect">
+            <a:avLst/>
+          </a:prstGeom>
+        </p:spPr>
+      </p:pic>
+    </p:spTree>
+    <p:extLst>
+      <p:ext uri="{BB962C8B-B14F-4D97-AF65-F5344CB8AC3E}">
+        <p14:creationId xmlns:p14="http://schemas.microsoft.com/office/powerpoint/2010/main" val="1401536551"/>
+      </p:ext>
+    </p:extLst>
+  </p:cSld>
+  <p:clrMapOvr>
+    <a:masterClrMapping/>
+  </p:clrMapOvr>
+</p:sld>
+</file>
+
+<file path=ppt/slides/slide16.xml><?xml version="1.0" encoding="utf-8"?>
+<p:sld xmlns:a="http://schemas.openxmlformats.org/drawingml/2006/main" xmlns:r="http://schemas.openxmlformats.org/officeDocument/2006/relationships" xmlns:p="http://schemas.openxmlformats.org/presentationml/2006/main">
+  <p:cSld>
+    <p:spTree>
+      <p:nvGrpSpPr>
+        <p:cNvPr id="1" name=""/>
+        <p:cNvGrpSpPr/>
+        <p:nvPr/>
+      </p:nvGrpSpPr>
+      <p:grpSpPr>
+        <a:xfrm>
+          <a:off x="0" y="0"/>
+          <a:ext cx="0" cy="0"/>
+          <a:chOff x="0" y="0"/>
+          <a:chExt cx="0" cy="0"/>
+        </a:xfrm>
+      </p:grpSpPr>
+      <p:graphicFrame>
+        <p:nvGraphicFramePr>
+          <p:cNvPr id="2" name="Table 9">
+            <a:extLst>
+              <a:ext uri="{FF2B5EF4-FFF2-40B4-BE49-F238E27FC236}">
+                <a16:creationId xmlns:a16="http://schemas.microsoft.com/office/drawing/2014/main" id="{1598A102-B64C-4140-A76B-499F52736306}"/>
+              </a:ext>
+            </a:extLst>
+          </p:cNvPr>
+          <p:cNvGraphicFramePr>
+            <a:graphicFrameLocks noGrp="1"/>
+          </p:cNvGraphicFramePr>
+          <p:nvPr>
+            <p:extLst/>
+          </p:nvPr>
+        </p:nvGraphicFramePr>
+        <p:xfrm>
+          <a:off x="653994" y="1677908"/>
+          <a:ext cx="3285640" cy="2560320"/>
+        </p:xfrm>
+        <a:graphic>
+          <a:graphicData uri="http://schemas.openxmlformats.org/drawingml/2006/table">
+            <a:tbl>
+              <a:tblPr firstRow="1" bandRow="1">
+                <a:tableStyleId>{9D7B26C5-4107-4FEC-AEDC-1716B250A1EF}</a:tableStyleId>
+              </a:tblPr>
+              <a:tblGrid>
+                <a:gridCol w="821410">
+                  <a:extLst>
+                    <a:ext uri="{9D8B030D-6E8A-4147-A177-3AD203B41FA5}">
+                      <a16:colId xmlns:a16="http://schemas.microsoft.com/office/drawing/2014/main" val="1935527031"/>
+                    </a:ext>
+                  </a:extLst>
+                </a:gridCol>
+                <a:gridCol w="821410">
+                  <a:extLst>
+                    <a:ext uri="{9D8B030D-6E8A-4147-A177-3AD203B41FA5}">
+                      <a16:colId xmlns:a16="http://schemas.microsoft.com/office/drawing/2014/main" val="2053740939"/>
+                    </a:ext>
+                  </a:extLst>
+                </a:gridCol>
+                <a:gridCol w="821410">
+                  <a:extLst>
+                    <a:ext uri="{9D8B030D-6E8A-4147-A177-3AD203B41FA5}">
+                      <a16:colId xmlns:a16="http://schemas.microsoft.com/office/drawing/2014/main" val="2624816796"/>
+                    </a:ext>
+                  </a:extLst>
+                </a:gridCol>
+                <a:gridCol w="821410">
+                  <a:extLst>
+                    <a:ext uri="{9D8B030D-6E8A-4147-A177-3AD203B41FA5}">
+                      <a16:colId xmlns:a16="http://schemas.microsoft.com/office/drawing/2014/main" val="4043552819"/>
+                    </a:ext>
+                  </a:extLst>
+                </a:gridCol>
+              </a:tblGrid>
+              <a:tr h="0">
+                <a:tc>
+                  <a:txBody>
+                    <a:bodyPr/>
+                    <a:lstStyle/>
+                    <a:p>
+                      <a:pPr algn="ctr"/>
+                      <a:r>
+                        <a:rPr lang="en-US" sz="800" dirty="0"/>
+                        <a:t>User ID</a:t>
+                      </a:r>
+                    </a:p>
+                  </a:txBody>
+                  <a:tcPr/>
+                </a:tc>
+                <a:tc>
+                  <a:txBody>
+                    <a:bodyPr/>
+                    <a:lstStyle/>
+                    <a:p>
+                      <a:pPr algn="ctr"/>
+                      <a:r>
+                        <a:rPr lang="en-US" sz="800" dirty="0"/>
+                        <a:t>Merchant ID</a:t>
+                      </a:r>
+                    </a:p>
+                  </a:txBody>
+                  <a:tcPr/>
+                </a:tc>
+                <a:tc>
+                  <a:txBody>
+                    <a:bodyPr/>
+                    <a:lstStyle/>
+                    <a:p>
+                      <a:pPr algn="ctr"/>
+                      <a:r>
+                        <a:rPr lang="en-US" sz="800" dirty="0"/>
+                        <a:t>…</a:t>
+                      </a:r>
+                    </a:p>
+                  </a:txBody>
+                  <a:tcPr/>
+                </a:tc>
+                <a:tc>
+                  <a:txBody>
+                    <a:bodyPr/>
+                    <a:lstStyle/>
+                    <a:p>
+                      <a:pPr algn="ctr"/>
+                      <a:r>
+                        <a:rPr lang="en-US" sz="800" dirty="0"/>
+                        <a:t>…</a:t>
+                      </a:r>
+                    </a:p>
+                  </a:txBody>
+                  <a:tcPr/>
+                </a:tc>
+                <a:extLst>
+                  <a:ext uri="{0D108BD9-81ED-4DB2-BD59-A6C34878D82A}">
+                    <a16:rowId xmlns:a16="http://schemas.microsoft.com/office/drawing/2014/main" val="94545088"/>
+                  </a:ext>
+                </a:extLst>
+              </a:tr>
+              <a:tr h="0">
+                <a:tc>
+                  <a:txBody>
+                    <a:bodyPr/>
+                    <a:lstStyle/>
+                    <a:p>
+                      <a:pPr algn="ctr"/>
+                      <a:r>
+                        <a:rPr lang="en-US" sz="800" dirty="0"/>
+                        <a:t>263947</a:t>
+                      </a:r>
+                    </a:p>
+                  </a:txBody>
+                  <a:tcPr/>
+                </a:tc>
+                <a:tc>
+                  <a:txBody>
+                    <a:bodyPr/>
+                    <a:lstStyle/>
+                    <a:p>
+                      <a:pPr algn="ctr"/>
+                      <a:r>
+                        <a:rPr lang="en-US" sz="800" dirty="0"/>
+                        <a:t>3636</a:t>
+                      </a:r>
+                    </a:p>
+                  </a:txBody>
+                  <a:tcPr/>
+                </a:tc>
+                <a:tc>
+                  <a:txBody>
+                    <a:bodyPr/>
+                    <a:lstStyle/>
+                    <a:p>
+                      <a:pPr algn="ctr"/>
+                      <a:r>
+                        <a:rPr lang="en-US" sz="800" dirty="0"/>
+                        <a:t>…</a:t>
+                      </a:r>
+                    </a:p>
+                  </a:txBody>
+                  <a:tcPr/>
+                </a:tc>
+                <a:tc>
+                  <a:txBody>
+                    <a:bodyPr/>
+                    <a:lstStyle/>
+                    <a:p>
+                      <a:pPr algn="ctr"/>
+                      <a:r>
+                        <a:rPr lang="en-US" sz="800" dirty="0"/>
+                        <a:t>…</a:t>
+                      </a:r>
+                    </a:p>
+                  </a:txBody>
+                  <a:tcPr/>
+                </a:tc>
+                <a:extLst>
+                  <a:ext uri="{0D108BD9-81ED-4DB2-BD59-A6C34878D82A}">
+                    <a16:rowId xmlns:a16="http://schemas.microsoft.com/office/drawing/2014/main" val="3927590148"/>
+                  </a:ext>
+                </a:extLst>
+              </a:tr>
+              <a:tr h="0">
+                <a:tc>
+                  <a:txBody>
+                    <a:bodyPr/>
+                    <a:lstStyle/>
+                    <a:p>
+                      <a:pPr algn="ctr"/>
+                      <a:r>
+                        <a:rPr lang="en-US" sz="800" dirty="0"/>
+                        <a:t>338674</a:t>
+                      </a:r>
+                    </a:p>
+                  </a:txBody>
+                  <a:tcPr/>
+                </a:tc>
+                <a:tc>
+                  <a:txBody>
+                    <a:bodyPr/>
+                    <a:lstStyle/>
+                    <a:p>
+                      <a:pPr algn="ctr"/>
+                      <a:r>
+                        <a:rPr lang="en-US" sz="800" dirty="0"/>
+                        <a:t>1452</a:t>
+                      </a:r>
+                    </a:p>
+                  </a:txBody>
+                  <a:tcPr/>
+                </a:tc>
+                <a:tc>
+                  <a:txBody>
+                    <a:bodyPr/>
+                    <a:lstStyle/>
+                    <a:p>
+                      <a:pPr algn="ctr"/>
+                      <a:r>
+                        <a:rPr lang="en-US" sz="800" dirty="0"/>
+                        <a:t>…</a:t>
+                      </a:r>
+                    </a:p>
+                  </a:txBody>
+                  <a:tcPr/>
+                </a:tc>
+                <a:tc>
+                  <a:txBody>
+                    <a:bodyPr/>
+                    <a:lstStyle/>
+                    <a:p>
+                      <a:pPr algn="ctr"/>
+                      <a:r>
+                        <a:rPr lang="en-US" sz="800" dirty="0"/>
+                        <a:t>…</a:t>
+                      </a:r>
+                    </a:p>
+                  </a:txBody>
+                  <a:tcPr/>
+                </a:tc>
+                <a:extLst>
+                  <a:ext uri="{0D108BD9-81ED-4DB2-BD59-A6C34878D82A}">
+                    <a16:rowId xmlns:a16="http://schemas.microsoft.com/office/drawing/2014/main" val="2679457691"/>
+                  </a:ext>
+                </a:extLst>
+              </a:tr>
+              <a:tr h="0">
+                <a:tc>
+                  <a:txBody>
+                    <a:bodyPr/>
+                    <a:lstStyle/>
+                    <a:p>
+                      <a:pPr algn="ctr"/>
+                      <a:r>
+                        <a:rPr lang="en-US" sz="800" dirty="0"/>
+                        <a:t>9058</a:t>
+                      </a:r>
+                    </a:p>
+                  </a:txBody>
+                  <a:tcPr/>
+                </a:tc>
+                <a:tc>
+                  <a:txBody>
+                    <a:bodyPr/>
+                    <a:lstStyle/>
+                    <a:p>
+                      <a:pPr algn="ctr"/>
+                      <a:r>
+                        <a:rPr lang="en-US" sz="800" dirty="0"/>
+                        <a:t>3285</a:t>
+                      </a:r>
+                    </a:p>
+                  </a:txBody>
+                  <a:tcPr/>
+                </a:tc>
+                <a:tc>
+                  <a:txBody>
+                    <a:bodyPr/>
+                    <a:lstStyle/>
+                    <a:p>
+                      <a:pPr algn="ctr"/>
+                      <a:r>
+                        <a:rPr lang="en-US" sz="800" dirty="0"/>
+                        <a:t>…</a:t>
+                      </a:r>
+                    </a:p>
+                  </a:txBody>
+                  <a:tcPr/>
+                </a:tc>
+                <a:tc>
+                  <a:txBody>
+                    <a:bodyPr/>
+                    <a:lstStyle/>
+                    <a:p>
+                      <a:pPr algn="ctr"/>
+                      <a:r>
+                        <a:rPr lang="en-US" sz="800" dirty="0"/>
+                        <a:t>…</a:t>
+                      </a:r>
+                    </a:p>
+                  </a:txBody>
+                  <a:tcPr/>
+                </a:tc>
+                <a:extLst>
+                  <a:ext uri="{0D108BD9-81ED-4DB2-BD59-A6C34878D82A}">
+                    <a16:rowId xmlns:a16="http://schemas.microsoft.com/office/drawing/2014/main" val="3477957664"/>
+                  </a:ext>
+                </a:extLst>
+              </a:tr>
+              <a:tr h="0">
+                <a:tc>
+                  <a:txBody>
+                    <a:bodyPr/>
+                    <a:lstStyle/>
+                    <a:p>
+                      <a:pPr algn="ctr"/>
+                      <a:r>
+                        <a:rPr lang="en-US" sz="800" dirty="0"/>
+                        <a:t>237186</a:t>
+                      </a:r>
+                    </a:p>
+                  </a:txBody>
+                  <a:tcPr/>
+                </a:tc>
+                <a:tc>
+                  <a:txBody>
+                    <a:bodyPr/>
+                    <a:lstStyle/>
+                    <a:p>
+                      <a:pPr algn="ctr"/>
+                      <a:r>
+                        <a:rPr lang="en-US" sz="800" dirty="0"/>
+                        <a:t>2697</a:t>
+                      </a:r>
+                    </a:p>
+                  </a:txBody>
+                  <a:tcPr/>
+                </a:tc>
+                <a:tc>
+                  <a:txBody>
+                    <a:bodyPr/>
+                    <a:lstStyle/>
+                    <a:p>
+                      <a:pPr algn="ctr"/>
+                      <a:r>
+                        <a:rPr lang="en-US" sz="800" dirty="0"/>
+                        <a:t>…</a:t>
+                      </a:r>
+                    </a:p>
+                  </a:txBody>
+                  <a:tcPr/>
+                </a:tc>
+                <a:tc>
+                  <a:txBody>
+                    <a:bodyPr/>
+                    <a:lstStyle/>
+                    <a:p>
+                      <a:pPr algn="ctr"/>
+                      <a:r>
+                        <a:rPr lang="en-US" sz="800" dirty="0"/>
+                        <a:t>…</a:t>
+                      </a:r>
+                    </a:p>
+                  </a:txBody>
+                  <a:tcPr/>
+                </a:tc>
+                <a:extLst>
+                  <a:ext uri="{0D108BD9-81ED-4DB2-BD59-A6C34878D82A}">
+                    <a16:rowId xmlns:a16="http://schemas.microsoft.com/office/drawing/2014/main" val="4136625272"/>
+                  </a:ext>
+                </a:extLst>
+              </a:tr>
+              <a:tr h="0">
+                <a:tc>
+                  <a:txBody>
+                    <a:bodyPr/>
+                    <a:lstStyle/>
+                    <a:p>
+                      <a:pPr algn="ctr"/>
+                      <a:r>
+                        <a:rPr lang="en-US" sz="800" dirty="0"/>
+                        <a:t>100871</a:t>
+                      </a:r>
+                    </a:p>
+                  </a:txBody>
+                  <a:tcPr/>
+                </a:tc>
+                <a:tc>
+                  <a:txBody>
+                    <a:bodyPr/>
+                    <a:lstStyle/>
+                    <a:p>
+                      <a:pPr algn="ctr"/>
+                      <a:r>
+                        <a:rPr lang="en-US" sz="800" dirty="0"/>
+                        <a:t>5626</a:t>
+                      </a:r>
+                    </a:p>
+                  </a:txBody>
+                  <a:tcPr/>
+                </a:tc>
+                <a:tc>
+                  <a:txBody>
+                    <a:bodyPr/>
+                    <a:lstStyle/>
+                    <a:p>
+                      <a:pPr algn="ctr"/>
+                      <a:r>
+                        <a:rPr lang="en-US" sz="800" dirty="0"/>
+                        <a:t>…</a:t>
+                      </a:r>
+                    </a:p>
+                  </a:txBody>
+                  <a:tcPr/>
+                </a:tc>
+                <a:tc>
+                  <a:txBody>
+                    <a:bodyPr/>
+                    <a:lstStyle/>
+                    <a:p>
+                      <a:pPr algn="ctr"/>
+                      <a:r>
+                        <a:rPr lang="en-US" sz="800" dirty="0"/>
+                        <a:t>…</a:t>
+                      </a:r>
+                    </a:p>
+                  </a:txBody>
+                  <a:tcPr/>
+                </a:tc>
+                <a:extLst>
+                  <a:ext uri="{0D108BD9-81ED-4DB2-BD59-A6C34878D82A}">
+                    <a16:rowId xmlns:a16="http://schemas.microsoft.com/office/drawing/2014/main" val="2569028482"/>
+                  </a:ext>
+                </a:extLst>
+              </a:tr>
+              <a:tr h="0">
+                <a:tc>
+                  <a:txBody>
+                    <a:bodyPr/>
+                    <a:lstStyle/>
+                    <a:p>
+                      <a:pPr algn="ctr"/>
+                      <a:r>
+                        <a:rPr lang="en-US" sz="800" dirty="0"/>
+                        <a:t>…</a:t>
+                      </a:r>
+                    </a:p>
+                  </a:txBody>
+                  <a:tcPr/>
+                </a:tc>
+                <a:tc>
+                  <a:txBody>
+                    <a:bodyPr/>
+                    <a:lstStyle/>
+                    <a:p>
+                      <a:pPr algn="ctr"/>
+                      <a:r>
+                        <a:rPr lang="en-US" sz="800" dirty="0"/>
+                        <a:t>…</a:t>
+                      </a:r>
+                    </a:p>
+                  </a:txBody>
+                  <a:tcPr/>
+                </a:tc>
+                <a:tc>
+                  <a:txBody>
+                    <a:bodyPr/>
+                    <a:lstStyle/>
+                    <a:p>
+                      <a:pPr algn="ctr"/>
+                      <a:r>
+                        <a:rPr lang="en-US" sz="800" dirty="0"/>
+                        <a:t>…</a:t>
+                      </a:r>
+                    </a:p>
+                  </a:txBody>
+                  <a:tcPr/>
+                </a:tc>
+                <a:tc>
+                  <a:txBody>
+                    <a:bodyPr/>
+                    <a:lstStyle/>
+                    <a:p>
+                      <a:pPr algn="ctr"/>
+                      <a:r>
+                        <a:rPr lang="en-US" sz="800" dirty="0"/>
+                        <a:t>…</a:t>
+                      </a:r>
+                    </a:p>
+                  </a:txBody>
+                  <a:tcPr/>
+                </a:tc>
+                <a:extLst>
+                  <a:ext uri="{0D108BD9-81ED-4DB2-BD59-A6C34878D82A}">
+                    <a16:rowId xmlns:a16="http://schemas.microsoft.com/office/drawing/2014/main" val="3129840939"/>
+                  </a:ext>
+                </a:extLst>
+              </a:tr>
+              <a:tr h="0">
+                <a:tc>
+                  <a:txBody>
+                    <a:bodyPr/>
+                    <a:lstStyle/>
+                    <a:p>
+                      <a:pPr algn="ctr"/>
+                      <a:r>
+                        <a:rPr lang="en-US" sz="800" dirty="0"/>
+                        <a:t>49472</a:t>
+                      </a:r>
+                    </a:p>
+                  </a:txBody>
+                  <a:tcPr/>
+                </a:tc>
+                <a:tc>
+                  <a:txBody>
+                    <a:bodyPr/>
+                    <a:lstStyle/>
+                    <a:p>
+                      <a:pPr algn="ctr"/>
+                      <a:r>
+                        <a:rPr lang="en-US" sz="800" dirty="0"/>
+                        <a:t>1787</a:t>
+                      </a:r>
+                    </a:p>
+                  </a:txBody>
+                  <a:tcPr/>
+                </a:tc>
+                <a:tc>
+                  <a:txBody>
+                    <a:bodyPr/>
+                    <a:lstStyle/>
+                    <a:p>
+                      <a:pPr algn="ctr"/>
+                      <a:r>
+                        <a:rPr lang="en-US" sz="800" dirty="0"/>
+                        <a:t>…</a:t>
+                      </a:r>
+                    </a:p>
+                  </a:txBody>
+                  <a:tcPr/>
+                </a:tc>
+                <a:tc>
+                  <a:txBody>
+                    <a:bodyPr/>
+                    <a:lstStyle/>
+                    <a:p>
+                      <a:pPr algn="ctr"/>
+                      <a:r>
+                        <a:rPr lang="en-US" sz="800" dirty="0"/>
+                        <a:t>…</a:t>
+                      </a:r>
+                    </a:p>
+                  </a:txBody>
+                  <a:tcPr/>
+                </a:tc>
+                <a:extLst>
+                  <a:ext uri="{0D108BD9-81ED-4DB2-BD59-A6C34878D82A}">
+                    <a16:rowId xmlns:a16="http://schemas.microsoft.com/office/drawing/2014/main" val="2900605880"/>
+                  </a:ext>
+                </a:extLst>
+              </a:tr>
+              <a:tr h="0">
+                <a:tc>
+                  <a:txBody>
+                    <a:bodyPr/>
+                    <a:lstStyle/>
+                    <a:p>
+                      <a:pPr algn="ctr"/>
+                      <a:r>
+                        <a:rPr lang="en-US" sz="800" dirty="0"/>
+                        <a:t>28974</a:t>
+                      </a:r>
+                    </a:p>
+                  </a:txBody>
+                  <a:tcPr/>
+                </a:tc>
+                <a:tc>
+                  <a:txBody>
+                    <a:bodyPr/>
+                    <a:lstStyle/>
+                    <a:p>
+                      <a:pPr algn="ctr"/>
+                      <a:endParaRPr lang="en-US" sz="800" dirty="0"/>
+                    </a:p>
+                  </a:txBody>
+                  <a:tcPr/>
+                </a:tc>
+                <a:tc>
+                  <a:txBody>
+                    <a:bodyPr/>
+                    <a:lstStyle/>
+                    <a:p>
+                      <a:pPr algn="ctr"/>
+                      <a:r>
+                        <a:rPr lang="en-US" sz="800" dirty="0"/>
+                        <a:t>…</a:t>
+                      </a:r>
+                    </a:p>
+                  </a:txBody>
+                  <a:tcPr/>
+                </a:tc>
+                <a:tc>
+                  <a:txBody>
+                    <a:bodyPr/>
+                    <a:lstStyle/>
+                    <a:p>
+                      <a:pPr algn="ctr"/>
+                      <a:r>
+                        <a:rPr lang="en-US" sz="800" dirty="0"/>
+                        <a:t>…</a:t>
+                      </a:r>
+                    </a:p>
+                  </a:txBody>
+                  <a:tcPr/>
+                </a:tc>
+                <a:extLst>
+                  <a:ext uri="{0D108BD9-81ED-4DB2-BD59-A6C34878D82A}">
+                    <a16:rowId xmlns:a16="http://schemas.microsoft.com/office/drawing/2014/main" val="3444955994"/>
+                  </a:ext>
+                </a:extLst>
+              </a:tr>
+              <a:tr h="0">
+                <a:tc>
+                  <a:txBody>
+                    <a:bodyPr/>
+                    <a:lstStyle/>
+                    <a:p>
+                      <a:pPr algn="ctr"/>
+                      <a:r>
+                        <a:rPr lang="en-US" sz="800" dirty="0"/>
+                        <a:t>359629</a:t>
+                      </a:r>
+                    </a:p>
+                  </a:txBody>
+                  <a:tcPr/>
+                </a:tc>
+                <a:tc>
+                  <a:txBody>
+                    <a:bodyPr/>
+                    <a:lstStyle/>
+                    <a:p>
+                      <a:pPr algn="ctr"/>
+                      <a:r>
+                        <a:rPr lang="en-US" sz="800" dirty="0"/>
+                        <a:t>223</a:t>
+                      </a:r>
+                    </a:p>
+                  </a:txBody>
+                  <a:tcPr/>
+                </a:tc>
+                <a:tc>
+                  <a:txBody>
+                    <a:bodyPr/>
+                    <a:lstStyle/>
+                    <a:p>
+                      <a:pPr algn="ctr"/>
+                      <a:r>
+                        <a:rPr lang="en-US" sz="800" dirty="0"/>
+                        <a:t>…</a:t>
+                      </a:r>
+                    </a:p>
+                  </a:txBody>
+                  <a:tcPr/>
+                </a:tc>
+                <a:tc>
+                  <a:txBody>
+                    <a:bodyPr/>
+                    <a:lstStyle/>
+                    <a:p>
+                      <a:pPr algn="ctr"/>
+                      <a:r>
+                        <a:rPr lang="en-US" sz="800" dirty="0"/>
+                        <a:t>…</a:t>
+                      </a:r>
+                    </a:p>
+                  </a:txBody>
+                  <a:tcPr/>
+                </a:tc>
+                <a:extLst>
+                  <a:ext uri="{0D108BD9-81ED-4DB2-BD59-A6C34878D82A}">
+                    <a16:rowId xmlns:a16="http://schemas.microsoft.com/office/drawing/2014/main" val="1381086814"/>
+                  </a:ext>
+                </a:extLst>
+              </a:tr>
+              <a:tr h="0">
+                <a:tc>
+                  <a:txBody>
+                    <a:bodyPr/>
+                    <a:lstStyle/>
+                    <a:p>
+                      <a:pPr algn="ctr"/>
+                      <a:r>
+                        <a:rPr lang="en-US" sz="800" dirty="0"/>
+                        <a:t>216711</a:t>
+                      </a:r>
+                    </a:p>
+                  </a:txBody>
+                  <a:tcPr/>
+                </a:tc>
+                <a:tc>
+                  <a:txBody>
+                    <a:bodyPr/>
+                    <a:lstStyle/>
+                    <a:p>
+                      <a:pPr algn="ctr"/>
+                      <a:r>
+                        <a:rPr lang="en-US" sz="800" dirty="0"/>
+                        <a:t>1950</a:t>
+                      </a:r>
+                    </a:p>
+                  </a:txBody>
+                  <a:tcPr/>
+                </a:tc>
+                <a:tc>
+                  <a:txBody>
+                    <a:bodyPr/>
+                    <a:lstStyle/>
+                    <a:p>
+                      <a:pPr algn="ctr"/>
+                      <a:r>
+                        <a:rPr lang="en-US" sz="800" dirty="0"/>
+                        <a:t>…</a:t>
+                      </a:r>
+                    </a:p>
+                  </a:txBody>
+                  <a:tcPr/>
+                </a:tc>
+                <a:tc>
+                  <a:txBody>
+                    <a:bodyPr/>
+                    <a:lstStyle/>
+                    <a:p>
+                      <a:pPr algn="ctr"/>
+                      <a:r>
+                        <a:rPr lang="en-US" sz="800" dirty="0"/>
+                        <a:t>…</a:t>
+                      </a:r>
+                    </a:p>
+                  </a:txBody>
+                  <a:tcPr/>
+                </a:tc>
+                <a:extLst>
+                  <a:ext uri="{0D108BD9-81ED-4DB2-BD59-A6C34878D82A}">
+                    <a16:rowId xmlns:a16="http://schemas.microsoft.com/office/drawing/2014/main" val="3186770763"/>
+                  </a:ext>
+                </a:extLst>
+              </a:tr>
+              <a:tr h="0">
+                <a:tc>
+                  <a:txBody>
+                    <a:bodyPr/>
+                    <a:lstStyle/>
+                    <a:p>
+                      <a:pPr algn="ctr"/>
+                      <a:r>
+                        <a:rPr lang="en-US" sz="800" dirty="0"/>
+                        <a:t>61119</a:t>
+                      </a:r>
+                    </a:p>
+                  </a:txBody>
+                  <a:tcPr/>
+                </a:tc>
+                <a:tc>
+                  <a:txBody>
+                    <a:bodyPr/>
+                    <a:lstStyle/>
+                    <a:p>
+                      <a:pPr algn="ctr"/>
+                      <a:r>
+                        <a:rPr lang="en-US" sz="800" dirty="0"/>
+                        <a:t>1532</a:t>
+                      </a:r>
+                    </a:p>
+                  </a:txBody>
+                  <a:tcPr/>
+                </a:tc>
+                <a:tc>
+                  <a:txBody>
+                    <a:bodyPr/>
+                    <a:lstStyle/>
+                    <a:p>
+                      <a:pPr algn="ctr"/>
+                      <a:r>
+                        <a:rPr lang="en-US" sz="800" dirty="0"/>
+                        <a:t>…</a:t>
+                      </a:r>
+                    </a:p>
+                  </a:txBody>
+                  <a:tcPr/>
+                </a:tc>
+                <a:tc>
+                  <a:txBody>
+                    <a:bodyPr/>
+                    <a:lstStyle/>
+                    <a:p>
+                      <a:pPr algn="ctr"/>
+                      <a:r>
+                        <a:rPr lang="en-US" sz="800" dirty="0"/>
+                        <a:t>…</a:t>
+                      </a:r>
+                    </a:p>
+                  </a:txBody>
+                  <a:tcPr/>
+                </a:tc>
+                <a:extLst>
+                  <a:ext uri="{0D108BD9-81ED-4DB2-BD59-A6C34878D82A}">
+                    <a16:rowId xmlns:a16="http://schemas.microsoft.com/office/drawing/2014/main" val="3105223172"/>
+                  </a:ext>
+                </a:extLst>
+              </a:tr>
+            </a:tbl>
+          </a:graphicData>
+        </a:graphic>
+      </p:graphicFrame>
+      <p:sp>
+        <p:nvSpPr>
+          <p:cNvPr id="3" name="Arrow: Up-Down 2">
+            <a:extLst>
+              <a:ext uri="{FF2B5EF4-FFF2-40B4-BE49-F238E27FC236}">
+                <a16:creationId xmlns:a16="http://schemas.microsoft.com/office/drawing/2014/main" id="{504CC9A6-BD46-4AB4-9C37-E8F2ABE881BA}"/>
+              </a:ext>
+            </a:extLst>
+          </p:cNvPr>
+          <p:cNvSpPr/>
+          <p:nvPr/>
+        </p:nvSpPr>
+        <p:spPr>
+          <a:xfrm rot="16200000">
+            <a:off x="3120986" y="810749"/>
+            <a:ext cx="101600" cy="1535699"/>
+          </a:xfrm>
+          <a:prstGeom prst="upDownArrow">
+            <a:avLst/>
+          </a:prstGeom>
+          <a:solidFill>
+            <a:schemeClr val="bg1">
+              <a:lumMod val="75000"/>
+            </a:schemeClr>
+          </a:solidFill>
+          <a:ln>
+            <a:solidFill>
+              <a:schemeClr val="bg1">
+                <a:lumMod val="65000"/>
+              </a:schemeClr>
+            </a:solidFill>
+          </a:ln>
+        </p:spPr>
+        <p:style>
+          <a:lnRef idx="2">
+            <a:schemeClr val="accent1">
+              <a:shade val="50000"/>
+            </a:schemeClr>
+          </a:lnRef>
+          <a:fillRef idx="1">
+            <a:schemeClr val="accent1"/>
+          </a:fillRef>
+          <a:effectRef idx="0">
+            <a:schemeClr val="accent1"/>
+          </a:effectRef>
+          <a:fontRef idx="minor">
+            <a:schemeClr val="lt1"/>
+          </a:fontRef>
+        </p:style>
+        <p:txBody>
+          <a:bodyPr rtlCol="0" anchor="ctr"/>
+          <a:lstStyle/>
+          <a:p>
+            <a:pPr algn="ctr"/>
+            <a:endParaRPr lang="en-US"/>
+          </a:p>
+        </p:txBody>
+      </p:sp>
+      <p:sp>
+        <p:nvSpPr>
+          <p:cNvPr id="4" name="TextBox 3">
+            <a:extLst>
+              <a:ext uri="{FF2B5EF4-FFF2-40B4-BE49-F238E27FC236}">
+                <a16:creationId xmlns:a16="http://schemas.microsoft.com/office/drawing/2014/main" id="{6DD13E68-704C-4803-AF48-DB4C84E0E197}"/>
+              </a:ext>
+            </a:extLst>
+          </p:cNvPr>
+          <p:cNvSpPr txBox="1"/>
+          <p:nvPr/>
+        </p:nvSpPr>
+        <p:spPr>
+          <a:xfrm>
+            <a:off x="2758852" y="1318586"/>
+            <a:ext cx="825867" cy="230832"/>
+          </a:xfrm>
+          <a:prstGeom prst="rect">
+            <a:avLst/>
+          </a:prstGeom>
+          <a:noFill/>
+        </p:spPr>
+        <p:txBody>
+          <a:bodyPr wrap="none" rtlCol="0">
+            <a:spAutoFit/>
+          </a:bodyPr>
+          <a:lstStyle/>
+          <a:p>
+            <a:r>
+              <a:rPr lang="en-US" sz="900" dirty="0"/>
+              <a:t>215 features</a:t>
+            </a:r>
+          </a:p>
+        </p:txBody>
+      </p:sp>
+      <p:sp>
+        <p:nvSpPr>
+          <p:cNvPr id="5" name="TextBox 4">
+            <a:extLst>
+              <a:ext uri="{FF2B5EF4-FFF2-40B4-BE49-F238E27FC236}">
+                <a16:creationId xmlns:a16="http://schemas.microsoft.com/office/drawing/2014/main" id="{4E7A241F-A41E-4388-B563-D5940406E615}"/>
+              </a:ext>
+            </a:extLst>
+          </p:cNvPr>
+          <p:cNvSpPr txBox="1"/>
+          <p:nvPr/>
+        </p:nvSpPr>
+        <p:spPr>
+          <a:xfrm>
+            <a:off x="4232530" y="2573347"/>
+            <a:ext cx="514885" cy="769441"/>
+          </a:xfrm>
+          <a:prstGeom prst="rect">
+            <a:avLst/>
+          </a:prstGeom>
+          <a:noFill/>
+        </p:spPr>
+        <p:txBody>
+          <a:bodyPr wrap="none" rtlCol="0">
+            <a:spAutoFit/>
+          </a:bodyPr>
+          <a:lstStyle/>
+          <a:p>
+            <a:r>
+              <a:rPr lang="en-US" sz="4400" b="1" dirty="0">
+                <a:solidFill>
+                  <a:schemeClr val="bg1">
+                    <a:lumMod val="65000"/>
+                  </a:schemeClr>
+                </a:solidFill>
+              </a:rPr>
+              <a:t>+</a:t>
+            </a:r>
+            <a:endParaRPr lang="en-US" sz="1200" b="1" dirty="0">
+              <a:solidFill>
+                <a:schemeClr val="bg1">
+                  <a:lumMod val="65000"/>
+                </a:schemeClr>
+              </a:solidFill>
+            </a:endParaRPr>
+          </a:p>
+        </p:txBody>
+      </p:sp>
+      <p:graphicFrame>
+        <p:nvGraphicFramePr>
+          <p:cNvPr id="6" name="Table 9">
+            <a:extLst>
+              <a:ext uri="{FF2B5EF4-FFF2-40B4-BE49-F238E27FC236}">
+                <a16:creationId xmlns:a16="http://schemas.microsoft.com/office/drawing/2014/main" id="{57BCC6F9-6B72-4FB8-BD60-9DB6A573DD2C}"/>
+              </a:ext>
+            </a:extLst>
+          </p:cNvPr>
+          <p:cNvGraphicFramePr>
+            <a:graphicFrameLocks noGrp="1"/>
+          </p:cNvGraphicFramePr>
+          <p:nvPr>
+            <p:extLst/>
+          </p:nvPr>
+        </p:nvGraphicFramePr>
+        <p:xfrm>
+          <a:off x="5040311" y="1677908"/>
+          <a:ext cx="879268" cy="2560320"/>
+        </p:xfrm>
+        <a:graphic>
+          <a:graphicData uri="http://schemas.openxmlformats.org/drawingml/2006/table">
+            <a:tbl>
+              <a:tblPr firstRow="1" bandRow="1">
+                <a:tableStyleId>{9D7B26C5-4107-4FEC-AEDC-1716B250A1EF}</a:tableStyleId>
+              </a:tblPr>
+              <a:tblGrid>
+                <a:gridCol w="879268">
+                  <a:extLst>
+                    <a:ext uri="{9D8B030D-6E8A-4147-A177-3AD203B41FA5}">
+                      <a16:colId xmlns:a16="http://schemas.microsoft.com/office/drawing/2014/main" val="1935527031"/>
+                    </a:ext>
+                  </a:extLst>
+                </a:gridCol>
+              </a:tblGrid>
+              <a:tr h="0">
+                <a:tc>
+                  <a:txBody>
+                    <a:bodyPr/>
+                    <a:lstStyle/>
+                    <a:p>
+                      <a:pPr algn="ctr"/>
+                      <a:r>
+                        <a:rPr lang="en-US" sz="800" dirty="0"/>
+                        <a:t>PCA features</a:t>
+                      </a:r>
+                    </a:p>
+                  </a:txBody>
+                  <a:tcPr/>
+                </a:tc>
+                <a:extLst>
+                  <a:ext uri="{0D108BD9-81ED-4DB2-BD59-A6C34878D82A}">
+                    <a16:rowId xmlns:a16="http://schemas.microsoft.com/office/drawing/2014/main" val="94545088"/>
+                  </a:ext>
+                </a:extLst>
+              </a:tr>
+              <a:tr h="0">
+                <a:tc>
+                  <a:txBody>
+                    <a:bodyPr/>
+                    <a:lstStyle/>
+                    <a:p>
+                      <a:pPr algn="ctr"/>
+                      <a:r>
+                        <a:rPr lang="en-US" sz="800" dirty="0"/>
+                        <a:t>…</a:t>
+                      </a:r>
+                    </a:p>
+                  </a:txBody>
+                  <a:tcPr/>
+                </a:tc>
+                <a:extLst>
+                  <a:ext uri="{0D108BD9-81ED-4DB2-BD59-A6C34878D82A}">
+                    <a16:rowId xmlns:a16="http://schemas.microsoft.com/office/drawing/2014/main" val="3927590148"/>
+                  </a:ext>
+                </a:extLst>
+              </a:tr>
+              <a:tr h="0">
+                <a:tc>
+                  <a:txBody>
+                    <a:bodyPr/>
+                    <a:lstStyle/>
+                    <a:p>
+                      <a:pPr algn="ctr"/>
+                      <a:r>
+                        <a:rPr lang="en-US" sz="800" dirty="0"/>
+                        <a:t>…</a:t>
+                      </a:r>
+                    </a:p>
+                  </a:txBody>
+                  <a:tcPr/>
+                </a:tc>
+                <a:extLst>
+                  <a:ext uri="{0D108BD9-81ED-4DB2-BD59-A6C34878D82A}">
+                    <a16:rowId xmlns:a16="http://schemas.microsoft.com/office/drawing/2014/main" val="2679457691"/>
+                  </a:ext>
+                </a:extLst>
+              </a:tr>
+              <a:tr h="0">
+                <a:tc>
+                  <a:txBody>
+                    <a:bodyPr/>
+                    <a:lstStyle/>
+                    <a:p>
+                      <a:pPr algn="ctr"/>
+                      <a:r>
+                        <a:rPr lang="en-US" sz="800" dirty="0"/>
+                        <a:t>…</a:t>
+                      </a:r>
+                    </a:p>
+                  </a:txBody>
+                  <a:tcPr/>
+                </a:tc>
+                <a:extLst>
+                  <a:ext uri="{0D108BD9-81ED-4DB2-BD59-A6C34878D82A}">
+                    <a16:rowId xmlns:a16="http://schemas.microsoft.com/office/drawing/2014/main" val="3477957664"/>
+                  </a:ext>
+                </a:extLst>
+              </a:tr>
+              <a:tr h="0">
+                <a:tc>
+                  <a:txBody>
+                    <a:bodyPr/>
+                    <a:lstStyle/>
+                    <a:p>
+                      <a:pPr algn="ctr"/>
+                      <a:r>
+                        <a:rPr lang="en-US" sz="800" dirty="0"/>
+                        <a:t>…</a:t>
+                      </a:r>
+                    </a:p>
+                  </a:txBody>
+                  <a:tcPr/>
+                </a:tc>
+                <a:extLst>
+                  <a:ext uri="{0D108BD9-81ED-4DB2-BD59-A6C34878D82A}">
+                    <a16:rowId xmlns:a16="http://schemas.microsoft.com/office/drawing/2014/main" val="4136625272"/>
+                  </a:ext>
+                </a:extLst>
+              </a:tr>
+              <a:tr h="0">
+                <a:tc>
+                  <a:txBody>
+                    <a:bodyPr/>
+                    <a:lstStyle/>
+                    <a:p>
+                      <a:pPr algn="ctr"/>
+                      <a:r>
+                        <a:rPr lang="en-US" sz="800" dirty="0"/>
+                        <a:t>…</a:t>
+                      </a:r>
+                    </a:p>
+                  </a:txBody>
+                  <a:tcPr/>
+                </a:tc>
+                <a:extLst>
+                  <a:ext uri="{0D108BD9-81ED-4DB2-BD59-A6C34878D82A}">
+                    <a16:rowId xmlns:a16="http://schemas.microsoft.com/office/drawing/2014/main" val="2569028482"/>
+                  </a:ext>
+                </a:extLst>
+              </a:tr>
+              <a:tr h="0">
+                <a:tc>
+                  <a:txBody>
+                    <a:bodyPr/>
+                    <a:lstStyle/>
+                    <a:p>
+                      <a:pPr algn="ctr"/>
+                      <a:r>
+                        <a:rPr lang="en-US" sz="800" dirty="0"/>
+                        <a:t>…</a:t>
+                      </a:r>
+                    </a:p>
+                  </a:txBody>
+                  <a:tcPr/>
+                </a:tc>
+                <a:extLst>
+                  <a:ext uri="{0D108BD9-81ED-4DB2-BD59-A6C34878D82A}">
+                    <a16:rowId xmlns:a16="http://schemas.microsoft.com/office/drawing/2014/main" val="3129840939"/>
+                  </a:ext>
+                </a:extLst>
+              </a:tr>
+              <a:tr h="0">
+                <a:tc>
+                  <a:txBody>
+                    <a:bodyPr/>
+                    <a:lstStyle/>
+                    <a:p>
+                      <a:pPr algn="ctr"/>
+                      <a:r>
+                        <a:rPr lang="en-US" sz="800" dirty="0"/>
+                        <a:t>…</a:t>
+                      </a:r>
+                    </a:p>
+                  </a:txBody>
+                  <a:tcPr/>
+                </a:tc>
+                <a:extLst>
+                  <a:ext uri="{0D108BD9-81ED-4DB2-BD59-A6C34878D82A}">
+                    <a16:rowId xmlns:a16="http://schemas.microsoft.com/office/drawing/2014/main" val="2900605880"/>
+                  </a:ext>
+                </a:extLst>
+              </a:tr>
+              <a:tr h="0">
+                <a:tc>
+                  <a:txBody>
+                    <a:bodyPr/>
+                    <a:lstStyle/>
+                    <a:p>
+                      <a:pPr algn="ctr"/>
+                      <a:r>
+                        <a:rPr lang="en-US" sz="800" dirty="0"/>
+                        <a:t>…</a:t>
+                      </a:r>
+                    </a:p>
+                  </a:txBody>
+                  <a:tcPr/>
+                </a:tc>
+                <a:extLst>
+                  <a:ext uri="{0D108BD9-81ED-4DB2-BD59-A6C34878D82A}">
+                    <a16:rowId xmlns:a16="http://schemas.microsoft.com/office/drawing/2014/main" val="3444955994"/>
+                  </a:ext>
+                </a:extLst>
+              </a:tr>
+              <a:tr h="0">
+                <a:tc>
+                  <a:txBody>
+                    <a:bodyPr/>
+                    <a:lstStyle/>
+                    <a:p>
+                      <a:pPr algn="ctr"/>
+                      <a:r>
+                        <a:rPr lang="en-US" sz="800" dirty="0"/>
+                        <a:t>…</a:t>
+                      </a:r>
+                    </a:p>
+                  </a:txBody>
+                  <a:tcPr/>
+                </a:tc>
+                <a:extLst>
+                  <a:ext uri="{0D108BD9-81ED-4DB2-BD59-A6C34878D82A}">
+                    <a16:rowId xmlns:a16="http://schemas.microsoft.com/office/drawing/2014/main" val="1381086814"/>
+                  </a:ext>
+                </a:extLst>
+              </a:tr>
+              <a:tr h="0">
+                <a:tc>
+                  <a:txBody>
+                    <a:bodyPr/>
+                    <a:lstStyle/>
+                    <a:p>
+                      <a:pPr algn="ctr"/>
+                      <a:r>
+                        <a:rPr lang="en-US" sz="800" dirty="0"/>
+                        <a:t>…</a:t>
+                      </a:r>
+                    </a:p>
+                  </a:txBody>
+                  <a:tcPr/>
+                </a:tc>
+                <a:extLst>
+                  <a:ext uri="{0D108BD9-81ED-4DB2-BD59-A6C34878D82A}">
+                    <a16:rowId xmlns:a16="http://schemas.microsoft.com/office/drawing/2014/main" val="3186770763"/>
+                  </a:ext>
+                </a:extLst>
+              </a:tr>
+              <a:tr h="0">
+                <a:tc>
+                  <a:txBody>
+                    <a:bodyPr/>
+                    <a:lstStyle/>
+                    <a:p>
+                      <a:pPr algn="ctr"/>
+                      <a:r>
+                        <a:rPr lang="en-US" sz="800" dirty="0"/>
+                        <a:t>…</a:t>
+                      </a:r>
+                    </a:p>
+                  </a:txBody>
+                  <a:tcPr/>
+                </a:tc>
+                <a:extLst>
+                  <a:ext uri="{0D108BD9-81ED-4DB2-BD59-A6C34878D82A}">
+                    <a16:rowId xmlns:a16="http://schemas.microsoft.com/office/drawing/2014/main" val="3105223172"/>
+                  </a:ext>
+                </a:extLst>
+              </a:tr>
+            </a:tbl>
+          </a:graphicData>
+        </a:graphic>
+      </p:graphicFrame>
+      <p:sp>
+        <p:nvSpPr>
+          <p:cNvPr id="7" name="TextBox 6">
+            <a:extLst>
+              <a:ext uri="{FF2B5EF4-FFF2-40B4-BE49-F238E27FC236}">
+                <a16:creationId xmlns:a16="http://schemas.microsoft.com/office/drawing/2014/main" id="{B276F762-E1F6-4B29-A6E8-D6CFE1776141}"/>
+              </a:ext>
+            </a:extLst>
+          </p:cNvPr>
+          <p:cNvSpPr txBox="1"/>
+          <p:nvPr/>
+        </p:nvSpPr>
+        <p:spPr>
+          <a:xfrm>
+            <a:off x="4913429" y="1307406"/>
+            <a:ext cx="1133029" cy="230832"/>
+          </a:xfrm>
+          <a:prstGeom prst="rect">
+            <a:avLst/>
+          </a:prstGeom>
+          <a:noFill/>
+        </p:spPr>
+        <p:txBody>
+          <a:bodyPr wrap="square" rtlCol="0">
+            <a:spAutoFit/>
+          </a:bodyPr>
+          <a:lstStyle/>
+          <a:p>
+            <a:pPr algn="ctr"/>
+            <a:r>
+              <a:rPr lang="en-US" sz="900" dirty="0"/>
+              <a:t>5 PCA features</a:t>
+            </a:r>
+          </a:p>
+        </p:txBody>
+      </p:sp>
+      <p:sp>
+        <p:nvSpPr>
+          <p:cNvPr id="8" name="Arrow: Up-Down 7">
+            <a:extLst>
+              <a:ext uri="{FF2B5EF4-FFF2-40B4-BE49-F238E27FC236}">
+                <a16:creationId xmlns:a16="http://schemas.microsoft.com/office/drawing/2014/main" id="{4A04837E-6292-4498-94DC-AEC9C81D54EA}"/>
+              </a:ext>
+            </a:extLst>
+          </p:cNvPr>
+          <p:cNvSpPr/>
+          <p:nvPr/>
+        </p:nvSpPr>
+        <p:spPr>
+          <a:xfrm rot="16200000">
+            <a:off x="5429143" y="1138966"/>
+            <a:ext cx="101602" cy="879266"/>
+          </a:xfrm>
+          <a:prstGeom prst="upDownArrow">
+            <a:avLst/>
+          </a:prstGeom>
+          <a:solidFill>
+            <a:schemeClr val="bg1">
+              <a:lumMod val="75000"/>
+            </a:schemeClr>
+          </a:solidFill>
+          <a:ln>
+            <a:solidFill>
+              <a:schemeClr val="bg1">
+                <a:lumMod val="65000"/>
+              </a:schemeClr>
+            </a:solidFill>
+          </a:ln>
+        </p:spPr>
+        <p:style>
+          <a:lnRef idx="2">
+            <a:schemeClr val="accent1">
+              <a:shade val="50000"/>
+            </a:schemeClr>
+          </a:lnRef>
+          <a:fillRef idx="1">
+            <a:schemeClr val="accent1"/>
+          </a:fillRef>
+          <a:effectRef idx="0">
+            <a:schemeClr val="accent1"/>
+          </a:effectRef>
+          <a:fontRef idx="minor">
+            <a:schemeClr val="lt1"/>
+          </a:fontRef>
+        </p:style>
+        <p:txBody>
+          <a:bodyPr rtlCol="0" anchor="ctr"/>
+          <a:lstStyle/>
+          <a:p>
+            <a:pPr algn="ctr"/>
+            <a:endParaRPr lang="en-US"/>
+          </a:p>
+        </p:txBody>
+      </p:sp>
+      <p:pic>
+        <p:nvPicPr>
+          <p:cNvPr id="9" name="Picture 2" descr="Análise de componentes principais – Wikipédia, a enciclopédia livre">
+            <a:extLst>
+              <a:ext uri="{FF2B5EF4-FFF2-40B4-BE49-F238E27FC236}">
+                <a16:creationId xmlns:a16="http://schemas.microsoft.com/office/drawing/2014/main" id="{55E55BBF-56A1-45E7-A1C8-A6B5FF9484B3}"/>
+              </a:ext>
+            </a:extLst>
+          </p:cNvPr>
+          <p:cNvPicPr>
+            <a:picLocks noChangeAspect="1" noChangeArrowheads="1"/>
+          </p:cNvPicPr>
+          <p:nvPr/>
+        </p:nvPicPr>
+        <p:blipFill>
+          <a:blip r:embed="rId2" cstate="print">
+            <a:extLst>
+              <a:ext uri="{28A0092B-C50C-407E-A947-70E740481C1C}">
+                <a14:useLocalDpi xmlns:a14="http://schemas.microsoft.com/office/drawing/2010/main" val="0"/>
+              </a:ext>
+            </a:extLst>
+          </a:blip>
+          <a:srcRect/>
+          <a:stretch>
+            <a:fillRect/>
+          </a:stretch>
+        </p:blipFill>
+        <p:spPr bwMode="auto">
+          <a:xfrm>
+            <a:off x="6377076" y="2046404"/>
+            <a:ext cx="2620475" cy="2458717"/>
+          </a:xfrm>
+          <a:prstGeom prst="rect">
+            <a:avLst/>
+          </a:prstGeom>
+          <a:noFill/>
+          <a:extLst>
+            <a:ext uri="{909E8E84-426E-40DD-AFC4-6F175D3DCCD1}">
+              <a14:hiddenFill xmlns:a14="http://schemas.microsoft.com/office/drawing/2010/main">
+                <a:solidFill>
+                  <a:srgbClr val="FFFFFF"/>
+                </a:solidFill>
+              </a14:hiddenFill>
+            </a:ext>
+          </a:extLst>
+        </p:spPr>
+      </p:pic>
+      <p:sp>
+        <p:nvSpPr>
+          <p:cNvPr id="10" name="TextBox 9">
+            <a:extLst>
+              <a:ext uri="{FF2B5EF4-FFF2-40B4-BE49-F238E27FC236}">
+                <a16:creationId xmlns:a16="http://schemas.microsoft.com/office/drawing/2014/main" id="{A8BD909F-FF8D-40B4-A7AB-6F2D8A8D2E00}"/>
+              </a:ext>
+            </a:extLst>
+          </p:cNvPr>
+          <p:cNvSpPr txBox="1"/>
+          <p:nvPr/>
+        </p:nvSpPr>
+        <p:spPr>
+          <a:xfrm>
+            <a:off x="3503929" y="195688"/>
+            <a:ext cx="3072765" cy="584775"/>
+          </a:xfrm>
+          <a:prstGeom prst="rect">
+            <a:avLst/>
+          </a:prstGeom>
+          <a:noFill/>
+        </p:spPr>
+        <p:txBody>
+          <a:bodyPr wrap="square">
+            <a:spAutoFit/>
+          </a:bodyPr>
+          <a:lstStyle/>
+          <a:p>
+            <a:pPr algn="ctr"/>
+            <a:r>
+              <a:rPr lang="en-US" sz="3200" dirty="0"/>
+              <a:t>PCA Features</a:t>
+            </a:r>
+          </a:p>
+        </p:txBody>
+      </p:sp>
+      <p:sp>
+        <p:nvSpPr>
+          <p:cNvPr id="11" name="TextBox 10">
+            <a:extLst>
+              <a:ext uri="{FF2B5EF4-FFF2-40B4-BE49-F238E27FC236}">
+                <a16:creationId xmlns:a16="http://schemas.microsoft.com/office/drawing/2014/main" id="{9BF20667-3AFC-4A09-ABC1-C59CC5EAA9C5}"/>
+              </a:ext>
+            </a:extLst>
+          </p:cNvPr>
+          <p:cNvSpPr txBox="1"/>
+          <p:nvPr/>
+        </p:nvSpPr>
+        <p:spPr>
+          <a:xfrm>
+            <a:off x="653994" y="4505121"/>
+            <a:ext cx="5265583" cy="523220"/>
+          </a:xfrm>
+          <a:prstGeom prst="rect">
+            <a:avLst/>
+          </a:prstGeom>
+          <a:noFill/>
+        </p:spPr>
+        <p:txBody>
+          <a:bodyPr wrap="square" rtlCol="0">
+            <a:spAutoFit/>
+          </a:bodyPr>
+          <a:lstStyle/>
+          <a:p>
+            <a:pPr algn="just"/>
+            <a:r>
+              <a:rPr lang="en-US" sz="1400" dirty="0"/>
+              <a:t>Summarize all features in 5 dimensions using Principal Component Analysis and append it to the other features</a:t>
+            </a:r>
+          </a:p>
+        </p:txBody>
+      </p:sp>
+    </p:spTree>
+    <p:extLst>
+      <p:ext uri="{BB962C8B-B14F-4D97-AF65-F5344CB8AC3E}">
+        <p14:creationId xmlns:p14="http://schemas.microsoft.com/office/powerpoint/2010/main" val="3985395335"/>
+      </p:ext>
+    </p:extLst>
+  </p:cSld>
+  <p:clrMapOvr>
+    <a:masterClrMapping/>
+  </p:clrMapOvr>
+</p:sld>
+</file>
+
+<file path=ppt/slides/slide17.xml><?xml version="1.0" encoding="utf-8"?>
+<p:sld xmlns:a="http://schemas.openxmlformats.org/drawingml/2006/main" xmlns:r="http://schemas.openxmlformats.org/officeDocument/2006/relationships" xmlns:p="http://schemas.openxmlformats.org/presentationml/2006/main">
+  <p:cSld>
+    <p:spTree>
+      <p:nvGrpSpPr>
+        <p:cNvPr id="1" name=""/>
+        <p:cNvGrpSpPr/>
+        <p:nvPr/>
+      </p:nvGrpSpPr>
+      <p:grpSpPr>
+        <a:xfrm>
+          <a:off x="0" y="0"/>
+          <a:ext cx="0" cy="0"/>
+          <a:chOff x="0" y="0"/>
+          <a:chExt cx="0" cy="0"/>
+        </a:xfrm>
+      </p:grpSpPr>
+      <p:sp>
+        <p:nvSpPr>
+          <p:cNvPr id="3" name="Subtitle 2">
+            <a:extLst>
+              <a:ext uri="{FF2B5EF4-FFF2-40B4-BE49-F238E27FC236}">
+                <a16:creationId xmlns:a16="http://schemas.microsoft.com/office/drawing/2014/main" id="{A0980961-CA71-F844-9A6E-81B6026D170B}"/>
+              </a:ext>
+            </a:extLst>
+          </p:cNvPr>
+          <p:cNvSpPr>
+            <a:spLocks noGrp="1"/>
+          </p:cNvSpPr>
+          <p:nvPr>
+            <p:ph type="subTitle"/>
+          </p:nvPr>
+        </p:nvSpPr>
+        <p:spPr>
+          <a:xfrm>
+            <a:off x="504000" y="1326600"/>
+            <a:ext cx="4898179" cy="3288600"/>
+          </a:xfrm>
+        </p:spPr>
+        <p:txBody>
+          <a:bodyPr/>
+          <a:lstStyle/>
+          <a:p>
+            <a:r>
+              <a:rPr lang="en-US" sz="2400" dirty="0"/>
+              <a:t>Analyzed and cleaned large dataset</a:t>
+            </a:r>
+          </a:p>
+          <a:p>
+            <a:r>
+              <a:rPr lang="en-US" sz="2400" dirty="0"/>
+              <a:t>Performed feature engineering to extract a variety of features of different complexity levels</a:t>
+            </a:r>
+          </a:p>
+          <a:p>
+            <a:r>
+              <a:rPr lang="en-US" sz="2400" dirty="0"/>
+              <a:t>Implemented prediction model based on ensemble of classifiers</a:t>
+            </a:r>
+          </a:p>
+          <a:p>
+            <a:r>
+              <a:rPr lang="en-US" sz="2400" dirty="0"/>
+              <a:t>Submitted our solution on </a:t>
+            </a:r>
+            <a:r>
+              <a:rPr lang="en-US" sz="2400" dirty="0" err="1"/>
+              <a:t>tianchi.aliyun.com</a:t>
+            </a:r>
+            <a:r>
+              <a:rPr lang="en-US" sz="2400" dirty="0"/>
+              <a:t> and made it to the Top 40 Leaderboard!</a:t>
+            </a:r>
+          </a:p>
+        </p:txBody>
+      </p:sp>
+      <p:sp>
+        <p:nvSpPr>
+          <p:cNvPr id="2" name="Title 1">
+            <a:extLst>
+              <a:ext uri="{FF2B5EF4-FFF2-40B4-BE49-F238E27FC236}">
+                <a16:creationId xmlns:a16="http://schemas.microsoft.com/office/drawing/2014/main" id="{712694C3-A3BD-6341-97F5-3D6D5300093C}"/>
+              </a:ext>
+            </a:extLst>
+          </p:cNvPr>
+          <p:cNvSpPr>
+            <a:spLocks noGrp="1"/>
+          </p:cNvSpPr>
+          <p:nvPr>
+            <p:ph type="title"/>
+          </p:nvPr>
+        </p:nvSpPr>
+        <p:spPr/>
+        <p:txBody>
+          <a:bodyPr/>
+          <a:lstStyle/>
+          <a:p>
+            <a:pPr algn="ctr"/>
+            <a:r>
+              <a:rPr lang="en-US" dirty="0"/>
+              <a:t>Conclusion</a:t>
+            </a:r>
+          </a:p>
+        </p:txBody>
+      </p:sp>
+      <p:pic>
+        <p:nvPicPr>
+          <p:cNvPr id="5" name="Picture 4">
+            <a:extLst>
+              <a:ext uri="{FF2B5EF4-FFF2-40B4-BE49-F238E27FC236}">
+                <a16:creationId xmlns:a16="http://schemas.microsoft.com/office/drawing/2014/main" id="{316731C1-76C7-7646-9010-107327F969AA}"/>
+              </a:ext>
+            </a:extLst>
+          </p:cNvPr>
+          <p:cNvPicPr>
+            <a:picLocks noChangeAspect="1"/>
+          </p:cNvPicPr>
+          <p:nvPr/>
+        </p:nvPicPr>
+        <p:blipFill>
+          <a:blip r:embed="rId2">
+            <a:extLst>
+              <a:ext uri="{28A0092B-C50C-407E-A947-70E740481C1C}">
+                <a14:useLocalDpi xmlns:a14="http://schemas.microsoft.com/office/drawing/2010/main" val="0"/>
+              </a:ext>
+            </a:extLst>
+          </a:blip>
+          <a:stretch>
+            <a:fillRect/>
+          </a:stretch>
+        </p:blipFill>
+        <p:spPr>
+          <a:xfrm>
+            <a:off x="5265336" y="942121"/>
+            <a:ext cx="4722726" cy="4787200"/>
+          </a:xfrm>
+          <a:prstGeom prst="rect">
+            <a:avLst/>
+          </a:prstGeom>
+        </p:spPr>
+      </p:pic>
+    </p:spTree>
+    <p:extLst>
+      <p:ext uri="{BB962C8B-B14F-4D97-AF65-F5344CB8AC3E}">
+        <p14:creationId xmlns:p14="http://schemas.microsoft.com/office/powerpoint/2010/main" val="2385777255"/>
+      </p:ext>
+    </p:extLst>
+  </p:cSld>
+  <p:clrMapOvr>
+    <a:masterClrMapping/>
+  </p:clrMapOvr>
+</p:sld>
+</file>
+
 <file path=ppt/slides/slide2.xml><?xml version="1.0" encoding="utf-8"?>
 <p:sld xmlns:a="http://schemas.openxmlformats.org/drawingml/2006/main" xmlns:r="http://schemas.openxmlformats.org/officeDocument/2006/relationships" xmlns:p="http://schemas.openxmlformats.org/presentationml/2006/main">
   <p:cSld>
@@ -13576,6 +21193,10 @@
           </a:bodyPr>
           <a:lstStyle/>
           <a:p>
+            <a:pPr marL="342900" indent="-342900">
+              <a:buFont typeface="Arial" panose="020B0604020202020204" pitchFamily="34" charset="0"/>
+              <a:buChar char="•"/>
+            </a:pPr>
             <a:r>
               <a:rPr lang="en-US" sz="2400" spc="-1" dirty="0">
                 <a:solidFill>
@@ -13587,6 +21208,10 @@
             </a:r>
           </a:p>
           <a:p>
+            <a:pPr marL="342900" indent="-342900">
+              <a:buFont typeface="Arial" panose="020B0604020202020204" pitchFamily="34" charset="0"/>
+              <a:buChar char="•"/>
+            </a:pPr>
             <a:r>
               <a:rPr lang="en-US" sz="2400" spc="-1" dirty="0">
                 <a:solidFill>
@@ -13598,6 +21223,10 @@
             </a:r>
           </a:p>
           <a:p>
+            <a:pPr marL="342900" indent="-342900">
+              <a:buFont typeface="Arial" panose="020B0604020202020204" pitchFamily="34" charset="0"/>
+              <a:buChar char="•"/>
+            </a:pPr>
             <a:r>
               <a:rPr lang="en-US" sz="2400" spc="-1" dirty="0">
                 <a:solidFill>
@@ -13609,6 +21238,10 @@
             </a:r>
           </a:p>
           <a:p>
+            <a:pPr marL="342900" indent="-342900">
+              <a:buFont typeface="Arial" panose="020B0604020202020204" pitchFamily="34" charset="0"/>
+              <a:buChar char="•"/>
+            </a:pPr>
             <a:r>
               <a:rPr lang="en-US" sz="2400" spc="-1" dirty="0">
                 <a:solidFill>
@@ -14586,10 +22219,10 @@
       </p:grpSpPr>
       <p:sp>
         <p:nvSpPr>
-          <p:cNvPr id="3" name="Subtitle 2">
+          <p:cNvPr id="2" name="Title 1">
             <a:extLst>
               <a:ext uri="{FF2B5EF4-FFF2-40B4-BE49-F238E27FC236}">
-                <a16:creationId xmlns:a16="http://schemas.microsoft.com/office/drawing/2014/main" id="{A0980961-CA71-F844-9A6E-81B6026D170B}"/>
+                <a16:creationId xmlns:a16="http://schemas.microsoft.com/office/drawing/2014/main" id="{C129838F-F9BA-3B49-BDC8-7BB6D5217B9A}"/>
               </a:ext>
             </a:extLst>
           </p:cNvPr>
@@ -14597,87 +22230,33 @@
             <a:spLocks noGrp="1"/>
           </p:cNvSpPr>
           <p:nvPr>
-            <p:ph type="subTitle"/>
+            <p:ph type="title" idx="4294967295"/>
           </p:nvPr>
         </p:nvSpPr>
         <p:spPr>
           <a:xfrm>
-            <a:off x="504000" y="1326600"/>
-            <a:ext cx="4898179" cy="3288600"/>
+            <a:off x="2387547" y="763718"/>
+            <a:ext cx="5466303" cy="947738"/>
           </a:xfrm>
         </p:spPr>
         <p:txBody>
           <a:bodyPr/>
           <a:lstStyle/>
           <a:p>
-            <a:r>
-              <a:rPr lang="en-US" sz="2400" dirty="0"/>
-              <a:t>Analyzed and cleaned large dataset</a:t>
-            </a:r>
-          </a:p>
-          <a:p>
-            <a:r>
-              <a:rPr lang="en-US" sz="2400" dirty="0"/>
-              <a:t>Performed feature engineering to extract a variety of features of different complexity levels</a:t>
-            </a:r>
-          </a:p>
-          <a:p>
-            <a:r>
-              <a:rPr lang="en-US" sz="2400" dirty="0"/>
-              <a:t>Implemented prediction model based on ensemble of classifiers</a:t>
-            </a:r>
-          </a:p>
-          <a:p>
-            <a:r>
-              <a:rPr lang="en-US" sz="2400" dirty="0"/>
-              <a:t>Submitted our solution on </a:t>
-            </a:r>
-            <a:r>
-              <a:rPr lang="en-US" sz="2400" dirty="0" err="1"/>
-              <a:t>tianchi.aliyun.com</a:t>
-            </a:r>
-            <a:r>
-              <a:rPr lang="en-US" sz="2400" dirty="0"/>
-              <a:t> and made it to the Top 40 Leaderboard!</a:t>
-            </a:r>
-          </a:p>
-        </p:txBody>
-      </p:sp>
-      <p:sp>
-        <p:nvSpPr>
-          <p:cNvPr id="2" name="Title 1">
-            <a:extLst>
-              <a:ext uri="{FF2B5EF4-FFF2-40B4-BE49-F238E27FC236}">
-                <a16:creationId xmlns:a16="http://schemas.microsoft.com/office/drawing/2014/main" id="{712694C3-A3BD-6341-97F5-3D6D5300093C}"/>
-              </a:ext>
-            </a:extLst>
-          </p:cNvPr>
-          <p:cNvSpPr>
-            <a:spLocks noGrp="1"/>
-          </p:cNvSpPr>
-          <p:nvPr>
-            <p:ph type="title"/>
-          </p:nvPr>
-        </p:nvSpPr>
-        <p:spPr/>
-        <p:txBody>
-          <a:bodyPr/>
-          <a:lstStyle/>
-          <a:p>
             <a:pPr algn="ctr"/>
             <a:r>
               <a:rPr lang="en-US" dirty="0"/>
-              <a:t>Conclusion</a:t>
+              <a:t>Feature Engineering</a:t>
             </a:r>
           </a:p>
         </p:txBody>
       </p:sp>
       <p:pic>
         <p:nvPicPr>
-          <p:cNvPr id="5" name="Picture 4">
+          <p:cNvPr id="6" name="Picture 5">
             <a:extLst>
               <a:ext uri="{FF2B5EF4-FFF2-40B4-BE49-F238E27FC236}">
-                <a16:creationId xmlns:a16="http://schemas.microsoft.com/office/drawing/2014/main" id="{316731C1-76C7-7646-9010-107327F969AA}"/>
+                <a16:creationId xmlns:a16="http://schemas.microsoft.com/office/drawing/2014/main" id="{8437684D-55F6-1B43-9972-D40F230E52A3}"/>
               </a:ext>
             </a:extLst>
           </p:cNvPr>
@@ -14700,8 +22279,8 @@
         </p:blipFill>
         <p:spPr>
           <a:xfrm>
-            <a:off x="5265336" y="942121"/>
-            <a:ext cx="4722726" cy="4787200"/>
+            <a:off x="3360596" y="1818751"/>
+            <a:ext cx="3520204" cy="3520204"/>
           </a:xfrm>
           <a:prstGeom prst="rect">
             <a:avLst/>
@@ -14711,7 +22290,7 @@
     </p:spTree>
     <p:extLst>
       <p:ext uri="{BB962C8B-B14F-4D97-AF65-F5344CB8AC3E}">
-        <p14:creationId xmlns:p14="http://schemas.microsoft.com/office/powerpoint/2010/main" val="2385777255"/>
+        <p14:creationId xmlns:p14="http://schemas.microsoft.com/office/powerpoint/2010/main" val="1650585804"/>
       </p:ext>
     </p:extLst>
   </p:cSld>
@@ -15631,4 +23210,299 @@
   <a:objectDefaults/>
   <a:extraClrSchemeLst/>
 </a:theme>
+</file>
+
+<file path=ppt/theme/theme5.xml><?xml version="1.0" encoding="utf-8"?>
+<a:theme xmlns:a="http://schemas.openxmlformats.org/drawingml/2006/main" name="Office Theme">
+  <a:themeElements>
+    <a:clrScheme name="Office">
+      <a:dk1>
+        <a:sysClr val="windowText" lastClr="000000"/>
+      </a:dk1>
+      <a:lt1>
+        <a:sysClr val="window" lastClr="FFFFFF"/>
+      </a:lt1>
+      <a:dk2>
+        <a:srgbClr val="44546A"/>
+      </a:dk2>
+      <a:lt2>
+        <a:srgbClr val="E7E6E6"/>
+      </a:lt2>
+      <a:accent1>
+        <a:srgbClr val="4472C4"/>
+      </a:accent1>
+      <a:accent2>
+        <a:srgbClr val="ED7D31"/>
+      </a:accent2>
+      <a:accent3>
+        <a:srgbClr val="A5A5A5"/>
+      </a:accent3>
+      <a:accent4>
+        <a:srgbClr val="FFC000"/>
+      </a:accent4>
+      <a:accent5>
+        <a:srgbClr val="5B9BD5"/>
+      </a:accent5>
+      <a:accent6>
+        <a:srgbClr val="70AD47"/>
+      </a:accent6>
+      <a:hlink>
+        <a:srgbClr val="0563C1"/>
+      </a:hlink>
+      <a:folHlink>
+        <a:srgbClr val="954F72"/>
+      </a:folHlink>
+    </a:clrScheme>
+    <a:fontScheme name="Office">
+      <a:majorFont>
+        <a:latin typeface="Calibri Light" panose="020F0302020204030204"/>
+        <a:ea typeface=""/>
+        <a:cs typeface=""/>
+        <a:font script="Jpan" typeface="游ゴシック Light"/>
+        <a:font script="Hang" typeface="맑은 고딕"/>
+        <a:font script="Hans" typeface="等线 Light"/>
+        <a:font script="Hant" typeface="新細明體"/>
+        <a:font script="Arab" typeface="Times New Roman"/>
+        <a:font script="Hebr" typeface="Times New Roman"/>
+        <a:font script="Thai" typeface="Angsana New"/>
+        <a:font script="Ethi" typeface="Nyala"/>
+        <a:font script="Beng" typeface="Vrinda"/>
+        <a:font script="Gujr" typeface="Shruti"/>
+        <a:font script="Khmr" typeface="MoolBoran"/>
+        <a:font script="Knda" typeface="Tunga"/>
+        <a:font script="Guru" typeface="Raavi"/>
+        <a:font script="Cans" typeface="Euphemia"/>
+        <a:font script="Cher" typeface="Plantagenet Cherokee"/>
+        <a:font script="Yiii" typeface="Microsoft Yi Baiti"/>
+        <a:font script="Tibt" typeface="Microsoft Himalaya"/>
+        <a:font script="Thaa" typeface="MV Boli"/>
+        <a:font script="Deva" typeface="Mangal"/>
+        <a:font script="Telu" typeface="Gautami"/>
+        <a:font script="Taml" typeface="Latha"/>
+        <a:font script="Syrc" typeface="Estrangelo Edessa"/>
+        <a:font script="Orya" typeface="Kalinga"/>
+        <a:font script="Mlym" typeface="Kartika"/>
+        <a:font script="Laoo" typeface="DokChampa"/>
+        <a:font script="Sinh" typeface="Iskoola Pota"/>
+        <a:font script="Mong" typeface="Mongolian Baiti"/>
+        <a:font script="Viet" typeface="Times New Roman"/>
+        <a:font script="Uigh" typeface="Microsoft Uighur"/>
+        <a:font script="Geor" typeface="Sylfaen"/>
+        <a:font script="Armn" typeface="Arial"/>
+        <a:font script="Bugi" typeface="Leelawadee UI"/>
+        <a:font script="Bopo" typeface="Microsoft JhengHei"/>
+        <a:font script="Java" typeface="Javanese Text"/>
+        <a:font script="Lisu" typeface="Segoe UI"/>
+        <a:font script="Mymr" typeface="Myanmar Text"/>
+        <a:font script="Nkoo" typeface="Ebrima"/>
+        <a:font script="Olck" typeface="Nirmala UI"/>
+        <a:font script="Osma" typeface="Ebrima"/>
+        <a:font script="Phag" typeface="Phagspa"/>
+        <a:font script="Syrn" typeface="Estrangelo Edessa"/>
+        <a:font script="Syrj" typeface="Estrangelo Edessa"/>
+        <a:font script="Syre" typeface="Estrangelo Edessa"/>
+        <a:font script="Sora" typeface="Nirmala UI"/>
+        <a:font script="Tale" typeface="Microsoft Tai Le"/>
+        <a:font script="Talu" typeface="Microsoft New Tai Lue"/>
+        <a:font script="Tfng" typeface="Ebrima"/>
+      </a:majorFont>
+      <a:minorFont>
+        <a:latin typeface="Calibri" panose="020F0502020204030204"/>
+        <a:ea typeface=""/>
+        <a:cs typeface=""/>
+        <a:font script="Jpan" typeface="游ゴシック"/>
+        <a:font script="Hang" typeface="맑은 고딕"/>
+        <a:font script="Hans" typeface="等线"/>
+        <a:font script="Hant" typeface="新細明體"/>
+        <a:font script="Arab" typeface="Arial"/>
+        <a:font script="Hebr" typeface="Arial"/>
+        <a:font script="Thai" typeface="Cordia New"/>
+        <a:font script="Ethi" typeface="Nyala"/>
+        <a:font script="Beng" typeface="Vrinda"/>
+        <a:font script="Gujr" typeface="Shruti"/>
+        <a:font script="Khmr" typeface="DaunPenh"/>
+        <a:font script="Knda" typeface="Tunga"/>
+        <a:font script="Guru" typeface="Raavi"/>
+        <a:font script="Cans" typeface="Euphemia"/>
+        <a:font script="Cher" typeface="Plantagenet Cherokee"/>
+        <a:font script="Yiii" typeface="Microsoft Yi Baiti"/>
+        <a:font script="Tibt" typeface="Microsoft Himalaya"/>
+        <a:font script="Thaa" typeface="MV Boli"/>
+        <a:font script="Deva" typeface="Mangal"/>
+        <a:font script="Telu" typeface="Gautami"/>
+        <a:font script="Taml" typeface="Latha"/>
+        <a:font script="Syrc" typeface="Estrangelo Edessa"/>
+        <a:font script="Orya" typeface="Kalinga"/>
+        <a:font script="Mlym" typeface="Kartika"/>
+        <a:font script="Laoo" typeface="DokChampa"/>
+        <a:font script="Sinh" typeface="Iskoola Pota"/>
+        <a:font script="Mong" typeface="Mongolian Baiti"/>
+        <a:font script="Viet" typeface="Arial"/>
+        <a:font script="Uigh" typeface="Microsoft Uighur"/>
+        <a:font script="Geor" typeface="Sylfaen"/>
+        <a:font script="Armn" typeface="Arial"/>
+        <a:font script="Bugi" typeface="Leelawadee UI"/>
+        <a:font script="Bopo" typeface="Microsoft JhengHei"/>
+        <a:font script="Java" typeface="Javanese Text"/>
+        <a:font script="Lisu" typeface="Segoe UI"/>
+        <a:font script="Mymr" typeface="Myanmar Text"/>
+        <a:font script="Nkoo" typeface="Ebrima"/>
+        <a:font script="Olck" typeface="Nirmala UI"/>
+        <a:font script="Osma" typeface="Ebrima"/>
+        <a:font script="Phag" typeface="Phagspa"/>
+        <a:font script="Syrn" typeface="Estrangelo Edessa"/>
+        <a:font script="Syrj" typeface="Estrangelo Edessa"/>
+        <a:font script="Syre" typeface="Estrangelo Edessa"/>
+        <a:font script="Sora" typeface="Nirmala UI"/>
+        <a:font script="Tale" typeface="Microsoft Tai Le"/>
+        <a:font script="Talu" typeface="Microsoft New Tai Lue"/>
+        <a:font script="Tfng" typeface="Ebrima"/>
+      </a:minorFont>
+    </a:fontScheme>
+    <a:fmtScheme name="Office">
+      <a:fillStyleLst>
+        <a:solidFill>
+          <a:schemeClr val="phClr"/>
+        </a:solidFill>
+        <a:gradFill rotWithShape="1">
+          <a:gsLst>
+            <a:gs pos="0">
+              <a:schemeClr val="phClr">
+                <a:lumMod val="110000"/>
+                <a:satMod val="105000"/>
+                <a:tint val="67000"/>
+              </a:schemeClr>
+            </a:gs>
+            <a:gs pos="50000">
+              <a:schemeClr val="phClr">
+                <a:lumMod val="105000"/>
+                <a:satMod val="103000"/>
+                <a:tint val="73000"/>
+              </a:schemeClr>
+            </a:gs>
+            <a:gs pos="100000">
+              <a:schemeClr val="phClr">
+                <a:lumMod val="105000"/>
+                <a:satMod val="109000"/>
+                <a:tint val="81000"/>
+              </a:schemeClr>
+            </a:gs>
+          </a:gsLst>
+          <a:lin ang="5400000" scaled="0"/>
+        </a:gradFill>
+        <a:gradFill rotWithShape="1">
+          <a:gsLst>
+            <a:gs pos="0">
+              <a:schemeClr val="phClr">
+                <a:satMod val="103000"/>
+                <a:lumMod val="102000"/>
+                <a:tint val="94000"/>
+              </a:schemeClr>
+            </a:gs>
+            <a:gs pos="50000">
+              <a:schemeClr val="phClr">
+                <a:satMod val="110000"/>
+                <a:lumMod val="100000"/>
+                <a:shade val="100000"/>
+              </a:schemeClr>
+            </a:gs>
+            <a:gs pos="100000">
+              <a:schemeClr val="phClr">
+                <a:lumMod val="99000"/>
+                <a:satMod val="120000"/>
+                <a:shade val="78000"/>
+              </a:schemeClr>
+            </a:gs>
+          </a:gsLst>
+          <a:lin ang="5400000" scaled="0"/>
+        </a:gradFill>
+      </a:fillStyleLst>
+      <a:lnStyleLst>
+        <a:ln w="6350" cap="flat" cmpd="sng" algn="ctr">
+          <a:solidFill>
+            <a:schemeClr val="phClr"/>
+          </a:solidFill>
+          <a:prstDash val="solid"/>
+          <a:miter lim="800000"/>
+        </a:ln>
+        <a:ln w="12700" cap="flat" cmpd="sng" algn="ctr">
+          <a:solidFill>
+            <a:schemeClr val="phClr"/>
+          </a:solidFill>
+          <a:prstDash val="solid"/>
+          <a:miter lim="800000"/>
+        </a:ln>
+        <a:ln w="19050" cap="flat" cmpd="sng" algn="ctr">
+          <a:solidFill>
+            <a:schemeClr val="phClr"/>
+          </a:solidFill>
+          <a:prstDash val="solid"/>
+          <a:miter lim="800000"/>
+        </a:ln>
+      </a:lnStyleLst>
+      <a:effectStyleLst>
+        <a:effectStyle>
+          <a:effectLst/>
+        </a:effectStyle>
+        <a:effectStyle>
+          <a:effectLst/>
+        </a:effectStyle>
+        <a:effectStyle>
+          <a:effectLst>
+            <a:outerShdw blurRad="57150" dist="19050" dir="5400000" algn="ctr" rotWithShape="0">
+              <a:srgbClr val="000000">
+                <a:alpha val="63000"/>
+              </a:srgbClr>
+            </a:outerShdw>
+          </a:effectLst>
+        </a:effectStyle>
+      </a:effectStyleLst>
+      <a:bgFillStyleLst>
+        <a:solidFill>
+          <a:schemeClr val="phClr"/>
+        </a:solidFill>
+        <a:solidFill>
+          <a:schemeClr val="phClr">
+            <a:tint val="95000"/>
+            <a:satMod val="170000"/>
+          </a:schemeClr>
+        </a:solidFill>
+        <a:gradFill rotWithShape="1">
+          <a:gsLst>
+            <a:gs pos="0">
+              <a:schemeClr val="phClr">
+                <a:tint val="93000"/>
+                <a:satMod val="150000"/>
+                <a:shade val="98000"/>
+                <a:lumMod val="102000"/>
+              </a:schemeClr>
+            </a:gs>
+            <a:gs pos="50000">
+              <a:schemeClr val="phClr">
+                <a:tint val="98000"/>
+                <a:satMod val="130000"/>
+                <a:shade val="90000"/>
+                <a:lumMod val="103000"/>
+              </a:schemeClr>
+            </a:gs>
+            <a:gs pos="100000">
+              <a:schemeClr val="phClr">
+                <a:shade val="63000"/>
+                <a:satMod val="120000"/>
+              </a:schemeClr>
+            </a:gs>
+          </a:gsLst>
+          <a:lin ang="5400000" scaled="0"/>
+        </a:gradFill>
+      </a:bgFillStyleLst>
+    </a:fmtScheme>
+  </a:themeElements>
+  <a:objectDefaults/>
+  <a:extraClrSchemeLst/>
+  <a:extLst>
+    <a:ext uri="{05A4C25C-085E-4340-85A3-A5531E510DB2}">
+      <thm15:themeFamily xmlns:thm15="http://schemas.microsoft.com/office/thememl/2012/main" name="Office Theme" id="{62F939B6-93AF-4DB8-9C6B-D6C7DFDC589F}" vid="{4A3C46E8-61CC-4603-A589-7422A47A8E4A}"/>
+    </a:ext>
+  </a:extLst>
+</a:theme>
 </file>
--- a/final_presentation.pptx
+++ b/final_presentation.pptx
@@ -20663,6 +20663,10 @@
           <a:bodyPr/>
           <a:lstStyle/>
           <a:p>
+            <a:pPr marL="342900" indent="-342900">
+              <a:buFont typeface="Arial" panose="020B0604020202020204" pitchFamily="34" charset="0"/>
+              <a:buChar char="•"/>
+            </a:pPr>
             <a:r>
               <a:rPr lang="en-US" sz="2400" spc="-1" dirty="0">
                 <a:solidFill>
@@ -20692,6 +20696,10 @@
             </a:r>
           </a:p>
           <a:p>
+            <a:pPr marL="342900" indent="-342900">
+              <a:buFont typeface="Arial" panose="020B0604020202020204" pitchFamily="34" charset="0"/>
+              <a:buChar char="•"/>
+            </a:pPr>
             <a:r>
               <a:rPr lang="en-US" sz="2400" spc="-1" dirty="0">
                 <a:solidFill>
@@ -20703,6 +20711,10 @@
             </a:r>
           </a:p>
           <a:p>
+            <a:pPr marL="342900" indent="-342900">
+              <a:buFont typeface="Arial" panose="020B0604020202020204" pitchFamily="34" charset="0"/>
+              <a:buChar char="•"/>
+            </a:pPr>
             <a:r>
               <a:rPr lang="en-US" sz="2400" spc="-1" dirty="0">
                 <a:solidFill>
@@ -20714,6 +20726,10 @@
             </a:r>
           </a:p>
           <a:p>
+            <a:pPr marL="342900" indent="-342900">
+              <a:buFont typeface="Arial" panose="020B0604020202020204" pitchFamily="34" charset="0"/>
+              <a:buChar char="•"/>
+            </a:pPr>
             <a:r>
               <a:rPr lang="en-US" sz="2400" spc="-1" dirty="0">
                 <a:solidFill>
@@ -20723,9 +20739,6 @@
               </a:rPr>
               <a:t>Use AUC (Area Under the ROC Curve) to evaluate predictions</a:t>
             </a:r>
-          </a:p>
-          <a:p>
-            <a:endParaRPr lang="en-US" dirty="0"/>
           </a:p>
         </p:txBody>
       </p:sp>

--- a/final_presentation.pptx
+++ b/final_presentation.pptx
@@ -8,7 +8,7 @@
     <p:sldMasterId id="2147483739" r:id="rId4"/>
   </p:sldMasterIdLst>
   <p:notesMasterIdLst>
-    <p:notesMasterId r:id="rId22"/>
+    <p:notesMasterId r:id="rId30"/>
   </p:notesMasterIdLst>
   <p:sldIdLst>
     <p:sldId id="256" r:id="rId5"/>
@@ -27,7 +27,15 @@
     <p:sldId id="275" r:id="rId18"/>
     <p:sldId id="276" r:id="rId19"/>
     <p:sldId id="277" r:id="rId20"/>
-    <p:sldId id="269" r:id="rId21"/>
+    <p:sldId id="264" r:id="rId21"/>
+    <p:sldId id="278" r:id="rId22"/>
+    <p:sldId id="279" r:id="rId23"/>
+    <p:sldId id="280" r:id="rId24"/>
+    <p:sldId id="281" r:id="rId25"/>
+    <p:sldId id="282" r:id="rId26"/>
+    <p:sldId id="283" r:id="rId27"/>
+    <p:sldId id="284" r:id="rId28"/>
+    <p:sldId id="269" r:id="rId29"/>
   </p:sldIdLst>
   <p:sldSz cx="10080625" cy="5670550"/>
   <p:notesSz cx="7772400" cy="10058400"/>
@@ -19296,98 +19304,3002 @@
       </p:grpSpPr>
       <p:sp>
         <p:nvSpPr>
-          <p:cNvPr id="3" name="Subtitle 2">
+          <p:cNvPr id="14" name="TextShape 1">
             <a:extLst>
               <a:ext uri="{FF2B5EF4-FFF2-40B4-BE49-F238E27FC236}">
-                <a16:creationId xmlns:a16="http://schemas.microsoft.com/office/drawing/2014/main" id="{A0980961-CA71-F844-9A6E-81B6026D170B}"/>
+                <a16:creationId xmlns:a16="http://schemas.microsoft.com/office/drawing/2014/main" id="{E1F05EE2-B06C-4540-900F-B60600BB415B}"/>
               </a:ext>
             </a:extLst>
           </p:cNvPr>
-          <p:cNvSpPr>
-            <a:spLocks noGrp="1"/>
-          </p:cNvSpPr>
-          <p:nvPr>
-            <p:ph type="subTitle"/>
-          </p:nvPr>
+          <p:cNvSpPr/>
+          <p:nvPr/>
         </p:nvSpPr>
         <p:spPr>
           <a:xfrm>
-            <a:off x="504000" y="1326600"/>
-            <a:ext cx="4898179" cy="3288600"/>
+            <a:off x="468000" y="468000"/>
+            <a:ext cx="9071640" cy="946440"/>
           </a:xfrm>
+          <a:prstGeom prst="rect">
+            <a:avLst/>
+          </a:prstGeom>
+          <a:noFill/>
+          <a:ln w="0">
+            <a:noFill/>
+          </a:ln>
         </p:spPr>
+        <p:style>
+          <a:lnRef idx="0">
+            <a:scrgbClr r="0" g="0" b="0"/>
+          </a:lnRef>
+          <a:fillRef idx="0">
+            <a:scrgbClr r="0" g="0" b="0"/>
+          </a:fillRef>
+          <a:effectRef idx="0">
+            <a:scrgbClr r="0" g="0" b="0"/>
+          </a:effectRef>
+          <a:fontRef idx="minor"/>
+        </p:style>
         <p:txBody>
-          <a:bodyPr/>
+          <a:bodyPr lIns="0" tIns="0" rIns="0" bIns="0" anchor="ctr">
+            <a:normAutofit/>
+          </a:bodyPr>
           <a:lstStyle/>
           <a:p>
+            <a:pPr marL="0" marR="0" lvl="0" indent="0" algn="l" defTabSz="914400" rtl="0" eaLnBrk="1" fontAlgn="auto" latinLnBrk="0" hangingPunct="1">
+              <a:lnSpc>
+                <a:spcPct val="90000"/>
+              </a:lnSpc>
+              <a:spcBef>
+                <a:spcPct val="0"/>
+              </a:spcBef>
+              <a:spcAft>
+                <a:spcPts val="600"/>
+              </a:spcAft>
+              <a:buClrTx/>
+              <a:buSzTx/>
+              <a:buFontTx/>
+              <a:buNone/>
+              <a:tabLst/>
+              <a:defRPr/>
+            </a:pPr>
             <a:r>
-              <a:rPr lang="en-US" sz="2400" dirty="0"/>
-              <a:t>Analyzed and cleaned large dataset</a:t>
-            </a:r>
-          </a:p>
-          <a:p>
-            <a:r>
-              <a:rPr lang="en-US" sz="2400" dirty="0"/>
-              <a:t>Performed feature engineering to extract a variety of features of different complexity levels</a:t>
-            </a:r>
-          </a:p>
-          <a:p>
-            <a:r>
-              <a:rPr lang="en-US" sz="2400" dirty="0"/>
-              <a:t>Implemented prediction model based on ensemble of classifiers</a:t>
-            </a:r>
-          </a:p>
-          <a:p>
-            <a:r>
-              <a:rPr lang="en-US" sz="2400" dirty="0"/>
-              <a:t>Submitted our solution on </a:t>
-            </a:r>
-            <a:r>
-              <a:rPr lang="en-US" sz="2400" dirty="0" err="1"/>
-              <a:t>tianchi.aliyun.com</a:t>
-            </a:r>
-            <a:r>
-              <a:rPr lang="en-US" sz="2400" dirty="0"/>
-              <a:t> and made it to the Top 40 Leaderboard!</a:t>
+              <a:rPr kumimoji="0" lang="en-US" sz="3600" b="1" i="0" u="none" strike="noStrike" kern="1200" cap="none" spc="-1" normalizeH="0" baseline="0" noProof="0" dirty="0">
+                <a:ln>
+                  <a:noFill/>
+                </a:ln>
+                <a:solidFill>
+                  <a:prstClr val="black"/>
+                </a:solidFill>
+                <a:effectLst/>
+                <a:uLnTx/>
+                <a:uFillTx/>
+                <a:latin typeface="raleway" pitchFamily="2" charset="0"/>
+                <a:ea typeface="DejaVu Sans"/>
+                <a:cs typeface="DejaVu Sans"/>
+              </a:rPr>
+              <a:t>Gradient Boosting</a:t>
             </a:r>
           </a:p>
         </p:txBody>
       </p:sp>
       <p:sp>
         <p:nvSpPr>
-          <p:cNvPr id="2" name="Title 1">
+          <p:cNvPr id="27" name="TextBox 26">
             <a:extLst>
               <a:ext uri="{FF2B5EF4-FFF2-40B4-BE49-F238E27FC236}">
-                <a16:creationId xmlns:a16="http://schemas.microsoft.com/office/drawing/2014/main" id="{712694C3-A3BD-6341-97F5-3D6D5300093C}"/>
+                <a16:creationId xmlns:a16="http://schemas.microsoft.com/office/drawing/2014/main" id="{D357BE83-695E-47CC-A409-E853D2DC3A95}"/>
               </a:ext>
             </a:extLst>
           </p:cNvPr>
-          <p:cNvSpPr>
-            <a:spLocks noGrp="1"/>
-          </p:cNvSpPr>
-          <p:nvPr>
-            <p:ph type="title"/>
-          </p:nvPr>
+          <p:cNvSpPr txBox="1"/>
+          <p:nvPr/>
         </p:nvSpPr>
-        <p:spPr/>
+        <p:spPr>
+          <a:xfrm>
+            <a:off x="613834" y="1955652"/>
+            <a:ext cx="4949406" cy="2570244"/>
+          </a:xfrm>
+          <a:prstGeom prst="rect">
+            <a:avLst/>
+          </a:prstGeom>
+          <a:noFill/>
+          <a:ln w="0">
+            <a:noFill/>
+          </a:ln>
+        </p:spPr>
         <p:txBody>
-          <a:bodyPr/>
+          <a:bodyPr lIns="90000" tIns="45000" rIns="90000" bIns="45000" anchor="t">
+            <a:noAutofit/>
+          </a:bodyPr>
           <a:lstStyle/>
           <a:p>
-            <a:pPr algn="ctr"/>
+            <a:pPr marL="285750" marR="0" lvl="0" indent="-285750" algn="just" defTabSz="914400" rtl="0" eaLnBrk="1" fontAlgn="auto" latinLnBrk="0" hangingPunct="1">
+              <a:lnSpc>
+                <a:spcPct val="100000"/>
+              </a:lnSpc>
+              <a:spcBef>
+                <a:spcPts val="0"/>
+              </a:spcBef>
+              <a:spcAft>
+                <a:spcPts val="0"/>
+              </a:spcAft>
+              <a:buClrTx/>
+              <a:buSzTx/>
+              <a:buFont typeface="Wingdings" panose="05000000000000000000" pitchFamily="2" charset="2"/>
+              <a:buChar char="§"/>
+              <a:tabLst/>
+              <a:defRPr/>
+            </a:pPr>
             <a:r>
-              <a:rPr lang="en-US" dirty="0"/>
-              <a:t>Conclusion</a:t>
+              <a:rPr lang="en-US" sz="1600" b="0" i="0" dirty="0">
+                <a:solidFill>
+                  <a:srgbClr val="111111"/>
+                </a:solidFill>
+                <a:effectLst/>
+                <a:latin typeface="raleway" pitchFamily="2" charset="0"/>
+              </a:rPr>
+              <a:t>Gradient </a:t>
             </a:r>
+            <a:r>
+              <a:rPr lang="en-US" sz="1600" dirty="0">
+                <a:solidFill>
+                  <a:srgbClr val="111111"/>
+                </a:solidFill>
+                <a:latin typeface="raleway" pitchFamily="2" charset="0"/>
+              </a:rPr>
+              <a:t>B</a:t>
+            </a:r>
+            <a:r>
+              <a:rPr lang="en-US" sz="1600" b="0" i="0" dirty="0">
+                <a:solidFill>
+                  <a:srgbClr val="111111"/>
+                </a:solidFill>
+                <a:effectLst/>
+                <a:latin typeface="raleway" pitchFamily="2" charset="0"/>
+              </a:rPr>
+              <a:t>oosting is a stage-wise additive model which generates weak-learners during the learning process.</a:t>
+            </a:r>
+          </a:p>
+          <a:p>
+            <a:pPr marL="285750" marR="0" lvl="0" indent="-285750" algn="just" defTabSz="914400" rtl="0" eaLnBrk="1" fontAlgn="auto" latinLnBrk="0" hangingPunct="1">
+              <a:lnSpc>
+                <a:spcPct val="100000"/>
+              </a:lnSpc>
+              <a:spcBef>
+                <a:spcPts val="0"/>
+              </a:spcBef>
+              <a:spcAft>
+                <a:spcPts val="0"/>
+              </a:spcAft>
+              <a:buClrTx/>
+              <a:buSzTx/>
+              <a:buFont typeface="Wingdings" panose="05000000000000000000" pitchFamily="2" charset="2"/>
+              <a:buChar char="§"/>
+              <a:tabLst/>
+              <a:defRPr/>
+            </a:pPr>
+            <a:r>
+              <a:rPr lang="en-US" sz="1600" b="0" i="0" dirty="0">
+                <a:solidFill>
+                  <a:srgbClr val="111111"/>
+                </a:solidFill>
+                <a:effectLst/>
+                <a:latin typeface="raleway" pitchFamily="2" charset="0"/>
+              </a:rPr>
+              <a:t>Decision trees are gradually added one at a time, each of them being trained using the residual errors of their predecessors as labels.</a:t>
+            </a:r>
+          </a:p>
+          <a:p>
+            <a:pPr marL="285750" marR="0" lvl="0" indent="-285750" algn="just" defTabSz="914400" rtl="0" eaLnBrk="1" fontAlgn="auto" latinLnBrk="0" hangingPunct="1">
+              <a:lnSpc>
+                <a:spcPct val="100000"/>
+              </a:lnSpc>
+              <a:spcBef>
+                <a:spcPts val="0"/>
+              </a:spcBef>
+              <a:spcAft>
+                <a:spcPts val="0"/>
+              </a:spcAft>
+              <a:buClrTx/>
+              <a:buSzTx/>
+              <a:buFont typeface="Wingdings" panose="05000000000000000000" pitchFamily="2" charset="2"/>
+              <a:buChar char="§"/>
+              <a:tabLst/>
+              <a:defRPr/>
+            </a:pPr>
+            <a:r>
+              <a:rPr lang="en-US" sz="1600" b="0" i="0" dirty="0">
+                <a:solidFill>
+                  <a:srgbClr val="111111"/>
+                </a:solidFill>
+                <a:effectLst/>
+                <a:latin typeface="raleway" pitchFamily="2" charset="0"/>
+              </a:rPr>
+              <a:t>The contribution of a given decision tree to the ensemble is based on the gradient descent optimization process, where we attempt to minimize the overall error of the strong-learner.</a:t>
+            </a:r>
+          </a:p>
+        </p:txBody>
+      </p:sp>
+      <p:grpSp>
+        <p:nvGrpSpPr>
+          <p:cNvPr id="7" name="Group 6">
+            <a:extLst>
+              <a:ext uri="{FF2B5EF4-FFF2-40B4-BE49-F238E27FC236}">
+                <a16:creationId xmlns:a16="http://schemas.microsoft.com/office/drawing/2014/main" id="{6C7DD0E2-051B-4EB6-B338-70C3ADDE67E7}"/>
+              </a:ext>
+            </a:extLst>
+          </p:cNvPr>
+          <p:cNvGrpSpPr/>
+          <p:nvPr/>
+        </p:nvGrpSpPr>
+        <p:grpSpPr>
+          <a:xfrm>
+            <a:off x="7519567" y="3160779"/>
+            <a:ext cx="1353388" cy="946440"/>
+            <a:chOff x="6691795" y="2026830"/>
+            <a:chExt cx="2757288" cy="1905099"/>
+          </a:xfrm>
+        </p:grpSpPr>
+        <p:sp>
+          <p:nvSpPr>
+            <p:cNvPr id="9" name="Rectangle: Rounded Corners 8">
+              <a:extLst>
+                <a:ext uri="{FF2B5EF4-FFF2-40B4-BE49-F238E27FC236}">
+                  <a16:creationId xmlns:a16="http://schemas.microsoft.com/office/drawing/2014/main" id="{06389095-91DB-4F4C-A5A2-0E33045D1863}"/>
+                </a:ext>
+              </a:extLst>
+            </p:cNvPr>
+            <p:cNvSpPr/>
+            <p:nvPr/>
+          </p:nvSpPr>
+          <p:spPr>
+            <a:xfrm>
+              <a:off x="7338535" y="2026830"/>
+              <a:ext cx="806824" cy="315559"/>
+            </a:xfrm>
+            <a:prstGeom prst="roundRect">
+              <a:avLst/>
+            </a:prstGeom>
+            <a:solidFill>
+              <a:srgbClr val="1A9EDB"/>
+            </a:solidFill>
+            <a:ln>
+              <a:solidFill>
+                <a:srgbClr val="FFFFFF"/>
+              </a:solidFill>
+            </a:ln>
+          </p:spPr>
+          <p:style>
+            <a:lnRef idx="2">
+              <a:schemeClr val="accent1">
+                <a:shade val="50000"/>
+              </a:schemeClr>
+            </a:lnRef>
+            <a:fillRef idx="1">
+              <a:schemeClr val="accent1"/>
+            </a:fillRef>
+            <a:effectRef idx="0">
+              <a:schemeClr val="accent1"/>
+            </a:effectRef>
+            <a:fontRef idx="minor">
+              <a:schemeClr val="lt1"/>
+            </a:fontRef>
+          </p:style>
+          <p:txBody>
+            <a:bodyPr rtlCol="0" anchor="ctr"/>
+            <a:lstStyle/>
+            <a:p>
+              <a:pPr marL="0" marR="0" lvl="0" indent="0" algn="ctr" defTabSz="914400" rtl="0" eaLnBrk="1" fontAlgn="auto" latinLnBrk="0" hangingPunct="1">
+                <a:lnSpc>
+                  <a:spcPct val="100000"/>
+                </a:lnSpc>
+                <a:spcBef>
+                  <a:spcPts val="0"/>
+                </a:spcBef>
+                <a:spcAft>
+                  <a:spcPts val="0"/>
+                </a:spcAft>
+                <a:buClrTx/>
+                <a:buSzTx/>
+                <a:buFontTx/>
+                <a:buNone/>
+                <a:tabLst/>
+                <a:defRPr/>
+              </a:pPr>
+              <a:endParaRPr kumimoji="0" lang="en-US" sz="1800" b="0" i="0" u="none" strike="noStrike" kern="1200" cap="none" spc="0" normalizeH="0" baseline="0" noProof="0">
+                <a:ln>
+                  <a:noFill/>
+                </a:ln>
+                <a:solidFill>
+                  <a:prstClr val="white"/>
+                </a:solidFill>
+                <a:effectLst/>
+                <a:uLnTx/>
+                <a:uFillTx/>
+                <a:latin typeface="Arial"/>
+                <a:ea typeface="DejaVu Sans"/>
+                <a:cs typeface="DejaVu Sans"/>
+              </a:endParaRPr>
+            </a:p>
+          </p:txBody>
+        </p:sp>
+        <p:sp>
+          <p:nvSpPr>
+            <p:cNvPr id="30" name="Rectangle: Rounded Corners 29">
+              <a:extLst>
+                <a:ext uri="{FF2B5EF4-FFF2-40B4-BE49-F238E27FC236}">
+                  <a16:creationId xmlns:a16="http://schemas.microsoft.com/office/drawing/2014/main" id="{6E549352-E881-45C2-BDD2-8D61A24AD4F7}"/>
+                </a:ext>
+              </a:extLst>
+            </p:cNvPr>
+            <p:cNvSpPr/>
+            <p:nvPr/>
+          </p:nvSpPr>
+          <p:spPr>
+            <a:xfrm>
+              <a:off x="7990397" y="2557865"/>
+              <a:ext cx="806824" cy="315559"/>
+            </a:xfrm>
+            <a:prstGeom prst="roundRect">
+              <a:avLst/>
+            </a:prstGeom>
+            <a:solidFill>
+              <a:srgbClr val="1A9EDB"/>
+            </a:solidFill>
+            <a:ln>
+              <a:solidFill>
+                <a:srgbClr val="FFFFFF"/>
+              </a:solidFill>
+            </a:ln>
+          </p:spPr>
+          <p:style>
+            <a:lnRef idx="2">
+              <a:schemeClr val="accent1">
+                <a:shade val="50000"/>
+              </a:schemeClr>
+            </a:lnRef>
+            <a:fillRef idx="1">
+              <a:schemeClr val="accent1"/>
+            </a:fillRef>
+            <a:effectRef idx="0">
+              <a:schemeClr val="accent1"/>
+            </a:effectRef>
+            <a:fontRef idx="minor">
+              <a:schemeClr val="lt1"/>
+            </a:fontRef>
+          </p:style>
+          <p:txBody>
+            <a:bodyPr rtlCol="0" anchor="ctr"/>
+            <a:lstStyle/>
+            <a:p>
+              <a:pPr marL="0" marR="0" lvl="0" indent="0" algn="ctr" defTabSz="914400" rtl="0" eaLnBrk="1" fontAlgn="auto" latinLnBrk="0" hangingPunct="1">
+                <a:lnSpc>
+                  <a:spcPct val="100000"/>
+                </a:lnSpc>
+                <a:spcBef>
+                  <a:spcPts val="0"/>
+                </a:spcBef>
+                <a:spcAft>
+                  <a:spcPts val="0"/>
+                </a:spcAft>
+                <a:buClrTx/>
+                <a:buSzTx/>
+                <a:buFontTx/>
+                <a:buNone/>
+                <a:tabLst/>
+                <a:defRPr/>
+              </a:pPr>
+              <a:endParaRPr kumimoji="0" lang="en-US" sz="1800" b="0" i="0" u="none" strike="noStrike" kern="1200" cap="none" spc="0" normalizeH="0" baseline="0" noProof="0">
+                <a:ln>
+                  <a:noFill/>
+                </a:ln>
+                <a:solidFill>
+                  <a:prstClr val="white"/>
+                </a:solidFill>
+                <a:effectLst/>
+                <a:uLnTx/>
+                <a:uFillTx/>
+                <a:latin typeface="Arial"/>
+                <a:ea typeface="DejaVu Sans"/>
+                <a:cs typeface="DejaVu Sans"/>
+              </a:endParaRPr>
+            </a:p>
+          </p:txBody>
+        </p:sp>
+        <p:sp>
+          <p:nvSpPr>
+            <p:cNvPr id="31" name="Rectangle: Rounded Corners 30">
+              <a:extLst>
+                <a:ext uri="{FF2B5EF4-FFF2-40B4-BE49-F238E27FC236}">
+                  <a16:creationId xmlns:a16="http://schemas.microsoft.com/office/drawing/2014/main" id="{9A126F05-A67B-499C-8E60-A18F20E70F28}"/>
+                </a:ext>
+              </a:extLst>
+            </p:cNvPr>
+            <p:cNvSpPr/>
+            <p:nvPr/>
+          </p:nvSpPr>
+          <p:spPr>
+            <a:xfrm>
+              <a:off x="6691795" y="2557865"/>
+              <a:ext cx="806824" cy="315559"/>
+            </a:xfrm>
+            <a:prstGeom prst="roundRect">
+              <a:avLst/>
+            </a:prstGeom>
+            <a:solidFill>
+              <a:srgbClr val="92D050"/>
+            </a:solidFill>
+            <a:ln>
+              <a:solidFill>
+                <a:srgbClr val="FFFFFF"/>
+              </a:solidFill>
+            </a:ln>
+          </p:spPr>
+          <p:style>
+            <a:lnRef idx="2">
+              <a:schemeClr val="accent1">
+                <a:shade val="50000"/>
+              </a:schemeClr>
+            </a:lnRef>
+            <a:fillRef idx="1">
+              <a:schemeClr val="accent1"/>
+            </a:fillRef>
+            <a:effectRef idx="0">
+              <a:schemeClr val="accent1"/>
+            </a:effectRef>
+            <a:fontRef idx="minor">
+              <a:schemeClr val="lt1"/>
+            </a:fontRef>
+          </p:style>
+          <p:txBody>
+            <a:bodyPr rtlCol="0" anchor="ctr"/>
+            <a:lstStyle/>
+            <a:p>
+              <a:pPr marL="0" marR="0" lvl="0" indent="0" algn="ctr" defTabSz="914400" rtl="0" eaLnBrk="1" fontAlgn="auto" latinLnBrk="0" hangingPunct="1">
+                <a:lnSpc>
+                  <a:spcPct val="100000"/>
+                </a:lnSpc>
+                <a:spcBef>
+                  <a:spcPts val="0"/>
+                </a:spcBef>
+                <a:spcAft>
+                  <a:spcPts val="0"/>
+                </a:spcAft>
+                <a:buClrTx/>
+                <a:buSzTx/>
+                <a:buFontTx/>
+                <a:buNone/>
+                <a:tabLst/>
+                <a:defRPr/>
+              </a:pPr>
+              <a:endParaRPr kumimoji="0" lang="en-US" sz="1800" b="0" i="0" u="none" strike="noStrike" kern="1200" cap="none" spc="0" normalizeH="0" baseline="0" noProof="0">
+                <a:ln>
+                  <a:noFill/>
+                </a:ln>
+                <a:solidFill>
+                  <a:prstClr val="white"/>
+                </a:solidFill>
+                <a:effectLst/>
+                <a:uLnTx/>
+                <a:uFillTx/>
+                <a:latin typeface="Arial"/>
+                <a:ea typeface="DejaVu Sans"/>
+                <a:cs typeface="DejaVu Sans"/>
+              </a:endParaRPr>
+            </a:p>
+          </p:txBody>
+        </p:sp>
+        <p:sp>
+          <p:nvSpPr>
+            <p:cNvPr id="32" name="Rectangle: Rounded Corners 31">
+              <a:extLst>
+                <a:ext uri="{FF2B5EF4-FFF2-40B4-BE49-F238E27FC236}">
+                  <a16:creationId xmlns:a16="http://schemas.microsoft.com/office/drawing/2014/main" id="{0AFF8439-EFD5-4FFF-8E65-C6FC92B7D6D4}"/>
+                </a:ext>
+              </a:extLst>
+            </p:cNvPr>
+            <p:cNvSpPr/>
+            <p:nvPr/>
+          </p:nvSpPr>
+          <p:spPr>
+            <a:xfrm>
+              <a:off x="8642259" y="3088900"/>
+              <a:ext cx="806824" cy="315559"/>
+            </a:xfrm>
+            <a:prstGeom prst="roundRect">
+              <a:avLst/>
+            </a:prstGeom>
+            <a:solidFill>
+              <a:srgbClr val="92D050"/>
+            </a:solidFill>
+            <a:ln>
+              <a:solidFill>
+                <a:srgbClr val="FFFFFF"/>
+              </a:solidFill>
+            </a:ln>
+          </p:spPr>
+          <p:style>
+            <a:lnRef idx="2">
+              <a:schemeClr val="accent1">
+                <a:shade val="50000"/>
+              </a:schemeClr>
+            </a:lnRef>
+            <a:fillRef idx="1">
+              <a:schemeClr val="accent1"/>
+            </a:fillRef>
+            <a:effectRef idx="0">
+              <a:schemeClr val="accent1"/>
+            </a:effectRef>
+            <a:fontRef idx="minor">
+              <a:schemeClr val="lt1"/>
+            </a:fontRef>
+          </p:style>
+          <p:txBody>
+            <a:bodyPr rtlCol="0" anchor="ctr"/>
+            <a:lstStyle/>
+            <a:p>
+              <a:pPr marL="0" marR="0" lvl="0" indent="0" algn="ctr" defTabSz="914400" rtl="0" eaLnBrk="1" fontAlgn="auto" latinLnBrk="0" hangingPunct="1">
+                <a:lnSpc>
+                  <a:spcPct val="100000"/>
+                </a:lnSpc>
+                <a:spcBef>
+                  <a:spcPts val="0"/>
+                </a:spcBef>
+                <a:spcAft>
+                  <a:spcPts val="0"/>
+                </a:spcAft>
+                <a:buClrTx/>
+                <a:buSzTx/>
+                <a:buFontTx/>
+                <a:buNone/>
+                <a:tabLst/>
+                <a:defRPr/>
+              </a:pPr>
+              <a:endParaRPr kumimoji="0" lang="en-US" sz="1800" b="0" i="0" u="none" strike="noStrike" kern="1200" cap="none" spc="0" normalizeH="0" baseline="0" noProof="0">
+                <a:ln>
+                  <a:noFill/>
+                </a:ln>
+                <a:solidFill>
+                  <a:prstClr val="white"/>
+                </a:solidFill>
+                <a:effectLst/>
+                <a:uLnTx/>
+                <a:uFillTx/>
+                <a:latin typeface="Arial"/>
+                <a:ea typeface="DejaVu Sans"/>
+                <a:cs typeface="DejaVu Sans"/>
+              </a:endParaRPr>
+            </a:p>
+          </p:txBody>
+        </p:sp>
+        <p:cxnSp>
+          <p:nvCxnSpPr>
+            <p:cNvPr id="11" name="Straight Arrow Connector 10">
+              <a:extLst>
+                <a:ext uri="{FF2B5EF4-FFF2-40B4-BE49-F238E27FC236}">
+                  <a16:creationId xmlns:a16="http://schemas.microsoft.com/office/drawing/2014/main" id="{16D883DE-FA42-4504-AB89-0CD7AA02E183}"/>
+                </a:ext>
+              </a:extLst>
+            </p:cNvPr>
+            <p:cNvCxnSpPr>
+              <a:cxnSpLocks/>
+              <a:endCxn id="31" idx="0"/>
+            </p:cNvCxnSpPr>
+            <p:nvPr/>
+          </p:nvCxnSpPr>
+          <p:spPr>
+            <a:xfrm flipH="1">
+              <a:off x="7095207" y="2334055"/>
+              <a:ext cx="500744" cy="223810"/>
+            </a:xfrm>
+            <a:prstGeom prst="straightConnector1">
+              <a:avLst/>
+            </a:prstGeom>
+            <a:ln>
+              <a:tailEnd type="triangle"/>
+            </a:ln>
+          </p:spPr>
+          <p:style>
+            <a:lnRef idx="3">
+              <a:schemeClr val="dk1"/>
+            </a:lnRef>
+            <a:fillRef idx="0">
+              <a:schemeClr val="dk1"/>
+            </a:fillRef>
+            <a:effectRef idx="2">
+              <a:schemeClr val="dk1"/>
+            </a:effectRef>
+            <a:fontRef idx="minor">
+              <a:schemeClr val="tx1"/>
+            </a:fontRef>
+          </p:style>
+        </p:cxnSp>
+        <p:cxnSp>
+          <p:nvCxnSpPr>
+            <p:cNvPr id="35" name="Straight Arrow Connector 34">
+              <a:extLst>
+                <a:ext uri="{FF2B5EF4-FFF2-40B4-BE49-F238E27FC236}">
+                  <a16:creationId xmlns:a16="http://schemas.microsoft.com/office/drawing/2014/main" id="{0CCCF98A-EB9C-4499-8AC6-EFAAAA8DB449}"/>
+                </a:ext>
+              </a:extLst>
+            </p:cNvPr>
+            <p:cNvCxnSpPr>
+              <a:cxnSpLocks/>
+            </p:cNvCxnSpPr>
+            <p:nvPr/>
+          </p:nvCxnSpPr>
+          <p:spPr>
+            <a:xfrm>
+              <a:off x="7892342" y="2337355"/>
+              <a:ext cx="472568" cy="219643"/>
+            </a:xfrm>
+            <a:prstGeom prst="straightConnector1">
+              <a:avLst/>
+            </a:prstGeom>
+            <a:ln>
+              <a:tailEnd type="triangle"/>
+            </a:ln>
+          </p:spPr>
+          <p:style>
+            <a:lnRef idx="3">
+              <a:schemeClr val="dk1"/>
+            </a:lnRef>
+            <a:fillRef idx="0">
+              <a:schemeClr val="dk1"/>
+            </a:fillRef>
+            <a:effectRef idx="2">
+              <a:schemeClr val="dk1"/>
+            </a:effectRef>
+            <a:fontRef idx="minor">
+              <a:schemeClr val="tx1"/>
+            </a:fontRef>
+          </p:style>
+        </p:cxnSp>
+        <p:cxnSp>
+          <p:nvCxnSpPr>
+            <p:cNvPr id="38" name="Straight Arrow Connector 37">
+              <a:extLst>
+                <a:ext uri="{FF2B5EF4-FFF2-40B4-BE49-F238E27FC236}">
+                  <a16:creationId xmlns:a16="http://schemas.microsoft.com/office/drawing/2014/main" id="{DAA9582A-A808-41D0-9EC5-450266B0CAE7}"/>
+                </a:ext>
+              </a:extLst>
+            </p:cNvPr>
+            <p:cNvCxnSpPr>
+              <a:cxnSpLocks/>
+            </p:cNvCxnSpPr>
+            <p:nvPr/>
+          </p:nvCxnSpPr>
+          <p:spPr>
+            <a:xfrm flipH="1">
+              <a:off x="7748434" y="2864223"/>
+              <a:ext cx="500744" cy="223810"/>
+            </a:xfrm>
+            <a:prstGeom prst="straightConnector1">
+              <a:avLst/>
+            </a:prstGeom>
+            <a:ln>
+              <a:tailEnd type="triangle"/>
+            </a:ln>
+          </p:spPr>
+          <p:style>
+            <a:lnRef idx="3">
+              <a:schemeClr val="dk1"/>
+            </a:lnRef>
+            <a:fillRef idx="0">
+              <a:schemeClr val="dk1"/>
+            </a:fillRef>
+            <a:effectRef idx="2">
+              <a:schemeClr val="dk1"/>
+            </a:effectRef>
+            <a:fontRef idx="minor">
+              <a:schemeClr val="tx1"/>
+            </a:fontRef>
+          </p:style>
+        </p:cxnSp>
+        <p:cxnSp>
+          <p:nvCxnSpPr>
+            <p:cNvPr id="39" name="Straight Arrow Connector 38">
+              <a:extLst>
+                <a:ext uri="{FF2B5EF4-FFF2-40B4-BE49-F238E27FC236}">
+                  <a16:creationId xmlns:a16="http://schemas.microsoft.com/office/drawing/2014/main" id="{D47CEC5F-949D-4554-A725-7730144D0711}"/>
+                </a:ext>
+              </a:extLst>
+            </p:cNvPr>
+            <p:cNvCxnSpPr>
+              <a:cxnSpLocks/>
+            </p:cNvCxnSpPr>
+            <p:nvPr/>
+          </p:nvCxnSpPr>
+          <p:spPr>
+            <a:xfrm>
+              <a:off x="8545569" y="2867523"/>
+              <a:ext cx="472568" cy="219643"/>
+            </a:xfrm>
+            <a:prstGeom prst="straightConnector1">
+              <a:avLst/>
+            </a:prstGeom>
+            <a:ln>
+              <a:tailEnd type="triangle"/>
+            </a:ln>
+          </p:spPr>
+          <p:style>
+            <a:lnRef idx="3">
+              <a:schemeClr val="dk1"/>
+            </a:lnRef>
+            <a:fillRef idx="0">
+              <a:schemeClr val="dk1"/>
+            </a:fillRef>
+            <a:effectRef idx="2">
+              <a:schemeClr val="dk1"/>
+            </a:effectRef>
+            <a:fontRef idx="minor">
+              <a:schemeClr val="tx1"/>
+            </a:fontRef>
+          </p:style>
+        </p:cxnSp>
+        <p:sp>
+          <p:nvSpPr>
+            <p:cNvPr id="40" name="Rectangle: Rounded Corners 39">
+              <a:extLst>
+                <a:ext uri="{FF2B5EF4-FFF2-40B4-BE49-F238E27FC236}">
+                  <a16:creationId xmlns:a16="http://schemas.microsoft.com/office/drawing/2014/main" id="{C8F9A25C-8FCA-4F84-B74D-7C87A3AA71D9}"/>
+                </a:ext>
+              </a:extLst>
+            </p:cNvPr>
+            <p:cNvSpPr/>
+            <p:nvPr/>
+          </p:nvSpPr>
+          <p:spPr>
+            <a:xfrm>
+              <a:off x="7361244" y="3085335"/>
+              <a:ext cx="806824" cy="315559"/>
+            </a:xfrm>
+            <a:prstGeom prst="roundRect">
+              <a:avLst/>
+            </a:prstGeom>
+            <a:solidFill>
+              <a:srgbClr val="1A9EDB"/>
+            </a:solidFill>
+            <a:ln>
+              <a:solidFill>
+                <a:srgbClr val="FFFFFF"/>
+              </a:solidFill>
+            </a:ln>
+          </p:spPr>
+          <p:style>
+            <a:lnRef idx="2">
+              <a:schemeClr val="accent1">
+                <a:shade val="50000"/>
+              </a:schemeClr>
+            </a:lnRef>
+            <a:fillRef idx="1">
+              <a:schemeClr val="accent1"/>
+            </a:fillRef>
+            <a:effectRef idx="0">
+              <a:schemeClr val="accent1"/>
+            </a:effectRef>
+            <a:fontRef idx="minor">
+              <a:schemeClr val="lt1"/>
+            </a:fontRef>
+          </p:style>
+          <p:txBody>
+            <a:bodyPr rtlCol="0" anchor="ctr"/>
+            <a:lstStyle/>
+            <a:p>
+              <a:pPr marL="0" marR="0" lvl="0" indent="0" algn="ctr" defTabSz="914400" rtl="0" eaLnBrk="1" fontAlgn="auto" latinLnBrk="0" hangingPunct="1">
+                <a:lnSpc>
+                  <a:spcPct val="100000"/>
+                </a:lnSpc>
+                <a:spcBef>
+                  <a:spcPts val="0"/>
+                </a:spcBef>
+                <a:spcAft>
+                  <a:spcPts val="0"/>
+                </a:spcAft>
+                <a:buClrTx/>
+                <a:buSzTx/>
+                <a:buFontTx/>
+                <a:buNone/>
+                <a:tabLst/>
+                <a:defRPr/>
+              </a:pPr>
+              <a:endParaRPr kumimoji="0" lang="en-US" sz="1800" b="0" i="0" u="none" strike="noStrike" kern="1200" cap="none" spc="0" normalizeH="0" baseline="0" noProof="0" dirty="0">
+                <a:ln>
+                  <a:noFill/>
+                </a:ln>
+                <a:solidFill>
+                  <a:prstClr val="white"/>
+                </a:solidFill>
+                <a:effectLst/>
+                <a:uLnTx/>
+                <a:uFillTx/>
+                <a:latin typeface="Arial"/>
+                <a:ea typeface="DejaVu Sans"/>
+                <a:cs typeface="DejaVu Sans"/>
+              </a:endParaRPr>
+            </a:p>
+          </p:txBody>
+        </p:sp>
+        <p:sp>
+          <p:nvSpPr>
+            <p:cNvPr id="41" name="Rectangle: Rounded Corners 40">
+              <a:extLst>
+                <a:ext uri="{FF2B5EF4-FFF2-40B4-BE49-F238E27FC236}">
+                  <a16:creationId xmlns:a16="http://schemas.microsoft.com/office/drawing/2014/main" id="{BB54BEE0-F21E-4428-9F8F-B8B27E3948E8}"/>
+                </a:ext>
+              </a:extLst>
+            </p:cNvPr>
+            <p:cNvSpPr/>
+            <p:nvPr/>
+          </p:nvSpPr>
+          <p:spPr>
+            <a:xfrm>
+              <a:off x="8013106" y="3616370"/>
+              <a:ext cx="806824" cy="315559"/>
+            </a:xfrm>
+            <a:prstGeom prst="roundRect">
+              <a:avLst/>
+            </a:prstGeom>
+            <a:solidFill>
+              <a:srgbClr val="92D050"/>
+            </a:solidFill>
+            <a:ln>
+              <a:solidFill>
+                <a:srgbClr val="FFFFFF"/>
+              </a:solidFill>
+            </a:ln>
+          </p:spPr>
+          <p:style>
+            <a:lnRef idx="2">
+              <a:schemeClr val="accent1">
+                <a:shade val="50000"/>
+              </a:schemeClr>
+            </a:lnRef>
+            <a:fillRef idx="1">
+              <a:schemeClr val="accent1"/>
+            </a:fillRef>
+            <a:effectRef idx="0">
+              <a:schemeClr val="accent1"/>
+            </a:effectRef>
+            <a:fontRef idx="minor">
+              <a:schemeClr val="lt1"/>
+            </a:fontRef>
+          </p:style>
+          <p:txBody>
+            <a:bodyPr rtlCol="0" anchor="ctr"/>
+            <a:lstStyle/>
+            <a:p>
+              <a:pPr marL="0" marR="0" lvl="0" indent="0" algn="ctr" defTabSz="914400" rtl="0" eaLnBrk="1" fontAlgn="auto" latinLnBrk="0" hangingPunct="1">
+                <a:lnSpc>
+                  <a:spcPct val="100000"/>
+                </a:lnSpc>
+                <a:spcBef>
+                  <a:spcPts val="0"/>
+                </a:spcBef>
+                <a:spcAft>
+                  <a:spcPts val="0"/>
+                </a:spcAft>
+                <a:buClrTx/>
+                <a:buSzTx/>
+                <a:buFontTx/>
+                <a:buNone/>
+                <a:tabLst/>
+                <a:defRPr/>
+              </a:pPr>
+              <a:endParaRPr kumimoji="0" lang="en-US" sz="1800" b="0" i="0" u="none" strike="noStrike" kern="1200" cap="none" spc="0" normalizeH="0" baseline="0" noProof="0">
+                <a:ln>
+                  <a:noFill/>
+                </a:ln>
+                <a:solidFill>
+                  <a:prstClr val="white"/>
+                </a:solidFill>
+                <a:effectLst/>
+                <a:uLnTx/>
+                <a:uFillTx/>
+                <a:latin typeface="Arial"/>
+                <a:ea typeface="DejaVu Sans"/>
+                <a:cs typeface="DejaVu Sans"/>
+              </a:endParaRPr>
+            </a:p>
+          </p:txBody>
+        </p:sp>
+        <p:sp>
+          <p:nvSpPr>
+            <p:cNvPr id="42" name="Rectangle: Rounded Corners 41">
+              <a:extLst>
+                <a:ext uri="{FF2B5EF4-FFF2-40B4-BE49-F238E27FC236}">
+                  <a16:creationId xmlns:a16="http://schemas.microsoft.com/office/drawing/2014/main" id="{AC293FA7-A5B9-42B6-B950-5488EDC626CE}"/>
+                </a:ext>
+              </a:extLst>
+            </p:cNvPr>
+            <p:cNvSpPr/>
+            <p:nvPr/>
+          </p:nvSpPr>
+          <p:spPr>
+            <a:xfrm>
+              <a:off x="6722188" y="3616370"/>
+              <a:ext cx="806824" cy="315559"/>
+            </a:xfrm>
+            <a:prstGeom prst="roundRect">
+              <a:avLst/>
+            </a:prstGeom>
+            <a:solidFill>
+              <a:srgbClr val="92D050"/>
+            </a:solidFill>
+            <a:ln>
+              <a:solidFill>
+                <a:srgbClr val="FFFFFF"/>
+              </a:solidFill>
+            </a:ln>
+          </p:spPr>
+          <p:style>
+            <a:lnRef idx="2">
+              <a:schemeClr val="accent1">
+                <a:shade val="50000"/>
+              </a:schemeClr>
+            </a:lnRef>
+            <a:fillRef idx="1">
+              <a:schemeClr val="accent1"/>
+            </a:fillRef>
+            <a:effectRef idx="0">
+              <a:schemeClr val="accent1"/>
+            </a:effectRef>
+            <a:fontRef idx="minor">
+              <a:schemeClr val="lt1"/>
+            </a:fontRef>
+          </p:style>
+          <p:txBody>
+            <a:bodyPr rtlCol="0" anchor="ctr"/>
+            <a:lstStyle/>
+            <a:p>
+              <a:pPr marL="0" marR="0" lvl="0" indent="0" algn="ctr" defTabSz="914400" rtl="0" eaLnBrk="1" fontAlgn="auto" latinLnBrk="0" hangingPunct="1">
+                <a:lnSpc>
+                  <a:spcPct val="100000"/>
+                </a:lnSpc>
+                <a:spcBef>
+                  <a:spcPts val="0"/>
+                </a:spcBef>
+                <a:spcAft>
+                  <a:spcPts val="0"/>
+                </a:spcAft>
+                <a:buClrTx/>
+                <a:buSzTx/>
+                <a:buFontTx/>
+                <a:buNone/>
+                <a:tabLst/>
+                <a:defRPr/>
+              </a:pPr>
+              <a:endParaRPr kumimoji="0" lang="en-US" sz="1800" b="0" i="0" u="none" strike="noStrike" kern="1200" cap="none" spc="0" normalizeH="0" baseline="0" noProof="0">
+                <a:ln>
+                  <a:noFill/>
+                </a:ln>
+                <a:solidFill>
+                  <a:prstClr val="white"/>
+                </a:solidFill>
+                <a:effectLst/>
+                <a:uLnTx/>
+                <a:uFillTx/>
+                <a:latin typeface="Arial"/>
+                <a:ea typeface="DejaVu Sans"/>
+                <a:cs typeface="DejaVu Sans"/>
+              </a:endParaRPr>
+            </a:p>
+          </p:txBody>
+        </p:sp>
+        <p:cxnSp>
+          <p:nvCxnSpPr>
+            <p:cNvPr id="43" name="Straight Arrow Connector 42">
+              <a:extLst>
+                <a:ext uri="{FF2B5EF4-FFF2-40B4-BE49-F238E27FC236}">
+                  <a16:creationId xmlns:a16="http://schemas.microsoft.com/office/drawing/2014/main" id="{1FB2B9E5-92D9-4D3E-AA53-84FEE7DE6991}"/>
+                </a:ext>
+              </a:extLst>
+            </p:cNvPr>
+            <p:cNvCxnSpPr>
+              <a:cxnSpLocks/>
+            </p:cNvCxnSpPr>
+            <p:nvPr/>
+          </p:nvCxnSpPr>
+          <p:spPr>
+            <a:xfrm flipH="1">
+              <a:off x="7119281" y="3391693"/>
+              <a:ext cx="500744" cy="223810"/>
+            </a:xfrm>
+            <a:prstGeom prst="straightConnector1">
+              <a:avLst/>
+            </a:prstGeom>
+            <a:ln>
+              <a:tailEnd type="triangle"/>
+            </a:ln>
+          </p:spPr>
+          <p:style>
+            <a:lnRef idx="3">
+              <a:schemeClr val="dk1"/>
+            </a:lnRef>
+            <a:fillRef idx="0">
+              <a:schemeClr val="dk1"/>
+            </a:fillRef>
+            <a:effectRef idx="2">
+              <a:schemeClr val="dk1"/>
+            </a:effectRef>
+            <a:fontRef idx="minor">
+              <a:schemeClr val="tx1"/>
+            </a:fontRef>
+          </p:style>
+        </p:cxnSp>
+        <p:cxnSp>
+          <p:nvCxnSpPr>
+            <p:cNvPr id="44" name="Straight Arrow Connector 43">
+              <a:extLst>
+                <a:ext uri="{FF2B5EF4-FFF2-40B4-BE49-F238E27FC236}">
+                  <a16:creationId xmlns:a16="http://schemas.microsoft.com/office/drawing/2014/main" id="{FA12058B-5176-4F03-9173-6B64EDCF0E57}"/>
+                </a:ext>
+              </a:extLst>
+            </p:cNvPr>
+            <p:cNvCxnSpPr>
+              <a:cxnSpLocks/>
+            </p:cNvCxnSpPr>
+            <p:nvPr/>
+          </p:nvCxnSpPr>
+          <p:spPr>
+            <a:xfrm>
+              <a:off x="7916416" y="3394993"/>
+              <a:ext cx="472568" cy="219643"/>
+            </a:xfrm>
+            <a:prstGeom prst="straightConnector1">
+              <a:avLst/>
+            </a:prstGeom>
+            <a:ln>
+              <a:tailEnd type="triangle"/>
+            </a:ln>
+          </p:spPr>
+          <p:style>
+            <a:lnRef idx="3">
+              <a:schemeClr val="dk1"/>
+            </a:lnRef>
+            <a:fillRef idx="0">
+              <a:schemeClr val="dk1"/>
+            </a:fillRef>
+            <a:effectRef idx="2">
+              <a:schemeClr val="dk1"/>
+            </a:effectRef>
+            <a:fontRef idx="minor">
+              <a:schemeClr val="tx1"/>
+            </a:fontRef>
+          </p:style>
+        </p:cxnSp>
+      </p:grpSp>
+      <p:grpSp>
+        <p:nvGrpSpPr>
+          <p:cNvPr id="8" name="Group 7">
+            <a:extLst>
+              <a:ext uri="{FF2B5EF4-FFF2-40B4-BE49-F238E27FC236}">
+                <a16:creationId xmlns:a16="http://schemas.microsoft.com/office/drawing/2014/main" id="{98BEF524-616D-4DB0-87F9-0AC28D3CFDA7}"/>
+              </a:ext>
+            </a:extLst>
+          </p:cNvPr>
+          <p:cNvGrpSpPr/>
+          <p:nvPr/>
+        </p:nvGrpSpPr>
+        <p:grpSpPr>
+          <a:xfrm>
+            <a:off x="7375028" y="2003254"/>
+            <a:ext cx="1682423" cy="957368"/>
+            <a:chOff x="7595269" y="1920564"/>
+            <a:chExt cx="1682423" cy="957368"/>
+          </a:xfrm>
+        </p:grpSpPr>
+        <p:sp>
+          <p:nvSpPr>
+            <p:cNvPr id="50" name="Rectangle: Rounded Corners 49">
+              <a:extLst>
+                <a:ext uri="{FF2B5EF4-FFF2-40B4-BE49-F238E27FC236}">
+                  <a16:creationId xmlns:a16="http://schemas.microsoft.com/office/drawing/2014/main" id="{95D1FF48-F767-48B9-80A0-7EF492A8C712}"/>
+                </a:ext>
+              </a:extLst>
+            </p:cNvPr>
+            <p:cNvSpPr/>
+            <p:nvPr/>
+          </p:nvSpPr>
+          <p:spPr>
+            <a:xfrm>
+              <a:off x="8561710" y="2457350"/>
+              <a:ext cx="396022" cy="156768"/>
+            </a:xfrm>
+            <a:prstGeom prst="roundRect">
+              <a:avLst/>
+            </a:prstGeom>
+            <a:solidFill>
+              <a:srgbClr val="1A9EDB"/>
+            </a:solidFill>
+            <a:ln>
+              <a:solidFill>
+                <a:srgbClr val="FFFFFF"/>
+              </a:solidFill>
+            </a:ln>
+          </p:spPr>
+          <p:style>
+            <a:lnRef idx="2">
+              <a:schemeClr val="accent1">
+                <a:shade val="50000"/>
+              </a:schemeClr>
+            </a:lnRef>
+            <a:fillRef idx="1">
+              <a:schemeClr val="accent1"/>
+            </a:fillRef>
+            <a:effectRef idx="0">
+              <a:schemeClr val="accent1"/>
+            </a:effectRef>
+            <a:fontRef idx="minor">
+              <a:schemeClr val="lt1"/>
+            </a:fontRef>
+          </p:style>
+          <p:txBody>
+            <a:bodyPr rtlCol="0" anchor="ctr"/>
+            <a:lstStyle/>
+            <a:p>
+              <a:pPr marL="0" marR="0" lvl="0" indent="0" algn="ctr" defTabSz="914400" rtl="0" eaLnBrk="1" fontAlgn="auto" latinLnBrk="0" hangingPunct="1">
+                <a:lnSpc>
+                  <a:spcPct val="100000"/>
+                </a:lnSpc>
+                <a:spcBef>
+                  <a:spcPts val="0"/>
+                </a:spcBef>
+                <a:spcAft>
+                  <a:spcPts val="0"/>
+                </a:spcAft>
+                <a:buClrTx/>
+                <a:buSzTx/>
+                <a:buFontTx/>
+                <a:buNone/>
+                <a:tabLst/>
+                <a:defRPr/>
+              </a:pPr>
+              <a:endParaRPr kumimoji="0" lang="en-US" sz="1800" b="0" i="0" u="none" strike="noStrike" kern="1200" cap="none" spc="0" normalizeH="0" baseline="0" noProof="0" dirty="0">
+                <a:ln>
+                  <a:noFill/>
+                </a:ln>
+                <a:solidFill>
+                  <a:prstClr val="white"/>
+                </a:solidFill>
+                <a:effectLst/>
+                <a:uLnTx/>
+                <a:uFillTx/>
+                <a:latin typeface="Arial"/>
+                <a:ea typeface="DejaVu Sans"/>
+                <a:cs typeface="DejaVu Sans"/>
+              </a:endParaRPr>
+            </a:p>
+          </p:txBody>
+        </p:sp>
+        <p:sp>
+          <p:nvSpPr>
+            <p:cNvPr id="51" name="Rectangle: Rounded Corners 50">
+              <a:extLst>
+                <a:ext uri="{FF2B5EF4-FFF2-40B4-BE49-F238E27FC236}">
+                  <a16:creationId xmlns:a16="http://schemas.microsoft.com/office/drawing/2014/main" id="{38D870AA-0C74-4323-A34F-F179C622D614}"/>
+                </a:ext>
+              </a:extLst>
+            </p:cNvPr>
+            <p:cNvSpPr/>
+            <p:nvPr/>
+          </p:nvSpPr>
+          <p:spPr>
+            <a:xfrm>
+              <a:off x="8881670" y="2721164"/>
+              <a:ext cx="396022" cy="156768"/>
+            </a:xfrm>
+            <a:prstGeom prst="roundRect">
+              <a:avLst/>
+            </a:prstGeom>
+            <a:solidFill>
+              <a:srgbClr val="92D050"/>
+            </a:solidFill>
+            <a:ln>
+              <a:solidFill>
+                <a:srgbClr val="FFFFFF"/>
+              </a:solidFill>
+            </a:ln>
+          </p:spPr>
+          <p:style>
+            <a:lnRef idx="2">
+              <a:schemeClr val="accent1">
+                <a:shade val="50000"/>
+              </a:schemeClr>
+            </a:lnRef>
+            <a:fillRef idx="1">
+              <a:schemeClr val="accent1"/>
+            </a:fillRef>
+            <a:effectRef idx="0">
+              <a:schemeClr val="accent1"/>
+            </a:effectRef>
+            <a:fontRef idx="minor">
+              <a:schemeClr val="lt1"/>
+            </a:fontRef>
+          </p:style>
+          <p:txBody>
+            <a:bodyPr rtlCol="0" anchor="ctr"/>
+            <a:lstStyle/>
+            <a:p>
+              <a:pPr marL="0" marR="0" lvl="0" indent="0" algn="ctr" defTabSz="914400" rtl="0" eaLnBrk="1" fontAlgn="auto" latinLnBrk="0" hangingPunct="1">
+                <a:lnSpc>
+                  <a:spcPct val="100000"/>
+                </a:lnSpc>
+                <a:spcBef>
+                  <a:spcPts val="0"/>
+                </a:spcBef>
+                <a:spcAft>
+                  <a:spcPts val="0"/>
+                </a:spcAft>
+                <a:buClrTx/>
+                <a:buSzTx/>
+                <a:buFontTx/>
+                <a:buNone/>
+                <a:tabLst/>
+                <a:defRPr/>
+              </a:pPr>
+              <a:endParaRPr kumimoji="0" lang="en-US" sz="1800" b="0" i="0" u="none" strike="noStrike" kern="1200" cap="none" spc="0" normalizeH="0" baseline="0" noProof="0">
+                <a:ln>
+                  <a:noFill/>
+                </a:ln>
+                <a:solidFill>
+                  <a:prstClr val="white"/>
+                </a:solidFill>
+                <a:effectLst/>
+                <a:uLnTx/>
+                <a:uFillTx/>
+                <a:latin typeface="Arial"/>
+                <a:ea typeface="DejaVu Sans"/>
+                <a:cs typeface="DejaVu Sans"/>
+              </a:endParaRPr>
+            </a:p>
+          </p:txBody>
+        </p:sp>
+        <p:sp>
+          <p:nvSpPr>
+            <p:cNvPr id="52" name="Rectangle: Rounded Corners 51">
+              <a:extLst>
+                <a:ext uri="{FF2B5EF4-FFF2-40B4-BE49-F238E27FC236}">
+                  <a16:creationId xmlns:a16="http://schemas.microsoft.com/office/drawing/2014/main" id="{1F2F605B-C342-4F54-A108-55F24FED5C16}"/>
+                </a:ext>
+              </a:extLst>
+            </p:cNvPr>
+            <p:cNvSpPr/>
+            <p:nvPr/>
+          </p:nvSpPr>
+          <p:spPr>
+            <a:xfrm>
+              <a:off x="8248035" y="2721164"/>
+              <a:ext cx="396022" cy="156768"/>
+            </a:xfrm>
+            <a:prstGeom prst="roundRect">
+              <a:avLst/>
+            </a:prstGeom>
+            <a:solidFill>
+              <a:srgbClr val="92D050"/>
+            </a:solidFill>
+            <a:ln>
+              <a:solidFill>
+                <a:srgbClr val="FFFFFF"/>
+              </a:solidFill>
+            </a:ln>
+          </p:spPr>
+          <p:style>
+            <a:lnRef idx="2">
+              <a:schemeClr val="accent1">
+                <a:shade val="50000"/>
+              </a:schemeClr>
+            </a:lnRef>
+            <a:fillRef idx="1">
+              <a:schemeClr val="accent1"/>
+            </a:fillRef>
+            <a:effectRef idx="0">
+              <a:schemeClr val="accent1"/>
+            </a:effectRef>
+            <a:fontRef idx="minor">
+              <a:schemeClr val="lt1"/>
+            </a:fontRef>
+          </p:style>
+          <p:txBody>
+            <a:bodyPr rtlCol="0" anchor="ctr"/>
+            <a:lstStyle/>
+            <a:p>
+              <a:pPr marL="0" marR="0" lvl="0" indent="0" algn="ctr" defTabSz="914400" rtl="0" eaLnBrk="1" fontAlgn="auto" latinLnBrk="0" hangingPunct="1">
+                <a:lnSpc>
+                  <a:spcPct val="100000"/>
+                </a:lnSpc>
+                <a:spcBef>
+                  <a:spcPts val="0"/>
+                </a:spcBef>
+                <a:spcAft>
+                  <a:spcPts val="0"/>
+                </a:spcAft>
+                <a:buClrTx/>
+                <a:buSzTx/>
+                <a:buFontTx/>
+                <a:buNone/>
+                <a:tabLst/>
+                <a:defRPr/>
+              </a:pPr>
+              <a:endParaRPr kumimoji="0" lang="en-US" sz="1800" b="0" i="0" u="none" strike="noStrike" kern="1200" cap="none" spc="0" normalizeH="0" baseline="0" noProof="0">
+                <a:ln>
+                  <a:noFill/>
+                </a:ln>
+                <a:solidFill>
+                  <a:prstClr val="white"/>
+                </a:solidFill>
+                <a:effectLst/>
+                <a:uLnTx/>
+                <a:uFillTx/>
+                <a:latin typeface="Arial"/>
+                <a:ea typeface="DejaVu Sans"/>
+                <a:cs typeface="DejaVu Sans"/>
+              </a:endParaRPr>
+            </a:p>
+          </p:txBody>
+        </p:sp>
+        <p:cxnSp>
+          <p:nvCxnSpPr>
+            <p:cNvPr id="53" name="Straight Arrow Connector 52">
+              <a:extLst>
+                <a:ext uri="{FF2B5EF4-FFF2-40B4-BE49-F238E27FC236}">
+                  <a16:creationId xmlns:a16="http://schemas.microsoft.com/office/drawing/2014/main" id="{0D25DBFC-0D67-44E3-97D4-0C51262EE15D}"/>
+                </a:ext>
+              </a:extLst>
+            </p:cNvPr>
+            <p:cNvCxnSpPr>
+              <a:cxnSpLocks/>
+            </p:cNvCxnSpPr>
+            <p:nvPr/>
+          </p:nvCxnSpPr>
+          <p:spPr>
+            <a:xfrm flipH="1">
+              <a:off x="8442944" y="2609546"/>
+              <a:ext cx="245785" cy="111187"/>
+            </a:xfrm>
+            <a:prstGeom prst="straightConnector1">
+              <a:avLst/>
+            </a:prstGeom>
+            <a:ln>
+              <a:tailEnd type="triangle"/>
+            </a:ln>
+          </p:spPr>
+          <p:style>
+            <a:lnRef idx="3">
+              <a:schemeClr val="dk1"/>
+            </a:lnRef>
+            <a:fillRef idx="0">
+              <a:schemeClr val="dk1"/>
+            </a:fillRef>
+            <a:effectRef idx="2">
+              <a:schemeClr val="dk1"/>
+            </a:effectRef>
+            <a:fontRef idx="minor">
+              <a:schemeClr val="tx1"/>
+            </a:fontRef>
+          </p:style>
+        </p:cxnSp>
+        <p:cxnSp>
+          <p:nvCxnSpPr>
+            <p:cNvPr id="54" name="Straight Arrow Connector 53">
+              <a:extLst>
+                <a:ext uri="{FF2B5EF4-FFF2-40B4-BE49-F238E27FC236}">
+                  <a16:creationId xmlns:a16="http://schemas.microsoft.com/office/drawing/2014/main" id="{8646F9FD-07CE-407C-B098-E2D3176ACD12}"/>
+                </a:ext>
+              </a:extLst>
+            </p:cNvPr>
+            <p:cNvCxnSpPr>
+              <a:cxnSpLocks/>
+            </p:cNvCxnSpPr>
+            <p:nvPr/>
+          </p:nvCxnSpPr>
+          <p:spPr>
+            <a:xfrm>
+              <a:off x="8834210" y="2611186"/>
+              <a:ext cx="231955" cy="109117"/>
+            </a:xfrm>
+            <a:prstGeom prst="straightConnector1">
+              <a:avLst/>
+            </a:prstGeom>
+            <a:ln>
+              <a:tailEnd type="triangle"/>
+            </a:ln>
+          </p:spPr>
+          <p:style>
+            <a:lnRef idx="3">
+              <a:schemeClr val="dk1"/>
+            </a:lnRef>
+            <a:fillRef idx="0">
+              <a:schemeClr val="dk1"/>
+            </a:fillRef>
+            <a:effectRef idx="2">
+              <a:schemeClr val="dk1"/>
+            </a:effectRef>
+            <a:fontRef idx="minor">
+              <a:schemeClr val="tx1"/>
+            </a:fontRef>
+          </p:style>
+        </p:cxnSp>
+        <p:grpSp>
+          <p:nvGrpSpPr>
+            <p:cNvPr id="23" name="Group 22">
+              <a:extLst>
+                <a:ext uri="{FF2B5EF4-FFF2-40B4-BE49-F238E27FC236}">
+                  <a16:creationId xmlns:a16="http://schemas.microsoft.com/office/drawing/2014/main" id="{A0325019-AE8E-43EA-953E-CB62CA0D7211}"/>
+                </a:ext>
+              </a:extLst>
+            </p:cNvPr>
+            <p:cNvGrpSpPr/>
+            <p:nvPr/>
+          </p:nvGrpSpPr>
+          <p:grpSpPr>
+            <a:xfrm>
+              <a:off x="7595269" y="1920564"/>
+              <a:ext cx="1141862" cy="690310"/>
+              <a:chOff x="6691795" y="2026830"/>
+              <a:chExt cx="2326342" cy="1389532"/>
+            </a:xfrm>
+          </p:grpSpPr>
+          <p:sp>
+            <p:nvSpPr>
+              <p:cNvPr id="24" name="Rectangle: Rounded Corners 23">
+                <a:extLst>
+                  <a:ext uri="{FF2B5EF4-FFF2-40B4-BE49-F238E27FC236}">
+                    <a16:creationId xmlns:a16="http://schemas.microsoft.com/office/drawing/2014/main" id="{70A3EF61-0037-4E81-BAA1-E15255394727}"/>
+                  </a:ext>
+                </a:extLst>
+              </p:cNvPr>
+              <p:cNvSpPr/>
+              <p:nvPr/>
+            </p:nvSpPr>
+            <p:spPr>
+              <a:xfrm>
+                <a:off x="7338535" y="2026830"/>
+                <a:ext cx="806824" cy="315559"/>
+              </a:xfrm>
+              <a:prstGeom prst="roundRect">
+                <a:avLst/>
+              </a:prstGeom>
+              <a:solidFill>
+                <a:srgbClr val="1A9EDB"/>
+              </a:solidFill>
+              <a:ln>
+                <a:solidFill>
+                  <a:srgbClr val="FFFFFF"/>
+                </a:solidFill>
+              </a:ln>
+            </p:spPr>
+            <p:style>
+              <a:lnRef idx="2">
+                <a:schemeClr val="accent1">
+                  <a:shade val="50000"/>
+                </a:schemeClr>
+              </a:lnRef>
+              <a:fillRef idx="1">
+                <a:schemeClr val="accent1"/>
+              </a:fillRef>
+              <a:effectRef idx="0">
+                <a:schemeClr val="accent1"/>
+              </a:effectRef>
+              <a:fontRef idx="minor">
+                <a:schemeClr val="lt1"/>
+              </a:fontRef>
+            </p:style>
+            <p:txBody>
+              <a:bodyPr rtlCol="0" anchor="ctr"/>
+              <a:lstStyle/>
+              <a:p>
+                <a:pPr marL="0" marR="0" lvl="0" indent="0" algn="ctr" defTabSz="914400" rtl="0" eaLnBrk="1" fontAlgn="auto" latinLnBrk="0" hangingPunct="1">
+                  <a:lnSpc>
+                    <a:spcPct val="100000"/>
+                  </a:lnSpc>
+                  <a:spcBef>
+                    <a:spcPts val="0"/>
+                  </a:spcBef>
+                  <a:spcAft>
+                    <a:spcPts val="0"/>
+                  </a:spcAft>
+                  <a:buClrTx/>
+                  <a:buSzTx/>
+                  <a:buFontTx/>
+                  <a:buNone/>
+                  <a:tabLst/>
+                  <a:defRPr/>
+                </a:pPr>
+                <a:endParaRPr kumimoji="0" lang="en-US" sz="1800" b="0" i="0" u="none" strike="noStrike" kern="1200" cap="none" spc="0" normalizeH="0" baseline="0" noProof="0">
+                  <a:ln>
+                    <a:noFill/>
+                  </a:ln>
+                  <a:solidFill>
+                    <a:prstClr val="white"/>
+                  </a:solidFill>
+                  <a:effectLst/>
+                  <a:uLnTx/>
+                  <a:uFillTx/>
+                  <a:latin typeface="Arial"/>
+                  <a:ea typeface="DejaVu Sans"/>
+                  <a:cs typeface="DejaVu Sans"/>
+                </a:endParaRPr>
+              </a:p>
+            </p:txBody>
+          </p:sp>
+          <p:sp>
+            <p:nvSpPr>
+              <p:cNvPr id="25" name="Rectangle: Rounded Corners 24">
+                <a:extLst>
+                  <a:ext uri="{FF2B5EF4-FFF2-40B4-BE49-F238E27FC236}">
+                    <a16:creationId xmlns:a16="http://schemas.microsoft.com/office/drawing/2014/main" id="{76AB08D6-F02D-40A4-8A8A-D15613AE69A9}"/>
+                  </a:ext>
+                </a:extLst>
+              </p:cNvPr>
+              <p:cNvSpPr/>
+              <p:nvPr/>
+            </p:nvSpPr>
+            <p:spPr>
+              <a:xfrm>
+                <a:off x="7990397" y="2557865"/>
+                <a:ext cx="806824" cy="315559"/>
+              </a:xfrm>
+              <a:prstGeom prst="roundRect">
+                <a:avLst/>
+              </a:prstGeom>
+              <a:solidFill>
+                <a:srgbClr val="1A9EDB"/>
+              </a:solidFill>
+              <a:ln>
+                <a:solidFill>
+                  <a:srgbClr val="FFFFFF"/>
+                </a:solidFill>
+              </a:ln>
+            </p:spPr>
+            <p:style>
+              <a:lnRef idx="2">
+                <a:schemeClr val="accent1">
+                  <a:shade val="50000"/>
+                </a:schemeClr>
+              </a:lnRef>
+              <a:fillRef idx="1">
+                <a:schemeClr val="accent1"/>
+              </a:fillRef>
+              <a:effectRef idx="0">
+                <a:schemeClr val="accent1"/>
+              </a:effectRef>
+              <a:fontRef idx="minor">
+                <a:schemeClr val="lt1"/>
+              </a:fontRef>
+            </p:style>
+            <p:txBody>
+              <a:bodyPr rtlCol="0" anchor="ctr"/>
+              <a:lstStyle/>
+              <a:p>
+                <a:pPr marL="0" marR="0" lvl="0" indent="0" algn="ctr" defTabSz="914400" rtl="0" eaLnBrk="1" fontAlgn="auto" latinLnBrk="0" hangingPunct="1">
+                  <a:lnSpc>
+                    <a:spcPct val="100000"/>
+                  </a:lnSpc>
+                  <a:spcBef>
+                    <a:spcPts val="0"/>
+                  </a:spcBef>
+                  <a:spcAft>
+                    <a:spcPts val="0"/>
+                  </a:spcAft>
+                  <a:buClrTx/>
+                  <a:buSzTx/>
+                  <a:buFontTx/>
+                  <a:buNone/>
+                  <a:tabLst/>
+                  <a:defRPr/>
+                </a:pPr>
+                <a:endParaRPr kumimoji="0" lang="en-US" sz="1800" b="0" i="0" u="none" strike="noStrike" kern="1200" cap="none" spc="0" normalizeH="0" baseline="0" noProof="0">
+                  <a:ln>
+                    <a:noFill/>
+                  </a:ln>
+                  <a:solidFill>
+                    <a:prstClr val="white"/>
+                  </a:solidFill>
+                  <a:effectLst/>
+                  <a:uLnTx/>
+                  <a:uFillTx/>
+                  <a:latin typeface="Arial"/>
+                  <a:ea typeface="DejaVu Sans"/>
+                  <a:cs typeface="DejaVu Sans"/>
+                </a:endParaRPr>
+              </a:p>
+            </p:txBody>
+          </p:sp>
+          <p:sp>
+            <p:nvSpPr>
+              <p:cNvPr id="26" name="Rectangle: Rounded Corners 25">
+                <a:extLst>
+                  <a:ext uri="{FF2B5EF4-FFF2-40B4-BE49-F238E27FC236}">
+                    <a16:creationId xmlns:a16="http://schemas.microsoft.com/office/drawing/2014/main" id="{DFF7A7DB-5A87-4EB9-978B-D5ECC5412972}"/>
+                  </a:ext>
+                </a:extLst>
+              </p:cNvPr>
+              <p:cNvSpPr/>
+              <p:nvPr/>
+            </p:nvSpPr>
+            <p:spPr>
+              <a:xfrm>
+                <a:off x="6691795" y="2557865"/>
+                <a:ext cx="806824" cy="315559"/>
+              </a:xfrm>
+              <a:prstGeom prst="roundRect">
+                <a:avLst/>
+              </a:prstGeom>
+              <a:solidFill>
+                <a:srgbClr val="92D050"/>
+              </a:solidFill>
+              <a:ln>
+                <a:solidFill>
+                  <a:srgbClr val="FFFFFF"/>
+                </a:solidFill>
+              </a:ln>
+            </p:spPr>
+            <p:style>
+              <a:lnRef idx="2">
+                <a:schemeClr val="accent1">
+                  <a:shade val="50000"/>
+                </a:schemeClr>
+              </a:lnRef>
+              <a:fillRef idx="1">
+                <a:schemeClr val="accent1"/>
+              </a:fillRef>
+              <a:effectRef idx="0">
+                <a:schemeClr val="accent1"/>
+              </a:effectRef>
+              <a:fontRef idx="minor">
+                <a:schemeClr val="lt1"/>
+              </a:fontRef>
+            </p:style>
+            <p:txBody>
+              <a:bodyPr rtlCol="0" anchor="ctr"/>
+              <a:lstStyle/>
+              <a:p>
+                <a:pPr marL="0" marR="0" lvl="0" indent="0" algn="ctr" defTabSz="914400" rtl="0" eaLnBrk="1" fontAlgn="auto" latinLnBrk="0" hangingPunct="1">
+                  <a:lnSpc>
+                    <a:spcPct val="100000"/>
+                  </a:lnSpc>
+                  <a:spcBef>
+                    <a:spcPts val="0"/>
+                  </a:spcBef>
+                  <a:spcAft>
+                    <a:spcPts val="0"/>
+                  </a:spcAft>
+                  <a:buClrTx/>
+                  <a:buSzTx/>
+                  <a:buFontTx/>
+                  <a:buNone/>
+                  <a:tabLst/>
+                  <a:defRPr/>
+                </a:pPr>
+                <a:endParaRPr kumimoji="0" lang="en-US" sz="1800" b="0" i="0" u="none" strike="noStrike" kern="1200" cap="none" spc="0" normalizeH="0" baseline="0" noProof="0">
+                  <a:ln>
+                    <a:noFill/>
+                  </a:ln>
+                  <a:solidFill>
+                    <a:prstClr val="white"/>
+                  </a:solidFill>
+                  <a:effectLst/>
+                  <a:uLnTx/>
+                  <a:uFillTx/>
+                  <a:latin typeface="Arial"/>
+                  <a:ea typeface="DejaVu Sans"/>
+                  <a:cs typeface="DejaVu Sans"/>
+                </a:endParaRPr>
+              </a:p>
+            </p:txBody>
+          </p:sp>
+          <p:cxnSp>
+            <p:nvCxnSpPr>
+              <p:cNvPr id="29" name="Straight Arrow Connector 28">
+                <a:extLst>
+                  <a:ext uri="{FF2B5EF4-FFF2-40B4-BE49-F238E27FC236}">
+                    <a16:creationId xmlns:a16="http://schemas.microsoft.com/office/drawing/2014/main" id="{66C20D22-DB3D-4C88-B986-9FCB92814609}"/>
+                  </a:ext>
+                </a:extLst>
+              </p:cNvPr>
+              <p:cNvCxnSpPr>
+                <a:cxnSpLocks/>
+                <a:endCxn id="26" idx="0"/>
+              </p:cNvCxnSpPr>
+              <p:nvPr/>
+            </p:nvCxnSpPr>
+            <p:spPr>
+              <a:xfrm flipH="1">
+                <a:off x="7095207" y="2334055"/>
+                <a:ext cx="500744" cy="223810"/>
+              </a:xfrm>
+              <a:prstGeom prst="straightConnector1">
+                <a:avLst/>
+              </a:prstGeom>
+              <a:ln>
+                <a:tailEnd type="triangle"/>
+              </a:ln>
+            </p:spPr>
+            <p:style>
+              <a:lnRef idx="3">
+                <a:schemeClr val="dk1"/>
+              </a:lnRef>
+              <a:fillRef idx="0">
+                <a:schemeClr val="dk1"/>
+              </a:fillRef>
+              <a:effectRef idx="2">
+                <a:schemeClr val="dk1"/>
+              </a:effectRef>
+              <a:fontRef idx="minor">
+                <a:schemeClr val="tx1"/>
+              </a:fontRef>
+            </p:style>
+          </p:cxnSp>
+          <p:cxnSp>
+            <p:nvCxnSpPr>
+              <p:cNvPr id="33" name="Straight Arrow Connector 32">
+                <a:extLst>
+                  <a:ext uri="{FF2B5EF4-FFF2-40B4-BE49-F238E27FC236}">
+                    <a16:creationId xmlns:a16="http://schemas.microsoft.com/office/drawing/2014/main" id="{4C764C1F-D29E-414D-B79D-AF60CA7E0395}"/>
+                  </a:ext>
+                </a:extLst>
+              </p:cNvPr>
+              <p:cNvCxnSpPr>
+                <a:cxnSpLocks/>
+              </p:cNvCxnSpPr>
+              <p:nvPr/>
+            </p:nvCxnSpPr>
+            <p:spPr>
+              <a:xfrm>
+                <a:off x="7892342" y="2337355"/>
+                <a:ext cx="472568" cy="219643"/>
+              </a:xfrm>
+              <a:prstGeom prst="straightConnector1">
+                <a:avLst/>
+              </a:prstGeom>
+              <a:ln>
+                <a:tailEnd type="triangle"/>
+              </a:ln>
+            </p:spPr>
+            <p:style>
+              <a:lnRef idx="3">
+                <a:schemeClr val="dk1"/>
+              </a:lnRef>
+              <a:fillRef idx="0">
+                <a:schemeClr val="dk1"/>
+              </a:fillRef>
+              <a:effectRef idx="2">
+                <a:schemeClr val="dk1"/>
+              </a:effectRef>
+              <a:fontRef idx="minor">
+                <a:schemeClr val="tx1"/>
+              </a:fontRef>
+            </p:style>
+          </p:cxnSp>
+          <p:sp>
+            <p:nvSpPr>
+              <p:cNvPr id="37" name="Rectangle: Rounded Corners 36">
+                <a:extLst>
+                  <a:ext uri="{FF2B5EF4-FFF2-40B4-BE49-F238E27FC236}">
+                    <a16:creationId xmlns:a16="http://schemas.microsoft.com/office/drawing/2014/main" id="{2F7E3DFF-C8C5-4297-8775-EC139087556F}"/>
+                  </a:ext>
+                </a:extLst>
+              </p:cNvPr>
+              <p:cNvSpPr/>
+              <p:nvPr/>
+            </p:nvSpPr>
+            <p:spPr>
+              <a:xfrm>
+                <a:off x="7361245" y="3100802"/>
+                <a:ext cx="806825" cy="315560"/>
+              </a:xfrm>
+              <a:prstGeom prst="roundRect">
+                <a:avLst/>
+              </a:prstGeom>
+              <a:solidFill>
+                <a:srgbClr val="92D050"/>
+              </a:solidFill>
+              <a:ln>
+                <a:solidFill>
+                  <a:schemeClr val="bg1"/>
+                </a:solidFill>
+              </a:ln>
+            </p:spPr>
+            <p:style>
+              <a:lnRef idx="2">
+                <a:schemeClr val="accent1">
+                  <a:shade val="50000"/>
+                </a:schemeClr>
+              </a:lnRef>
+              <a:fillRef idx="1">
+                <a:schemeClr val="accent1"/>
+              </a:fillRef>
+              <a:effectRef idx="0">
+                <a:schemeClr val="accent1"/>
+              </a:effectRef>
+              <a:fontRef idx="minor">
+                <a:schemeClr val="lt1"/>
+              </a:fontRef>
+            </p:style>
+            <p:txBody>
+              <a:bodyPr rtlCol="0" anchor="ctr"/>
+              <a:lstStyle/>
+              <a:p>
+                <a:pPr marL="0" marR="0" lvl="0" indent="0" algn="ctr" defTabSz="914400" rtl="0" eaLnBrk="1" fontAlgn="auto" latinLnBrk="0" hangingPunct="1">
+                  <a:lnSpc>
+                    <a:spcPct val="100000"/>
+                  </a:lnSpc>
+                  <a:spcBef>
+                    <a:spcPts val="0"/>
+                  </a:spcBef>
+                  <a:spcAft>
+                    <a:spcPts val="0"/>
+                  </a:spcAft>
+                  <a:buClrTx/>
+                  <a:buSzTx/>
+                  <a:buFontTx/>
+                  <a:buNone/>
+                  <a:tabLst/>
+                  <a:defRPr/>
+                </a:pPr>
+                <a:endParaRPr kumimoji="0" lang="en-US" sz="1800" b="0" i="0" u="none" strike="noStrike" kern="1200" cap="none" spc="0" normalizeH="0" baseline="0" noProof="0" dirty="0">
+                  <a:ln>
+                    <a:noFill/>
+                  </a:ln>
+                  <a:solidFill>
+                    <a:prstClr val="white"/>
+                  </a:solidFill>
+                  <a:effectLst/>
+                  <a:uLnTx/>
+                  <a:uFillTx/>
+                  <a:latin typeface="Arial"/>
+                  <a:ea typeface="DejaVu Sans"/>
+                  <a:cs typeface="DejaVu Sans"/>
+                </a:endParaRPr>
+              </a:p>
+            </p:txBody>
+          </p:sp>
+          <p:cxnSp>
+            <p:nvCxnSpPr>
+              <p:cNvPr id="34" name="Straight Arrow Connector 33">
+                <a:extLst>
+                  <a:ext uri="{FF2B5EF4-FFF2-40B4-BE49-F238E27FC236}">
+                    <a16:creationId xmlns:a16="http://schemas.microsoft.com/office/drawing/2014/main" id="{CEF7DBC0-76A9-4418-999A-7CCB83291D87}"/>
+                  </a:ext>
+                </a:extLst>
+              </p:cNvPr>
+              <p:cNvCxnSpPr>
+                <a:cxnSpLocks/>
+              </p:cNvCxnSpPr>
+              <p:nvPr/>
+            </p:nvCxnSpPr>
+            <p:spPr>
+              <a:xfrm flipH="1">
+                <a:off x="7748434" y="2864223"/>
+                <a:ext cx="500744" cy="223810"/>
+              </a:xfrm>
+              <a:prstGeom prst="straightConnector1">
+                <a:avLst/>
+              </a:prstGeom>
+              <a:ln>
+                <a:tailEnd type="triangle"/>
+              </a:ln>
+            </p:spPr>
+            <p:style>
+              <a:lnRef idx="3">
+                <a:schemeClr val="dk1"/>
+              </a:lnRef>
+              <a:fillRef idx="0">
+                <a:schemeClr val="dk1"/>
+              </a:fillRef>
+              <a:effectRef idx="2">
+                <a:schemeClr val="dk1"/>
+              </a:effectRef>
+              <a:fontRef idx="minor">
+                <a:schemeClr val="tx1"/>
+              </a:fontRef>
+            </p:style>
+          </p:cxnSp>
+          <p:cxnSp>
+            <p:nvCxnSpPr>
+              <p:cNvPr id="36" name="Straight Arrow Connector 35">
+                <a:extLst>
+                  <a:ext uri="{FF2B5EF4-FFF2-40B4-BE49-F238E27FC236}">
+                    <a16:creationId xmlns:a16="http://schemas.microsoft.com/office/drawing/2014/main" id="{EFDA6D36-2936-4F36-A942-231A7BD6120B}"/>
+                  </a:ext>
+                </a:extLst>
+              </p:cNvPr>
+              <p:cNvCxnSpPr>
+                <a:cxnSpLocks/>
+              </p:cNvCxnSpPr>
+              <p:nvPr/>
+            </p:nvCxnSpPr>
+            <p:spPr>
+              <a:xfrm>
+                <a:off x="8545569" y="2867523"/>
+                <a:ext cx="472568" cy="219643"/>
+              </a:xfrm>
+              <a:prstGeom prst="straightConnector1">
+                <a:avLst/>
+              </a:prstGeom>
+              <a:ln>
+                <a:tailEnd type="triangle"/>
+              </a:ln>
+            </p:spPr>
+            <p:style>
+              <a:lnRef idx="3">
+                <a:schemeClr val="dk1"/>
+              </a:lnRef>
+              <a:fillRef idx="0">
+                <a:schemeClr val="dk1"/>
+              </a:fillRef>
+              <a:effectRef idx="2">
+                <a:schemeClr val="dk1"/>
+              </a:effectRef>
+              <a:fontRef idx="minor">
+                <a:schemeClr val="tx1"/>
+              </a:fontRef>
+            </p:style>
+          </p:cxnSp>
+        </p:grpSp>
+      </p:grpSp>
+      <p:sp>
+        <p:nvSpPr>
+          <p:cNvPr id="49" name="Rectangle: Rounded Corners 48">
+            <a:extLst>
+              <a:ext uri="{FF2B5EF4-FFF2-40B4-BE49-F238E27FC236}">
+                <a16:creationId xmlns:a16="http://schemas.microsoft.com/office/drawing/2014/main" id="{8DED1F79-9993-4D10-AEF1-BD81D9000B9B}"/>
+              </a:ext>
+            </a:extLst>
+          </p:cNvPr>
+          <p:cNvSpPr/>
+          <p:nvPr/>
+        </p:nvSpPr>
+        <p:spPr>
+          <a:xfrm>
+            <a:off x="6256419" y="2053710"/>
+            <a:ext cx="396022" cy="156768"/>
+          </a:xfrm>
+          <a:prstGeom prst="roundRect">
+            <a:avLst/>
+          </a:prstGeom>
+          <a:solidFill>
+            <a:srgbClr val="92D050"/>
+          </a:solidFill>
+          <a:ln>
+            <a:solidFill>
+              <a:srgbClr val="FFFFFF"/>
+            </a:solidFill>
+          </a:ln>
+        </p:spPr>
+        <p:style>
+          <a:lnRef idx="2">
+            <a:schemeClr val="accent1">
+              <a:shade val="50000"/>
+            </a:schemeClr>
+          </a:lnRef>
+          <a:fillRef idx="1">
+            <a:schemeClr val="accent1"/>
+          </a:fillRef>
+          <a:effectRef idx="0">
+            <a:schemeClr val="accent1"/>
+          </a:effectRef>
+          <a:fontRef idx="minor">
+            <a:schemeClr val="lt1"/>
+          </a:fontRef>
+        </p:style>
+        <p:txBody>
+          <a:bodyPr rtlCol="0" anchor="ctr"/>
+          <a:lstStyle/>
+          <a:p>
+            <a:pPr marL="0" marR="0" lvl="0" indent="0" algn="ctr" defTabSz="914400" rtl="0" eaLnBrk="1" fontAlgn="auto" latinLnBrk="0" hangingPunct="1">
+              <a:lnSpc>
+                <a:spcPct val="100000"/>
+              </a:lnSpc>
+              <a:spcBef>
+                <a:spcPts val="0"/>
+              </a:spcBef>
+              <a:spcAft>
+                <a:spcPts val="0"/>
+              </a:spcAft>
+              <a:buClrTx/>
+              <a:buSzTx/>
+              <a:buFontTx/>
+              <a:buNone/>
+              <a:tabLst/>
+              <a:defRPr/>
+            </a:pPr>
+            <a:endParaRPr kumimoji="0" lang="en-US" sz="1800" b="0" i="0" u="none" strike="noStrike" kern="1200" cap="none" spc="0" normalizeH="0" baseline="0" noProof="0">
+              <a:ln>
+                <a:noFill/>
+              </a:ln>
+              <a:solidFill>
+                <a:prstClr val="white"/>
+              </a:solidFill>
+              <a:effectLst/>
+              <a:uLnTx/>
+              <a:uFillTx/>
+              <a:latin typeface="Arial"/>
+              <a:ea typeface="DejaVu Sans"/>
+              <a:cs typeface="DejaVu Sans"/>
+            </a:endParaRPr>
+          </a:p>
+        </p:txBody>
+      </p:sp>
+      <mc:AlternateContent xmlns:mc="http://schemas.openxmlformats.org/markup-compatibility/2006" xmlns:a14="http://schemas.microsoft.com/office/drawing/2010/main">
+        <mc:Choice Requires="a14">
+          <p:sp>
+            <p:nvSpPr>
+              <p:cNvPr id="10" name="TextBox 9">
+                <a:extLst>
+                  <a:ext uri="{FF2B5EF4-FFF2-40B4-BE49-F238E27FC236}">
+                    <a16:creationId xmlns:a16="http://schemas.microsoft.com/office/drawing/2014/main" id="{BD525172-B2D8-4C14-B610-8F64686A58C5}"/>
+                  </a:ext>
+                </a:extLst>
+              </p:cNvPr>
+              <p:cNvSpPr txBox="1"/>
+              <p:nvPr/>
+            </p:nvSpPr>
+            <p:spPr>
+              <a:xfrm>
+                <a:off x="6752960" y="1971020"/>
+                <a:ext cx="660437" cy="276999"/>
+              </a:xfrm>
+              <a:prstGeom prst="rect">
+                <a:avLst/>
+              </a:prstGeom>
+              <a:noFill/>
+            </p:spPr>
+            <p:txBody>
+              <a:bodyPr wrap="none" lIns="0" tIns="0" rIns="0" bIns="0" rtlCol="0">
+                <a:spAutoFit/>
+              </a:bodyPr>
+              <a:lstStyle/>
+              <a:p>
+                <a:pPr/>
+                <a14:m>
+                  <m:oMathPara xmlns:m="http://schemas.openxmlformats.org/officeDocument/2006/math">
+                    <m:oMathParaPr>
+                      <m:jc m:val="centerGroup"/>
+                    </m:oMathParaPr>
+                    <m:oMath xmlns:m="http://schemas.openxmlformats.org/officeDocument/2006/math">
+                      <m:r>
+                        <a:rPr lang="pt-PT" b="1" i="1" smtClean="0">
+                          <a:latin typeface="Cambria Math" panose="02040503050406030204" pitchFamily="18" charset="0"/>
+                        </a:rPr>
+                        <m:t>+ </m:t>
+                      </m:r>
+                      <m:r>
+                        <a:rPr lang="pt-PT" b="1" i="1" smtClean="0">
+                          <a:latin typeface="Cambria Math" panose="02040503050406030204" pitchFamily="18" charset="0"/>
+                          <a:ea typeface="Cambria Math" panose="02040503050406030204" pitchFamily="18" charset="0"/>
+                        </a:rPr>
+                        <m:t>𝜶</m:t>
+                      </m:r>
+                      <m:r>
+                        <a:rPr lang="pt-PT" b="1" i="1" smtClean="0">
+                          <a:latin typeface="Cambria Math" panose="02040503050406030204" pitchFamily="18" charset="0"/>
+                          <a:ea typeface="Cambria Math" panose="02040503050406030204" pitchFamily="18" charset="0"/>
+                        </a:rPr>
+                        <m:t>×</m:t>
+                      </m:r>
+                    </m:oMath>
+                  </m:oMathPara>
+                </a14:m>
+                <a:endParaRPr lang="en-US" b="1" dirty="0">
+                  <a:latin typeface="+mj-lt"/>
+                </a:endParaRPr>
+              </a:p>
+            </p:txBody>
+          </p:sp>
+        </mc:Choice>
+        <mc:Fallback xmlns="">
+          <p:sp>
+            <p:nvSpPr>
+              <p:cNvPr id="10" name="TextBox 9">
+                <a:extLst>
+                  <a:ext uri="{FF2B5EF4-FFF2-40B4-BE49-F238E27FC236}">
+                    <a16:creationId xmlns:a16="http://schemas.microsoft.com/office/drawing/2014/main" id="{BD525172-B2D8-4C14-B610-8F64686A58C5}"/>
+                  </a:ext>
+                </a:extLst>
+              </p:cNvPr>
+              <p:cNvSpPr txBox="1">
+                <a:spLocks noRot="1" noChangeAspect="1" noMove="1" noResize="1" noEditPoints="1" noAdjustHandles="1" noChangeArrowheads="1" noChangeShapeType="1" noTextEdit="1"/>
+              </p:cNvSpPr>
+              <p:nvPr/>
+            </p:nvSpPr>
+            <p:spPr>
+              <a:xfrm>
+                <a:off x="6752960" y="1971020"/>
+                <a:ext cx="660437" cy="276999"/>
+              </a:xfrm>
+              <a:prstGeom prst="rect">
+                <a:avLst/>
+              </a:prstGeom>
+              <a:blipFill>
+                <a:blip r:embed="rId2"/>
+                <a:stretch>
+                  <a:fillRect l="-6481" r="-5556" b="-8696"/>
+                </a:stretch>
+              </a:blipFill>
+            </p:spPr>
+            <p:txBody>
+              <a:bodyPr/>
+              <a:lstStyle/>
+              <a:p>
+                <a:r>
+                  <a:rPr lang="en-US">
+                    <a:noFill/>
+                  </a:rPr>
+                  <a:t> </a:t>
+                </a:r>
+              </a:p>
+            </p:txBody>
+          </p:sp>
+        </mc:Fallback>
+      </mc:AlternateContent>
+      <mc:AlternateContent xmlns:mc="http://schemas.openxmlformats.org/markup-compatibility/2006" xmlns:a14="http://schemas.microsoft.com/office/drawing/2010/main">
+        <mc:Choice Requires="a14">
+          <p:sp>
+            <p:nvSpPr>
+              <p:cNvPr id="55" name="TextBox 54">
+                <a:extLst>
+                  <a:ext uri="{FF2B5EF4-FFF2-40B4-BE49-F238E27FC236}">
+                    <a16:creationId xmlns:a16="http://schemas.microsoft.com/office/drawing/2014/main" id="{B55E129E-22FA-477C-A484-AC01FD700CA8}"/>
+                  </a:ext>
+                </a:extLst>
+              </p:cNvPr>
+              <p:cNvSpPr txBox="1"/>
+              <p:nvPr/>
+            </p:nvSpPr>
+            <p:spPr>
+              <a:xfrm>
+                <a:off x="6724078" y="3137966"/>
+                <a:ext cx="718200" cy="276999"/>
+              </a:xfrm>
+              <a:prstGeom prst="rect">
+                <a:avLst/>
+              </a:prstGeom>
+              <a:noFill/>
+            </p:spPr>
+            <p:txBody>
+              <a:bodyPr wrap="square" lIns="0" tIns="0" rIns="0" bIns="0" rtlCol="0">
+                <a:spAutoFit/>
+              </a:bodyPr>
+              <a:lstStyle/>
+              <a:p>
+                <a:pPr/>
+                <a14:m>
+                  <m:oMathPara xmlns:m="http://schemas.openxmlformats.org/officeDocument/2006/math">
+                    <m:oMathParaPr>
+                      <m:jc m:val="centerGroup"/>
+                    </m:oMathParaPr>
+                    <m:oMath xmlns:m="http://schemas.openxmlformats.org/officeDocument/2006/math">
+                      <m:r>
+                        <a:rPr lang="pt-PT" b="1" i="1" smtClean="0">
+                          <a:latin typeface="Cambria Math" panose="02040503050406030204" pitchFamily="18" charset="0"/>
+                        </a:rPr>
+                        <m:t>+ </m:t>
+                      </m:r>
+                      <m:r>
+                        <a:rPr lang="pt-PT" b="1" i="1" smtClean="0">
+                          <a:latin typeface="Cambria Math" panose="02040503050406030204" pitchFamily="18" charset="0"/>
+                          <a:ea typeface="Cambria Math" panose="02040503050406030204" pitchFamily="18" charset="0"/>
+                        </a:rPr>
+                        <m:t>𝜶</m:t>
+                      </m:r>
+                      <m:r>
+                        <a:rPr lang="pt-PT" b="0" i="1" smtClean="0">
+                          <a:latin typeface="Cambria Math" panose="02040503050406030204" pitchFamily="18" charset="0"/>
+                          <a:ea typeface="Cambria Math" panose="02040503050406030204" pitchFamily="18" charset="0"/>
+                        </a:rPr>
+                        <m:t>×</m:t>
+                      </m:r>
+                    </m:oMath>
+                  </m:oMathPara>
+                </a14:m>
+                <a:endParaRPr lang="en-US" dirty="0">
+                  <a:latin typeface="+mj-lt"/>
+                </a:endParaRPr>
+              </a:p>
+            </p:txBody>
+          </p:sp>
+        </mc:Choice>
+        <mc:Fallback xmlns="">
+          <p:sp>
+            <p:nvSpPr>
+              <p:cNvPr id="55" name="TextBox 54">
+                <a:extLst>
+                  <a:ext uri="{FF2B5EF4-FFF2-40B4-BE49-F238E27FC236}">
+                    <a16:creationId xmlns:a16="http://schemas.microsoft.com/office/drawing/2014/main" id="{B55E129E-22FA-477C-A484-AC01FD700CA8}"/>
+                  </a:ext>
+                </a:extLst>
+              </p:cNvPr>
+              <p:cNvSpPr txBox="1">
+                <a:spLocks noRot="1" noChangeAspect="1" noMove="1" noResize="1" noEditPoints="1" noAdjustHandles="1" noChangeArrowheads="1" noChangeShapeType="1" noTextEdit="1"/>
+              </p:cNvSpPr>
+              <p:nvPr/>
+            </p:nvSpPr>
+            <p:spPr>
+              <a:xfrm>
+                <a:off x="6724078" y="3137966"/>
+                <a:ext cx="718200" cy="276999"/>
+              </a:xfrm>
+              <a:prstGeom prst="rect">
+                <a:avLst/>
+              </a:prstGeom>
+              <a:blipFill>
+                <a:blip r:embed="rId3"/>
+                <a:stretch>
+                  <a:fillRect l="-1695" b="-8889"/>
+                </a:stretch>
+              </a:blipFill>
+            </p:spPr>
+            <p:txBody>
+              <a:bodyPr/>
+              <a:lstStyle/>
+              <a:p>
+                <a:r>
+                  <a:rPr lang="en-US">
+                    <a:noFill/>
+                  </a:rPr>
+                  <a:t> </a:t>
+                </a:r>
+              </a:p>
+            </p:txBody>
+          </p:sp>
+        </mc:Fallback>
+      </mc:AlternateContent>
+      <mc:AlternateContent xmlns:mc="http://schemas.openxmlformats.org/markup-compatibility/2006" xmlns:a14="http://schemas.microsoft.com/office/drawing/2010/main">
+        <mc:Choice Requires="a14">
+          <p:sp>
+            <p:nvSpPr>
+              <p:cNvPr id="56" name="TextBox 55">
+                <a:extLst>
+                  <a:ext uri="{FF2B5EF4-FFF2-40B4-BE49-F238E27FC236}">
+                    <a16:creationId xmlns:a16="http://schemas.microsoft.com/office/drawing/2014/main" id="{892BEE31-0883-432D-966D-0D603CCE72F0}"/>
+                  </a:ext>
+                </a:extLst>
+              </p:cNvPr>
+              <p:cNvSpPr txBox="1"/>
+              <p:nvPr/>
+            </p:nvSpPr>
+            <p:spPr>
+              <a:xfrm>
+                <a:off x="6652441" y="4304912"/>
+                <a:ext cx="718200" cy="276999"/>
+              </a:xfrm>
+              <a:prstGeom prst="rect">
+                <a:avLst/>
+              </a:prstGeom>
+              <a:noFill/>
+            </p:spPr>
+            <p:txBody>
+              <a:bodyPr wrap="square" lIns="0" tIns="0" rIns="0" bIns="0" rtlCol="0">
+                <a:spAutoFit/>
+              </a:bodyPr>
+              <a:lstStyle/>
+              <a:p>
+                <a:pPr/>
+                <a14:m>
+                  <m:oMathPara xmlns:m="http://schemas.openxmlformats.org/officeDocument/2006/math">
+                    <m:oMathParaPr>
+                      <m:jc m:val="centerGroup"/>
+                    </m:oMathParaPr>
+                    <m:oMath xmlns:m="http://schemas.openxmlformats.org/officeDocument/2006/math">
+                      <m:r>
+                        <a:rPr lang="pt-PT" b="1" i="1" smtClean="0">
+                          <a:latin typeface="Cambria Math" panose="02040503050406030204" pitchFamily="18" charset="0"/>
+                        </a:rPr>
+                        <m:t>+ </m:t>
+                      </m:r>
+                      <m:r>
+                        <a:rPr lang="pt-PT" b="1" i="1" smtClean="0">
+                          <a:latin typeface="Cambria Math" panose="02040503050406030204" pitchFamily="18" charset="0"/>
+                          <a:ea typeface="Cambria Math" panose="02040503050406030204" pitchFamily="18" charset="0"/>
+                        </a:rPr>
+                        <m:t>…</m:t>
+                      </m:r>
+                    </m:oMath>
+                  </m:oMathPara>
+                </a14:m>
+                <a:endParaRPr lang="en-US" dirty="0">
+                  <a:latin typeface="+mj-lt"/>
+                </a:endParaRPr>
+              </a:p>
+            </p:txBody>
+          </p:sp>
+        </mc:Choice>
+        <mc:Fallback xmlns="">
+          <p:sp>
+            <p:nvSpPr>
+              <p:cNvPr id="56" name="TextBox 55">
+                <a:extLst>
+                  <a:ext uri="{FF2B5EF4-FFF2-40B4-BE49-F238E27FC236}">
+                    <a16:creationId xmlns:a16="http://schemas.microsoft.com/office/drawing/2014/main" id="{892BEE31-0883-432D-966D-0D603CCE72F0}"/>
+                  </a:ext>
+                </a:extLst>
+              </p:cNvPr>
+              <p:cNvSpPr txBox="1">
+                <a:spLocks noRot="1" noChangeAspect="1" noMove="1" noResize="1" noEditPoints="1" noAdjustHandles="1" noChangeArrowheads="1" noChangeShapeType="1" noTextEdit="1"/>
+              </p:cNvSpPr>
+              <p:nvPr/>
+            </p:nvSpPr>
+            <p:spPr>
+              <a:xfrm>
+                <a:off x="6652441" y="4304912"/>
+                <a:ext cx="718200" cy="276999"/>
+              </a:xfrm>
+              <a:prstGeom prst="rect">
+                <a:avLst/>
+              </a:prstGeom>
+              <a:blipFill>
+                <a:blip r:embed="rId4"/>
+                <a:stretch>
+                  <a:fillRect b="-8696"/>
+                </a:stretch>
+              </a:blipFill>
+            </p:spPr>
+            <p:txBody>
+              <a:bodyPr/>
+              <a:lstStyle/>
+              <a:p>
+                <a:r>
+                  <a:rPr lang="en-US">
+                    <a:noFill/>
+                  </a:rPr>
+                  <a:t> </a:t>
+                </a:r>
+              </a:p>
+            </p:txBody>
+          </p:sp>
+        </mc:Fallback>
+      </mc:AlternateContent>
+    </p:spTree>
+    <p:extLst>
+      <p:ext uri="{BB962C8B-B14F-4D97-AF65-F5344CB8AC3E}">
+        <p14:creationId xmlns:p14="http://schemas.microsoft.com/office/powerpoint/2010/main" val="1574203789"/>
+      </p:ext>
+    </p:extLst>
+  </p:cSld>
+  <p:clrMapOvr>
+    <a:masterClrMapping/>
+  </p:clrMapOvr>
+</p:sld>
+</file>
+
+<file path=ppt/slides/slide18.xml><?xml version="1.0" encoding="utf-8"?>
+<p:sld xmlns:a="http://schemas.openxmlformats.org/drawingml/2006/main" xmlns:r="http://schemas.openxmlformats.org/officeDocument/2006/relationships" xmlns:p="http://schemas.openxmlformats.org/presentationml/2006/main">
+  <p:cSld>
+    <p:spTree>
+      <p:nvGrpSpPr>
+        <p:cNvPr id="1" name=""/>
+        <p:cNvGrpSpPr/>
+        <p:nvPr/>
+      </p:nvGrpSpPr>
+      <p:grpSpPr>
+        <a:xfrm>
+          <a:off x="0" y="0"/>
+          <a:ext cx="0" cy="0"/>
+          <a:chOff x="0" y="0"/>
+          <a:chExt cx="0" cy="0"/>
+        </a:xfrm>
+      </p:grpSpPr>
+      <p:sp>
+        <p:nvSpPr>
+          <p:cNvPr id="22" name="Rectangle 21">
+            <a:extLst>
+              <a:ext uri="{FF2B5EF4-FFF2-40B4-BE49-F238E27FC236}">
+                <a16:creationId xmlns:a16="http://schemas.microsoft.com/office/drawing/2014/main" id="{C752456E-2E7C-46EC-86C2-F21ABCB17540}"/>
+              </a:ext>
+            </a:extLst>
+          </p:cNvPr>
+          <p:cNvSpPr/>
+          <p:nvPr/>
+        </p:nvSpPr>
+        <p:spPr>
+          <a:xfrm>
+            <a:off x="9518578" y="4643960"/>
+            <a:ext cx="1463040" cy="1549190"/>
+          </a:xfrm>
+          <a:prstGeom prst="rect">
+            <a:avLst/>
+          </a:prstGeom>
+          <a:solidFill>
+            <a:srgbClr val="F3F5F7"/>
+          </a:solidFill>
+          <a:ln>
+            <a:solidFill>
+              <a:srgbClr val="F3F5F7"/>
+            </a:solidFill>
+          </a:ln>
+        </p:spPr>
+        <p:style>
+          <a:lnRef idx="2">
+            <a:schemeClr val="accent1">
+              <a:shade val="50000"/>
+            </a:schemeClr>
+          </a:lnRef>
+          <a:fillRef idx="1">
+            <a:schemeClr val="accent1"/>
+          </a:fillRef>
+          <a:effectRef idx="0">
+            <a:schemeClr val="accent1"/>
+          </a:effectRef>
+          <a:fontRef idx="minor">
+            <a:schemeClr val="lt1"/>
+          </a:fontRef>
+        </p:style>
+        <p:txBody>
+          <a:bodyPr rtlCol="0" anchor="ctr"/>
+          <a:lstStyle/>
+          <a:p>
+            <a:pPr marL="0" marR="0" lvl="0" indent="0" algn="ctr" defTabSz="914400" rtl="0" eaLnBrk="1" fontAlgn="auto" latinLnBrk="0" hangingPunct="1">
+              <a:lnSpc>
+                <a:spcPct val="100000"/>
+              </a:lnSpc>
+              <a:spcBef>
+                <a:spcPts val="0"/>
+              </a:spcBef>
+              <a:spcAft>
+                <a:spcPts val="0"/>
+              </a:spcAft>
+              <a:buClrTx/>
+              <a:buSzTx/>
+              <a:buFontTx/>
+              <a:buNone/>
+              <a:tabLst/>
+              <a:defRPr/>
+            </a:pPr>
+            <a:endParaRPr kumimoji="0" lang="en-US" sz="1800" b="0" i="0" u="none" strike="noStrike" kern="1200" cap="none" spc="0" normalizeH="0" baseline="0" noProof="0">
+              <a:ln>
+                <a:noFill/>
+              </a:ln>
+              <a:solidFill>
+                <a:prstClr val="white"/>
+              </a:solidFill>
+              <a:effectLst/>
+              <a:uLnTx/>
+              <a:uFillTx/>
+              <a:latin typeface="Arial"/>
+              <a:ea typeface="DejaVu Sans"/>
+              <a:cs typeface="DejaVu Sans"/>
+            </a:endParaRPr>
+          </a:p>
+        </p:txBody>
+      </p:sp>
+      <p:sp>
+        <p:nvSpPr>
+          <p:cNvPr id="564" name="TextBox 563"/>
+          <p:cNvSpPr txBox="1"/>
+          <p:nvPr/>
+        </p:nvSpPr>
+        <p:spPr>
+          <a:xfrm>
+            <a:off x="6840550" y="3329482"/>
+            <a:ext cx="2874240" cy="1654200"/>
+          </a:xfrm>
+          <a:prstGeom prst="rect">
+            <a:avLst/>
+          </a:prstGeom>
+          <a:noFill/>
+          <a:ln w="0">
+            <a:noFill/>
+          </a:ln>
+        </p:spPr>
+        <p:txBody>
+          <a:bodyPr lIns="90000" tIns="45000" rIns="90000" bIns="45000" anchor="t">
+            <a:noAutofit/>
+          </a:bodyPr>
+          <a:lstStyle/>
+          <a:p>
+            <a:pPr marL="0" marR="0" lvl="0" indent="0" algn="ctr" defTabSz="914400" rtl="0" eaLnBrk="1" fontAlgn="auto" latinLnBrk="0" hangingPunct="1">
+              <a:lnSpc>
+                <a:spcPct val="100000"/>
+              </a:lnSpc>
+              <a:spcBef>
+                <a:spcPts val="0"/>
+              </a:spcBef>
+              <a:spcAft>
+                <a:spcPts val="0"/>
+              </a:spcAft>
+              <a:buClrTx/>
+              <a:buSzTx/>
+              <a:buFontTx/>
+              <a:buNone/>
+              <a:tabLst/>
+              <a:defRPr/>
+            </a:pPr>
+            <a:r>
+              <a:rPr kumimoji="0" lang="en-US" sz="1500" b="0" i="0" u="none" strike="noStrike" kern="1200" cap="none" spc="-1" normalizeH="0" baseline="0" noProof="0" dirty="0">
+                <a:ln>
+                  <a:noFill/>
+                </a:ln>
+                <a:solidFill>
+                  <a:srgbClr val="666666"/>
+                </a:solidFill>
+                <a:effectLst/>
+                <a:uLnTx/>
+                <a:uFillTx/>
+                <a:latin typeface="Noto Sans"/>
+                <a:ea typeface="DejaVu Sans"/>
+                <a:cs typeface="DejaVu Sans"/>
+              </a:rPr>
+              <a:t>Open-sourced by Yandex, one of Russia’s leading tech companies in April 2017. Provides an innovative algorithm for processing </a:t>
+            </a:r>
+            <a:r>
+              <a:rPr kumimoji="0" lang="en-US" sz="1500" b="1" i="0" u="none" strike="noStrike" kern="1200" cap="none" spc="-1" normalizeH="0" baseline="0" noProof="0" dirty="0">
+                <a:ln>
+                  <a:noFill/>
+                </a:ln>
+                <a:solidFill>
+                  <a:srgbClr val="666666"/>
+                </a:solidFill>
+                <a:effectLst/>
+                <a:uLnTx/>
+                <a:uFillTx/>
+                <a:latin typeface="Noto Sans"/>
+                <a:ea typeface="DejaVu Sans"/>
+                <a:cs typeface="DejaVu Sans"/>
+              </a:rPr>
+              <a:t>Cat</a:t>
+            </a:r>
+            <a:r>
+              <a:rPr kumimoji="0" lang="en-US" sz="1500" b="0" i="0" u="none" strike="noStrike" kern="1200" cap="none" spc="-1" normalizeH="0" baseline="0" noProof="0" dirty="0">
+                <a:ln>
+                  <a:noFill/>
+                </a:ln>
+                <a:solidFill>
+                  <a:srgbClr val="666666"/>
+                </a:solidFill>
+                <a:effectLst/>
+                <a:uLnTx/>
+                <a:uFillTx/>
+                <a:latin typeface="Noto Sans"/>
+                <a:ea typeface="DejaVu Sans"/>
+                <a:cs typeface="DejaVu Sans"/>
+              </a:rPr>
+              <a:t>egorical features.</a:t>
+            </a:r>
+            <a:endParaRPr kumimoji="0" lang="en-US" sz="1500" b="0" i="0" u="none" strike="noStrike" kern="1200" cap="none" spc="-1" normalizeH="0" baseline="0" noProof="0" dirty="0">
+              <a:ln>
+                <a:noFill/>
+              </a:ln>
+              <a:solidFill>
+                <a:prstClr val="black"/>
+              </a:solidFill>
+              <a:effectLst/>
+              <a:uLnTx/>
+              <a:uFillTx/>
+              <a:latin typeface="Arial"/>
+              <a:ea typeface="DejaVu Sans"/>
+              <a:cs typeface="DejaVu Sans"/>
+            </a:endParaRPr>
+          </a:p>
+        </p:txBody>
+      </p:sp>
+      <p:sp>
+        <p:nvSpPr>
+          <p:cNvPr id="565" name="TextBox 564"/>
+          <p:cNvSpPr txBox="1"/>
+          <p:nvPr/>
+        </p:nvSpPr>
+        <p:spPr>
+          <a:xfrm>
+            <a:off x="365835" y="3329482"/>
+            <a:ext cx="2782080" cy="1654200"/>
+          </a:xfrm>
+          <a:prstGeom prst="rect">
+            <a:avLst/>
+          </a:prstGeom>
+          <a:noFill/>
+          <a:ln w="0">
+            <a:noFill/>
+          </a:ln>
+        </p:spPr>
+        <p:txBody>
+          <a:bodyPr lIns="90000" tIns="45000" rIns="90000" bIns="45000" anchor="t">
+            <a:noAutofit/>
+          </a:bodyPr>
+          <a:lstStyle/>
+          <a:p>
+            <a:pPr marL="0" marR="0" lvl="0" indent="0" algn="ctr" defTabSz="914400" rtl="0" eaLnBrk="1" fontAlgn="auto" latinLnBrk="0" hangingPunct="1">
+              <a:lnSpc>
+                <a:spcPct val="100000"/>
+              </a:lnSpc>
+              <a:spcBef>
+                <a:spcPts val="0"/>
+              </a:spcBef>
+              <a:spcAft>
+                <a:spcPts val="0"/>
+              </a:spcAft>
+              <a:buClrTx/>
+              <a:buSzTx/>
+              <a:buFontTx/>
+              <a:buNone/>
+              <a:tabLst/>
+              <a:defRPr/>
+            </a:pPr>
+            <a:r>
+              <a:rPr kumimoji="0" lang="en-US" sz="1500" b="0" i="0" u="none" strike="noStrike" kern="1200" cap="none" spc="-1" normalizeH="0" baseline="0" noProof="0" dirty="0">
+                <a:ln>
+                  <a:noFill/>
+                </a:ln>
+                <a:solidFill>
+                  <a:srgbClr val="666666"/>
+                </a:solidFill>
+                <a:effectLst/>
+                <a:uLnTx/>
+                <a:uFillTx/>
+                <a:latin typeface="Noto Sans"/>
+                <a:ea typeface="DejaVu Sans"/>
+                <a:cs typeface="DejaVu Sans"/>
+              </a:rPr>
+              <a:t>Stands for </a:t>
+            </a:r>
+            <a:r>
+              <a:rPr kumimoji="0" lang="en-US" sz="1500" i="0" u="none" strike="noStrike" kern="1200" cap="none" spc="-1" normalizeH="0" baseline="0" noProof="0" dirty="0">
+                <a:ln>
+                  <a:noFill/>
+                </a:ln>
+                <a:solidFill>
+                  <a:srgbClr val="666666"/>
+                </a:solidFill>
+                <a:effectLst/>
+                <a:uLnTx/>
+                <a:uFillTx/>
+                <a:latin typeface="Noto Sans"/>
+                <a:ea typeface="DejaVu Sans"/>
+                <a:cs typeface="DejaVu Sans"/>
+              </a:rPr>
+              <a:t>e</a:t>
+            </a:r>
+            <a:r>
+              <a:rPr kumimoji="0" lang="en-US" sz="1500" b="1" i="0" u="none" strike="noStrike" kern="1200" cap="none" spc="-1" normalizeH="0" baseline="0" noProof="0" dirty="0">
+                <a:ln>
+                  <a:noFill/>
+                </a:ln>
+                <a:solidFill>
+                  <a:srgbClr val="666666"/>
+                </a:solidFill>
+                <a:effectLst/>
+                <a:uLnTx/>
+                <a:uFillTx/>
+                <a:latin typeface="Noto Sans"/>
+                <a:ea typeface="DejaVu Sans"/>
+                <a:cs typeface="DejaVu Sans"/>
+              </a:rPr>
+              <a:t>X</a:t>
+            </a:r>
+            <a:r>
+              <a:rPr kumimoji="0" lang="en-US" sz="1500" b="0" i="0" u="none" strike="noStrike" kern="1200" cap="none" spc="-1" normalizeH="0" baseline="0" noProof="0" dirty="0">
+                <a:ln>
+                  <a:noFill/>
+                </a:ln>
+                <a:solidFill>
+                  <a:srgbClr val="666666"/>
+                </a:solidFill>
+                <a:effectLst/>
+                <a:uLnTx/>
+                <a:uFillTx/>
+                <a:latin typeface="Noto Sans"/>
+                <a:ea typeface="DejaVu Sans"/>
+                <a:cs typeface="DejaVu Sans"/>
+              </a:rPr>
+              <a:t>treme </a:t>
+            </a:r>
+            <a:r>
+              <a:rPr kumimoji="0" lang="en-US" sz="1500" b="1" i="0" u="none" strike="noStrike" kern="1200" cap="none" spc="-1" normalizeH="0" baseline="0" noProof="0" dirty="0">
+                <a:ln>
+                  <a:noFill/>
+                </a:ln>
+                <a:solidFill>
+                  <a:srgbClr val="666666"/>
+                </a:solidFill>
+                <a:effectLst/>
+                <a:uLnTx/>
+                <a:uFillTx/>
+                <a:latin typeface="Noto Sans"/>
+                <a:ea typeface="DejaVu Sans"/>
+                <a:cs typeface="DejaVu Sans"/>
+              </a:rPr>
+              <a:t>G</a:t>
+            </a:r>
+            <a:r>
+              <a:rPr kumimoji="0" lang="en-US" sz="1500" b="0" i="0" u="none" strike="noStrike" kern="1200" cap="none" spc="-1" normalizeH="0" baseline="0" noProof="0" dirty="0">
+                <a:ln>
+                  <a:noFill/>
+                </a:ln>
+                <a:solidFill>
+                  <a:srgbClr val="666666"/>
+                </a:solidFill>
+                <a:effectLst/>
+                <a:uLnTx/>
+                <a:uFillTx/>
+                <a:latin typeface="Noto Sans"/>
+                <a:ea typeface="DejaVu Sans"/>
+                <a:cs typeface="DejaVu Sans"/>
+              </a:rPr>
+              <a:t>radient </a:t>
+            </a:r>
+            <a:r>
+              <a:rPr kumimoji="0" lang="en-US" sz="1500" b="1" i="0" u="none" strike="noStrike" kern="1200" cap="none" spc="-1" normalizeH="0" baseline="0" noProof="0" dirty="0">
+                <a:ln>
+                  <a:noFill/>
+                </a:ln>
+                <a:solidFill>
+                  <a:srgbClr val="666666"/>
+                </a:solidFill>
+                <a:effectLst/>
+                <a:uLnTx/>
+                <a:uFillTx/>
+                <a:latin typeface="Noto Sans"/>
+                <a:ea typeface="DejaVu Sans"/>
+                <a:cs typeface="DejaVu Sans"/>
+              </a:rPr>
+              <a:t>Boost</a:t>
+            </a:r>
+            <a:r>
+              <a:rPr kumimoji="0" lang="en-US" sz="1500" b="0" i="0" u="none" strike="noStrike" kern="1200" cap="none" spc="-1" normalizeH="0" baseline="0" noProof="0" dirty="0">
+                <a:ln>
+                  <a:noFill/>
+                </a:ln>
+                <a:solidFill>
+                  <a:srgbClr val="666666"/>
+                </a:solidFill>
+                <a:effectLst/>
+                <a:uLnTx/>
+                <a:uFillTx/>
+                <a:latin typeface="Noto Sans"/>
+                <a:ea typeface="DejaVu Sans"/>
+                <a:cs typeface="DejaVu Sans"/>
+              </a:rPr>
+              <a:t>ing. Initially started as a research project by Tianqi Chen in March 2014, becoming famous by 2016.</a:t>
+            </a:r>
+            <a:endParaRPr kumimoji="0" lang="en-US" sz="1500" b="0" i="0" u="none" strike="noStrike" kern="1200" cap="none" spc="-1" normalizeH="0" baseline="0" noProof="0" dirty="0">
+              <a:ln>
+                <a:noFill/>
+              </a:ln>
+              <a:solidFill>
+                <a:prstClr val="black"/>
+              </a:solidFill>
+              <a:effectLst/>
+              <a:uLnTx/>
+              <a:uFillTx/>
+              <a:latin typeface="Arial"/>
+              <a:ea typeface="DejaVu Sans"/>
+              <a:cs typeface="DejaVu Sans"/>
+            </a:endParaRPr>
+          </a:p>
+        </p:txBody>
+      </p:sp>
+      <p:sp>
+        <p:nvSpPr>
+          <p:cNvPr id="566" name="TextBox 565"/>
+          <p:cNvSpPr txBox="1"/>
+          <p:nvPr/>
+        </p:nvSpPr>
+        <p:spPr>
+          <a:xfrm>
+            <a:off x="3549534" y="3329482"/>
+            <a:ext cx="2981556" cy="1654200"/>
+          </a:xfrm>
+          <a:prstGeom prst="rect">
+            <a:avLst/>
+          </a:prstGeom>
+          <a:noFill/>
+          <a:ln w="0">
+            <a:noFill/>
+          </a:ln>
+        </p:spPr>
+        <p:txBody>
+          <a:bodyPr lIns="90000" tIns="45000" rIns="90000" bIns="45000" anchor="t">
+            <a:noAutofit/>
+          </a:bodyPr>
+          <a:lstStyle/>
+          <a:p>
+            <a:pPr marL="0" marR="0" lvl="0" indent="0" algn="ctr" defTabSz="914400" rtl="0" eaLnBrk="1" fontAlgn="auto" latinLnBrk="0" hangingPunct="1">
+              <a:lnSpc>
+                <a:spcPct val="100000"/>
+              </a:lnSpc>
+              <a:spcBef>
+                <a:spcPts val="0"/>
+              </a:spcBef>
+              <a:spcAft>
+                <a:spcPts val="0"/>
+              </a:spcAft>
+              <a:buClrTx/>
+              <a:buSzTx/>
+              <a:buFontTx/>
+              <a:buNone/>
+              <a:tabLst/>
+              <a:defRPr/>
+            </a:pPr>
+            <a:r>
+              <a:rPr kumimoji="0" lang="en-US" sz="1500" b="0" i="0" u="none" strike="noStrike" kern="1200" cap="none" spc="-1" normalizeH="0" baseline="0" noProof="0" dirty="0">
+                <a:ln>
+                  <a:noFill/>
+                </a:ln>
+                <a:solidFill>
+                  <a:srgbClr val="666666"/>
+                </a:solidFill>
+                <a:effectLst/>
+                <a:uLnTx/>
+                <a:uFillTx/>
+                <a:latin typeface="Noto Sans"/>
+                <a:ea typeface="DejaVu Sans"/>
+                <a:cs typeface="DejaVu Sans"/>
+              </a:rPr>
+              <a:t>Developed by Microsoft, being first released in January 2017. Specifically designed to achieve faster training speeds and higher efficiency.</a:t>
+            </a:r>
+            <a:endParaRPr kumimoji="0" lang="en-US" sz="1500" b="0" i="0" u="none" strike="noStrike" kern="1200" cap="none" spc="-1" normalizeH="0" baseline="0" noProof="0" dirty="0">
+              <a:ln>
+                <a:noFill/>
+              </a:ln>
+              <a:solidFill>
+                <a:prstClr val="black"/>
+              </a:solidFill>
+              <a:effectLst/>
+              <a:uLnTx/>
+              <a:uFillTx/>
+              <a:latin typeface="Arial"/>
+              <a:ea typeface="DejaVu Sans"/>
+              <a:cs typeface="DejaVu Sans"/>
+            </a:endParaRPr>
+          </a:p>
+        </p:txBody>
+      </p:sp>
+      <p:sp>
+        <p:nvSpPr>
+          <p:cNvPr id="2" name="Rectangle 1">
+            <a:extLst>
+              <a:ext uri="{FF2B5EF4-FFF2-40B4-BE49-F238E27FC236}">
+                <a16:creationId xmlns:a16="http://schemas.microsoft.com/office/drawing/2014/main" id="{F357FD82-CD69-40C5-92B7-3D8442344E41}"/>
+              </a:ext>
+            </a:extLst>
+          </p:cNvPr>
+          <p:cNvSpPr/>
+          <p:nvPr/>
+        </p:nvSpPr>
+        <p:spPr>
+          <a:xfrm>
+            <a:off x="-344600" y="-332509"/>
+            <a:ext cx="1463040" cy="1549190"/>
+          </a:xfrm>
+          <a:prstGeom prst="rect">
+            <a:avLst/>
+          </a:prstGeom>
+          <a:solidFill>
+            <a:schemeClr val="bg1"/>
+          </a:solidFill>
+          <a:ln>
+            <a:solidFill>
+              <a:schemeClr val="bg1"/>
+            </a:solidFill>
+          </a:ln>
+        </p:spPr>
+        <p:style>
+          <a:lnRef idx="2">
+            <a:schemeClr val="accent1">
+              <a:shade val="50000"/>
+            </a:schemeClr>
+          </a:lnRef>
+          <a:fillRef idx="1">
+            <a:schemeClr val="accent1"/>
+          </a:fillRef>
+          <a:effectRef idx="0">
+            <a:schemeClr val="accent1"/>
+          </a:effectRef>
+          <a:fontRef idx="minor">
+            <a:schemeClr val="lt1"/>
+          </a:fontRef>
+        </p:style>
+        <p:txBody>
+          <a:bodyPr rtlCol="0" anchor="ctr"/>
+          <a:lstStyle/>
+          <a:p>
+            <a:pPr marL="0" marR="0" lvl="0" indent="0" algn="ctr" defTabSz="914400" rtl="0" eaLnBrk="1" fontAlgn="auto" latinLnBrk="0" hangingPunct="1">
+              <a:lnSpc>
+                <a:spcPct val="100000"/>
+              </a:lnSpc>
+              <a:spcBef>
+                <a:spcPts val="0"/>
+              </a:spcBef>
+              <a:spcAft>
+                <a:spcPts val="0"/>
+              </a:spcAft>
+              <a:buClrTx/>
+              <a:buSzTx/>
+              <a:buFontTx/>
+              <a:buNone/>
+              <a:tabLst/>
+              <a:defRPr/>
+            </a:pPr>
+            <a:endParaRPr kumimoji="0" lang="en-US" sz="1800" b="0" i="0" u="none" strike="noStrike" kern="1200" cap="none" spc="0" normalizeH="0" baseline="0" noProof="0">
+              <a:ln>
+                <a:noFill/>
+              </a:ln>
+              <a:solidFill>
+                <a:prstClr val="white"/>
+              </a:solidFill>
+              <a:effectLst/>
+              <a:uLnTx/>
+              <a:uFillTx/>
+              <a:latin typeface="Arial"/>
+              <a:ea typeface="DejaVu Sans"/>
+              <a:cs typeface="DejaVu Sans"/>
+            </a:endParaRPr>
           </a:p>
         </p:txBody>
       </p:sp>
       <p:pic>
         <p:nvPicPr>
-          <p:cNvPr id="5" name="Picture 4">
+          <p:cNvPr id="23" name="Picture 22">
             <a:extLst>
               <a:ext uri="{FF2B5EF4-FFF2-40B4-BE49-F238E27FC236}">
-                <a16:creationId xmlns:a16="http://schemas.microsoft.com/office/drawing/2014/main" id="{316731C1-76C7-7646-9010-107327F969AA}"/>
+                <a16:creationId xmlns:a16="http://schemas.microsoft.com/office/drawing/2014/main" id="{B903B118-212B-4427-B2BE-4ED18C055F4B}"/>
+              </a:ext>
+            </a:extLst>
+          </p:cNvPr>
+          <p:cNvPicPr>
+            <a:picLocks noChangeAspect="1"/>
+          </p:cNvPicPr>
+          <p:nvPr/>
+        </p:nvPicPr>
+        <p:blipFill rotWithShape="1">
+          <a:blip r:embed="rId2"/>
+          <a:srcRect l="17194" t="30855" r="18259" b="32246"/>
+          <a:stretch/>
+        </p:blipFill>
+        <p:spPr>
+          <a:xfrm>
+            <a:off x="540985" y="2049502"/>
+            <a:ext cx="2483057" cy="1064586"/>
+          </a:xfrm>
+          <a:prstGeom prst="rect">
+            <a:avLst/>
+          </a:prstGeom>
+          <a:noFill/>
+          <a:ln w="0">
+            <a:noFill/>
+          </a:ln>
+        </p:spPr>
+      </p:pic>
+      <p:pic>
+        <p:nvPicPr>
+          <p:cNvPr id="24" name="Picture 23">
+            <a:extLst>
+              <a:ext uri="{FF2B5EF4-FFF2-40B4-BE49-F238E27FC236}">
+                <a16:creationId xmlns:a16="http://schemas.microsoft.com/office/drawing/2014/main" id="{744AE55F-2D63-4FE5-A363-314C590E3FE4}"/>
+              </a:ext>
+            </a:extLst>
+          </p:cNvPr>
+          <p:cNvPicPr>
+            <a:picLocks noChangeAspect="1"/>
+          </p:cNvPicPr>
+          <p:nvPr/>
+        </p:nvPicPr>
+        <p:blipFill rotWithShape="1">
+          <a:blip r:embed="rId3"/>
+          <a:srcRect l="7491" t="19431" r="14370" b="19364"/>
+          <a:stretch/>
+        </p:blipFill>
+        <p:spPr>
+          <a:xfrm>
+            <a:off x="7056583" y="2224669"/>
+            <a:ext cx="2483057" cy="816880"/>
+          </a:xfrm>
+          <a:prstGeom prst="rect">
+            <a:avLst/>
+          </a:prstGeom>
+          <a:noFill/>
+          <a:ln w="0">
+            <a:noFill/>
+          </a:ln>
+        </p:spPr>
+      </p:pic>
+      <p:pic>
+        <p:nvPicPr>
+          <p:cNvPr id="25" name="Picture 24">
+            <a:extLst>
+              <a:ext uri="{FF2B5EF4-FFF2-40B4-BE49-F238E27FC236}">
+                <a16:creationId xmlns:a16="http://schemas.microsoft.com/office/drawing/2014/main" id="{DB57CC0C-A792-4035-AC7B-45725F5B14EF}"/>
               </a:ext>
             </a:extLst>
           </p:cNvPr>
@@ -19397,31 +22309,918 @@
           <p:nvPr/>
         </p:nvPicPr>
         <p:blipFill>
-          <a:blip r:embed="rId2">
-            <a:extLst>
-              <a:ext uri="{28A0092B-C50C-407E-A947-70E740481C1C}">
-                <a14:useLocalDpi xmlns:a14="http://schemas.microsoft.com/office/drawing/2010/main" val="0"/>
-              </a:ext>
-            </a:extLst>
-          </a:blip>
+          <a:blip r:embed="rId4"/>
           <a:stretch>
             <a:fillRect/>
           </a:stretch>
         </p:blipFill>
         <p:spPr>
           <a:xfrm>
-            <a:off x="5265336" y="942121"/>
-            <a:ext cx="4722726" cy="4787200"/>
+            <a:off x="3616463" y="2322245"/>
+            <a:ext cx="2847698" cy="647846"/>
           </a:xfrm>
           <a:prstGeom prst="rect">
             <a:avLst/>
           </a:prstGeom>
+          <a:noFill/>
+          <a:ln w="0">
+            <a:noFill/>
+          </a:ln>
+        </p:spPr>
+      </p:pic>
+      <p:sp>
+        <p:nvSpPr>
+          <p:cNvPr id="26" name="TextShape 1">
+            <a:extLst>
+              <a:ext uri="{FF2B5EF4-FFF2-40B4-BE49-F238E27FC236}">
+                <a16:creationId xmlns:a16="http://schemas.microsoft.com/office/drawing/2014/main" id="{1983ACAD-60AF-42C4-91D9-5BDD3284E789}"/>
+              </a:ext>
+            </a:extLst>
+          </p:cNvPr>
+          <p:cNvSpPr/>
+          <p:nvPr/>
+        </p:nvSpPr>
+        <p:spPr>
+          <a:xfrm>
+            <a:off x="468000" y="468000"/>
+            <a:ext cx="9071640" cy="946440"/>
+          </a:xfrm>
+          <a:prstGeom prst="rect">
+            <a:avLst/>
+          </a:prstGeom>
+          <a:noFill/>
+          <a:ln w="0">
+            <a:noFill/>
+          </a:ln>
+        </p:spPr>
+        <p:style>
+          <a:lnRef idx="0">
+            <a:scrgbClr r="0" g="0" b="0"/>
+          </a:lnRef>
+          <a:fillRef idx="0">
+            <a:scrgbClr r="0" g="0" b="0"/>
+          </a:fillRef>
+          <a:effectRef idx="0">
+            <a:scrgbClr r="0" g="0" b="0"/>
+          </a:effectRef>
+          <a:fontRef idx="minor"/>
+        </p:style>
+        <p:txBody>
+          <a:bodyPr lIns="0" tIns="0" rIns="0" bIns="0" anchor="ctr">
+            <a:normAutofit/>
+          </a:bodyPr>
+          <a:lstStyle/>
+          <a:p>
+            <a:pPr marL="0" marR="0" lvl="0" indent="0" algn="ctr" defTabSz="914400" rtl="0" eaLnBrk="1" fontAlgn="auto" latinLnBrk="0" hangingPunct="1">
+              <a:lnSpc>
+                <a:spcPct val="90000"/>
+              </a:lnSpc>
+              <a:spcBef>
+                <a:spcPct val="0"/>
+              </a:spcBef>
+              <a:spcAft>
+                <a:spcPts val="600"/>
+              </a:spcAft>
+              <a:buClrTx/>
+              <a:buSzTx/>
+              <a:buFontTx/>
+              <a:buNone/>
+              <a:tabLst/>
+              <a:defRPr/>
+            </a:pPr>
+            <a:r>
+              <a:rPr kumimoji="0" lang="en-US" sz="3600" b="1" i="0" u="none" strike="noStrike" kern="1200" cap="none" spc="-1" normalizeH="0" baseline="0" noProof="0" dirty="0">
+                <a:ln>
+                  <a:noFill/>
+                </a:ln>
+                <a:solidFill>
+                  <a:prstClr val="black"/>
+                </a:solidFill>
+                <a:effectLst/>
+                <a:uLnTx/>
+                <a:uFillTx/>
+                <a:latin typeface="Arial"/>
+                <a:ea typeface="DejaVu Sans"/>
+                <a:cs typeface="DejaVu Sans"/>
+              </a:rPr>
+              <a:t>Gradient Boosting Implementations</a:t>
+            </a:r>
+          </a:p>
+        </p:txBody>
+      </p:sp>
+    </p:spTree>
+    <p:extLst>
+      <p:ext uri="{BB962C8B-B14F-4D97-AF65-F5344CB8AC3E}">
+        <p14:creationId xmlns:p14="http://schemas.microsoft.com/office/powerpoint/2010/main" val="1532167416"/>
+      </p:ext>
+    </p:extLst>
+  </p:cSld>
+  <p:clrMapOvr>
+    <a:masterClrMapping/>
+  </p:clrMapOvr>
+</p:sld>
+</file>
+
+<file path=ppt/slides/slide19.xml><?xml version="1.0" encoding="utf-8"?>
+<p:sld xmlns:a="http://schemas.openxmlformats.org/drawingml/2006/main" xmlns:r="http://schemas.openxmlformats.org/officeDocument/2006/relationships" xmlns:p="http://schemas.openxmlformats.org/presentationml/2006/main">
+  <p:cSld>
+    <p:spTree>
+      <p:nvGrpSpPr>
+        <p:cNvPr id="1" name=""/>
+        <p:cNvGrpSpPr/>
+        <p:nvPr/>
+      </p:nvGrpSpPr>
+      <p:grpSpPr>
+        <a:xfrm>
+          <a:off x="0" y="0"/>
+          <a:ext cx="0" cy="0"/>
+          <a:chOff x="0" y="0"/>
+          <a:chExt cx="0" cy="0"/>
+        </a:xfrm>
+      </p:grpSpPr>
+      <p:sp>
+        <p:nvSpPr>
+          <p:cNvPr id="22" name="Rectangle 21">
+            <a:extLst>
+              <a:ext uri="{FF2B5EF4-FFF2-40B4-BE49-F238E27FC236}">
+                <a16:creationId xmlns:a16="http://schemas.microsoft.com/office/drawing/2014/main" id="{C752456E-2E7C-46EC-86C2-F21ABCB17540}"/>
+              </a:ext>
+            </a:extLst>
+          </p:cNvPr>
+          <p:cNvSpPr/>
+          <p:nvPr/>
+        </p:nvSpPr>
+        <p:spPr>
+          <a:xfrm>
+            <a:off x="9518578" y="4643960"/>
+            <a:ext cx="1463040" cy="1549190"/>
+          </a:xfrm>
+          <a:prstGeom prst="rect">
+            <a:avLst/>
+          </a:prstGeom>
+          <a:solidFill>
+            <a:srgbClr val="F3F5F7"/>
+          </a:solidFill>
+          <a:ln>
+            <a:solidFill>
+              <a:srgbClr val="F3F5F7"/>
+            </a:solidFill>
+          </a:ln>
+        </p:spPr>
+        <p:style>
+          <a:lnRef idx="2">
+            <a:schemeClr val="accent1">
+              <a:shade val="50000"/>
+            </a:schemeClr>
+          </a:lnRef>
+          <a:fillRef idx="1">
+            <a:schemeClr val="accent1"/>
+          </a:fillRef>
+          <a:effectRef idx="0">
+            <a:schemeClr val="accent1"/>
+          </a:effectRef>
+          <a:fontRef idx="minor">
+            <a:schemeClr val="lt1"/>
+          </a:fontRef>
+        </p:style>
+        <p:txBody>
+          <a:bodyPr rtlCol="0" anchor="ctr"/>
+          <a:lstStyle/>
+          <a:p>
+            <a:pPr marL="0" marR="0" lvl="0" indent="0" algn="ctr" defTabSz="914400" rtl="0" eaLnBrk="1" fontAlgn="auto" latinLnBrk="0" hangingPunct="1">
+              <a:lnSpc>
+                <a:spcPct val="100000"/>
+              </a:lnSpc>
+              <a:spcBef>
+                <a:spcPts val="0"/>
+              </a:spcBef>
+              <a:spcAft>
+                <a:spcPts val="0"/>
+              </a:spcAft>
+              <a:buClrTx/>
+              <a:buSzTx/>
+              <a:buFontTx/>
+              <a:buNone/>
+              <a:tabLst/>
+              <a:defRPr/>
+            </a:pPr>
+            <a:endParaRPr kumimoji="0" lang="en-US" sz="1800" b="0" i="0" u="none" strike="noStrike" kern="1200" cap="none" spc="0" normalizeH="0" baseline="0" noProof="0">
+              <a:ln>
+                <a:noFill/>
+              </a:ln>
+              <a:solidFill>
+                <a:prstClr val="white"/>
+              </a:solidFill>
+              <a:effectLst/>
+              <a:uLnTx/>
+              <a:uFillTx/>
+              <a:latin typeface="Arial"/>
+              <a:ea typeface="DejaVu Sans"/>
+              <a:cs typeface="DejaVu Sans"/>
+            </a:endParaRPr>
+          </a:p>
+        </p:txBody>
+      </p:sp>
+      <p:sp>
+        <p:nvSpPr>
+          <p:cNvPr id="564" name="TextBox 563"/>
+          <p:cNvSpPr txBox="1"/>
+          <p:nvPr/>
+        </p:nvSpPr>
+        <p:spPr>
+          <a:xfrm>
+            <a:off x="386920" y="3309180"/>
+            <a:ext cx="2874240" cy="1654200"/>
+          </a:xfrm>
+          <a:prstGeom prst="rect">
+            <a:avLst/>
+          </a:prstGeom>
+          <a:noFill/>
+          <a:ln w="0">
+            <a:noFill/>
+          </a:ln>
+        </p:spPr>
+        <p:txBody>
+          <a:bodyPr lIns="90000" tIns="45000" rIns="90000" bIns="45000" anchor="t">
+            <a:noAutofit/>
+          </a:bodyPr>
+          <a:lstStyle/>
+          <a:p>
+            <a:pPr marL="0" marR="0" lvl="0" indent="0" algn="ctr" defTabSz="914400" rtl="0" eaLnBrk="1" fontAlgn="auto" latinLnBrk="0" hangingPunct="1">
+              <a:lnSpc>
+                <a:spcPct val="100000"/>
+              </a:lnSpc>
+              <a:spcBef>
+                <a:spcPts val="0"/>
+              </a:spcBef>
+              <a:spcAft>
+                <a:spcPts val="0"/>
+              </a:spcAft>
+              <a:buClrTx/>
+              <a:buSzTx/>
+              <a:buFontTx/>
+              <a:buNone/>
+              <a:tabLst/>
+              <a:defRPr/>
+            </a:pPr>
+            <a:r>
+              <a:rPr kumimoji="0" lang="en-US" sz="1600" b="1" i="0" u="none" strike="noStrike" kern="1200" cap="none" spc="-1" normalizeH="0" baseline="0" noProof="0" dirty="0">
+                <a:ln>
+                  <a:noFill/>
+                </a:ln>
+                <a:solidFill>
+                  <a:srgbClr val="666666"/>
+                </a:solidFill>
+                <a:effectLst/>
+                <a:uLnTx/>
+                <a:uFillTx/>
+                <a:latin typeface="Noto Sans"/>
+                <a:ea typeface="DejaVu Sans"/>
+                <a:cs typeface="DejaVu Sans"/>
+              </a:rPr>
+              <a:t>Avg Score: 0. </a:t>
+            </a:r>
+          </a:p>
+          <a:p>
+            <a:pPr marL="0" marR="0" lvl="0" indent="0" algn="ctr" defTabSz="914400" rtl="0" eaLnBrk="1" fontAlgn="auto" latinLnBrk="0" hangingPunct="1">
+              <a:lnSpc>
+                <a:spcPct val="100000"/>
+              </a:lnSpc>
+              <a:spcBef>
+                <a:spcPts val="0"/>
+              </a:spcBef>
+              <a:spcAft>
+                <a:spcPts val="0"/>
+              </a:spcAft>
+              <a:buClrTx/>
+              <a:buSzTx/>
+              <a:buFontTx/>
+              <a:buNone/>
+              <a:tabLst/>
+              <a:defRPr/>
+            </a:pPr>
+            <a:r>
+              <a:rPr kumimoji="0" lang="en-US" sz="1600" b="1" i="0" u="none" strike="noStrike" kern="1200" cap="none" spc="-1" normalizeH="0" baseline="0" noProof="0" dirty="0">
+                <a:ln>
+                  <a:noFill/>
+                </a:ln>
+                <a:solidFill>
+                  <a:srgbClr val="666666"/>
+                </a:solidFill>
+                <a:effectLst/>
+                <a:uLnTx/>
+                <a:uFillTx/>
+                <a:latin typeface="Noto Sans"/>
+                <a:ea typeface="DejaVu Sans"/>
+                <a:cs typeface="DejaVu Sans"/>
+              </a:rPr>
+              <a:t>Best Score: 0.</a:t>
+            </a:r>
+            <a:endParaRPr kumimoji="0" lang="en-US" sz="1600" b="1" i="0" u="none" strike="noStrike" kern="1200" cap="none" spc="-1" normalizeH="0" baseline="0" noProof="0" dirty="0">
+              <a:ln>
+                <a:noFill/>
+              </a:ln>
+              <a:solidFill>
+                <a:prstClr val="black"/>
+              </a:solidFill>
+              <a:effectLst/>
+              <a:uLnTx/>
+              <a:uFillTx/>
+              <a:latin typeface="Arial"/>
+              <a:ea typeface="DejaVu Sans"/>
+              <a:cs typeface="DejaVu Sans"/>
+            </a:endParaRPr>
+          </a:p>
+        </p:txBody>
+      </p:sp>
+      <p:sp>
+        <p:nvSpPr>
+          <p:cNvPr id="2" name="Rectangle 1">
+            <a:extLst>
+              <a:ext uri="{FF2B5EF4-FFF2-40B4-BE49-F238E27FC236}">
+                <a16:creationId xmlns:a16="http://schemas.microsoft.com/office/drawing/2014/main" id="{F357FD82-CD69-40C5-92B7-3D8442344E41}"/>
+              </a:ext>
+            </a:extLst>
+          </p:cNvPr>
+          <p:cNvSpPr/>
+          <p:nvPr/>
+        </p:nvSpPr>
+        <p:spPr>
+          <a:xfrm>
+            <a:off x="-344600" y="-332509"/>
+            <a:ext cx="1463040" cy="1549190"/>
+          </a:xfrm>
+          <a:prstGeom prst="rect">
+            <a:avLst/>
+          </a:prstGeom>
+          <a:solidFill>
+            <a:schemeClr val="bg1"/>
+          </a:solidFill>
+          <a:ln>
+            <a:solidFill>
+              <a:schemeClr val="bg1"/>
+            </a:solidFill>
+          </a:ln>
+        </p:spPr>
+        <p:style>
+          <a:lnRef idx="2">
+            <a:schemeClr val="accent1">
+              <a:shade val="50000"/>
+            </a:schemeClr>
+          </a:lnRef>
+          <a:fillRef idx="1">
+            <a:schemeClr val="accent1"/>
+          </a:fillRef>
+          <a:effectRef idx="0">
+            <a:schemeClr val="accent1"/>
+          </a:effectRef>
+          <a:fontRef idx="minor">
+            <a:schemeClr val="lt1"/>
+          </a:fontRef>
+        </p:style>
+        <p:txBody>
+          <a:bodyPr rtlCol="0" anchor="ctr"/>
+          <a:lstStyle/>
+          <a:p>
+            <a:pPr marL="0" marR="0" lvl="0" indent="0" algn="ctr" defTabSz="914400" rtl="0" eaLnBrk="1" fontAlgn="auto" latinLnBrk="0" hangingPunct="1">
+              <a:lnSpc>
+                <a:spcPct val="100000"/>
+              </a:lnSpc>
+              <a:spcBef>
+                <a:spcPts val="0"/>
+              </a:spcBef>
+              <a:spcAft>
+                <a:spcPts val="0"/>
+              </a:spcAft>
+              <a:buClrTx/>
+              <a:buSzTx/>
+              <a:buFontTx/>
+              <a:buNone/>
+              <a:tabLst/>
+              <a:defRPr/>
+            </a:pPr>
+            <a:endParaRPr kumimoji="0" lang="en-US" sz="1800" b="0" i="0" u="none" strike="noStrike" kern="1200" cap="none" spc="0" normalizeH="0" baseline="0" noProof="0">
+              <a:ln>
+                <a:noFill/>
+              </a:ln>
+              <a:solidFill>
+                <a:prstClr val="white"/>
+              </a:solidFill>
+              <a:effectLst/>
+              <a:uLnTx/>
+              <a:uFillTx/>
+              <a:latin typeface="Arial"/>
+              <a:ea typeface="DejaVu Sans"/>
+              <a:cs typeface="DejaVu Sans"/>
+            </a:endParaRPr>
+          </a:p>
+        </p:txBody>
+      </p:sp>
+      <p:sp>
+        <p:nvSpPr>
+          <p:cNvPr id="26" name="TextShape 1">
+            <a:extLst>
+              <a:ext uri="{FF2B5EF4-FFF2-40B4-BE49-F238E27FC236}">
+                <a16:creationId xmlns:a16="http://schemas.microsoft.com/office/drawing/2014/main" id="{1983ACAD-60AF-42C4-91D9-5BDD3284E789}"/>
+              </a:ext>
+            </a:extLst>
+          </p:cNvPr>
+          <p:cNvSpPr/>
+          <p:nvPr/>
+        </p:nvSpPr>
+        <p:spPr>
+          <a:xfrm>
+            <a:off x="468000" y="468000"/>
+            <a:ext cx="9071640" cy="946440"/>
+          </a:xfrm>
+          <a:prstGeom prst="rect">
+            <a:avLst/>
+          </a:prstGeom>
+          <a:noFill/>
+          <a:ln w="0">
+            <a:noFill/>
+          </a:ln>
+        </p:spPr>
+        <p:style>
+          <a:lnRef idx="0">
+            <a:scrgbClr r="0" g="0" b="0"/>
+          </a:lnRef>
+          <a:fillRef idx="0">
+            <a:scrgbClr r="0" g="0" b="0"/>
+          </a:fillRef>
+          <a:effectRef idx="0">
+            <a:scrgbClr r="0" g="0" b="0"/>
+          </a:effectRef>
+          <a:fontRef idx="minor"/>
+        </p:style>
+        <p:txBody>
+          <a:bodyPr lIns="0" tIns="0" rIns="0" bIns="0" anchor="ctr">
+            <a:normAutofit/>
+          </a:bodyPr>
+          <a:lstStyle/>
+          <a:p>
+            <a:pPr marL="0" marR="0" lvl="0" indent="0" algn="ctr" defTabSz="914400" rtl="0" eaLnBrk="1" fontAlgn="auto" latinLnBrk="0" hangingPunct="1">
+              <a:lnSpc>
+                <a:spcPct val="90000"/>
+              </a:lnSpc>
+              <a:spcBef>
+                <a:spcPct val="0"/>
+              </a:spcBef>
+              <a:spcAft>
+                <a:spcPts val="600"/>
+              </a:spcAft>
+              <a:buClrTx/>
+              <a:buSzTx/>
+              <a:buFontTx/>
+              <a:buNone/>
+              <a:tabLst/>
+              <a:defRPr/>
+            </a:pPr>
+            <a:r>
+              <a:rPr kumimoji="0" lang="pt-PT" sz="3600" b="1" i="0" u="none" strike="noStrike" kern="1200" cap="none" spc="-1" normalizeH="0" baseline="0" noProof="0" dirty="0">
+                <a:ln>
+                  <a:noFill/>
+                </a:ln>
+                <a:solidFill>
+                  <a:prstClr val="black"/>
+                </a:solidFill>
+                <a:effectLst/>
+                <a:uLnTx/>
+                <a:uFillTx/>
+                <a:latin typeface="Arial"/>
+                <a:ea typeface="DejaVu Sans"/>
+                <a:cs typeface="DejaVu Sans"/>
+              </a:rPr>
+              <a:t>K</a:t>
+            </a:r>
+            <a:r>
+              <a:rPr kumimoji="0" lang="en-US" sz="3600" b="1" i="0" u="none" strike="noStrike" kern="1200" cap="none" spc="-1" normalizeH="0" baseline="0" noProof="0" dirty="0">
+                <a:ln>
+                  <a:noFill/>
+                </a:ln>
+                <a:solidFill>
+                  <a:prstClr val="black"/>
+                </a:solidFill>
+                <a:effectLst/>
+                <a:uLnTx/>
+                <a:uFillTx/>
+                <a:latin typeface="Arial"/>
+                <a:ea typeface="DejaVu Sans"/>
+                <a:cs typeface="DejaVu Sans"/>
+              </a:rPr>
+              <a:t>-Fold Cross Validation</a:t>
+            </a:r>
+          </a:p>
+        </p:txBody>
+      </p:sp>
+      <p:sp>
+        <p:nvSpPr>
+          <p:cNvPr id="13" name="TextBox 12">
+            <a:extLst>
+              <a:ext uri="{FF2B5EF4-FFF2-40B4-BE49-F238E27FC236}">
+                <a16:creationId xmlns:a16="http://schemas.microsoft.com/office/drawing/2014/main" id="{CAB9CF48-1655-4184-BBDF-5ED8DBD970B9}"/>
+              </a:ext>
+            </a:extLst>
+          </p:cNvPr>
+          <p:cNvSpPr txBox="1"/>
+          <p:nvPr/>
+        </p:nvSpPr>
+        <p:spPr>
+          <a:xfrm>
+            <a:off x="3566700" y="3309180"/>
+            <a:ext cx="2874240" cy="1654200"/>
+          </a:xfrm>
+          <a:prstGeom prst="rect">
+            <a:avLst/>
+          </a:prstGeom>
+          <a:noFill/>
+          <a:ln w="0">
+            <a:noFill/>
+          </a:ln>
+        </p:spPr>
+        <p:txBody>
+          <a:bodyPr lIns="90000" tIns="45000" rIns="90000" bIns="45000" anchor="t">
+            <a:noAutofit/>
+          </a:bodyPr>
+          <a:lstStyle/>
+          <a:p>
+            <a:pPr marL="0" marR="0" lvl="0" indent="0" algn="ctr" defTabSz="914400" rtl="0" eaLnBrk="1" fontAlgn="auto" latinLnBrk="0" hangingPunct="1">
+              <a:lnSpc>
+                <a:spcPct val="100000"/>
+              </a:lnSpc>
+              <a:spcBef>
+                <a:spcPts val="0"/>
+              </a:spcBef>
+              <a:spcAft>
+                <a:spcPts val="0"/>
+              </a:spcAft>
+              <a:buClrTx/>
+              <a:buSzTx/>
+              <a:buFontTx/>
+              <a:buNone/>
+              <a:tabLst/>
+              <a:defRPr/>
+            </a:pPr>
+            <a:r>
+              <a:rPr kumimoji="0" lang="en-US" sz="1600" i="0" u="none" strike="noStrike" kern="1200" cap="none" spc="-1" normalizeH="0" baseline="0" noProof="0" dirty="0">
+                <a:ln>
+                  <a:noFill/>
+                </a:ln>
+                <a:solidFill>
+                  <a:srgbClr val="666666"/>
+                </a:solidFill>
+                <a:effectLst/>
+                <a:uLnTx/>
+                <a:uFillTx/>
+                <a:latin typeface="Noto Sans"/>
+                <a:ea typeface="DejaVu Sans"/>
+                <a:cs typeface="DejaVu Sans"/>
+              </a:rPr>
+              <a:t>Avg Score: 0. </a:t>
+            </a:r>
+          </a:p>
+          <a:p>
+            <a:pPr marL="0" marR="0" lvl="0" indent="0" algn="ctr" defTabSz="914400" rtl="0" eaLnBrk="1" fontAlgn="auto" latinLnBrk="0" hangingPunct="1">
+              <a:lnSpc>
+                <a:spcPct val="100000"/>
+              </a:lnSpc>
+              <a:spcBef>
+                <a:spcPts val="0"/>
+              </a:spcBef>
+              <a:spcAft>
+                <a:spcPts val="0"/>
+              </a:spcAft>
+              <a:buClrTx/>
+              <a:buSzTx/>
+              <a:buFontTx/>
+              <a:buNone/>
+              <a:tabLst/>
+              <a:defRPr/>
+            </a:pPr>
+            <a:r>
+              <a:rPr kumimoji="0" lang="en-US" sz="1600" i="0" u="none" strike="noStrike" kern="1200" cap="none" spc="-1" normalizeH="0" baseline="0" noProof="0" dirty="0">
+                <a:ln>
+                  <a:noFill/>
+                </a:ln>
+                <a:solidFill>
+                  <a:srgbClr val="666666"/>
+                </a:solidFill>
+                <a:effectLst/>
+                <a:uLnTx/>
+                <a:uFillTx/>
+                <a:latin typeface="Noto Sans"/>
+                <a:ea typeface="DejaVu Sans"/>
+                <a:cs typeface="DejaVu Sans"/>
+              </a:rPr>
+              <a:t>Best Score: 0. </a:t>
+            </a:r>
+            <a:endParaRPr kumimoji="0" lang="en-US" sz="1600" i="0" u="none" strike="noStrike" kern="1200" cap="none" spc="-1" normalizeH="0" baseline="0" noProof="0" dirty="0">
+              <a:ln>
+                <a:noFill/>
+              </a:ln>
+              <a:solidFill>
+                <a:prstClr val="black"/>
+              </a:solidFill>
+              <a:effectLst/>
+              <a:uLnTx/>
+              <a:uFillTx/>
+              <a:latin typeface="Arial"/>
+              <a:ea typeface="DejaVu Sans"/>
+              <a:cs typeface="DejaVu Sans"/>
+            </a:endParaRPr>
+          </a:p>
+        </p:txBody>
+      </p:sp>
+      <p:sp>
+        <p:nvSpPr>
+          <p:cNvPr id="14" name="TextBox 13">
+            <a:extLst>
+              <a:ext uri="{FF2B5EF4-FFF2-40B4-BE49-F238E27FC236}">
+                <a16:creationId xmlns:a16="http://schemas.microsoft.com/office/drawing/2014/main" id="{12B3DE07-036F-4306-9F3A-84B17803E82A}"/>
+              </a:ext>
+            </a:extLst>
+          </p:cNvPr>
+          <p:cNvSpPr txBox="1"/>
+          <p:nvPr/>
+        </p:nvSpPr>
+        <p:spPr>
+          <a:xfrm>
+            <a:off x="6746480" y="3309180"/>
+            <a:ext cx="2874240" cy="1654200"/>
+          </a:xfrm>
+          <a:prstGeom prst="rect">
+            <a:avLst/>
+          </a:prstGeom>
+          <a:noFill/>
+          <a:ln w="0">
+            <a:noFill/>
+          </a:ln>
+        </p:spPr>
+        <p:txBody>
+          <a:bodyPr lIns="90000" tIns="45000" rIns="90000" bIns="45000" anchor="t">
+            <a:noAutofit/>
+          </a:bodyPr>
+          <a:lstStyle/>
+          <a:p>
+            <a:pPr marL="0" marR="0" lvl="0" indent="0" algn="ctr" defTabSz="914400" rtl="0" eaLnBrk="1" fontAlgn="auto" latinLnBrk="0" hangingPunct="1">
+              <a:lnSpc>
+                <a:spcPct val="100000"/>
+              </a:lnSpc>
+              <a:spcBef>
+                <a:spcPts val="0"/>
+              </a:spcBef>
+              <a:spcAft>
+                <a:spcPts val="0"/>
+              </a:spcAft>
+              <a:buClrTx/>
+              <a:buSzTx/>
+              <a:buFontTx/>
+              <a:buNone/>
+              <a:tabLst/>
+              <a:defRPr/>
+            </a:pPr>
+            <a:r>
+              <a:rPr kumimoji="0" lang="en-US" sz="1600" b="0" i="0" u="none" strike="noStrike" kern="1200" cap="none" spc="-1" normalizeH="0" baseline="0" noProof="0" dirty="0">
+                <a:ln>
+                  <a:noFill/>
+                </a:ln>
+                <a:solidFill>
+                  <a:srgbClr val="666666"/>
+                </a:solidFill>
+                <a:effectLst/>
+                <a:uLnTx/>
+                <a:uFillTx/>
+                <a:latin typeface="Noto Sans"/>
+                <a:ea typeface="DejaVu Sans"/>
+                <a:cs typeface="DejaVu Sans"/>
+              </a:rPr>
+              <a:t>Avg Score:</a:t>
+            </a:r>
+            <a:r>
+              <a:rPr kumimoji="0" lang="en-US" sz="1600" i="0" u="none" strike="noStrike" kern="1200" cap="none" spc="-1" normalizeH="0" baseline="0" noProof="0" dirty="0">
+                <a:ln>
+                  <a:noFill/>
+                </a:ln>
+                <a:solidFill>
+                  <a:srgbClr val="666666"/>
+                </a:solidFill>
+                <a:effectLst/>
+                <a:uLnTx/>
+                <a:uFillTx/>
+                <a:latin typeface="Noto Sans"/>
+                <a:ea typeface="DejaVu Sans"/>
+                <a:cs typeface="DejaVu Sans"/>
+              </a:rPr>
+              <a:t> 0.</a:t>
+            </a:r>
+            <a:r>
+              <a:rPr kumimoji="0" lang="en-US" sz="1600" b="0" i="0" u="none" strike="noStrike" kern="1200" cap="none" spc="-1" normalizeH="0" baseline="0" noProof="0" dirty="0">
+                <a:ln>
+                  <a:noFill/>
+                </a:ln>
+                <a:solidFill>
+                  <a:srgbClr val="666666"/>
+                </a:solidFill>
+                <a:effectLst/>
+                <a:uLnTx/>
+                <a:uFillTx/>
+                <a:latin typeface="Noto Sans"/>
+                <a:ea typeface="DejaVu Sans"/>
+                <a:cs typeface="DejaVu Sans"/>
+              </a:rPr>
+              <a:t> </a:t>
+            </a:r>
+          </a:p>
+          <a:p>
+            <a:pPr marL="0" marR="0" lvl="0" indent="0" algn="ctr" defTabSz="914400" rtl="0" eaLnBrk="1" fontAlgn="auto" latinLnBrk="0" hangingPunct="1">
+              <a:lnSpc>
+                <a:spcPct val="100000"/>
+              </a:lnSpc>
+              <a:spcBef>
+                <a:spcPts val="0"/>
+              </a:spcBef>
+              <a:spcAft>
+                <a:spcPts val="0"/>
+              </a:spcAft>
+              <a:buClrTx/>
+              <a:buSzTx/>
+              <a:buFontTx/>
+              <a:buNone/>
+              <a:tabLst/>
+              <a:defRPr/>
+            </a:pPr>
+            <a:r>
+              <a:rPr kumimoji="0" lang="en-US" sz="1600" b="0" i="0" u="none" strike="noStrike" kern="1200" cap="none" spc="-1" normalizeH="0" baseline="0" noProof="0" dirty="0">
+                <a:ln>
+                  <a:noFill/>
+                </a:ln>
+                <a:solidFill>
+                  <a:srgbClr val="666666"/>
+                </a:solidFill>
+                <a:effectLst/>
+                <a:uLnTx/>
+                <a:uFillTx/>
+                <a:latin typeface="Noto Sans"/>
+                <a:ea typeface="DejaVu Sans"/>
+                <a:cs typeface="DejaVu Sans"/>
+              </a:rPr>
+              <a:t>Best Score:</a:t>
+            </a:r>
+            <a:r>
+              <a:rPr kumimoji="0" lang="en-US" sz="1600" i="0" u="none" strike="noStrike" kern="1200" cap="none" spc="-1" normalizeH="0" baseline="0" noProof="0" dirty="0">
+                <a:ln>
+                  <a:noFill/>
+                </a:ln>
+                <a:solidFill>
+                  <a:srgbClr val="666666"/>
+                </a:solidFill>
+                <a:effectLst/>
+                <a:uLnTx/>
+                <a:uFillTx/>
+                <a:latin typeface="Noto Sans"/>
+                <a:ea typeface="DejaVu Sans"/>
+                <a:cs typeface="DejaVu Sans"/>
+              </a:rPr>
+              <a:t> 0.</a:t>
+            </a:r>
+            <a:r>
+              <a:rPr kumimoji="0" lang="en-US" sz="1600" b="0" i="0" u="none" strike="noStrike" kern="1200" cap="none" spc="-1" normalizeH="0" baseline="0" noProof="0" dirty="0">
+                <a:ln>
+                  <a:noFill/>
+                </a:ln>
+                <a:solidFill>
+                  <a:srgbClr val="666666"/>
+                </a:solidFill>
+                <a:effectLst/>
+                <a:uLnTx/>
+                <a:uFillTx/>
+                <a:latin typeface="Noto Sans"/>
+                <a:ea typeface="DejaVu Sans"/>
+                <a:cs typeface="DejaVu Sans"/>
+              </a:rPr>
+              <a:t> </a:t>
+            </a:r>
+            <a:endParaRPr kumimoji="0" lang="en-US" sz="1600" b="0" i="0" u="none" strike="noStrike" kern="1200" cap="none" spc="-1" normalizeH="0" baseline="0" noProof="0" dirty="0">
+              <a:ln>
+                <a:noFill/>
+              </a:ln>
+              <a:solidFill>
+                <a:prstClr val="black"/>
+              </a:solidFill>
+              <a:effectLst/>
+              <a:uLnTx/>
+              <a:uFillTx/>
+              <a:latin typeface="Arial"/>
+              <a:ea typeface="DejaVu Sans"/>
+              <a:cs typeface="DejaVu Sans"/>
+            </a:endParaRPr>
+          </a:p>
+        </p:txBody>
+      </p:sp>
+      <p:pic>
+        <p:nvPicPr>
+          <p:cNvPr id="11" name="Picture 10">
+            <a:extLst>
+              <a:ext uri="{FF2B5EF4-FFF2-40B4-BE49-F238E27FC236}">
+                <a16:creationId xmlns:a16="http://schemas.microsoft.com/office/drawing/2014/main" id="{CDB7DC73-0A2C-459D-B4F8-1E00AD171161}"/>
+              </a:ext>
+            </a:extLst>
+          </p:cNvPr>
+          <p:cNvPicPr>
+            <a:picLocks noChangeAspect="1"/>
+          </p:cNvPicPr>
+          <p:nvPr/>
+        </p:nvPicPr>
+        <p:blipFill rotWithShape="1">
+          <a:blip r:embed="rId2"/>
+          <a:srcRect l="17194" t="30855" r="18259" b="32246"/>
+          <a:stretch/>
+        </p:blipFill>
+        <p:spPr>
+          <a:xfrm>
+            <a:off x="540985" y="2049502"/>
+            <a:ext cx="2483057" cy="1064586"/>
+          </a:xfrm>
+          <a:prstGeom prst="rect">
+            <a:avLst/>
+          </a:prstGeom>
+          <a:noFill/>
+          <a:ln w="0">
+            <a:noFill/>
+          </a:ln>
+        </p:spPr>
+      </p:pic>
+      <p:pic>
+        <p:nvPicPr>
+          <p:cNvPr id="12" name="Picture 11">
+            <a:extLst>
+              <a:ext uri="{FF2B5EF4-FFF2-40B4-BE49-F238E27FC236}">
+                <a16:creationId xmlns:a16="http://schemas.microsoft.com/office/drawing/2014/main" id="{2279C075-32F2-403A-84D2-8E3585158001}"/>
+              </a:ext>
+            </a:extLst>
+          </p:cNvPr>
+          <p:cNvPicPr>
+            <a:picLocks noChangeAspect="1"/>
+          </p:cNvPicPr>
+          <p:nvPr/>
+        </p:nvPicPr>
+        <p:blipFill rotWithShape="1">
+          <a:blip r:embed="rId3"/>
+          <a:srcRect l="7491" t="19431" r="14370" b="19364"/>
+          <a:stretch/>
+        </p:blipFill>
+        <p:spPr>
+          <a:xfrm>
+            <a:off x="7056583" y="2224669"/>
+            <a:ext cx="2483057" cy="816880"/>
+          </a:xfrm>
+          <a:prstGeom prst="rect">
+            <a:avLst/>
+          </a:prstGeom>
+          <a:noFill/>
+          <a:ln w="0">
+            <a:noFill/>
+          </a:ln>
+        </p:spPr>
+      </p:pic>
+      <p:pic>
+        <p:nvPicPr>
+          <p:cNvPr id="15" name="Picture 14">
+            <a:extLst>
+              <a:ext uri="{FF2B5EF4-FFF2-40B4-BE49-F238E27FC236}">
+                <a16:creationId xmlns:a16="http://schemas.microsoft.com/office/drawing/2014/main" id="{7D5A9C59-4D4D-40D0-AE9F-B5837B11EBA7}"/>
+              </a:ext>
+            </a:extLst>
+          </p:cNvPr>
+          <p:cNvPicPr>
+            <a:picLocks noChangeAspect="1"/>
+          </p:cNvPicPr>
+          <p:nvPr/>
+        </p:nvPicPr>
+        <p:blipFill>
+          <a:blip r:embed="rId4"/>
+          <a:stretch>
+            <a:fillRect/>
+          </a:stretch>
+        </p:blipFill>
+        <p:spPr>
+          <a:xfrm>
+            <a:off x="3616463" y="2322245"/>
+            <a:ext cx="2847698" cy="647846"/>
+          </a:xfrm>
+          <a:prstGeom prst="rect">
+            <a:avLst/>
+          </a:prstGeom>
+          <a:noFill/>
+          <a:ln w="0">
+            <a:noFill/>
+          </a:ln>
         </p:spPr>
       </p:pic>
     </p:spTree>
     <p:extLst>
       <p:ext uri="{BB962C8B-B14F-4D97-AF65-F5344CB8AC3E}">
-        <p14:creationId xmlns:p14="http://schemas.microsoft.com/office/powerpoint/2010/main" val="2385777255"/>
+        <p14:creationId xmlns:p14="http://schemas.microsoft.com/office/powerpoint/2010/main" val="1894502010"/>
       </p:ext>
     </p:extLst>
   </p:cSld>
@@ -19845,6 +23644,3801 @@
         </p:txBody>
       </p:sp>
     </p:spTree>
+  </p:cSld>
+  <p:clrMapOvr>
+    <a:masterClrMapping/>
+  </p:clrMapOvr>
+</p:sld>
+</file>
+
+<file path=ppt/slides/slide20.xml><?xml version="1.0" encoding="utf-8"?>
+<p:sld xmlns:a="http://schemas.openxmlformats.org/drawingml/2006/main" xmlns:r="http://schemas.openxmlformats.org/officeDocument/2006/relationships" xmlns:p="http://schemas.openxmlformats.org/presentationml/2006/main">
+  <p:cSld>
+    <p:spTree>
+      <p:nvGrpSpPr>
+        <p:cNvPr id="1" name=""/>
+        <p:cNvGrpSpPr/>
+        <p:nvPr/>
+      </p:nvGrpSpPr>
+      <p:grpSpPr>
+        <a:xfrm>
+          <a:off x="0" y="0"/>
+          <a:ext cx="0" cy="0"/>
+          <a:chOff x="0" y="0"/>
+          <a:chExt cx="0" cy="0"/>
+        </a:xfrm>
+      </p:grpSpPr>
+      <p:sp>
+        <p:nvSpPr>
+          <p:cNvPr id="4" name="TextShape 1">
+            <a:extLst>
+              <a:ext uri="{FF2B5EF4-FFF2-40B4-BE49-F238E27FC236}">
+                <a16:creationId xmlns:a16="http://schemas.microsoft.com/office/drawing/2014/main" id="{62316500-3548-4B77-824D-1FDC599655FD}"/>
+              </a:ext>
+            </a:extLst>
+          </p:cNvPr>
+          <p:cNvSpPr/>
+          <p:nvPr/>
+        </p:nvSpPr>
+        <p:spPr>
+          <a:xfrm>
+            <a:off x="468000" y="468000"/>
+            <a:ext cx="9071640" cy="946440"/>
+          </a:xfrm>
+          <a:prstGeom prst="rect">
+            <a:avLst/>
+          </a:prstGeom>
+          <a:noFill/>
+          <a:ln w="0">
+            <a:noFill/>
+          </a:ln>
+        </p:spPr>
+        <p:style>
+          <a:lnRef idx="0">
+            <a:scrgbClr r="0" g="0" b="0"/>
+          </a:lnRef>
+          <a:fillRef idx="0">
+            <a:scrgbClr r="0" g="0" b="0"/>
+          </a:fillRef>
+          <a:effectRef idx="0">
+            <a:scrgbClr r="0" g="0" b="0"/>
+          </a:effectRef>
+          <a:fontRef idx="minor"/>
+        </p:style>
+        <p:txBody>
+          <a:bodyPr lIns="0" tIns="0" rIns="0" bIns="0" anchor="ctr">
+            <a:normAutofit/>
+          </a:bodyPr>
+          <a:lstStyle/>
+          <a:p>
+            <a:pPr marL="0" marR="0" lvl="0" indent="0" algn="l" defTabSz="914400" rtl="0" eaLnBrk="1" fontAlgn="auto" latinLnBrk="0" hangingPunct="1">
+              <a:lnSpc>
+                <a:spcPct val="90000"/>
+              </a:lnSpc>
+              <a:spcBef>
+                <a:spcPct val="0"/>
+              </a:spcBef>
+              <a:spcAft>
+                <a:spcPts val="600"/>
+              </a:spcAft>
+              <a:buClrTx/>
+              <a:buSzTx/>
+              <a:buFontTx/>
+              <a:buNone/>
+              <a:tabLst/>
+              <a:defRPr/>
+            </a:pPr>
+            <a:r>
+              <a:rPr kumimoji="0" lang="pt-PT" sz="3600" b="1" i="0" u="none" strike="noStrike" kern="1200" cap="none" spc="-1" normalizeH="0" baseline="0" noProof="0" dirty="0">
+                <a:ln>
+                  <a:noFill/>
+                </a:ln>
+                <a:solidFill>
+                  <a:prstClr val="black"/>
+                </a:solidFill>
+                <a:effectLst/>
+                <a:uLnTx/>
+                <a:uFillTx/>
+                <a:latin typeface="Arial"/>
+                <a:ea typeface="DejaVu Sans"/>
+                <a:cs typeface="DejaVu Sans"/>
+              </a:rPr>
+              <a:t>Ensemble Model</a:t>
+            </a:r>
+            <a:endParaRPr kumimoji="0" lang="en-US" sz="3600" b="1" i="0" u="none" strike="noStrike" kern="1200" cap="none" spc="-1" normalizeH="0" baseline="0" noProof="0" dirty="0">
+              <a:ln>
+                <a:noFill/>
+              </a:ln>
+              <a:solidFill>
+                <a:prstClr val="black"/>
+              </a:solidFill>
+              <a:effectLst/>
+              <a:uLnTx/>
+              <a:uFillTx/>
+              <a:latin typeface="Arial"/>
+              <a:ea typeface="DejaVu Sans"/>
+              <a:cs typeface="DejaVu Sans"/>
+            </a:endParaRPr>
+          </a:p>
+        </p:txBody>
+      </p:sp>
+      <mc:AlternateContent xmlns:mc="http://schemas.openxmlformats.org/markup-compatibility/2006" xmlns:a14="http://schemas.microsoft.com/office/drawing/2010/main">
+        <mc:Choice Requires="a14">
+          <p:sp>
+            <p:nvSpPr>
+              <p:cNvPr id="5" name="TextBox 4">
+                <a:extLst>
+                  <a:ext uri="{FF2B5EF4-FFF2-40B4-BE49-F238E27FC236}">
+                    <a16:creationId xmlns:a16="http://schemas.microsoft.com/office/drawing/2014/main" id="{33DEEE7F-CDF5-4C7E-A719-3B9E244AA300}"/>
+                  </a:ext>
+                </a:extLst>
+              </p:cNvPr>
+              <p:cNvSpPr txBox="1"/>
+              <p:nvPr/>
+            </p:nvSpPr>
+            <p:spPr>
+              <a:xfrm>
+                <a:off x="3138637" y="1699248"/>
+                <a:ext cx="3803349" cy="680764"/>
+              </a:xfrm>
+              <a:prstGeom prst="rect">
+                <a:avLst/>
+              </a:prstGeom>
+              <a:noFill/>
+            </p:spPr>
+            <p:txBody>
+              <a:bodyPr wrap="none" lIns="0" tIns="0" rIns="0" bIns="0" rtlCol="0">
+                <a:spAutoFit/>
+              </a:bodyPr>
+              <a:lstStyle/>
+              <a:p>
+                <a:pPr marL="0" marR="0" lvl="0" indent="0" algn="l" defTabSz="914400" rtl="0" eaLnBrk="1" fontAlgn="auto" latinLnBrk="0" hangingPunct="1">
+                  <a:lnSpc>
+                    <a:spcPct val="100000"/>
+                  </a:lnSpc>
+                  <a:spcBef>
+                    <a:spcPts val="0"/>
+                  </a:spcBef>
+                  <a:spcAft>
+                    <a:spcPts val="0"/>
+                  </a:spcAft>
+                  <a:buClrTx/>
+                  <a:buSzTx/>
+                  <a:buFontTx/>
+                  <a:buNone/>
+                  <a:tabLst/>
+                  <a:defRPr/>
+                </a:pPr>
+                <a14:m>
+                  <m:oMathPara xmlns:m="http://schemas.openxmlformats.org/officeDocument/2006/math">
+                    <m:oMathParaPr>
+                      <m:jc m:val="centerGroup"/>
+                    </m:oMathParaPr>
+                    <m:oMath xmlns:m="http://schemas.openxmlformats.org/officeDocument/2006/math">
+                      <m:r>
+                        <a:rPr kumimoji="0" lang="pt-PT" sz="2400" b="0" i="1" u="none" strike="noStrike" kern="1200" cap="none" spc="0" normalizeH="0" baseline="0" noProof="0" smtClean="0">
+                          <a:ln>
+                            <a:noFill/>
+                          </a:ln>
+                          <a:solidFill>
+                            <a:prstClr val="black"/>
+                          </a:solidFill>
+                          <a:effectLst/>
+                          <a:uLnTx/>
+                          <a:uFillTx/>
+                          <a:latin typeface="Cambria Math" panose="02040503050406030204" pitchFamily="18" charset="0"/>
+                          <a:ea typeface="DejaVu Sans"/>
+                          <a:cs typeface="DejaVu Sans"/>
+                        </a:rPr>
+                        <m:t>𝑃</m:t>
+                      </m:r>
+                      <m:d>
+                        <m:dPr>
+                          <m:ctrlPr>
+                            <a:rPr kumimoji="0" lang="pt-PT" sz="2400" b="0" i="1" u="none" strike="noStrike" kern="1200" cap="none" spc="0" normalizeH="0" baseline="0" noProof="0" smtClean="0">
+                              <a:ln>
+                                <a:noFill/>
+                              </a:ln>
+                              <a:solidFill>
+                                <a:prstClr val="black"/>
+                              </a:solidFill>
+                              <a:effectLst/>
+                              <a:uLnTx/>
+                              <a:uFillTx/>
+                              <a:latin typeface="Cambria Math" panose="02040503050406030204" pitchFamily="18" charset="0"/>
+                              <a:ea typeface="DejaVu Sans"/>
+                              <a:cs typeface="DejaVu Sans"/>
+                            </a:rPr>
+                          </m:ctrlPr>
+                        </m:dPr>
+                        <m:e>
+                          <m:r>
+                            <a:rPr kumimoji="0" lang="pt-PT" sz="2400" b="0" i="1" u="none" strike="noStrike" kern="1200" cap="none" spc="0" normalizeH="0" baseline="0" noProof="0" smtClean="0">
+                              <a:ln>
+                                <a:noFill/>
+                              </a:ln>
+                              <a:solidFill>
+                                <a:prstClr val="black"/>
+                              </a:solidFill>
+                              <a:effectLst/>
+                              <a:uLnTx/>
+                              <a:uFillTx/>
+                              <a:latin typeface="Cambria Math" panose="02040503050406030204" pitchFamily="18" charset="0"/>
+                              <a:ea typeface="DejaVu Sans"/>
+                              <a:cs typeface="DejaVu Sans"/>
+                            </a:rPr>
+                            <m:t>𝑢</m:t>
+                          </m:r>
+                          <m:r>
+                            <a:rPr kumimoji="0" lang="pt-PT" sz="2400" b="0" i="1" u="none" strike="noStrike" kern="1200" cap="none" spc="0" normalizeH="0" baseline="0" noProof="0" smtClean="0">
+                              <a:ln>
+                                <a:noFill/>
+                              </a:ln>
+                              <a:solidFill>
+                                <a:prstClr val="black"/>
+                              </a:solidFill>
+                              <a:effectLst/>
+                              <a:uLnTx/>
+                              <a:uFillTx/>
+                              <a:latin typeface="Cambria Math" panose="02040503050406030204" pitchFamily="18" charset="0"/>
+                              <a:ea typeface="DejaVu Sans"/>
+                              <a:cs typeface="DejaVu Sans"/>
+                            </a:rPr>
+                            <m:t>, </m:t>
+                          </m:r>
+                          <m:r>
+                            <a:rPr kumimoji="0" lang="pt-PT" sz="2400" b="0" i="1" u="none" strike="noStrike" kern="1200" cap="none" spc="0" normalizeH="0" baseline="0" noProof="0" smtClean="0">
+                              <a:ln>
+                                <a:noFill/>
+                              </a:ln>
+                              <a:solidFill>
+                                <a:prstClr val="black"/>
+                              </a:solidFill>
+                              <a:effectLst/>
+                              <a:uLnTx/>
+                              <a:uFillTx/>
+                              <a:latin typeface="Cambria Math" panose="02040503050406030204" pitchFamily="18" charset="0"/>
+                              <a:ea typeface="DejaVu Sans"/>
+                              <a:cs typeface="DejaVu Sans"/>
+                            </a:rPr>
+                            <m:t>𝑚</m:t>
+                          </m:r>
+                        </m:e>
+                      </m:d>
+                      <m:r>
+                        <a:rPr kumimoji="0" lang="pt-PT" sz="2400" b="0" i="1" u="none" strike="noStrike" kern="1200" cap="none" spc="0" normalizeH="0" baseline="0" noProof="0" smtClean="0">
+                          <a:ln>
+                            <a:noFill/>
+                          </a:ln>
+                          <a:solidFill>
+                            <a:prstClr val="black"/>
+                          </a:solidFill>
+                          <a:effectLst/>
+                          <a:uLnTx/>
+                          <a:uFillTx/>
+                          <a:latin typeface="Cambria Math" panose="02040503050406030204" pitchFamily="18" charset="0"/>
+                          <a:ea typeface="DejaVu Sans"/>
+                          <a:cs typeface="DejaVu Sans"/>
+                        </a:rPr>
+                        <m:t>=</m:t>
+                      </m:r>
+                      <m:nary>
+                        <m:naryPr>
+                          <m:chr m:val="∑"/>
+                          <m:limLoc m:val="subSup"/>
+                          <m:supHide m:val="on"/>
+                          <m:ctrlPr>
+                            <a:rPr kumimoji="0" lang="pt-PT" sz="2400" b="0" i="1" u="none" strike="noStrike" kern="1200" cap="none" spc="0" normalizeH="0" baseline="0" noProof="0" smtClean="0">
+                              <a:ln>
+                                <a:noFill/>
+                              </a:ln>
+                              <a:solidFill>
+                                <a:prstClr val="black"/>
+                              </a:solidFill>
+                              <a:effectLst/>
+                              <a:uLnTx/>
+                              <a:uFillTx/>
+                              <a:latin typeface="Cambria Math" panose="02040503050406030204" pitchFamily="18" charset="0"/>
+                              <a:ea typeface="DejaVu Sans"/>
+                              <a:cs typeface="DejaVu Sans"/>
+                            </a:rPr>
+                          </m:ctrlPr>
+                        </m:naryPr>
+                        <m:sub>
+                          <m:r>
+                            <m:rPr>
+                              <m:brk m:alnAt="9"/>
+                            </m:rPr>
+                            <a:rPr kumimoji="0" lang="pt-PT" sz="2400" b="0" i="1" u="none" strike="noStrike" kern="1200" cap="none" spc="0" normalizeH="0" baseline="0" noProof="0" smtClean="0">
+                              <a:ln>
+                                <a:noFill/>
+                              </a:ln>
+                              <a:solidFill>
+                                <a:prstClr val="black"/>
+                              </a:solidFill>
+                              <a:effectLst/>
+                              <a:uLnTx/>
+                              <a:uFillTx/>
+                              <a:latin typeface="Cambria Math" panose="02040503050406030204" pitchFamily="18" charset="0"/>
+                              <a:ea typeface="DejaVu Sans"/>
+                              <a:cs typeface="DejaVu Sans"/>
+                            </a:rPr>
+                            <m:t>𝐾</m:t>
+                          </m:r>
+                        </m:sub>
+                        <m:sup/>
+                        <m:e>
+                          <m:sSub>
+                            <m:sSubPr>
+                              <m:ctrlPr>
+                                <a:rPr kumimoji="0" lang="pt-PT" sz="2400" b="0" i="1" u="none" strike="noStrike" kern="1200" cap="none" spc="0" normalizeH="0" baseline="0" noProof="0" smtClean="0">
+                                  <a:ln>
+                                    <a:noFill/>
+                                  </a:ln>
+                                  <a:solidFill>
+                                    <a:prstClr val="black"/>
+                                  </a:solidFill>
+                                  <a:effectLst/>
+                                  <a:uLnTx/>
+                                  <a:uFillTx/>
+                                  <a:latin typeface="Cambria Math" panose="02040503050406030204" pitchFamily="18" charset="0"/>
+                                  <a:ea typeface="DejaVu Sans"/>
+                                  <a:cs typeface="DejaVu Sans"/>
+                                </a:rPr>
+                              </m:ctrlPr>
+                            </m:sSubPr>
+                            <m:e>
+                              <m:r>
+                                <a:rPr kumimoji="0" lang="pt-PT" sz="2400" b="0" i="1" u="none" strike="noStrike" kern="1200" cap="none" spc="0" normalizeH="0" baseline="0" noProof="0" smtClean="0">
+                                  <a:ln>
+                                    <a:noFill/>
+                                  </a:ln>
+                                  <a:solidFill>
+                                    <a:prstClr val="black"/>
+                                  </a:solidFill>
+                                  <a:effectLst/>
+                                  <a:uLnTx/>
+                                  <a:uFillTx/>
+                                  <a:latin typeface="Cambria Math" panose="02040503050406030204" pitchFamily="18" charset="0"/>
+                                  <a:ea typeface="DejaVu Sans"/>
+                                  <a:cs typeface="DejaVu Sans"/>
+                                </a:rPr>
+                                <m:t>𝑤</m:t>
+                              </m:r>
+                            </m:e>
+                            <m:sub>
+                              <m:r>
+                                <a:rPr kumimoji="0" lang="pt-PT" sz="2400" b="0" i="1" u="none" strike="noStrike" kern="1200" cap="none" spc="0" normalizeH="0" baseline="0" noProof="0" smtClean="0">
+                                  <a:ln>
+                                    <a:noFill/>
+                                  </a:ln>
+                                  <a:solidFill>
+                                    <a:prstClr val="black"/>
+                                  </a:solidFill>
+                                  <a:effectLst/>
+                                  <a:uLnTx/>
+                                  <a:uFillTx/>
+                                  <a:latin typeface="Cambria Math" panose="02040503050406030204" pitchFamily="18" charset="0"/>
+                                  <a:ea typeface="DejaVu Sans"/>
+                                  <a:cs typeface="DejaVu Sans"/>
+                                </a:rPr>
+                                <m:t>𝑘</m:t>
+                              </m:r>
+                            </m:sub>
+                          </m:sSub>
+                          <m:r>
+                            <a:rPr kumimoji="0" lang="pt-PT" sz="2400" b="0" i="1" u="none" strike="noStrike" kern="1200" cap="none" spc="0" normalizeH="0" baseline="0" noProof="0" smtClean="0">
+                              <a:ln>
+                                <a:noFill/>
+                              </a:ln>
+                              <a:solidFill>
+                                <a:prstClr val="black"/>
+                              </a:solidFill>
+                              <a:effectLst/>
+                              <a:uLnTx/>
+                              <a:uFillTx/>
+                              <a:latin typeface="Cambria Math" panose="02040503050406030204" pitchFamily="18" charset="0"/>
+                              <a:ea typeface="Cambria Math" panose="02040503050406030204" pitchFamily="18" charset="0"/>
+                              <a:cs typeface="DejaVu Sans"/>
+                            </a:rPr>
+                            <m:t>∙</m:t>
+                          </m:r>
+                          <m:sSub>
+                            <m:sSubPr>
+                              <m:ctrlPr>
+                                <a:rPr kumimoji="0" lang="pt-PT" sz="2400" b="0" i="1" u="none" strike="noStrike" kern="1200" cap="none" spc="0" normalizeH="0" baseline="0" noProof="0" smtClean="0">
+                                  <a:ln>
+                                    <a:noFill/>
+                                  </a:ln>
+                                  <a:solidFill>
+                                    <a:prstClr val="black"/>
+                                  </a:solidFill>
+                                  <a:effectLst/>
+                                  <a:uLnTx/>
+                                  <a:uFillTx/>
+                                  <a:latin typeface="Cambria Math" panose="02040503050406030204" pitchFamily="18" charset="0"/>
+                                  <a:ea typeface="DejaVu Sans"/>
+                                  <a:cs typeface="DejaVu Sans"/>
+                                </a:rPr>
+                              </m:ctrlPr>
+                            </m:sSubPr>
+                            <m:e>
+                              <m:r>
+                                <a:rPr kumimoji="0" lang="pt-PT" sz="2400" b="0" i="1" u="none" strike="noStrike" kern="1200" cap="none" spc="0" normalizeH="0" baseline="0" noProof="0" smtClean="0">
+                                  <a:ln>
+                                    <a:noFill/>
+                                  </a:ln>
+                                  <a:solidFill>
+                                    <a:prstClr val="black"/>
+                                  </a:solidFill>
+                                  <a:effectLst/>
+                                  <a:uLnTx/>
+                                  <a:uFillTx/>
+                                  <a:latin typeface="Cambria Math" panose="02040503050406030204" pitchFamily="18" charset="0"/>
+                                  <a:ea typeface="DejaVu Sans"/>
+                                  <a:cs typeface="DejaVu Sans"/>
+                                </a:rPr>
+                                <m:t>𝑃</m:t>
+                              </m:r>
+                            </m:e>
+                            <m:sub>
+                              <m:r>
+                                <a:rPr kumimoji="0" lang="pt-PT" sz="2400" b="0" i="1" u="none" strike="noStrike" kern="1200" cap="none" spc="0" normalizeH="0" baseline="0" noProof="0" smtClean="0">
+                                  <a:ln>
+                                    <a:noFill/>
+                                  </a:ln>
+                                  <a:solidFill>
+                                    <a:prstClr val="black"/>
+                                  </a:solidFill>
+                                  <a:effectLst/>
+                                  <a:uLnTx/>
+                                  <a:uFillTx/>
+                                  <a:latin typeface="Cambria Math" panose="02040503050406030204" pitchFamily="18" charset="0"/>
+                                  <a:ea typeface="DejaVu Sans"/>
+                                  <a:cs typeface="DejaVu Sans"/>
+                                </a:rPr>
+                                <m:t>𝑘</m:t>
+                              </m:r>
+                            </m:sub>
+                          </m:sSub>
+                          <m:d>
+                            <m:dPr>
+                              <m:ctrlPr>
+                                <a:rPr kumimoji="0" lang="pt-PT" sz="2400" b="0" i="1" u="none" strike="noStrike" kern="1200" cap="none" spc="0" normalizeH="0" baseline="0" noProof="0" smtClean="0">
+                                  <a:ln>
+                                    <a:noFill/>
+                                  </a:ln>
+                                  <a:solidFill>
+                                    <a:prstClr val="black"/>
+                                  </a:solidFill>
+                                  <a:effectLst/>
+                                  <a:uLnTx/>
+                                  <a:uFillTx/>
+                                  <a:latin typeface="Cambria Math" panose="02040503050406030204" pitchFamily="18" charset="0"/>
+                                  <a:ea typeface="DejaVu Sans"/>
+                                  <a:cs typeface="DejaVu Sans"/>
+                                </a:rPr>
+                              </m:ctrlPr>
+                            </m:dPr>
+                            <m:e>
+                              <m:r>
+                                <a:rPr kumimoji="0" lang="pt-PT" sz="2400" b="0" i="1" u="none" strike="noStrike" kern="1200" cap="none" spc="0" normalizeH="0" baseline="0" noProof="0" smtClean="0">
+                                  <a:ln>
+                                    <a:noFill/>
+                                  </a:ln>
+                                  <a:solidFill>
+                                    <a:prstClr val="black"/>
+                                  </a:solidFill>
+                                  <a:effectLst/>
+                                  <a:uLnTx/>
+                                  <a:uFillTx/>
+                                  <a:latin typeface="Cambria Math" panose="02040503050406030204" pitchFamily="18" charset="0"/>
+                                  <a:ea typeface="DejaVu Sans"/>
+                                  <a:cs typeface="DejaVu Sans"/>
+                                </a:rPr>
+                                <m:t>𝑢</m:t>
+                              </m:r>
+                              <m:r>
+                                <a:rPr kumimoji="0" lang="pt-PT" sz="2400" b="0" i="1" u="none" strike="noStrike" kern="1200" cap="none" spc="0" normalizeH="0" baseline="0" noProof="0" smtClean="0">
+                                  <a:ln>
+                                    <a:noFill/>
+                                  </a:ln>
+                                  <a:solidFill>
+                                    <a:prstClr val="black"/>
+                                  </a:solidFill>
+                                  <a:effectLst/>
+                                  <a:uLnTx/>
+                                  <a:uFillTx/>
+                                  <a:latin typeface="Cambria Math" panose="02040503050406030204" pitchFamily="18" charset="0"/>
+                                  <a:ea typeface="DejaVu Sans"/>
+                                  <a:cs typeface="DejaVu Sans"/>
+                                </a:rPr>
+                                <m:t>, </m:t>
+                              </m:r>
+                              <m:r>
+                                <a:rPr kumimoji="0" lang="pt-PT" sz="2400" b="0" i="1" u="none" strike="noStrike" kern="1200" cap="none" spc="0" normalizeH="0" baseline="0" noProof="0" smtClean="0">
+                                  <a:ln>
+                                    <a:noFill/>
+                                  </a:ln>
+                                  <a:solidFill>
+                                    <a:prstClr val="black"/>
+                                  </a:solidFill>
+                                  <a:effectLst/>
+                                  <a:uLnTx/>
+                                  <a:uFillTx/>
+                                  <a:latin typeface="Cambria Math" panose="02040503050406030204" pitchFamily="18" charset="0"/>
+                                  <a:ea typeface="DejaVu Sans"/>
+                                  <a:cs typeface="DejaVu Sans"/>
+                                </a:rPr>
+                                <m:t>𝑚</m:t>
+                              </m:r>
+                            </m:e>
+                          </m:d>
+                        </m:e>
+                      </m:nary>
+                    </m:oMath>
+                  </m:oMathPara>
+                </a14:m>
+                <a:endParaRPr kumimoji="0" lang="en-US" sz="2400" b="0" i="0" u="none" strike="noStrike" kern="1200" cap="none" spc="0" normalizeH="0" baseline="0" noProof="0" dirty="0">
+                  <a:ln>
+                    <a:noFill/>
+                  </a:ln>
+                  <a:solidFill>
+                    <a:prstClr val="black"/>
+                  </a:solidFill>
+                  <a:effectLst/>
+                  <a:uLnTx/>
+                  <a:uFillTx/>
+                  <a:latin typeface="Arial"/>
+                  <a:ea typeface="DejaVu Sans"/>
+                  <a:cs typeface="DejaVu Sans"/>
+                </a:endParaRPr>
+              </a:p>
+            </p:txBody>
+          </p:sp>
+        </mc:Choice>
+        <mc:Fallback xmlns="">
+          <p:sp>
+            <p:nvSpPr>
+              <p:cNvPr id="5" name="TextBox 4">
+                <a:extLst>
+                  <a:ext uri="{FF2B5EF4-FFF2-40B4-BE49-F238E27FC236}">
+                    <a16:creationId xmlns:a16="http://schemas.microsoft.com/office/drawing/2014/main" id="{33DEEE7F-CDF5-4C7E-A719-3B9E244AA300}"/>
+                  </a:ext>
+                </a:extLst>
+              </p:cNvPr>
+              <p:cNvSpPr txBox="1">
+                <a:spLocks noRot="1" noChangeAspect="1" noMove="1" noResize="1" noEditPoints="1" noAdjustHandles="1" noChangeArrowheads="1" noChangeShapeType="1" noTextEdit="1"/>
+              </p:cNvSpPr>
+              <p:nvPr/>
+            </p:nvSpPr>
+            <p:spPr>
+              <a:xfrm>
+                <a:off x="3138637" y="1699248"/>
+                <a:ext cx="3803349" cy="680764"/>
+              </a:xfrm>
+              <a:prstGeom prst="rect">
+                <a:avLst/>
+              </a:prstGeom>
+              <a:blipFill>
+                <a:blip r:embed="rId2"/>
+                <a:stretch>
+                  <a:fillRect/>
+                </a:stretch>
+              </a:blipFill>
+            </p:spPr>
+            <p:txBody>
+              <a:bodyPr/>
+              <a:lstStyle/>
+              <a:p>
+                <a:r>
+                  <a:rPr lang="en-US">
+                    <a:noFill/>
+                  </a:rPr>
+                  <a:t> </a:t>
+                </a:r>
+              </a:p>
+            </p:txBody>
+          </p:sp>
+        </mc:Fallback>
+      </mc:AlternateContent>
+    </p:spTree>
+    <p:extLst>
+      <p:ext uri="{BB962C8B-B14F-4D97-AF65-F5344CB8AC3E}">
+        <p14:creationId xmlns:p14="http://schemas.microsoft.com/office/powerpoint/2010/main" val="2838679125"/>
+      </p:ext>
+    </p:extLst>
+  </p:cSld>
+  <p:clrMapOvr>
+    <a:masterClrMapping/>
+  </p:clrMapOvr>
+</p:sld>
+</file>
+
+<file path=ppt/slides/slide21.xml><?xml version="1.0" encoding="utf-8"?>
+<p:sld xmlns:a="http://schemas.openxmlformats.org/drawingml/2006/main" xmlns:r="http://schemas.openxmlformats.org/officeDocument/2006/relationships" xmlns:p="http://schemas.openxmlformats.org/presentationml/2006/main">
+  <p:cSld>
+    <p:spTree>
+      <p:nvGrpSpPr>
+        <p:cNvPr id="1" name=""/>
+        <p:cNvGrpSpPr/>
+        <p:nvPr/>
+      </p:nvGrpSpPr>
+      <p:grpSpPr>
+        <a:xfrm>
+          <a:off x="0" y="0"/>
+          <a:ext cx="0" cy="0"/>
+          <a:chOff x="0" y="0"/>
+          <a:chExt cx="0" cy="0"/>
+        </a:xfrm>
+      </p:grpSpPr>
+      <p:sp>
+        <p:nvSpPr>
+          <p:cNvPr id="4" name="TextShape 1">
+            <a:extLst>
+              <a:ext uri="{FF2B5EF4-FFF2-40B4-BE49-F238E27FC236}">
+                <a16:creationId xmlns:a16="http://schemas.microsoft.com/office/drawing/2014/main" id="{62316500-3548-4B77-824D-1FDC599655FD}"/>
+              </a:ext>
+            </a:extLst>
+          </p:cNvPr>
+          <p:cNvSpPr/>
+          <p:nvPr/>
+        </p:nvSpPr>
+        <p:spPr>
+          <a:xfrm>
+            <a:off x="468000" y="468000"/>
+            <a:ext cx="9071640" cy="946440"/>
+          </a:xfrm>
+          <a:prstGeom prst="rect">
+            <a:avLst/>
+          </a:prstGeom>
+          <a:noFill/>
+          <a:ln w="0">
+            <a:noFill/>
+          </a:ln>
+        </p:spPr>
+        <p:style>
+          <a:lnRef idx="0">
+            <a:scrgbClr r="0" g="0" b="0"/>
+          </a:lnRef>
+          <a:fillRef idx="0">
+            <a:scrgbClr r="0" g="0" b="0"/>
+          </a:fillRef>
+          <a:effectRef idx="0">
+            <a:scrgbClr r="0" g="0" b="0"/>
+          </a:effectRef>
+          <a:fontRef idx="minor"/>
+        </p:style>
+        <p:txBody>
+          <a:bodyPr lIns="0" tIns="0" rIns="0" bIns="0" anchor="ctr">
+            <a:normAutofit/>
+          </a:bodyPr>
+          <a:lstStyle/>
+          <a:p>
+            <a:pPr marL="0" marR="0" lvl="0" indent="0" algn="l" defTabSz="914400" rtl="0" eaLnBrk="1" fontAlgn="auto" latinLnBrk="0" hangingPunct="1">
+              <a:lnSpc>
+                <a:spcPct val="90000"/>
+              </a:lnSpc>
+              <a:spcBef>
+                <a:spcPct val="0"/>
+              </a:spcBef>
+              <a:spcAft>
+                <a:spcPts val="600"/>
+              </a:spcAft>
+              <a:buClrTx/>
+              <a:buSzTx/>
+              <a:buFontTx/>
+              <a:buNone/>
+              <a:tabLst/>
+              <a:defRPr/>
+            </a:pPr>
+            <a:r>
+              <a:rPr kumimoji="0" lang="pt-PT" sz="3600" b="1" i="0" u="none" strike="noStrike" kern="1200" cap="none" spc="-1" normalizeH="0" baseline="0" noProof="0" dirty="0">
+                <a:ln>
+                  <a:noFill/>
+                </a:ln>
+                <a:solidFill>
+                  <a:prstClr val="black"/>
+                </a:solidFill>
+                <a:effectLst/>
+                <a:uLnTx/>
+                <a:uFillTx/>
+                <a:latin typeface="Arial"/>
+                <a:ea typeface="DejaVu Sans"/>
+                <a:cs typeface="DejaVu Sans"/>
+              </a:rPr>
+              <a:t>Ensemble Model</a:t>
+            </a:r>
+            <a:endParaRPr kumimoji="0" lang="en-US" sz="3600" b="1" i="0" u="none" strike="noStrike" kern="1200" cap="none" spc="-1" normalizeH="0" baseline="0" noProof="0" dirty="0">
+              <a:ln>
+                <a:noFill/>
+              </a:ln>
+              <a:solidFill>
+                <a:prstClr val="black"/>
+              </a:solidFill>
+              <a:effectLst/>
+              <a:uLnTx/>
+              <a:uFillTx/>
+              <a:latin typeface="Arial"/>
+              <a:ea typeface="DejaVu Sans"/>
+              <a:cs typeface="DejaVu Sans"/>
+            </a:endParaRPr>
+          </a:p>
+        </p:txBody>
+      </p:sp>
+      <mc:AlternateContent xmlns:mc="http://schemas.openxmlformats.org/markup-compatibility/2006" xmlns:a14="http://schemas.microsoft.com/office/drawing/2010/main">
+        <mc:Choice Requires="a14">
+          <p:sp>
+            <p:nvSpPr>
+              <p:cNvPr id="5" name="TextBox 4">
+                <a:extLst>
+                  <a:ext uri="{FF2B5EF4-FFF2-40B4-BE49-F238E27FC236}">
+                    <a16:creationId xmlns:a16="http://schemas.microsoft.com/office/drawing/2014/main" id="{33DEEE7F-CDF5-4C7E-A719-3B9E244AA300}"/>
+                  </a:ext>
+                </a:extLst>
+              </p:cNvPr>
+              <p:cNvSpPr txBox="1"/>
+              <p:nvPr/>
+            </p:nvSpPr>
+            <p:spPr>
+              <a:xfrm>
+                <a:off x="3138637" y="1699248"/>
+                <a:ext cx="3803349" cy="680764"/>
+              </a:xfrm>
+              <a:prstGeom prst="rect">
+                <a:avLst/>
+              </a:prstGeom>
+              <a:noFill/>
+            </p:spPr>
+            <p:txBody>
+              <a:bodyPr wrap="none" lIns="0" tIns="0" rIns="0" bIns="0" rtlCol="0">
+                <a:spAutoFit/>
+              </a:bodyPr>
+              <a:lstStyle/>
+              <a:p>
+                <a:pPr marL="0" marR="0" lvl="0" indent="0" algn="l" defTabSz="914400" rtl="0" eaLnBrk="1" fontAlgn="auto" latinLnBrk="0" hangingPunct="1">
+                  <a:lnSpc>
+                    <a:spcPct val="100000"/>
+                  </a:lnSpc>
+                  <a:spcBef>
+                    <a:spcPts val="0"/>
+                  </a:spcBef>
+                  <a:spcAft>
+                    <a:spcPts val="0"/>
+                  </a:spcAft>
+                  <a:buClrTx/>
+                  <a:buSzTx/>
+                  <a:buFontTx/>
+                  <a:buNone/>
+                  <a:tabLst/>
+                  <a:defRPr/>
+                </a:pPr>
+                <a14:m>
+                  <m:oMathPara xmlns:m="http://schemas.openxmlformats.org/officeDocument/2006/math">
+                    <m:oMathParaPr>
+                      <m:jc m:val="centerGroup"/>
+                    </m:oMathParaPr>
+                    <m:oMath xmlns:m="http://schemas.openxmlformats.org/officeDocument/2006/math">
+                      <m:r>
+                        <a:rPr kumimoji="0" lang="pt-PT" sz="2400" b="0" i="1" u="none" strike="noStrike" kern="1200" cap="none" spc="0" normalizeH="0" baseline="0" noProof="0" smtClean="0">
+                          <a:ln>
+                            <a:noFill/>
+                          </a:ln>
+                          <a:solidFill>
+                            <a:prstClr val="black"/>
+                          </a:solidFill>
+                          <a:effectLst/>
+                          <a:uLnTx/>
+                          <a:uFillTx/>
+                          <a:latin typeface="Cambria Math" panose="02040503050406030204" pitchFamily="18" charset="0"/>
+                          <a:ea typeface="DejaVu Sans"/>
+                          <a:cs typeface="DejaVu Sans"/>
+                        </a:rPr>
+                        <m:t>𝑃</m:t>
+                      </m:r>
+                      <m:d>
+                        <m:dPr>
+                          <m:ctrlPr>
+                            <a:rPr kumimoji="0" lang="pt-PT" sz="2400" b="0" i="1" u="none" strike="noStrike" kern="1200" cap="none" spc="0" normalizeH="0" baseline="0" noProof="0" smtClean="0">
+                              <a:ln>
+                                <a:noFill/>
+                              </a:ln>
+                              <a:solidFill>
+                                <a:prstClr val="black"/>
+                              </a:solidFill>
+                              <a:effectLst/>
+                              <a:uLnTx/>
+                              <a:uFillTx/>
+                              <a:latin typeface="Cambria Math" panose="02040503050406030204" pitchFamily="18" charset="0"/>
+                              <a:ea typeface="DejaVu Sans"/>
+                              <a:cs typeface="DejaVu Sans"/>
+                            </a:rPr>
+                          </m:ctrlPr>
+                        </m:dPr>
+                        <m:e>
+                          <m:r>
+                            <a:rPr kumimoji="0" lang="pt-PT" sz="2400" b="0" i="1" u="none" strike="noStrike" kern="1200" cap="none" spc="0" normalizeH="0" baseline="0" noProof="0" smtClean="0">
+                              <a:ln>
+                                <a:noFill/>
+                              </a:ln>
+                              <a:solidFill>
+                                <a:prstClr val="black"/>
+                              </a:solidFill>
+                              <a:effectLst/>
+                              <a:uLnTx/>
+                              <a:uFillTx/>
+                              <a:latin typeface="Cambria Math" panose="02040503050406030204" pitchFamily="18" charset="0"/>
+                              <a:ea typeface="DejaVu Sans"/>
+                              <a:cs typeface="DejaVu Sans"/>
+                            </a:rPr>
+                            <m:t>𝑢</m:t>
+                          </m:r>
+                          <m:r>
+                            <a:rPr kumimoji="0" lang="pt-PT" sz="2400" b="0" i="1" u="none" strike="noStrike" kern="1200" cap="none" spc="0" normalizeH="0" baseline="0" noProof="0" smtClean="0">
+                              <a:ln>
+                                <a:noFill/>
+                              </a:ln>
+                              <a:solidFill>
+                                <a:prstClr val="black"/>
+                              </a:solidFill>
+                              <a:effectLst/>
+                              <a:uLnTx/>
+                              <a:uFillTx/>
+                              <a:latin typeface="Cambria Math" panose="02040503050406030204" pitchFamily="18" charset="0"/>
+                              <a:ea typeface="DejaVu Sans"/>
+                              <a:cs typeface="DejaVu Sans"/>
+                            </a:rPr>
+                            <m:t>, </m:t>
+                          </m:r>
+                          <m:r>
+                            <a:rPr kumimoji="0" lang="pt-PT" sz="2400" b="0" i="1" u="none" strike="noStrike" kern="1200" cap="none" spc="0" normalizeH="0" baseline="0" noProof="0" smtClean="0">
+                              <a:ln>
+                                <a:noFill/>
+                              </a:ln>
+                              <a:solidFill>
+                                <a:prstClr val="black"/>
+                              </a:solidFill>
+                              <a:effectLst/>
+                              <a:uLnTx/>
+                              <a:uFillTx/>
+                              <a:latin typeface="Cambria Math" panose="02040503050406030204" pitchFamily="18" charset="0"/>
+                              <a:ea typeface="DejaVu Sans"/>
+                              <a:cs typeface="DejaVu Sans"/>
+                            </a:rPr>
+                            <m:t>𝑚</m:t>
+                          </m:r>
+                        </m:e>
+                      </m:d>
+                      <m:r>
+                        <a:rPr kumimoji="0" lang="pt-PT" sz="2400" b="0" i="1" u="none" strike="noStrike" kern="1200" cap="none" spc="0" normalizeH="0" baseline="0" noProof="0" smtClean="0">
+                          <a:ln>
+                            <a:noFill/>
+                          </a:ln>
+                          <a:solidFill>
+                            <a:prstClr val="black"/>
+                          </a:solidFill>
+                          <a:effectLst/>
+                          <a:uLnTx/>
+                          <a:uFillTx/>
+                          <a:latin typeface="Cambria Math" panose="02040503050406030204" pitchFamily="18" charset="0"/>
+                          <a:ea typeface="DejaVu Sans"/>
+                          <a:cs typeface="DejaVu Sans"/>
+                        </a:rPr>
+                        <m:t>=</m:t>
+                      </m:r>
+                      <m:nary>
+                        <m:naryPr>
+                          <m:chr m:val="∑"/>
+                          <m:limLoc m:val="subSup"/>
+                          <m:supHide m:val="on"/>
+                          <m:ctrlPr>
+                            <a:rPr kumimoji="0" lang="pt-PT" sz="2400" b="0" i="1" u="none" strike="noStrike" kern="1200" cap="none" spc="0" normalizeH="0" baseline="0" noProof="0" smtClean="0">
+                              <a:ln>
+                                <a:noFill/>
+                              </a:ln>
+                              <a:solidFill>
+                                <a:prstClr val="black"/>
+                              </a:solidFill>
+                              <a:effectLst/>
+                              <a:uLnTx/>
+                              <a:uFillTx/>
+                              <a:latin typeface="Cambria Math" panose="02040503050406030204" pitchFamily="18" charset="0"/>
+                              <a:ea typeface="DejaVu Sans"/>
+                              <a:cs typeface="DejaVu Sans"/>
+                            </a:rPr>
+                          </m:ctrlPr>
+                        </m:naryPr>
+                        <m:sub>
+                          <m:r>
+                            <m:rPr>
+                              <m:brk m:alnAt="9"/>
+                            </m:rPr>
+                            <a:rPr kumimoji="0" lang="pt-PT" sz="2400" b="0" i="1" u="none" strike="noStrike" kern="1200" cap="none" spc="0" normalizeH="0" baseline="0" noProof="0" smtClean="0">
+                              <a:ln>
+                                <a:noFill/>
+                              </a:ln>
+                              <a:solidFill>
+                                <a:prstClr val="black"/>
+                              </a:solidFill>
+                              <a:effectLst/>
+                              <a:uLnTx/>
+                              <a:uFillTx/>
+                              <a:latin typeface="Cambria Math" panose="02040503050406030204" pitchFamily="18" charset="0"/>
+                              <a:ea typeface="DejaVu Sans"/>
+                              <a:cs typeface="DejaVu Sans"/>
+                            </a:rPr>
+                            <m:t>𝐾</m:t>
+                          </m:r>
+                        </m:sub>
+                        <m:sup/>
+                        <m:e>
+                          <m:sSub>
+                            <m:sSubPr>
+                              <m:ctrlPr>
+                                <a:rPr kumimoji="0" lang="pt-PT" sz="2400" b="0" i="1" u="none" strike="noStrike" kern="1200" cap="none" spc="0" normalizeH="0" baseline="0" noProof="0" smtClean="0">
+                                  <a:ln>
+                                    <a:noFill/>
+                                  </a:ln>
+                                  <a:solidFill>
+                                    <a:prstClr val="black"/>
+                                  </a:solidFill>
+                                  <a:effectLst/>
+                                  <a:uLnTx/>
+                                  <a:uFillTx/>
+                                  <a:latin typeface="Cambria Math" panose="02040503050406030204" pitchFamily="18" charset="0"/>
+                                  <a:ea typeface="DejaVu Sans"/>
+                                  <a:cs typeface="DejaVu Sans"/>
+                                </a:rPr>
+                              </m:ctrlPr>
+                            </m:sSubPr>
+                            <m:e>
+                              <m:r>
+                                <a:rPr kumimoji="0" lang="pt-PT" sz="2400" b="0" i="1" u="none" strike="noStrike" kern="1200" cap="none" spc="0" normalizeH="0" baseline="0" noProof="0" smtClean="0">
+                                  <a:ln>
+                                    <a:noFill/>
+                                  </a:ln>
+                                  <a:solidFill>
+                                    <a:prstClr val="black"/>
+                                  </a:solidFill>
+                                  <a:effectLst/>
+                                  <a:uLnTx/>
+                                  <a:uFillTx/>
+                                  <a:latin typeface="Cambria Math" panose="02040503050406030204" pitchFamily="18" charset="0"/>
+                                  <a:ea typeface="DejaVu Sans"/>
+                                  <a:cs typeface="DejaVu Sans"/>
+                                </a:rPr>
+                                <m:t>𝑤</m:t>
+                              </m:r>
+                            </m:e>
+                            <m:sub>
+                              <m:r>
+                                <a:rPr kumimoji="0" lang="pt-PT" sz="2400" b="0" i="1" u="none" strike="noStrike" kern="1200" cap="none" spc="0" normalizeH="0" baseline="0" noProof="0" smtClean="0">
+                                  <a:ln>
+                                    <a:noFill/>
+                                  </a:ln>
+                                  <a:solidFill>
+                                    <a:prstClr val="black"/>
+                                  </a:solidFill>
+                                  <a:effectLst/>
+                                  <a:uLnTx/>
+                                  <a:uFillTx/>
+                                  <a:latin typeface="Cambria Math" panose="02040503050406030204" pitchFamily="18" charset="0"/>
+                                  <a:ea typeface="DejaVu Sans"/>
+                                  <a:cs typeface="DejaVu Sans"/>
+                                </a:rPr>
+                                <m:t>𝑘</m:t>
+                              </m:r>
+                            </m:sub>
+                          </m:sSub>
+                          <m:r>
+                            <a:rPr kumimoji="0" lang="pt-PT" sz="2400" b="0" i="1" u="none" strike="noStrike" kern="1200" cap="none" spc="0" normalizeH="0" baseline="0" noProof="0" smtClean="0">
+                              <a:ln>
+                                <a:noFill/>
+                              </a:ln>
+                              <a:solidFill>
+                                <a:prstClr val="black"/>
+                              </a:solidFill>
+                              <a:effectLst/>
+                              <a:uLnTx/>
+                              <a:uFillTx/>
+                              <a:latin typeface="Cambria Math" panose="02040503050406030204" pitchFamily="18" charset="0"/>
+                              <a:ea typeface="Cambria Math" panose="02040503050406030204" pitchFamily="18" charset="0"/>
+                              <a:cs typeface="DejaVu Sans"/>
+                            </a:rPr>
+                            <m:t>∙</m:t>
+                          </m:r>
+                          <m:sSub>
+                            <m:sSubPr>
+                              <m:ctrlPr>
+                                <a:rPr kumimoji="0" lang="pt-PT" sz="2400" b="0" i="1" u="none" strike="noStrike" kern="1200" cap="none" spc="0" normalizeH="0" baseline="0" noProof="0" smtClean="0">
+                                  <a:ln>
+                                    <a:noFill/>
+                                  </a:ln>
+                                  <a:solidFill>
+                                    <a:prstClr val="black"/>
+                                  </a:solidFill>
+                                  <a:effectLst/>
+                                  <a:uLnTx/>
+                                  <a:uFillTx/>
+                                  <a:latin typeface="Cambria Math" panose="02040503050406030204" pitchFamily="18" charset="0"/>
+                                  <a:ea typeface="DejaVu Sans"/>
+                                  <a:cs typeface="DejaVu Sans"/>
+                                </a:rPr>
+                              </m:ctrlPr>
+                            </m:sSubPr>
+                            <m:e>
+                              <m:r>
+                                <a:rPr kumimoji="0" lang="pt-PT" sz="2400" b="0" i="1" u="none" strike="noStrike" kern="1200" cap="none" spc="0" normalizeH="0" baseline="0" noProof="0" smtClean="0">
+                                  <a:ln>
+                                    <a:noFill/>
+                                  </a:ln>
+                                  <a:solidFill>
+                                    <a:prstClr val="black"/>
+                                  </a:solidFill>
+                                  <a:effectLst/>
+                                  <a:uLnTx/>
+                                  <a:uFillTx/>
+                                  <a:latin typeface="Cambria Math" panose="02040503050406030204" pitchFamily="18" charset="0"/>
+                                  <a:ea typeface="DejaVu Sans"/>
+                                  <a:cs typeface="DejaVu Sans"/>
+                                </a:rPr>
+                                <m:t>𝑃</m:t>
+                              </m:r>
+                            </m:e>
+                            <m:sub>
+                              <m:r>
+                                <a:rPr kumimoji="0" lang="pt-PT" sz="2400" b="0" i="1" u="none" strike="noStrike" kern="1200" cap="none" spc="0" normalizeH="0" baseline="0" noProof="0" smtClean="0">
+                                  <a:ln>
+                                    <a:noFill/>
+                                  </a:ln>
+                                  <a:solidFill>
+                                    <a:prstClr val="black"/>
+                                  </a:solidFill>
+                                  <a:effectLst/>
+                                  <a:uLnTx/>
+                                  <a:uFillTx/>
+                                  <a:latin typeface="Cambria Math" panose="02040503050406030204" pitchFamily="18" charset="0"/>
+                                  <a:ea typeface="DejaVu Sans"/>
+                                  <a:cs typeface="DejaVu Sans"/>
+                                </a:rPr>
+                                <m:t>𝑘</m:t>
+                              </m:r>
+                            </m:sub>
+                          </m:sSub>
+                          <m:d>
+                            <m:dPr>
+                              <m:ctrlPr>
+                                <a:rPr kumimoji="0" lang="pt-PT" sz="2400" b="0" i="1" u="none" strike="noStrike" kern="1200" cap="none" spc="0" normalizeH="0" baseline="0" noProof="0" smtClean="0">
+                                  <a:ln>
+                                    <a:noFill/>
+                                  </a:ln>
+                                  <a:solidFill>
+                                    <a:prstClr val="black"/>
+                                  </a:solidFill>
+                                  <a:effectLst/>
+                                  <a:uLnTx/>
+                                  <a:uFillTx/>
+                                  <a:latin typeface="Cambria Math" panose="02040503050406030204" pitchFamily="18" charset="0"/>
+                                  <a:ea typeface="DejaVu Sans"/>
+                                  <a:cs typeface="DejaVu Sans"/>
+                                </a:rPr>
+                              </m:ctrlPr>
+                            </m:dPr>
+                            <m:e>
+                              <m:r>
+                                <a:rPr kumimoji="0" lang="pt-PT" sz="2400" b="0" i="1" u="none" strike="noStrike" kern="1200" cap="none" spc="0" normalizeH="0" baseline="0" noProof="0" smtClean="0">
+                                  <a:ln>
+                                    <a:noFill/>
+                                  </a:ln>
+                                  <a:solidFill>
+                                    <a:prstClr val="black"/>
+                                  </a:solidFill>
+                                  <a:effectLst/>
+                                  <a:uLnTx/>
+                                  <a:uFillTx/>
+                                  <a:latin typeface="Cambria Math" panose="02040503050406030204" pitchFamily="18" charset="0"/>
+                                  <a:ea typeface="DejaVu Sans"/>
+                                  <a:cs typeface="DejaVu Sans"/>
+                                </a:rPr>
+                                <m:t>𝑢</m:t>
+                              </m:r>
+                              <m:r>
+                                <a:rPr kumimoji="0" lang="pt-PT" sz="2400" b="0" i="1" u="none" strike="noStrike" kern="1200" cap="none" spc="0" normalizeH="0" baseline="0" noProof="0" smtClean="0">
+                                  <a:ln>
+                                    <a:noFill/>
+                                  </a:ln>
+                                  <a:solidFill>
+                                    <a:prstClr val="black"/>
+                                  </a:solidFill>
+                                  <a:effectLst/>
+                                  <a:uLnTx/>
+                                  <a:uFillTx/>
+                                  <a:latin typeface="Cambria Math" panose="02040503050406030204" pitchFamily="18" charset="0"/>
+                                  <a:ea typeface="DejaVu Sans"/>
+                                  <a:cs typeface="DejaVu Sans"/>
+                                </a:rPr>
+                                <m:t>, </m:t>
+                              </m:r>
+                              <m:r>
+                                <a:rPr kumimoji="0" lang="pt-PT" sz="2400" b="0" i="1" u="none" strike="noStrike" kern="1200" cap="none" spc="0" normalizeH="0" baseline="0" noProof="0" smtClean="0">
+                                  <a:ln>
+                                    <a:noFill/>
+                                  </a:ln>
+                                  <a:solidFill>
+                                    <a:prstClr val="black"/>
+                                  </a:solidFill>
+                                  <a:effectLst/>
+                                  <a:uLnTx/>
+                                  <a:uFillTx/>
+                                  <a:latin typeface="Cambria Math" panose="02040503050406030204" pitchFamily="18" charset="0"/>
+                                  <a:ea typeface="DejaVu Sans"/>
+                                  <a:cs typeface="DejaVu Sans"/>
+                                </a:rPr>
+                                <m:t>𝑚</m:t>
+                              </m:r>
+                            </m:e>
+                          </m:d>
+                        </m:e>
+                      </m:nary>
+                    </m:oMath>
+                  </m:oMathPara>
+                </a14:m>
+                <a:endParaRPr kumimoji="0" lang="en-US" sz="2400" b="0" i="0" u="none" strike="noStrike" kern="1200" cap="none" spc="0" normalizeH="0" baseline="0" noProof="0" dirty="0">
+                  <a:ln>
+                    <a:noFill/>
+                  </a:ln>
+                  <a:solidFill>
+                    <a:prstClr val="black"/>
+                  </a:solidFill>
+                  <a:effectLst/>
+                  <a:uLnTx/>
+                  <a:uFillTx/>
+                  <a:latin typeface="Arial"/>
+                  <a:ea typeface="DejaVu Sans"/>
+                  <a:cs typeface="DejaVu Sans"/>
+                </a:endParaRPr>
+              </a:p>
+            </p:txBody>
+          </p:sp>
+        </mc:Choice>
+        <mc:Fallback xmlns="">
+          <p:sp>
+            <p:nvSpPr>
+              <p:cNvPr id="5" name="TextBox 4">
+                <a:extLst>
+                  <a:ext uri="{FF2B5EF4-FFF2-40B4-BE49-F238E27FC236}">
+                    <a16:creationId xmlns:a16="http://schemas.microsoft.com/office/drawing/2014/main" id="{33DEEE7F-CDF5-4C7E-A719-3B9E244AA300}"/>
+                  </a:ext>
+                </a:extLst>
+              </p:cNvPr>
+              <p:cNvSpPr txBox="1">
+                <a:spLocks noRot="1" noChangeAspect="1" noMove="1" noResize="1" noEditPoints="1" noAdjustHandles="1" noChangeArrowheads="1" noChangeShapeType="1" noTextEdit="1"/>
+              </p:cNvSpPr>
+              <p:nvPr/>
+            </p:nvSpPr>
+            <p:spPr>
+              <a:xfrm>
+                <a:off x="3138637" y="1699248"/>
+                <a:ext cx="3803349" cy="680764"/>
+              </a:xfrm>
+              <a:prstGeom prst="rect">
+                <a:avLst/>
+              </a:prstGeom>
+              <a:blipFill>
+                <a:blip r:embed="rId2"/>
+                <a:stretch>
+                  <a:fillRect/>
+                </a:stretch>
+              </a:blipFill>
+            </p:spPr>
+            <p:txBody>
+              <a:bodyPr/>
+              <a:lstStyle/>
+              <a:p>
+                <a:r>
+                  <a:rPr lang="en-US">
+                    <a:noFill/>
+                  </a:rPr>
+                  <a:t> </a:t>
+                </a:r>
+              </a:p>
+            </p:txBody>
+          </p:sp>
+        </mc:Fallback>
+      </mc:AlternateContent>
+      <p:graphicFrame>
+        <p:nvGraphicFramePr>
+          <p:cNvPr id="6" name="Table 6">
+            <a:extLst>
+              <a:ext uri="{FF2B5EF4-FFF2-40B4-BE49-F238E27FC236}">
+                <a16:creationId xmlns:a16="http://schemas.microsoft.com/office/drawing/2014/main" id="{5842C8F7-0E47-4BD7-8796-6C150B14200E}"/>
+              </a:ext>
+            </a:extLst>
+          </p:cNvPr>
+          <p:cNvGraphicFramePr>
+            <a:graphicFrameLocks noGrp="1"/>
+          </p:cNvGraphicFramePr>
+          <p:nvPr/>
+        </p:nvGraphicFramePr>
+        <p:xfrm>
+          <a:off x="2101196" y="2835275"/>
+          <a:ext cx="5805248" cy="1939556"/>
+        </p:xfrm>
+        <a:graphic>
+          <a:graphicData uri="http://schemas.openxmlformats.org/drawingml/2006/table">
+            <a:tbl>
+              <a:tblPr firstRow="1" bandRow="1">
+                <a:tableStyleId>{5C22544A-7EE6-4342-B048-85BDC9FD1C3A}</a:tableStyleId>
+              </a:tblPr>
+              <a:tblGrid>
+                <a:gridCol w="2902624">
+                  <a:extLst>
+                    <a:ext uri="{9D8B030D-6E8A-4147-A177-3AD203B41FA5}">
+                      <a16:colId xmlns:a16="http://schemas.microsoft.com/office/drawing/2014/main" val="969364742"/>
+                    </a:ext>
+                  </a:extLst>
+                </a:gridCol>
+                <a:gridCol w="2902624">
+                  <a:extLst>
+                    <a:ext uri="{9D8B030D-6E8A-4147-A177-3AD203B41FA5}">
+                      <a16:colId xmlns:a16="http://schemas.microsoft.com/office/drawing/2014/main" val="2041701817"/>
+                    </a:ext>
+                  </a:extLst>
+                </a:gridCol>
+              </a:tblGrid>
+              <a:tr h="393449">
+                <a:tc>
+                  <a:txBody>
+                    <a:bodyPr/>
+                    <a:lstStyle/>
+                    <a:p>
+                      <a:pPr algn="r"/>
+                      <a:r>
+                        <a:rPr lang="pt-PT" dirty="0"/>
+                        <a:t>Model</a:t>
+                      </a:r>
+                      <a:endParaRPr lang="en-US" dirty="0"/>
+                    </a:p>
+                  </a:txBody>
+                  <a:tcPr>
+                    <a:solidFill>
+                      <a:srgbClr val="CED4DA"/>
+                    </a:solidFill>
+                  </a:tcPr>
+                </a:tc>
+                <a:tc>
+                  <a:txBody>
+                    <a:bodyPr/>
+                    <a:lstStyle/>
+                    <a:p>
+                      <a:r>
+                        <a:rPr lang="pt-PT" dirty="0"/>
+                        <a:t>ROC-AUC Score</a:t>
+                      </a:r>
+                      <a:endParaRPr lang="en-US" dirty="0"/>
+                    </a:p>
+                  </a:txBody>
+                  <a:tcPr>
+                    <a:solidFill>
+                      <a:srgbClr val="CED4DA"/>
+                    </a:solidFill>
+                  </a:tcPr>
+                </a:tc>
+                <a:extLst>
+                  <a:ext uri="{0D108BD9-81ED-4DB2-BD59-A6C34878D82A}">
+                    <a16:rowId xmlns:a16="http://schemas.microsoft.com/office/drawing/2014/main" val="4101578542"/>
+                  </a:ext>
+                </a:extLst>
+              </a:tr>
+              <a:tr h="393449">
+                <a:tc>
+                  <a:txBody>
+                    <a:bodyPr/>
+                    <a:lstStyle/>
+                    <a:p>
+                      <a:pPr algn="r"/>
+                      <a:r>
+                        <a:rPr lang="pt-PT" dirty="0"/>
+                        <a:t>XGBoost</a:t>
+                      </a:r>
+                      <a:endParaRPr lang="en-US" dirty="0"/>
+                    </a:p>
+                  </a:txBody>
+                  <a:tcPr>
+                    <a:solidFill>
+                      <a:srgbClr val="CED4DA"/>
+                    </a:solidFill>
+                  </a:tcPr>
+                </a:tc>
+                <a:tc>
+                  <a:txBody>
+                    <a:bodyPr/>
+                    <a:lstStyle/>
+                    <a:p>
+                      <a:r>
+                        <a:rPr lang="pt-PT" dirty="0"/>
+                        <a:t>0.</a:t>
+                      </a:r>
+                      <a:endParaRPr lang="en-US" dirty="0"/>
+                    </a:p>
+                  </a:txBody>
+                  <a:tcPr>
+                    <a:solidFill>
+                      <a:srgbClr val="CED4DA"/>
+                    </a:solidFill>
+                  </a:tcPr>
+                </a:tc>
+                <a:extLst>
+                  <a:ext uri="{0D108BD9-81ED-4DB2-BD59-A6C34878D82A}">
+                    <a16:rowId xmlns:a16="http://schemas.microsoft.com/office/drawing/2014/main" val="2558590634"/>
+                  </a:ext>
+                </a:extLst>
+              </a:tr>
+              <a:tr h="393449">
+                <a:tc>
+                  <a:txBody>
+                    <a:bodyPr/>
+                    <a:lstStyle/>
+                    <a:p>
+                      <a:pPr algn="r"/>
+                      <a:r>
+                        <a:rPr lang="pt-PT" dirty="0"/>
+                        <a:t>LightGBM</a:t>
+                      </a:r>
+                      <a:endParaRPr lang="en-US" dirty="0"/>
+                    </a:p>
+                  </a:txBody>
+                  <a:tcPr>
+                    <a:solidFill>
+                      <a:srgbClr val="CED4DA"/>
+                    </a:solidFill>
+                  </a:tcPr>
+                </a:tc>
+                <a:tc>
+                  <a:txBody>
+                    <a:bodyPr/>
+                    <a:lstStyle/>
+                    <a:p>
+                      <a:r>
+                        <a:rPr lang="pt-PT" dirty="0"/>
+                        <a:t>0.</a:t>
+                      </a:r>
+                      <a:endParaRPr lang="en-US" dirty="0"/>
+                    </a:p>
+                  </a:txBody>
+                  <a:tcPr>
+                    <a:solidFill>
+                      <a:srgbClr val="CED4DA"/>
+                    </a:solidFill>
+                  </a:tcPr>
+                </a:tc>
+                <a:extLst>
+                  <a:ext uri="{0D108BD9-81ED-4DB2-BD59-A6C34878D82A}">
+                    <a16:rowId xmlns:a16="http://schemas.microsoft.com/office/drawing/2014/main" val="1875049150"/>
+                  </a:ext>
+                </a:extLst>
+              </a:tr>
+              <a:tr h="393449">
+                <a:tc>
+                  <a:txBody>
+                    <a:bodyPr/>
+                    <a:lstStyle/>
+                    <a:p>
+                      <a:pPr algn="r"/>
+                      <a:r>
+                        <a:rPr lang="pt-PT" dirty="0"/>
+                        <a:t>CatBoost</a:t>
+                      </a:r>
+                      <a:endParaRPr lang="en-US" dirty="0"/>
+                    </a:p>
+                  </a:txBody>
+                  <a:tcPr>
+                    <a:solidFill>
+                      <a:srgbClr val="CED4DA"/>
+                    </a:solidFill>
+                  </a:tcPr>
+                </a:tc>
+                <a:tc>
+                  <a:txBody>
+                    <a:bodyPr/>
+                    <a:lstStyle/>
+                    <a:p>
+                      <a:r>
+                        <a:rPr lang="pt-PT" dirty="0"/>
+                        <a:t>0.</a:t>
+                      </a:r>
+                      <a:endParaRPr lang="en-US" dirty="0"/>
+                    </a:p>
+                  </a:txBody>
+                  <a:tcPr>
+                    <a:solidFill>
+                      <a:srgbClr val="CED4DA"/>
+                    </a:solidFill>
+                  </a:tcPr>
+                </a:tc>
+                <a:extLst>
+                  <a:ext uri="{0D108BD9-81ED-4DB2-BD59-A6C34878D82A}">
+                    <a16:rowId xmlns:a16="http://schemas.microsoft.com/office/drawing/2014/main" val="3403812791"/>
+                  </a:ext>
+                </a:extLst>
+              </a:tr>
+              <a:tr h="0">
+                <a:tc>
+                  <a:txBody>
+                    <a:bodyPr/>
+                    <a:lstStyle/>
+                    <a:p>
+                      <a:pPr marL="0" marR="0" lvl="0" indent="0" algn="r" defTabSz="914400" rtl="0" eaLnBrk="1" fontAlgn="auto" latinLnBrk="0" hangingPunct="1">
+                        <a:lnSpc>
+                          <a:spcPct val="100000"/>
+                        </a:lnSpc>
+                        <a:spcBef>
+                          <a:spcPts val="0"/>
+                        </a:spcBef>
+                        <a:spcAft>
+                          <a:spcPts val="0"/>
+                        </a:spcAft>
+                        <a:buClrTx/>
+                        <a:buSzTx/>
+                        <a:buFontTx/>
+                        <a:buNone/>
+                        <a:tabLst/>
+                        <a:defRPr/>
+                      </a:pPr>
+                      <a:r>
+                        <a:rPr lang="pt-PT" b="1" dirty="0"/>
+                        <a:t>Ensemble Model</a:t>
+                      </a:r>
+                      <a:endParaRPr lang="en-US" b="1" dirty="0"/>
+                    </a:p>
+                  </a:txBody>
+                  <a:tcPr>
+                    <a:solidFill>
+                      <a:srgbClr val="CED4DA"/>
+                    </a:solidFill>
+                  </a:tcPr>
+                </a:tc>
+                <a:tc>
+                  <a:txBody>
+                    <a:bodyPr/>
+                    <a:lstStyle/>
+                    <a:p>
+                      <a:r>
+                        <a:rPr lang="pt-PT" b="1" dirty="0"/>
+                        <a:t>0.</a:t>
+                      </a:r>
+                      <a:endParaRPr lang="en-US" b="1" dirty="0"/>
+                    </a:p>
+                  </a:txBody>
+                  <a:tcPr>
+                    <a:solidFill>
+                      <a:srgbClr val="CED4DA"/>
+                    </a:solidFill>
+                  </a:tcPr>
+                </a:tc>
+                <a:extLst>
+                  <a:ext uri="{0D108BD9-81ED-4DB2-BD59-A6C34878D82A}">
+                    <a16:rowId xmlns:a16="http://schemas.microsoft.com/office/drawing/2014/main" val="1705316848"/>
+                  </a:ext>
+                </a:extLst>
+              </a:tr>
+            </a:tbl>
+          </a:graphicData>
+        </a:graphic>
+      </p:graphicFrame>
+    </p:spTree>
+    <p:extLst>
+      <p:ext uri="{BB962C8B-B14F-4D97-AF65-F5344CB8AC3E}">
+        <p14:creationId xmlns:p14="http://schemas.microsoft.com/office/powerpoint/2010/main" val="2959987931"/>
+      </p:ext>
+    </p:extLst>
+  </p:cSld>
+  <p:clrMapOvr>
+    <a:masterClrMapping/>
+  </p:clrMapOvr>
+</p:sld>
+</file>
+
+<file path=ppt/slides/slide22.xml><?xml version="1.0" encoding="utf-8"?>
+<p:sld xmlns:a="http://schemas.openxmlformats.org/drawingml/2006/main" xmlns:r="http://schemas.openxmlformats.org/officeDocument/2006/relationships" xmlns:p="http://schemas.openxmlformats.org/presentationml/2006/main">
+  <p:cSld>
+    <p:spTree>
+      <p:nvGrpSpPr>
+        <p:cNvPr id="1" name=""/>
+        <p:cNvGrpSpPr/>
+        <p:nvPr/>
+      </p:nvGrpSpPr>
+      <p:grpSpPr>
+        <a:xfrm>
+          <a:off x="0" y="0"/>
+          <a:ext cx="0" cy="0"/>
+          <a:chOff x="0" y="0"/>
+          <a:chExt cx="0" cy="0"/>
+        </a:xfrm>
+      </p:grpSpPr>
+      <p:sp>
+        <p:nvSpPr>
+          <p:cNvPr id="14" name="TextShape 1">
+            <a:extLst>
+              <a:ext uri="{FF2B5EF4-FFF2-40B4-BE49-F238E27FC236}">
+                <a16:creationId xmlns:a16="http://schemas.microsoft.com/office/drawing/2014/main" id="{E1F05EE2-B06C-4540-900F-B60600BB415B}"/>
+              </a:ext>
+            </a:extLst>
+          </p:cNvPr>
+          <p:cNvSpPr/>
+          <p:nvPr/>
+        </p:nvSpPr>
+        <p:spPr>
+          <a:xfrm>
+            <a:off x="468000" y="468000"/>
+            <a:ext cx="9071640" cy="946440"/>
+          </a:xfrm>
+          <a:prstGeom prst="rect">
+            <a:avLst/>
+          </a:prstGeom>
+          <a:noFill/>
+          <a:ln w="0">
+            <a:noFill/>
+          </a:ln>
+        </p:spPr>
+        <p:style>
+          <a:lnRef idx="0">
+            <a:scrgbClr r="0" g="0" b="0"/>
+          </a:lnRef>
+          <a:fillRef idx="0">
+            <a:scrgbClr r="0" g="0" b="0"/>
+          </a:fillRef>
+          <a:effectRef idx="0">
+            <a:scrgbClr r="0" g="0" b="0"/>
+          </a:effectRef>
+          <a:fontRef idx="minor"/>
+        </p:style>
+        <p:txBody>
+          <a:bodyPr lIns="0" tIns="0" rIns="0" bIns="0" anchor="ctr">
+            <a:normAutofit fontScale="92500" lnSpcReduction="10000"/>
+          </a:bodyPr>
+          <a:lstStyle/>
+          <a:p>
+            <a:pPr marL="0" marR="0" lvl="0" indent="0" algn="l" defTabSz="914400" rtl="0" eaLnBrk="1" fontAlgn="auto" latinLnBrk="0" hangingPunct="1">
+              <a:lnSpc>
+                <a:spcPct val="90000"/>
+              </a:lnSpc>
+              <a:spcBef>
+                <a:spcPct val="0"/>
+              </a:spcBef>
+              <a:spcAft>
+                <a:spcPts val="600"/>
+              </a:spcAft>
+              <a:buClrTx/>
+              <a:buSzTx/>
+              <a:buFontTx/>
+              <a:buNone/>
+              <a:tabLst/>
+              <a:defRPr/>
+            </a:pPr>
+            <a:r>
+              <a:rPr kumimoji="0" lang="en-US" sz="3600" b="1" i="0" u="none" strike="noStrike" kern="1200" cap="none" spc="-1" normalizeH="0" baseline="0" noProof="0" dirty="0">
+                <a:ln>
+                  <a:noFill/>
+                </a:ln>
+                <a:solidFill>
+                  <a:prstClr val="black"/>
+                </a:solidFill>
+                <a:effectLst/>
+                <a:uLnTx/>
+                <a:uFillTx/>
+                <a:latin typeface="Arial"/>
+                <a:ea typeface="DejaVu Sans"/>
+                <a:cs typeface="DejaVu Sans"/>
+              </a:rPr>
+              <a:t>Fetching Best Features</a:t>
+            </a:r>
+          </a:p>
+          <a:p>
+            <a:pPr marL="0" marR="0" lvl="0" indent="0" algn="l" defTabSz="914400" rtl="0" eaLnBrk="1" fontAlgn="auto" latinLnBrk="0" hangingPunct="1">
+              <a:lnSpc>
+                <a:spcPct val="90000"/>
+              </a:lnSpc>
+              <a:spcBef>
+                <a:spcPct val="0"/>
+              </a:spcBef>
+              <a:spcAft>
+                <a:spcPts val="600"/>
+              </a:spcAft>
+              <a:buClrTx/>
+              <a:buSzTx/>
+              <a:buFontTx/>
+              <a:buNone/>
+              <a:tabLst/>
+              <a:defRPr/>
+            </a:pPr>
+            <a:r>
+              <a:rPr kumimoji="0" lang="en-US" sz="3600" b="1" i="0" u="none" strike="noStrike" kern="1200" cap="none" spc="-1" normalizeH="0" baseline="0" noProof="0" dirty="0">
+                <a:ln>
+                  <a:noFill/>
+                </a:ln>
+                <a:solidFill>
+                  <a:prstClr val="black"/>
+                </a:solidFill>
+                <a:effectLst/>
+                <a:uLnTx/>
+                <a:uFillTx/>
+                <a:latin typeface="Arial"/>
+                <a:ea typeface="DejaVu Sans"/>
+                <a:cs typeface="DejaVu Sans"/>
+              </a:rPr>
+              <a:t>using XGBoost</a:t>
+            </a:r>
+          </a:p>
+        </p:txBody>
+      </p:sp>
+      <p:graphicFrame>
+        <p:nvGraphicFramePr>
+          <p:cNvPr id="8" name="Table 15">
+            <a:extLst>
+              <a:ext uri="{FF2B5EF4-FFF2-40B4-BE49-F238E27FC236}">
+                <a16:creationId xmlns:a16="http://schemas.microsoft.com/office/drawing/2014/main" id="{D296FA40-F41C-4512-AB19-5F4A4F34C58C}"/>
+              </a:ext>
+            </a:extLst>
+          </p:cNvPr>
+          <p:cNvGraphicFramePr>
+            <a:graphicFrameLocks noGrp="1"/>
+          </p:cNvGraphicFramePr>
+          <p:nvPr>
+            <p:extLst/>
+          </p:nvPr>
+        </p:nvGraphicFramePr>
+        <p:xfrm>
+          <a:off x="1526910" y="1959429"/>
+          <a:ext cx="3803180" cy="2820037"/>
+        </p:xfrm>
+        <a:graphic>
+          <a:graphicData uri="http://schemas.openxmlformats.org/drawingml/2006/table">
+            <a:tbl>
+              <a:tblPr firstRow="1" bandRow="1">
+                <a:tableStyleId>{9D7B26C5-4107-4FEC-AEDC-1716B250A1EF}</a:tableStyleId>
+              </a:tblPr>
+              <a:tblGrid>
+                <a:gridCol w="2762149">
+                  <a:extLst>
+                    <a:ext uri="{9D8B030D-6E8A-4147-A177-3AD203B41FA5}">
+                      <a16:colId xmlns:a16="http://schemas.microsoft.com/office/drawing/2014/main" val="4037665219"/>
+                    </a:ext>
+                  </a:extLst>
+                </a:gridCol>
+                <a:gridCol w="1041031">
+                  <a:extLst>
+                    <a:ext uri="{9D8B030D-6E8A-4147-A177-3AD203B41FA5}">
+                      <a16:colId xmlns:a16="http://schemas.microsoft.com/office/drawing/2014/main" val="2444402967"/>
+                    </a:ext>
+                  </a:extLst>
+                </a:gridCol>
+              </a:tblGrid>
+              <a:tr h="320309">
+                <a:tc>
+                  <a:txBody>
+                    <a:bodyPr/>
+                    <a:lstStyle/>
+                    <a:p>
+                      <a:pPr algn="ctr"/>
+                      <a:r>
+                        <a:rPr lang="en-US" sz="1100" dirty="0"/>
+                        <a:t>Feature</a:t>
+                      </a:r>
+                    </a:p>
+                  </a:txBody>
+                  <a:tcPr/>
+                </a:tc>
+                <a:tc>
+                  <a:txBody>
+                    <a:bodyPr/>
+                    <a:lstStyle/>
+                    <a:p>
+                      <a:pPr algn="ctr"/>
+                      <a:r>
+                        <a:rPr lang="en-US" sz="1100" dirty="0"/>
+                        <a:t>Gain</a:t>
+                      </a:r>
+                    </a:p>
+                  </a:txBody>
+                  <a:tcPr/>
+                </a:tc>
+                <a:extLst>
+                  <a:ext uri="{0D108BD9-81ED-4DB2-BD59-A6C34878D82A}">
+                    <a16:rowId xmlns:a16="http://schemas.microsoft.com/office/drawing/2014/main" val="3773729332"/>
+                  </a:ext>
+                </a:extLst>
+              </a:tr>
+              <a:tr h="312466">
+                <a:tc>
+                  <a:txBody>
+                    <a:bodyPr/>
+                    <a:lstStyle/>
+                    <a:p>
+                      <a:pPr algn="ctr"/>
+                      <a:endParaRPr lang="en-US" sz="1100" dirty="0"/>
+                    </a:p>
+                  </a:txBody>
+                  <a:tcPr/>
+                </a:tc>
+                <a:tc>
+                  <a:txBody>
+                    <a:bodyPr/>
+                    <a:lstStyle/>
+                    <a:p>
+                      <a:pPr algn="ctr"/>
+                      <a:r>
+                        <a:rPr kumimoji="0" lang="en-US" sz="1100" b="0" i="0" u="none" strike="noStrike" kern="1200" cap="none" spc="0" normalizeH="0" baseline="0" noProof="0">
+                          <a:ln>
+                            <a:noFill/>
+                          </a:ln>
+                          <a:solidFill>
+                            <a:prstClr val="black"/>
+                          </a:solidFill>
+                          <a:effectLst/>
+                          <a:uLnTx/>
+                          <a:uFillTx/>
+                          <a:latin typeface="Arial"/>
+                          <a:ea typeface="DejaVu Sans"/>
+                          <a:cs typeface="DejaVu Sans"/>
+                        </a:rPr>
+                        <a:t>0.</a:t>
+                      </a:r>
+                      <a:endParaRPr lang="en-US" sz="1100" dirty="0"/>
+                    </a:p>
+                  </a:txBody>
+                  <a:tcPr/>
+                </a:tc>
+                <a:extLst>
+                  <a:ext uri="{0D108BD9-81ED-4DB2-BD59-A6C34878D82A}">
+                    <a16:rowId xmlns:a16="http://schemas.microsoft.com/office/drawing/2014/main" val="3069579961"/>
+                  </a:ext>
+                </a:extLst>
+              </a:tr>
+              <a:tr h="312466">
+                <a:tc>
+                  <a:txBody>
+                    <a:bodyPr/>
+                    <a:lstStyle/>
+                    <a:p>
+                      <a:pPr algn="ctr"/>
+                      <a:endParaRPr lang="en-US" sz="1100" dirty="0"/>
+                    </a:p>
+                  </a:txBody>
+                  <a:tcPr/>
+                </a:tc>
+                <a:tc>
+                  <a:txBody>
+                    <a:bodyPr/>
+                    <a:lstStyle/>
+                    <a:p>
+                      <a:pPr algn="ctr"/>
+                      <a:r>
+                        <a:rPr kumimoji="0" lang="en-US" sz="1100" b="0" i="0" u="none" strike="noStrike" kern="1200" cap="none" spc="0" normalizeH="0" baseline="0" noProof="0">
+                          <a:ln>
+                            <a:noFill/>
+                          </a:ln>
+                          <a:solidFill>
+                            <a:prstClr val="black"/>
+                          </a:solidFill>
+                          <a:effectLst/>
+                          <a:uLnTx/>
+                          <a:uFillTx/>
+                          <a:latin typeface="Arial"/>
+                          <a:ea typeface="DejaVu Sans"/>
+                          <a:cs typeface="DejaVu Sans"/>
+                        </a:rPr>
+                        <a:t>0.</a:t>
+                      </a:r>
+                      <a:endParaRPr lang="en-US" sz="1100" dirty="0"/>
+                    </a:p>
+                  </a:txBody>
+                  <a:tcPr/>
+                </a:tc>
+                <a:extLst>
+                  <a:ext uri="{0D108BD9-81ED-4DB2-BD59-A6C34878D82A}">
+                    <a16:rowId xmlns:a16="http://schemas.microsoft.com/office/drawing/2014/main" val="4035758726"/>
+                  </a:ext>
+                </a:extLst>
+              </a:tr>
+              <a:tr h="312466">
+                <a:tc>
+                  <a:txBody>
+                    <a:bodyPr/>
+                    <a:lstStyle/>
+                    <a:p>
+                      <a:pPr algn="ctr"/>
+                      <a:endParaRPr lang="en-US" sz="1100" dirty="0"/>
+                    </a:p>
+                  </a:txBody>
+                  <a:tcPr/>
+                </a:tc>
+                <a:tc>
+                  <a:txBody>
+                    <a:bodyPr/>
+                    <a:lstStyle/>
+                    <a:p>
+                      <a:pPr algn="ctr"/>
+                      <a:r>
+                        <a:rPr kumimoji="0" lang="en-US" sz="1100" b="0" i="0" u="none" strike="noStrike" kern="1200" cap="none" spc="0" normalizeH="0" baseline="0" noProof="0">
+                          <a:ln>
+                            <a:noFill/>
+                          </a:ln>
+                          <a:solidFill>
+                            <a:prstClr val="black"/>
+                          </a:solidFill>
+                          <a:effectLst/>
+                          <a:uLnTx/>
+                          <a:uFillTx/>
+                          <a:latin typeface="Arial"/>
+                          <a:ea typeface="DejaVu Sans"/>
+                          <a:cs typeface="DejaVu Sans"/>
+                        </a:rPr>
+                        <a:t>0.</a:t>
+                      </a:r>
+                      <a:endParaRPr lang="en-US" sz="1100" dirty="0"/>
+                    </a:p>
+                  </a:txBody>
+                  <a:tcPr/>
+                </a:tc>
+                <a:extLst>
+                  <a:ext uri="{0D108BD9-81ED-4DB2-BD59-A6C34878D82A}">
+                    <a16:rowId xmlns:a16="http://schemas.microsoft.com/office/drawing/2014/main" val="2034631159"/>
+                  </a:ext>
+                </a:extLst>
+              </a:tr>
+              <a:tr h="312466">
+                <a:tc>
+                  <a:txBody>
+                    <a:bodyPr/>
+                    <a:lstStyle/>
+                    <a:p>
+                      <a:pPr algn="ctr"/>
+                      <a:endParaRPr lang="en-US" sz="1100" dirty="0"/>
+                    </a:p>
+                  </a:txBody>
+                  <a:tcPr/>
+                </a:tc>
+                <a:tc>
+                  <a:txBody>
+                    <a:bodyPr/>
+                    <a:lstStyle/>
+                    <a:p>
+                      <a:pPr algn="ctr"/>
+                      <a:r>
+                        <a:rPr kumimoji="0" lang="en-US" sz="1100" b="0" i="0" u="none" strike="noStrike" kern="1200" cap="none" spc="0" normalizeH="0" baseline="0" noProof="0">
+                          <a:ln>
+                            <a:noFill/>
+                          </a:ln>
+                          <a:solidFill>
+                            <a:prstClr val="black"/>
+                          </a:solidFill>
+                          <a:effectLst/>
+                          <a:uLnTx/>
+                          <a:uFillTx/>
+                          <a:latin typeface="Arial"/>
+                          <a:ea typeface="DejaVu Sans"/>
+                          <a:cs typeface="DejaVu Sans"/>
+                        </a:rPr>
+                        <a:t>0.</a:t>
+                      </a:r>
+                      <a:endParaRPr lang="en-US" sz="1100" dirty="0"/>
+                    </a:p>
+                  </a:txBody>
+                  <a:tcPr/>
+                </a:tc>
+                <a:extLst>
+                  <a:ext uri="{0D108BD9-81ED-4DB2-BD59-A6C34878D82A}">
+                    <a16:rowId xmlns:a16="http://schemas.microsoft.com/office/drawing/2014/main" val="558978840"/>
+                  </a:ext>
+                </a:extLst>
+              </a:tr>
+              <a:tr h="312466">
+                <a:tc>
+                  <a:txBody>
+                    <a:bodyPr/>
+                    <a:lstStyle/>
+                    <a:p>
+                      <a:pPr algn="ctr"/>
+                      <a:endParaRPr lang="en-US" sz="1100" dirty="0"/>
+                    </a:p>
+                  </a:txBody>
+                  <a:tcPr/>
+                </a:tc>
+                <a:tc>
+                  <a:txBody>
+                    <a:bodyPr/>
+                    <a:lstStyle/>
+                    <a:p>
+                      <a:pPr algn="ctr"/>
+                      <a:r>
+                        <a:rPr kumimoji="0" lang="en-US" sz="1100" b="0" i="0" u="none" strike="noStrike" kern="1200" cap="none" spc="0" normalizeH="0" baseline="0" noProof="0">
+                          <a:ln>
+                            <a:noFill/>
+                          </a:ln>
+                          <a:solidFill>
+                            <a:prstClr val="black"/>
+                          </a:solidFill>
+                          <a:effectLst/>
+                          <a:uLnTx/>
+                          <a:uFillTx/>
+                          <a:latin typeface="Arial"/>
+                          <a:ea typeface="DejaVu Sans"/>
+                          <a:cs typeface="DejaVu Sans"/>
+                        </a:rPr>
+                        <a:t>0.</a:t>
+                      </a:r>
+                      <a:endParaRPr lang="en-US" sz="1100" dirty="0"/>
+                    </a:p>
+                  </a:txBody>
+                  <a:tcPr/>
+                </a:tc>
+                <a:extLst>
+                  <a:ext uri="{0D108BD9-81ED-4DB2-BD59-A6C34878D82A}">
+                    <a16:rowId xmlns:a16="http://schemas.microsoft.com/office/drawing/2014/main" val="1934153672"/>
+                  </a:ext>
+                </a:extLst>
+              </a:tr>
+              <a:tr h="312466">
+                <a:tc>
+                  <a:txBody>
+                    <a:bodyPr/>
+                    <a:lstStyle/>
+                    <a:p>
+                      <a:pPr algn="ctr"/>
+                      <a:endParaRPr lang="en-US" sz="1100" dirty="0"/>
+                    </a:p>
+                  </a:txBody>
+                  <a:tcPr/>
+                </a:tc>
+                <a:tc>
+                  <a:txBody>
+                    <a:bodyPr/>
+                    <a:lstStyle/>
+                    <a:p>
+                      <a:pPr algn="ctr"/>
+                      <a:r>
+                        <a:rPr kumimoji="0" lang="en-US" sz="1100" b="0" i="0" u="none" strike="noStrike" kern="1200" cap="none" spc="0" normalizeH="0" baseline="0" noProof="0">
+                          <a:ln>
+                            <a:noFill/>
+                          </a:ln>
+                          <a:solidFill>
+                            <a:prstClr val="black"/>
+                          </a:solidFill>
+                          <a:effectLst/>
+                          <a:uLnTx/>
+                          <a:uFillTx/>
+                          <a:latin typeface="Arial"/>
+                          <a:ea typeface="DejaVu Sans"/>
+                          <a:cs typeface="DejaVu Sans"/>
+                        </a:rPr>
+                        <a:t>0.</a:t>
+                      </a:r>
+                      <a:endParaRPr lang="en-US" sz="1100" dirty="0"/>
+                    </a:p>
+                  </a:txBody>
+                  <a:tcPr/>
+                </a:tc>
+                <a:extLst>
+                  <a:ext uri="{0D108BD9-81ED-4DB2-BD59-A6C34878D82A}">
+                    <a16:rowId xmlns:a16="http://schemas.microsoft.com/office/drawing/2014/main" val="1625926408"/>
+                  </a:ext>
+                </a:extLst>
+              </a:tr>
+              <a:tr h="312466">
+                <a:tc>
+                  <a:txBody>
+                    <a:bodyPr/>
+                    <a:lstStyle/>
+                    <a:p>
+                      <a:pPr algn="ctr"/>
+                      <a:endParaRPr lang="en-US" sz="1100" dirty="0"/>
+                    </a:p>
+                  </a:txBody>
+                  <a:tcPr/>
+                </a:tc>
+                <a:tc>
+                  <a:txBody>
+                    <a:bodyPr/>
+                    <a:lstStyle/>
+                    <a:p>
+                      <a:pPr algn="ctr"/>
+                      <a:r>
+                        <a:rPr kumimoji="0" lang="en-US" sz="1100" b="0" i="0" u="none" strike="noStrike" kern="1200" cap="none" spc="0" normalizeH="0" baseline="0" noProof="0">
+                          <a:ln>
+                            <a:noFill/>
+                          </a:ln>
+                          <a:solidFill>
+                            <a:prstClr val="black"/>
+                          </a:solidFill>
+                          <a:effectLst/>
+                          <a:uLnTx/>
+                          <a:uFillTx/>
+                          <a:latin typeface="Arial"/>
+                          <a:ea typeface="DejaVu Sans"/>
+                          <a:cs typeface="DejaVu Sans"/>
+                        </a:rPr>
+                        <a:t>0.</a:t>
+                      </a:r>
+                      <a:endParaRPr lang="en-US" sz="1100" dirty="0"/>
+                    </a:p>
+                  </a:txBody>
+                  <a:tcPr/>
+                </a:tc>
+                <a:extLst>
+                  <a:ext uri="{0D108BD9-81ED-4DB2-BD59-A6C34878D82A}">
+                    <a16:rowId xmlns:a16="http://schemas.microsoft.com/office/drawing/2014/main" val="3626616282"/>
+                  </a:ext>
+                </a:extLst>
+              </a:tr>
+              <a:tr h="312466">
+                <a:tc>
+                  <a:txBody>
+                    <a:bodyPr/>
+                    <a:lstStyle/>
+                    <a:p>
+                      <a:pPr algn="ctr"/>
+                      <a:endParaRPr lang="en-US" sz="1100" dirty="0"/>
+                    </a:p>
+                  </a:txBody>
+                  <a:tcPr/>
+                </a:tc>
+                <a:tc>
+                  <a:txBody>
+                    <a:bodyPr/>
+                    <a:lstStyle/>
+                    <a:p>
+                      <a:pPr algn="ctr"/>
+                      <a:r>
+                        <a:rPr kumimoji="0" lang="en-US" sz="1100" b="0" i="0" u="none" strike="noStrike" kern="1200" cap="none" spc="0" normalizeH="0" baseline="0" noProof="0" dirty="0">
+                          <a:ln>
+                            <a:noFill/>
+                          </a:ln>
+                          <a:solidFill>
+                            <a:prstClr val="black"/>
+                          </a:solidFill>
+                          <a:effectLst/>
+                          <a:uLnTx/>
+                          <a:uFillTx/>
+                          <a:latin typeface="Arial"/>
+                          <a:ea typeface="DejaVu Sans"/>
+                          <a:cs typeface="DejaVu Sans"/>
+                        </a:rPr>
+                        <a:t>0.</a:t>
+                      </a:r>
+                      <a:endParaRPr lang="en-US" sz="1100" dirty="0"/>
+                    </a:p>
+                  </a:txBody>
+                  <a:tcPr/>
+                </a:tc>
+                <a:extLst>
+                  <a:ext uri="{0D108BD9-81ED-4DB2-BD59-A6C34878D82A}">
+                    <a16:rowId xmlns:a16="http://schemas.microsoft.com/office/drawing/2014/main" val="1454223913"/>
+                  </a:ext>
+                </a:extLst>
+              </a:tr>
+            </a:tbl>
+          </a:graphicData>
+        </a:graphic>
+      </p:graphicFrame>
+    </p:spTree>
+    <p:extLst>
+      <p:ext uri="{BB962C8B-B14F-4D97-AF65-F5344CB8AC3E}">
+        <p14:creationId xmlns:p14="http://schemas.microsoft.com/office/powerpoint/2010/main" val="474695797"/>
+      </p:ext>
+    </p:extLst>
+  </p:cSld>
+  <p:clrMapOvr>
+    <a:masterClrMapping/>
+  </p:clrMapOvr>
+</p:sld>
+</file>
+
+<file path=ppt/slides/slide23.xml><?xml version="1.0" encoding="utf-8"?>
+<p:sld xmlns:a="http://schemas.openxmlformats.org/drawingml/2006/main" xmlns:r="http://schemas.openxmlformats.org/officeDocument/2006/relationships" xmlns:p="http://schemas.openxmlformats.org/presentationml/2006/main">
+  <p:cSld>
+    <p:spTree>
+      <p:nvGrpSpPr>
+        <p:cNvPr id="1" name=""/>
+        <p:cNvGrpSpPr/>
+        <p:nvPr/>
+      </p:nvGrpSpPr>
+      <p:grpSpPr>
+        <a:xfrm>
+          <a:off x="0" y="0"/>
+          <a:ext cx="0" cy="0"/>
+          <a:chOff x="0" y="0"/>
+          <a:chExt cx="0" cy="0"/>
+        </a:xfrm>
+      </p:grpSpPr>
+      <p:sp>
+        <p:nvSpPr>
+          <p:cNvPr id="14" name="TextShape 1">
+            <a:extLst>
+              <a:ext uri="{FF2B5EF4-FFF2-40B4-BE49-F238E27FC236}">
+                <a16:creationId xmlns:a16="http://schemas.microsoft.com/office/drawing/2014/main" id="{E1F05EE2-B06C-4540-900F-B60600BB415B}"/>
+              </a:ext>
+            </a:extLst>
+          </p:cNvPr>
+          <p:cNvSpPr/>
+          <p:nvPr/>
+        </p:nvSpPr>
+        <p:spPr>
+          <a:xfrm>
+            <a:off x="468000" y="468000"/>
+            <a:ext cx="9071640" cy="946440"/>
+          </a:xfrm>
+          <a:prstGeom prst="rect">
+            <a:avLst/>
+          </a:prstGeom>
+          <a:noFill/>
+          <a:ln w="0">
+            <a:noFill/>
+          </a:ln>
+        </p:spPr>
+        <p:style>
+          <a:lnRef idx="0">
+            <a:scrgbClr r="0" g="0" b="0"/>
+          </a:lnRef>
+          <a:fillRef idx="0">
+            <a:scrgbClr r="0" g="0" b="0"/>
+          </a:fillRef>
+          <a:effectRef idx="0">
+            <a:scrgbClr r="0" g="0" b="0"/>
+          </a:effectRef>
+          <a:fontRef idx="minor"/>
+        </p:style>
+        <p:txBody>
+          <a:bodyPr lIns="0" tIns="0" rIns="0" bIns="0" anchor="ctr">
+            <a:normAutofit fontScale="92500" lnSpcReduction="10000"/>
+          </a:bodyPr>
+          <a:lstStyle/>
+          <a:p>
+            <a:pPr marL="0" marR="0" lvl="0" indent="0" algn="l" defTabSz="914400" rtl="0" eaLnBrk="1" fontAlgn="auto" latinLnBrk="0" hangingPunct="1">
+              <a:lnSpc>
+                <a:spcPct val="90000"/>
+              </a:lnSpc>
+              <a:spcBef>
+                <a:spcPct val="0"/>
+              </a:spcBef>
+              <a:spcAft>
+                <a:spcPts val="600"/>
+              </a:spcAft>
+              <a:buClrTx/>
+              <a:buSzTx/>
+              <a:buFontTx/>
+              <a:buNone/>
+              <a:tabLst/>
+              <a:defRPr/>
+            </a:pPr>
+            <a:r>
+              <a:rPr kumimoji="0" lang="en-US" sz="3600" b="1" i="0" u="none" strike="noStrike" kern="1200" cap="none" spc="-1" normalizeH="0" baseline="0" noProof="0" dirty="0">
+                <a:ln>
+                  <a:noFill/>
+                </a:ln>
+                <a:solidFill>
+                  <a:prstClr val="black"/>
+                </a:solidFill>
+                <a:effectLst/>
+                <a:uLnTx/>
+                <a:uFillTx/>
+                <a:latin typeface="Arial"/>
+                <a:ea typeface="DejaVu Sans"/>
+                <a:cs typeface="DejaVu Sans"/>
+              </a:rPr>
+              <a:t>Fetching Best Features</a:t>
+            </a:r>
+          </a:p>
+          <a:p>
+            <a:pPr marL="0" marR="0" lvl="0" indent="0" algn="l" defTabSz="914400" rtl="0" eaLnBrk="1" fontAlgn="auto" latinLnBrk="0" hangingPunct="1">
+              <a:lnSpc>
+                <a:spcPct val="90000"/>
+              </a:lnSpc>
+              <a:spcBef>
+                <a:spcPct val="0"/>
+              </a:spcBef>
+              <a:spcAft>
+                <a:spcPts val="600"/>
+              </a:spcAft>
+              <a:buClrTx/>
+              <a:buSzTx/>
+              <a:buFontTx/>
+              <a:buNone/>
+              <a:tabLst/>
+              <a:defRPr/>
+            </a:pPr>
+            <a:r>
+              <a:rPr kumimoji="0" lang="en-US" sz="3600" b="1" i="0" u="none" strike="noStrike" kern="1200" cap="none" spc="-1" normalizeH="0" baseline="0" noProof="0" dirty="0">
+                <a:ln>
+                  <a:noFill/>
+                </a:ln>
+                <a:solidFill>
+                  <a:prstClr val="black"/>
+                </a:solidFill>
+                <a:effectLst/>
+                <a:uLnTx/>
+                <a:uFillTx/>
+                <a:latin typeface="Arial"/>
+                <a:ea typeface="DejaVu Sans"/>
+                <a:cs typeface="DejaVu Sans"/>
+              </a:rPr>
+              <a:t>using XGBoost</a:t>
+            </a:r>
+          </a:p>
+        </p:txBody>
+      </p:sp>
+      <p:sp>
+        <p:nvSpPr>
+          <p:cNvPr id="17" name="TextBox 16">
+            <a:extLst>
+              <a:ext uri="{FF2B5EF4-FFF2-40B4-BE49-F238E27FC236}">
+                <a16:creationId xmlns:a16="http://schemas.microsoft.com/office/drawing/2014/main" id="{2DB61A6B-B681-46FB-B254-DE6EBD71AE8E}"/>
+              </a:ext>
+            </a:extLst>
+          </p:cNvPr>
+          <p:cNvSpPr txBox="1"/>
+          <p:nvPr/>
+        </p:nvSpPr>
+        <p:spPr>
+          <a:xfrm>
+            <a:off x="6452340" y="2420204"/>
+            <a:ext cx="1316219" cy="691697"/>
+          </a:xfrm>
+          <a:prstGeom prst="rect">
+            <a:avLst/>
+          </a:prstGeom>
+          <a:noFill/>
+          <a:ln w="0">
+            <a:noFill/>
+          </a:ln>
+        </p:spPr>
+        <p:txBody>
+          <a:bodyPr lIns="90000" tIns="45000" rIns="90000" bIns="45000" anchor="t">
+            <a:noAutofit/>
+          </a:bodyPr>
+          <a:lstStyle/>
+          <a:p>
+            <a:pPr marL="0" marR="0" lvl="0" indent="0" algn="ctr" defTabSz="914400" rtl="0" eaLnBrk="1" fontAlgn="auto" latinLnBrk="0" hangingPunct="1">
+              <a:lnSpc>
+                <a:spcPct val="100000"/>
+              </a:lnSpc>
+              <a:spcBef>
+                <a:spcPts val="0"/>
+              </a:spcBef>
+              <a:spcAft>
+                <a:spcPts val="0"/>
+              </a:spcAft>
+              <a:buClrTx/>
+              <a:buSzTx/>
+              <a:buFontTx/>
+              <a:buNone/>
+              <a:tabLst/>
+              <a:defRPr/>
+            </a:pPr>
+            <a:r>
+              <a:rPr kumimoji="0" lang="en-US" sz="1600" b="1" i="0" u="none" strike="noStrike" kern="1200" cap="none" spc="-1" normalizeH="0" baseline="0" noProof="0" dirty="0">
+                <a:ln>
+                  <a:noFill/>
+                </a:ln>
+                <a:solidFill>
+                  <a:srgbClr val="666666"/>
+                </a:solidFill>
+                <a:effectLst/>
+                <a:uLnTx/>
+                <a:uFillTx/>
+                <a:latin typeface="Noto Sans"/>
+                <a:ea typeface="DejaVu Sans"/>
+                <a:cs typeface="DejaVu Sans"/>
+              </a:rPr>
+              <a:t>Previous</a:t>
+            </a:r>
+          </a:p>
+          <a:p>
+            <a:pPr marL="0" marR="0" lvl="0" indent="0" algn="ctr" defTabSz="914400" rtl="0" eaLnBrk="1" fontAlgn="auto" latinLnBrk="0" hangingPunct="1">
+              <a:lnSpc>
+                <a:spcPct val="100000"/>
+              </a:lnSpc>
+              <a:spcBef>
+                <a:spcPts val="0"/>
+              </a:spcBef>
+              <a:spcAft>
+                <a:spcPts val="0"/>
+              </a:spcAft>
+              <a:buClrTx/>
+              <a:buSzTx/>
+              <a:buFontTx/>
+              <a:buNone/>
+              <a:tabLst/>
+              <a:defRPr/>
+            </a:pPr>
+            <a:r>
+              <a:rPr kumimoji="0" lang="en-US" sz="1600" b="1" i="0" u="none" strike="noStrike" kern="1200" cap="none" spc="-1" normalizeH="0" baseline="0" noProof="0" dirty="0">
+                <a:ln>
+                  <a:noFill/>
+                </a:ln>
+                <a:solidFill>
+                  <a:srgbClr val="666666"/>
+                </a:solidFill>
+                <a:effectLst/>
+                <a:uLnTx/>
+                <a:uFillTx/>
+                <a:latin typeface="Noto Sans"/>
+                <a:ea typeface="DejaVu Sans"/>
+                <a:cs typeface="DejaVu Sans"/>
+              </a:rPr>
+              <a:t>#Features</a:t>
+            </a:r>
+            <a:endParaRPr kumimoji="0" lang="en-US" sz="1500" b="1" i="0" u="none" strike="noStrike" kern="1200" cap="none" spc="-1" normalizeH="0" baseline="0" noProof="0" dirty="0">
+              <a:ln>
+                <a:noFill/>
+              </a:ln>
+              <a:solidFill>
+                <a:prstClr val="black"/>
+              </a:solidFill>
+              <a:effectLst/>
+              <a:uLnTx/>
+              <a:uFillTx/>
+              <a:latin typeface="Arial"/>
+              <a:ea typeface="DejaVu Sans"/>
+              <a:cs typeface="DejaVu Sans"/>
+            </a:endParaRPr>
+          </a:p>
+        </p:txBody>
+      </p:sp>
+      <p:sp>
+        <p:nvSpPr>
+          <p:cNvPr id="18" name="TextBox 17">
+            <a:extLst>
+              <a:ext uri="{FF2B5EF4-FFF2-40B4-BE49-F238E27FC236}">
+                <a16:creationId xmlns:a16="http://schemas.microsoft.com/office/drawing/2014/main" id="{707E1AAD-72DD-474B-89DB-78379B0DCE76}"/>
+              </a:ext>
+            </a:extLst>
+          </p:cNvPr>
+          <p:cNvSpPr txBox="1"/>
+          <p:nvPr/>
+        </p:nvSpPr>
+        <p:spPr>
+          <a:xfrm>
+            <a:off x="6452340" y="3802752"/>
+            <a:ext cx="1316219" cy="691697"/>
+          </a:xfrm>
+          <a:prstGeom prst="rect">
+            <a:avLst/>
+          </a:prstGeom>
+          <a:noFill/>
+          <a:ln w="0">
+            <a:noFill/>
+          </a:ln>
+        </p:spPr>
+        <p:txBody>
+          <a:bodyPr lIns="90000" tIns="45000" rIns="90000" bIns="45000" anchor="t">
+            <a:noAutofit/>
+          </a:bodyPr>
+          <a:lstStyle/>
+          <a:p>
+            <a:pPr marL="0" marR="0" lvl="0" indent="0" algn="ctr" defTabSz="914400" rtl="0" eaLnBrk="1" fontAlgn="auto" latinLnBrk="0" hangingPunct="1">
+              <a:lnSpc>
+                <a:spcPct val="100000"/>
+              </a:lnSpc>
+              <a:spcBef>
+                <a:spcPts val="0"/>
+              </a:spcBef>
+              <a:spcAft>
+                <a:spcPts val="0"/>
+              </a:spcAft>
+              <a:buClrTx/>
+              <a:buSzTx/>
+              <a:buFontTx/>
+              <a:buNone/>
+              <a:tabLst/>
+              <a:defRPr/>
+            </a:pPr>
+            <a:r>
+              <a:rPr kumimoji="0" lang="en-US" sz="1600" b="1" i="0" u="none" strike="noStrike" kern="1200" cap="none" spc="-1" normalizeH="0" baseline="0" noProof="0" dirty="0">
+                <a:ln>
+                  <a:noFill/>
+                </a:ln>
+                <a:solidFill>
+                  <a:srgbClr val="666666"/>
+                </a:solidFill>
+                <a:effectLst/>
+                <a:uLnTx/>
+                <a:uFillTx/>
+                <a:latin typeface="Noto Sans"/>
+                <a:ea typeface="DejaVu Sans"/>
+                <a:cs typeface="DejaVu Sans"/>
+              </a:rPr>
+              <a:t>Best</a:t>
+            </a:r>
+          </a:p>
+          <a:p>
+            <a:pPr marL="0" marR="0" lvl="0" indent="0" algn="ctr" defTabSz="914400" rtl="0" eaLnBrk="1" fontAlgn="auto" latinLnBrk="0" hangingPunct="1">
+              <a:lnSpc>
+                <a:spcPct val="100000"/>
+              </a:lnSpc>
+              <a:spcBef>
+                <a:spcPts val="0"/>
+              </a:spcBef>
+              <a:spcAft>
+                <a:spcPts val="0"/>
+              </a:spcAft>
+              <a:buClrTx/>
+              <a:buSzTx/>
+              <a:buFontTx/>
+              <a:buNone/>
+              <a:tabLst/>
+              <a:defRPr/>
+            </a:pPr>
+            <a:r>
+              <a:rPr kumimoji="0" lang="en-US" sz="1600" b="1" i="0" u="none" strike="noStrike" kern="1200" cap="none" spc="-1" normalizeH="0" baseline="0" noProof="0" dirty="0">
+                <a:ln>
+                  <a:noFill/>
+                </a:ln>
+                <a:solidFill>
+                  <a:srgbClr val="666666"/>
+                </a:solidFill>
+                <a:effectLst/>
+                <a:uLnTx/>
+                <a:uFillTx/>
+                <a:latin typeface="Noto Sans"/>
+                <a:ea typeface="DejaVu Sans"/>
+                <a:cs typeface="DejaVu Sans"/>
+              </a:rPr>
+              <a:t>#Features</a:t>
+            </a:r>
+            <a:endParaRPr kumimoji="0" lang="en-US" sz="1500" b="1" i="0" u="none" strike="noStrike" kern="1200" cap="none" spc="-1" normalizeH="0" baseline="0" noProof="0" dirty="0">
+              <a:ln>
+                <a:noFill/>
+              </a:ln>
+              <a:solidFill>
+                <a:prstClr val="black"/>
+              </a:solidFill>
+              <a:effectLst/>
+              <a:uLnTx/>
+              <a:uFillTx/>
+              <a:latin typeface="Arial"/>
+              <a:ea typeface="DejaVu Sans"/>
+              <a:cs typeface="DejaVu Sans"/>
+            </a:endParaRPr>
+          </a:p>
+        </p:txBody>
+      </p:sp>
+      <p:cxnSp>
+        <p:nvCxnSpPr>
+          <p:cNvPr id="3" name="Straight Arrow Connector 2">
+            <a:extLst>
+              <a:ext uri="{FF2B5EF4-FFF2-40B4-BE49-F238E27FC236}">
+                <a16:creationId xmlns:a16="http://schemas.microsoft.com/office/drawing/2014/main" id="{1DE963B6-CDF5-498A-9F76-D350C033204A}"/>
+              </a:ext>
+            </a:extLst>
+          </p:cNvPr>
+          <p:cNvCxnSpPr>
+            <a:cxnSpLocks/>
+          </p:cNvCxnSpPr>
+          <p:nvPr/>
+        </p:nvCxnSpPr>
+        <p:spPr>
+          <a:xfrm>
+            <a:off x="7110449" y="3111901"/>
+            <a:ext cx="0" cy="528640"/>
+          </a:xfrm>
+          <a:prstGeom prst="straightConnector1">
+            <a:avLst/>
+          </a:prstGeom>
+          <a:ln>
+            <a:tailEnd type="triangle"/>
+          </a:ln>
+        </p:spPr>
+        <p:style>
+          <a:lnRef idx="3">
+            <a:schemeClr val="dk1"/>
+          </a:lnRef>
+          <a:fillRef idx="0">
+            <a:schemeClr val="dk1"/>
+          </a:fillRef>
+          <a:effectRef idx="2">
+            <a:schemeClr val="dk1"/>
+          </a:effectRef>
+          <a:fontRef idx="minor">
+            <a:schemeClr val="tx1"/>
+          </a:fontRef>
+        </p:style>
+      </p:cxnSp>
+      <p:graphicFrame>
+        <p:nvGraphicFramePr>
+          <p:cNvPr id="8" name="Table 15">
+            <a:extLst>
+              <a:ext uri="{FF2B5EF4-FFF2-40B4-BE49-F238E27FC236}">
+                <a16:creationId xmlns:a16="http://schemas.microsoft.com/office/drawing/2014/main" id="{C43BB518-54EF-4A91-BC12-C2BE6159752C}"/>
+              </a:ext>
+            </a:extLst>
+          </p:cNvPr>
+          <p:cNvGraphicFramePr>
+            <a:graphicFrameLocks noGrp="1"/>
+          </p:cNvGraphicFramePr>
+          <p:nvPr>
+            <p:extLst/>
+          </p:nvPr>
+        </p:nvGraphicFramePr>
+        <p:xfrm>
+          <a:off x="1526910" y="1959429"/>
+          <a:ext cx="3803180" cy="2820037"/>
+        </p:xfrm>
+        <a:graphic>
+          <a:graphicData uri="http://schemas.openxmlformats.org/drawingml/2006/table">
+            <a:tbl>
+              <a:tblPr firstRow="1" bandRow="1">
+                <a:tableStyleId>{9D7B26C5-4107-4FEC-AEDC-1716B250A1EF}</a:tableStyleId>
+              </a:tblPr>
+              <a:tblGrid>
+                <a:gridCol w="2762149">
+                  <a:extLst>
+                    <a:ext uri="{9D8B030D-6E8A-4147-A177-3AD203B41FA5}">
+                      <a16:colId xmlns:a16="http://schemas.microsoft.com/office/drawing/2014/main" val="4037665219"/>
+                    </a:ext>
+                  </a:extLst>
+                </a:gridCol>
+                <a:gridCol w="1041031">
+                  <a:extLst>
+                    <a:ext uri="{9D8B030D-6E8A-4147-A177-3AD203B41FA5}">
+                      <a16:colId xmlns:a16="http://schemas.microsoft.com/office/drawing/2014/main" val="2444402967"/>
+                    </a:ext>
+                  </a:extLst>
+                </a:gridCol>
+              </a:tblGrid>
+              <a:tr h="320309">
+                <a:tc>
+                  <a:txBody>
+                    <a:bodyPr/>
+                    <a:lstStyle/>
+                    <a:p>
+                      <a:pPr algn="ctr"/>
+                      <a:r>
+                        <a:rPr lang="en-US" sz="1100" dirty="0"/>
+                        <a:t>Feature</a:t>
+                      </a:r>
+                    </a:p>
+                  </a:txBody>
+                  <a:tcPr/>
+                </a:tc>
+                <a:tc>
+                  <a:txBody>
+                    <a:bodyPr/>
+                    <a:lstStyle/>
+                    <a:p>
+                      <a:pPr algn="ctr"/>
+                      <a:r>
+                        <a:rPr lang="en-US" sz="1100" dirty="0"/>
+                        <a:t>Gain</a:t>
+                      </a:r>
+                    </a:p>
+                  </a:txBody>
+                  <a:tcPr/>
+                </a:tc>
+                <a:extLst>
+                  <a:ext uri="{0D108BD9-81ED-4DB2-BD59-A6C34878D82A}">
+                    <a16:rowId xmlns:a16="http://schemas.microsoft.com/office/drawing/2014/main" val="3773729332"/>
+                  </a:ext>
+                </a:extLst>
+              </a:tr>
+              <a:tr h="312466">
+                <a:tc>
+                  <a:txBody>
+                    <a:bodyPr/>
+                    <a:lstStyle/>
+                    <a:p>
+                      <a:pPr algn="ctr"/>
+                      <a:endParaRPr lang="en-US" sz="1100" dirty="0"/>
+                    </a:p>
+                  </a:txBody>
+                  <a:tcPr/>
+                </a:tc>
+                <a:tc>
+                  <a:txBody>
+                    <a:bodyPr/>
+                    <a:lstStyle/>
+                    <a:p>
+                      <a:pPr algn="ctr"/>
+                      <a:r>
+                        <a:rPr kumimoji="0" lang="en-US" sz="1100" b="0" i="0" u="none" strike="noStrike" kern="1200" cap="none" spc="0" normalizeH="0" baseline="0" noProof="0">
+                          <a:ln>
+                            <a:noFill/>
+                          </a:ln>
+                          <a:solidFill>
+                            <a:prstClr val="black"/>
+                          </a:solidFill>
+                          <a:effectLst/>
+                          <a:uLnTx/>
+                          <a:uFillTx/>
+                          <a:latin typeface="Arial"/>
+                          <a:ea typeface="DejaVu Sans"/>
+                          <a:cs typeface="DejaVu Sans"/>
+                        </a:rPr>
+                        <a:t>0.</a:t>
+                      </a:r>
+                      <a:endParaRPr lang="en-US" sz="1100" dirty="0"/>
+                    </a:p>
+                  </a:txBody>
+                  <a:tcPr/>
+                </a:tc>
+                <a:extLst>
+                  <a:ext uri="{0D108BD9-81ED-4DB2-BD59-A6C34878D82A}">
+                    <a16:rowId xmlns:a16="http://schemas.microsoft.com/office/drawing/2014/main" val="3069579961"/>
+                  </a:ext>
+                </a:extLst>
+              </a:tr>
+              <a:tr h="312466">
+                <a:tc>
+                  <a:txBody>
+                    <a:bodyPr/>
+                    <a:lstStyle/>
+                    <a:p>
+                      <a:pPr algn="ctr"/>
+                      <a:endParaRPr lang="en-US" sz="1100" dirty="0"/>
+                    </a:p>
+                  </a:txBody>
+                  <a:tcPr/>
+                </a:tc>
+                <a:tc>
+                  <a:txBody>
+                    <a:bodyPr/>
+                    <a:lstStyle/>
+                    <a:p>
+                      <a:pPr algn="ctr"/>
+                      <a:r>
+                        <a:rPr kumimoji="0" lang="en-US" sz="1100" b="0" i="0" u="none" strike="noStrike" kern="1200" cap="none" spc="0" normalizeH="0" baseline="0" noProof="0">
+                          <a:ln>
+                            <a:noFill/>
+                          </a:ln>
+                          <a:solidFill>
+                            <a:prstClr val="black"/>
+                          </a:solidFill>
+                          <a:effectLst/>
+                          <a:uLnTx/>
+                          <a:uFillTx/>
+                          <a:latin typeface="Arial"/>
+                          <a:ea typeface="DejaVu Sans"/>
+                          <a:cs typeface="DejaVu Sans"/>
+                        </a:rPr>
+                        <a:t>0.</a:t>
+                      </a:r>
+                      <a:endParaRPr lang="en-US" sz="1100" dirty="0"/>
+                    </a:p>
+                  </a:txBody>
+                  <a:tcPr/>
+                </a:tc>
+                <a:extLst>
+                  <a:ext uri="{0D108BD9-81ED-4DB2-BD59-A6C34878D82A}">
+                    <a16:rowId xmlns:a16="http://schemas.microsoft.com/office/drawing/2014/main" val="4035758726"/>
+                  </a:ext>
+                </a:extLst>
+              </a:tr>
+              <a:tr h="312466">
+                <a:tc>
+                  <a:txBody>
+                    <a:bodyPr/>
+                    <a:lstStyle/>
+                    <a:p>
+                      <a:pPr algn="ctr"/>
+                      <a:endParaRPr lang="en-US" sz="1100" dirty="0"/>
+                    </a:p>
+                  </a:txBody>
+                  <a:tcPr/>
+                </a:tc>
+                <a:tc>
+                  <a:txBody>
+                    <a:bodyPr/>
+                    <a:lstStyle/>
+                    <a:p>
+                      <a:pPr algn="ctr"/>
+                      <a:r>
+                        <a:rPr kumimoji="0" lang="en-US" sz="1100" b="0" i="0" u="none" strike="noStrike" kern="1200" cap="none" spc="0" normalizeH="0" baseline="0" noProof="0">
+                          <a:ln>
+                            <a:noFill/>
+                          </a:ln>
+                          <a:solidFill>
+                            <a:prstClr val="black"/>
+                          </a:solidFill>
+                          <a:effectLst/>
+                          <a:uLnTx/>
+                          <a:uFillTx/>
+                          <a:latin typeface="Arial"/>
+                          <a:ea typeface="DejaVu Sans"/>
+                          <a:cs typeface="DejaVu Sans"/>
+                        </a:rPr>
+                        <a:t>0.</a:t>
+                      </a:r>
+                      <a:endParaRPr lang="en-US" sz="1100" dirty="0"/>
+                    </a:p>
+                  </a:txBody>
+                  <a:tcPr/>
+                </a:tc>
+                <a:extLst>
+                  <a:ext uri="{0D108BD9-81ED-4DB2-BD59-A6C34878D82A}">
+                    <a16:rowId xmlns:a16="http://schemas.microsoft.com/office/drawing/2014/main" val="2034631159"/>
+                  </a:ext>
+                </a:extLst>
+              </a:tr>
+              <a:tr h="312466">
+                <a:tc>
+                  <a:txBody>
+                    <a:bodyPr/>
+                    <a:lstStyle/>
+                    <a:p>
+                      <a:pPr algn="ctr"/>
+                      <a:endParaRPr lang="en-US" sz="1100" dirty="0"/>
+                    </a:p>
+                  </a:txBody>
+                  <a:tcPr/>
+                </a:tc>
+                <a:tc>
+                  <a:txBody>
+                    <a:bodyPr/>
+                    <a:lstStyle/>
+                    <a:p>
+                      <a:pPr algn="ctr"/>
+                      <a:r>
+                        <a:rPr kumimoji="0" lang="en-US" sz="1100" b="0" i="0" u="none" strike="noStrike" kern="1200" cap="none" spc="0" normalizeH="0" baseline="0" noProof="0">
+                          <a:ln>
+                            <a:noFill/>
+                          </a:ln>
+                          <a:solidFill>
+                            <a:prstClr val="black"/>
+                          </a:solidFill>
+                          <a:effectLst/>
+                          <a:uLnTx/>
+                          <a:uFillTx/>
+                          <a:latin typeface="Arial"/>
+                          <a:ea typeface="DejaVu Sans"/>
+                          <a:cs typeface="DejaVu Sans"/>
+                        </a:rPr>
+                        <a:t>0.</a:t>
+                      </a:r>
+                      <a:endParaRPr lang="en-US" sz="1100" dirty="0"/>
+                    </a:p>
+                  </a:txBody>
+                  <a:tcPr/>
+                </a:tc>
+                <a:extLst>
+                  <a:ext uri="{0D108BD9-81ED-4DB2-BD59-A6C34878D82A}">
+                    <a16:rowId xmlns:a16="http://schemas.microsoft.com/office/drawing/2014/main" val="558978840"/>
+                  </a:ext>
+                </a:extLst>
+              </a:tr>
+              <a:tr h="312466">
+                <a:tc>
+                  <a:txBody>
+                    <a:bodyPr/>
+                    <a:lstStyle/>
+                    <a:p>
+                      <a:pPr algn="ctr"/>
+                      <a:endParaRPr lang="en-US" sz="1100" dirty="0"/>
+                    </a:p>
+                  </a:txBody>
+                  <a:tcPr/>
+                </a:tc>
+                <a:tc>
+                  <a:txBody>
+                    <a:bodyPr/>
+                    <a:lstStyle/>
+                    <a:p>
+                      <a:pPr algn="ctr"/>
+                      <a:r>
+                        <a:rPr kumimoji="0" lang="en-US" sz="1100" b="0" i="0" u="none" strike="noStrike" kern="1200" cap="none" spc="0" normalizeH="0" baseline="0" noProof="0">
+                          <a:ln>
+                            <a:noFill/>
+                          </a:ln>
+                          <a:solidFill>
+                            <a:prstClr val="black"/>
+                          </a:solidFill>
+                          <a:effectLst/>
+                          <a:uLnTx/>
+                          <a:uFillTx/>
+                          <a:latin typeface="Arial"/>
+                          <a:ea typeface="DejaVu Sans"/>
+                          <a:cs typeface="DejaVu Sans"/>
+                        </a:rPr>
+                        <a:t>0.</a:t>
+                      </a:r>
+                      <a:endParaRPr lang="en-US" sz="1100" dirty="0"/>
+                    </a:p>
+                  </a:txBody>
+                  <a:tcPr/>
+                </a:tc>
+                <a:extLst>
+                  <a:ext uri="{0D108BD9-81ED-4DB2-BD59-A6C34878D82A}">
+                    <a16:rowId xmlns:a16="http://schemas.microsoft.com/office/drawing/2014/main" val="1934153672"/>
+                  </a:ext>
+                </a:extLst>
+              </a:tr>
+              <a:tr h="312466">
+                <a:tc>
+                  <a:txBody>
+                    <a:bodyPr/>
+                    <a:lstStyle/>
+                    <a:p>
+                      <a:pPr algn="ctr"/>
+                      <a:endParaRPr lang="en-US" sz="1100" dirty="0"/>
+                    </a:p>
+                  </a:txBody>
+                  <a:tcPr/>
+                </a:tc>
+                <a:tc>
+                  <a:txBody>
+                    <a:bodyPr/>
+                    <a:lstStyle/>
+                    <a:p>
+                      <a:pPr algn="ctr"/>
+                      <a:r>
+                        <a:rPr kumimoji="0" lang="en-US" sz="1100" b="0" i="0" u="none" strike="noStrike" kern="1200" cap="none" spc="0" normalizeH="0" baseline="0" noProof="0">
+                          <a:ln>
+                            <a:noFill/>
+                          </a:ln>
+                          <a:solidFill>
+                            <a:prstClr val="black"/>
+                          </a:solidFill>
+                          <a:effectLst/>
+                          <a:uLnTx/>
+                          <a:uFillTx/>
+                          <a:latin typeface="Arial"/>
+                          <a:ea typeface="DejaVu Sans"/>
+                          <a:cs typeface="DejaVu Sans"/>
+                        </a:rPr>
+                        <a:t>0.</a:t>
+                      </a:r>
+                      <a:endParaRPr lang="en-US" sz="1100" dirty="0"/>
+                    </a:p>
+                  </a:txBody>
+                  <a:tcPr/>
+                </a:tc>
+                <a:extLst>
+                  <a:ext uri="{0D108BD9-81ED-4DB2-BD59-A6C34878D82A}">
+                    <a16:rowId xmlns:a16="http://schemas.microsoft.com/office/drawing/2014/main" val="1625926408"/>
+                  </a:ext>
+                </a:extLst>
+              </a:tr>
+              <a:tr h="312466">
+                <a:tc>
+                  <a:txBody>
+                    <a:bodyPr/>
+                    <a:lstStyle/>
+                    <a:p>
+                      <a:pPr algn="ctr"/>
+                      <a:endParaRPr lang="en-US" sz="1100" dirty="0"/>
+                    </a:p>
+                  </a:txBody>
+                  <a:tcPr/>
+                </a:tc>
+                <a:tc>
+                  <a:txBody>
+                    <a:bodyPr/>
+                    <a:lstStyle/>
+                    <a:p>
+                      <a:pPr algn="ctr"/>
+                      <a:r>
+                        <a:rPr kumimoji="0" lang="en-US" sz="1100" b="0" i="0" u="none" strike="noStrike" kern="1200" cap="none" spc="0" normalizeH="0" baseline="0" noProof="0">
+                          <a:ln>
+                            <a:noFill/>
+                          </a:ln>
+                          <a:solidFill>
+                            <a:prstClr val="black"/>
+                          </a:solidFill>
+                          <a:effectLst/>
+                          <a:uLnTx/>
+                          <a:uFillTx/>
+                          <a:latin typeface="Arial"/>
+                          <a:ea typeface="DejaVu Sans"/>
+                          <a:cs typeface="DejaVu Sans"/>
+                        </a:rPr>
+                        <a:t>0.</a:t>
+                      </a:r>
+                      <a:endParaRPr lang="en-US" sz="1100" dirty="0"/>
+                    </a:p>
+                  </a:txBody>
+                  <a:tcPr/>
+                </a:tc>
+                <a:extLst>
+                  <a:ext uri="{0D108BD9-81ED-4DB2-BD59-A6C34878D82A}">
+                    <a16:rowId xmlns:a16="http://schemas.microsoft.com/office/drawing/2014/main" val="3626616282"/>
+                  </a:ext>
+                </a:extLst>
+              </a:tr>
+              <a:tr h="312466">
+                <a:tc>
+                  <a:txBody>
+                    <a:bodyPr/>
+                    <a:lstStyle/>
+                    <a:p>
+                      <a:pPr algn="ctr"/>
+                      <a:endParaRPr lang="en-US" sz="1100" dirty="0"/>
+                    </a:p>
+                  </a:txBody>
+                  <a:tcPr/>
+                </a:tc>
+                <a:tc>
+                  <a:txBody>
+                    <a:bodyPr/>
+                    <a:lstStyle/>
+                    <a:p>
+                      <a:pPr algn="ctr"/>
+                      <a:r>
+                        <a:rPr kumimoji="0" lang="en-US" sz="1100" b="0" i="0" u="none" strike="noStrike" kern="1200" cap="none" spc="0" normalizeH="0" baseline="0" noProof="0" dirty="0">
+                          <a:ln>
+                            <a:noFill/>
+                          </a:ln>
+                          <a:solidFill>
+                            <a:prstClr val="black"/>
+                          </a:solidFill>
+                          <a:effectLst/>
+                          <a:uLnTx/>
+                          <a:uFillTx/>
+                          <a:latin typeface="Arial"/>
+                          <a:ea typeface="DejaVu Sans"/>
+                          <a:cs typeface="DejaVu Sans"/>
+                        </a:rPr>
+                        <a:t>0.</a:t>
+                      </a:r>
+                      <a:endParaRPr lang="en-US" sz="1100" dirty="0"/>
+                    </a:p>
+                  </a:txBody>
+                  <a:tcPr/>
+                </a:tc>
+                <a:extLst>
+                  <a:ext uri="{0D108BD9-81ED-4DB2-BD59-A6C34878D82A}">
+                    <a16:rowId xmlns:a16="http://schemas.microsoft.com/office/drawing/2014/main" val="1454223913"/>
+                  </a:ext>
+                </a:extLst>
+              </a:tr>
+            </a:tbl>
+          </a:graphicData>
+        </a:graphic>
+      </p:graphicFrame>
+    </p:spTree>
+    <p:extLst>
+      <p:ext uri="{BB962C8B-B14F-4D97-AF65-F5344CB8AC3E}">
+        <p14:creationId xmlns:p14="http://schemas.microsoft.com/office/powerpoint/2010/main" val="4141386781"/>
+      </p:ext>
+    </p:extLst>
+  </p:cSld>
+  <p:clrMapOvr>
+    <a:masterClrMapping/>
+  </p:clrMapOvr>
+</p:sld>
+</file>
+
+<file path=ppt/slides/slide24.xml><?xml version="1.0" encoding="utf-8"?>
+<p:sld xmlns:a="http://schemas.openxmlformats.org/drawingml/2006/main" xmlns:r="http://schemas.openxmlformats.org/officeDocument/2006/relationships" xmlns:p="http://schemas.openxmlformats.org/presentationml/2006/main">
+  <p:cSld>
+    <p:spTree>
+      <p:nvGrpSpPr>
+        <p:cNvPr id="1" name=""/>
+        <p:cNvGrpSpPr/>
+        <p:nvPr/>
+      </p:nvGrpSpPr>
+      <p:grpSpPr>
+        <a:xfrm>
+          <a:off x="0" y="0"/>
+          <a:ext cx="0" cy="0"/>
+          <a:chOff x="0" y="0"/>
+          <a:chExt cx="0" cy="0"/>
+        </a:xfrm>
+      </p:grpSpPr>
+      <p:sp>
+        <p:nvSpPr>
+          <p:cNvPr id="22" name="Rectangle 21">
+            <a:extLst>
+              <a:ext uri="{FF2B5EF4-FFF2-40B4-BE49-F238E27FC236}">
+                <a16:creationId xmlns:a16="http://schemas.microsoft.com/office/drawing/2014/main" id="{C752456E-2E7C-46EC-86C2-F21ABCB17540}"/>
+              </a:ext>
+            </a:extLst>
+          </p:cNvPr>
+          <p:cNvSpPr/>
+          <p:nvPr/>
+        </p:nvSpPr>
+        <p:spPr>
+          <a:xfrm>
+            <a:off x="9518578" y="4643960"/>
+            <a:ext cx="1463040" cy="1549190"/>
+          </a:xfrm>
+          <a:prstGeom prst="rect">
+            <a:avLst/>
+          </a:prstGeom>
+          <a:solidFill>
+            <a:srgbClr val="F3F5F7"/>
+          </a:solidFill>
+          <a:ln>
+            <a:solidFill>
+              <a:srgbClr val="F3F5F7"/>
+            </a:solidFill>
+          </a:ln>
+        </p:spPr>
+        <p:style>
+          <a:lnRef idx="2">
+            <a:schemeClr val="accent1">
+              <a:shade val="50000"/>
+            </a:schemeClr>
+          </a:lnRef>
+          <a:fillRef idx="1">
+            <a:schemeClr val="accent1"/>
+          </a:fillRef>
+          <a:effectRef idx="0">
+            <a:schemeClr val="accent1"/>
+          </a:effectRef>
+          <a:fontRef idx="minor">
+            <a:schemeClr val="lt1"/>
+          </a:fontRef>
+        </p:style>
+        <p:txBody>
+          <a:bodyPr rtlCol="0" anchor="ctr"/>
+          <a:lstStyle/>
+          <a:p>
+            <a:pPr marL="0" marR="0" lvl="0" indent="0" algn="ctr" defTabSz="914400" rtl="0" eaLnBrk="1" fontAlgn="auto" latinLnBrk="0" hangingPunct="1">
+              <a:lnSpc>
+                <a:spcPct val="100000"/>
+              </a:lnSpc>
+              <a:spcBef>
+                <a:spcPts val="0"/>
+              </a:spcBef>
+              <a:spcAft>
+                <a:spcPts val="0"/>
+              </a:spcAft>
+              <a:buClrTx/>
+              <a:buSzTx/>
+              <a:buFontTx/>
+              <a:buNone/>
+              <a:tabLst/>
+              <a:defRPr/>
+            </a:pPr>
+            <a:endParaRPr kumimoji="0" lang="en-US" sz="1800" b="0" i="0" u="none" strike="noStrike" kern="1200" cap="none" spc="0" normalizeH="0" baseline="0" noProof="0">
+              <a:ln>
+                <a:noFill/>
+              </a:ln>
+              <a:solidFill>
+                <a:prstClr val="white"/>
+              </a:solidFill>
+              <a:effectLst/>
+              <a:uLnTx/>
+              <a:uFillTx/>
+              <a:latin typeface="Arial"/>
+              <a:ea typeface="DejaVu Sans"/>
+              <a:cs typeface="DejaVu Sans"/>
+            </a:endParaRPr>
+          </a:p>
+        </p:txBody>
+      </p:sp>
+      <p:sp>
+        <p:nvSpPr>
+          <p:cNvPr id="2" name="Rectangle 1">
+            <a:extLst>
+              <a:ext uri="{FF2B5EF4-FFF2-40B4-BE49-F238E27FC236}">
+                <a16:creationId xmlns:a16="http://schemas.microsoft.com/office/drawing/2014/main" id="{F357FD82-CD69-40C5-92B7-3D8442344E41}"/>
+              </a:ext>
+            </a:extLst>
+          </p:cNvPr>
+          <p:cNvSpPr/>
+          <p:nvPr/>
+        </p:nvSpPr>
+        <p:spPr>
+          <a:xfrm>
+            <a:off x="-344600" y="-332509"/>
+            <a:ext cx="1463040" cy="1549190"/>
+          </a:xfrm>
+          <a:prstGeom prst="rect">
+            <a:avLst/>
+          </a:prstGeom>
+          <a:solidFill>
+            <a:schemeClr val="bg1"/>
+          </a:solidFill>
+          <a:ln>
+            <a:solidFill>
+              <a:schemeClr val="bg1"/>
+            </a:solidFill>
+          </a:ln>
+        </p:spPr>
+        <p:style>
+          <a:lnRef idx="2">
+            <a:schemeClr val="accent1">
+              <a:shade val="50000"/>
+            </a:schemeClr>
+          </a:lnRef>
+          <a:fillRef idx="1">
+            <a:schemeClr val="accent1"/>
+          </a:fillRef>
+          <a:effectRef idx="0">
+            <a:schemeClr val="accent1"/>
+          </a:effectRef>
+          <a:fontRef idx="minor">
+            <a:schemeClr val="lt1"/>
+          </a:fontRef>
+        </p:style>
+        <p:txBody>
+          <a:bodyPr rtlCol="0" anchor="ctr"/>
+          <a:lstStyle/>
+          <a:p>
+            <a:pPr marL="0" marR="0" lvl="0" indent="0" algn="ctr" defTabSz="914400" rtl="0" eaLnBrk="1" fontAlgn="auto" latinLnBrk="0" hangingPunct="1">
+              <a:lnSpc>
+                <a:spcPct val="100000"/>
+              </a:lnSpc>
+              <a:spcBef>
+                <a:spcPts val="0"/>
+              </a:spcBef>
+              <a:spcAft>
+                <a:spcPts val="0"/>
+              </a:spcAft>
+              <a:buClrTx/>
+              <a:buSzTx/>
+              <a:buFontTx/>
+              <a:buNone/>
+              <a:tabLst/>
+              <a:defRPr/>
+            </a:pPr>
+            <a:endParaRPr kumimoji="0" lang="en-US" sz="1800" b="0" i="0" u="none" strike="noStrike" kern="1200" cap="none" spc="0" normalizeH="0" baseline="0" noProof="0">
+              <a:ln>
+                <a:noFill/>
+              </a:ln>
+              <a:solidFill>
+                <a:prstClr val="white"/>
+              </a:solidFill>
+              <a:effectLst/>
+              <a:uLnTx/>
+              <a:uFillTx/>
+              <a:latin typeface="Arial"/>
+              <a:ea typeface="DejaVu Sans"/>
+              <a:cs typeface="DejaVu Sans"/>
+            </a:endParaRPr>
+          </a:p>
+        </p:txBody>
+      </p:sp>
+      <p:sp>
+        <p:nvSpPr>
+          <p:cNvPr id="26" name="TextShape 1">
+            <a:extLst>
+              <a:ext uri="{FF2B5EF4-FFF2-40B4-BE49-F238E27FC236}">
+                <a16:creationId xmlns:a16="http://schemas.microsoft.com/office/drawing/2014/main" id="{1983ACAD-60AF-42C4-91D9-5BDD3284E789}"/>
+              </a:ext>
+            </a:extLst>
+          </p:cNvPr>
+          <p:cNvSpPr/>
+          <p:nvPr/>
+        </p:nvSpPr>
+        <p:spPr>
+          <a:xfrm>
+            <a:off x="468000" y="468000"/>
+            <a:ext cx="9071640" cy="946440"/>
+          </a:xfrm>
+          <a:prstGeom prst="rect">
+            <a:avLst/>
+          </a:prstGeom>
+          <a:noFill/>
+          <a:ln w="0">
+            <a:noFill/>
+          </a:ln>
+        </p:spPr>
+        <p:style>
+          <a:lnRef idx="0">
+            <a:scrgbClr r="0" g="0" b="0"/>
+          </a:lnRef>
+          <a:fillRef idx="0">
+            <a:scrgbClr r="0" g="0" b="0"/>
+          </a:fillRef>
+          <a:effectRef idx="0">
+            <a:scrgbClr r="0" g="0" b="0"/>
+          </a:effectRef>
+          <a:fontRef idx="minor"/>
+        </p:style>
+        <p:txBody>
+          <a:bodyPr lIns="0" tIns="0" rIns="0" bIns="0" anchor="ctr">
+            <a:normAutofit/>
+          </a:bodyPr>
+          <a:lstStyle/>
+          <a:p>
+            <a:pPr marL="0" marR="0" lvl="0" indent="0" algn="l" defTabSz="914400" rtl="0" eaLnBrk="1" fontAlgn="auto" latinLnBrk="0" hangingPunct="1">
+              <a:lnSpc>
+                <a:spcPct val="90000"/>
+              </a:lnSpc>
+              <a:spcBef>
+                <a:spcPct val="0"/>
+              </a:spcBef>
+              <a:spcAft>
+                <a:spcPts val="600"/>
+              </a:spcAft>
+              <a:buClrTx/>
+              <a:buSzTx/>
+              <a:buFontTx/>
+              <a:buNone/>
+              <a:tabLst/>
+              <a:defRPr/>
+            </a:pPr>
+            <a:r>
+              <a:rPr kumimoji="0" lang="pt-PT" sz="3600" b="1" i="0" u="none" strike="noStrike" kern="1200" cap="none" spc="-1" normalizeH="0" baseline="0" noProof="0" dirty="0">
+                <a:ln>
+                  <a:noFill/>
+                </a:ln>
+                <a:solidFill>
+                  <a:prstClr val="black"/>
+                </a:solidFill>
+                <a:effectLst/>
+                <a:uLnTx/>
+                <a:uFillTx/>
+                <a:latin typeface="Arial"/>
+                <a:ea typeface="DejaVu Sans"/>
+                <a:cs typeface="DejaVu Sans"/>
+              </a:rPr>
+              <a:t>Final Scores</a:t>
+            </a:r>
+            <a:endParaRPr kumimoji="0" lang="en-US" sz="3600" b="1" i="0" u="none" strike="noStrike" kern="1200" cap="none" spc="-1" normalizeH="0" baseline="0" noProof="0" dirty="0">
+              <a:ln>
+                <a:noFill/>
+              </a:ln>
+              <a:solidFill>
+                <a:prstClr val="black"/>
+              </a:solidFill>
+              <a:effectLst/>
+              <a:uLnTx/>
+              <a:uFillTx/>
+              <a:latin typeface="Arial"/>
+              <a:ea typeface="DejaVu Sans"/>
+              <a:cs typeface="DejaVu Sans"/>
+            </a:endParaRPr>
+          </a:p>
+        </p:txBody>
+      </p:sp>
+      <p:graphicFrame>
+        <p:nvGraphicFramePr>
+          <p:cNvPr id="11" name="Table 6">
+            <a:extLst>
+              <a:ext uri="{FF2B5EF4-FFF2-40B4-BE49-F238E27FC236}">
+                <a16:creationId xmlns:a16="http://schemas.microsoft.com/office/drawing/2014/main" id="{D6D1A62F-B3EF-47E4-8791-C48E11E6265C}"/>
+              </a:ext>
+            </a:extLst>
+          </p:cNvPr>
+          <p:cNvGraphicFramePr>
+            <a:graphicFrameLocks noGrp="1"/>
+          </p:cNvGraphicFramePr>
+          <p:nvPr>
+            <p:extLst/>
+          </p:nvPr>
+        </p:nvGraphicFramePr>
+        <p:xfrm>
+          <a:off x="1492015" y="2214949"/>
+          <a:ext cx="7096593" cy="1967245"/>
+        </p:xfrm>
+        <a:graphic>
+          <a:graphicData uri="http://schemas.openxmlformats.org/drawingml/2006/table">
+            <a:tbl>
+              <a:tblPr firstRow="1" bandRow="1">
+                <a:tableStyleId>{5C22544A-7EE6-4342-B048-85BDC9FD1C3A}</a:tableStyleId>
+              </a:tblPr>
+              <a:tblGrid>
+                <a:gridCol w="2365531">
+                  <a:extLst>
+                    <a:ext uri="{9D8B030D-6E8A-4147-A177-3AD203B41FA5}">
+                      <a16:colId xmlns:a16="http://schemas.microsoft.com/office/drawing/2014/main" val="969364742"/>
+                    </a:ext>
+                  </a:extLst>
+                </a:gridCol>
+                <a:gridCol w="2365531">
+                  <a:extLst>
+                    <a:ext uri="{9D8B030D-6E8A-4147-A177-3AD203B41FA5}">
+                      <a16:colId xmlns:a16="http://schemas.microsoft.com/office/drawing/2014/main" val="2041701817"/>
+                    </a:ext>
+                  </a:extLst>
+                </a:gridCol>
+                <a:gridCol w="2365531">
+                  <a:extLst>
+                    <a:ext uri="{9D8B030D-6E8A-4147-A177-3AD203B41FA5}">
+                      <a16:colId xmlns:a16="http://schemas.microsoft.com/office/drawing/2014/main" val="3977795467"/>
+                    </a:ext>
+                  </a:extLst>
+                </a:gridCol>
+              </a:tblGrid>
+              <a:tr h="393449">
+                <a:tc>
+                  <a:txBody>
+                    <a:bodyPr/>
+                    <a:lstStyle/>
+                    <a:p>
+                      <a:pPr algn="l"/>
+                      <a:r>
+                        <a:rPr lang="pt-PT" dirty="0"/>
+                        <a:t>Model</a:t>
+                      </a:r>
+                      <a:endParaRPr lang="en-US" dirty="0"/>
+                    </a:p>
+                  </a:txBody>
+                  <a:tcPr>
+                    <a:solidFill>
+                      <a:srgbClr val="CED4DA"/>
+                    </a:solidFill>
+                  </a:tcPr>
+                </a:tc>
+                <a:tc>
+                  <a:txBody>
+                    <a:bodyPr/>
+                    <a:lstStyle/>
+                    <a:p>
+                      <a:r>
+                        <a:rPr lang="pt-PT" dirty="0"/>
+                        <a:t>Every Feature ()</a:t>
+                      </a:r>
+                      <a:endParaRPr lang="en-US" dirty="0"/>
+                    </a:p>
+                  </a:txBody>
+                  <a:tcPr>
+                    <a:solidFill>
+                      <a:srgbClr val="CED4DA"/>
+                    </a:solidFill>
+                  </a:tcPr>
+                </a:tc>
+                <a:tc>
+                  <a:txBody>
+                    <a:bodyPr/>
+                    <a:lstStyle/>
+                    <a:p>
+                      <a:pPr marL="0" marR="0" lvl="0" indent="0" algn="l" defTabSz="914400" rtl="0" eaLnBrk="1" fontAlgn="auto" latinLnBrk="0" hangingPunct="1">
+                        <a:lnSpc>
+                          <a:spcPct val="100000"/>
+                        </a:lnSpc>
+                        <a:spcBef>
+                          <a:spcPts val="0"/>
+                        </a:spcBef>
+                        <a:spcAft>
+                          <a:spcPts val="0"/>
+                        </a:spcAft>
+                        <a:buClrTx/>
+                        <a:buSzTx/>
+                        <a:buFontTx/>
+                        <a:buNone/>
+                        <a:tabLst/>
+                        <a:defRPr/>
+                      </a:pPr>
+                      <a:r>
+                        <a:rPr lang="pt-PT" dirty="0"/>
+                        <a:t>Best Features ()</a:t>
+                      </a:r>
+                      <a:endParaRPr lang="en-US" dirty="0"/>
+                    </a:p>
+                  </a:txBody>
+                  <a:tcPr>
+                    <a:solidFill>
+                      <a:srgbClr val="CED4DA"/>
+                    </a:solidFill>
+                  </a:tcPr>
+                </a:tc>
+                <a:extLst>
+                  <a:ext uri="{0D108BD9-81ED-4DB2-BD59-A6C34878D82A}">
+                    <a16:rowId xmlns:a16="http://schemas.microsoft.com/office/drawing/2014/main" val="4101578542"/>
+                  </a:ext>
+                </a:extLst>
+              </a:tr>
+              <a:tr h="393449">
+                <a:tc>
+                  <a:txBody>
+                    <a:bodyPr/>
+                    <a:lstStyle/>
+                    <a:p>
+                      <a:pPr algn="l"/>
+                      <a:r>
+                        <a:rPr lang="pt-PT" dirty="0"/>
+                        <a:t>XGBoost</a:t>
+                      </a:r>
+                      <a:endParaRPr lang="en-US" dirty="0"/>
+                    </a:p>
+                  </a:txBody>
+                  <a:tcPr>
+                    <a:solidFill>
+                      <a:srgbClr val="CED4DA"/>
+                    </a:solidFill>
+                  </a:tcPr>
+                </a:tc>
+                <a:tc>
+                  <a:txBody>
+                    <a:bodyPr/>
+                    <a:lstStyle/>
+                    <a:p>
+                      <a:r>
+                        <a:rPr lang="pt-PT" dirty="0"/>
+                        <a:t>0.</a:t>
+                      </a:r>
+                      <a:endParaRPr lang="en-US" dirty="0"/>
+                    </a:p>
+                  </a:txBody>
+                  <a:tcPr>
+                    <a:solidFill>
+                      <a:srgbClr val="CED4DA"/>
+                    </a:solidFill>
+                  </a:tcPr>
+                </a:tc>
+                <a:tc>
+                  <a:txBody>
+                    <a:bodyPr/>
+                    <a:lstStyle/>
+                    <a:p>
+                      <a:r>
+                        <a:rPr lang="pt-PT" dirty="0"/>
+                        <a:t>0.</a:t>
+                      </a:r>
+                      <a:endParaRPr lang="en-US" dirty="0"/>
+                    </a:p>
+                  </a:txBody>
+                  <a:tcPr>
+                    <a:solidFill>
+                      <a:srgbClr val="CED4DA"/>
+                    </a:solidFill>
+                  </a:tcPr>
+                </a:tc>
+                <a:extLst>
+                  <a:ext uri="{0D108BD9-81ED-4DB2-BD59-A6C34878D82A}">
+                    <a16:rowId xmlns:a16="http://schemas.microsoft.com/office/drawing/2014/main" val="2558590634"/>
+                  </a:ext>
+                </a:extLst>
+              </a:tr>
+              <a:tr h="393449">
+                <a:tc>
+                  <a:txBody>
+                    <a:bodyPr/>
+                    <a:lstStyle/>
+                    <a:p>
+                      <a:pPr algn="l"/>
+                      <a:r>
+                        <a:rPr lang="pt-PT" dirty="0"/>
+                        <a:t>LightGBM</a:t>
+                      </a:r>
+                      <a:endParaRPr lang="en-US" dirty="0"/>
+                    </a:p>
+                  </a:txBody>
+                  <a:tcPr>
+                    <a:solidFill>
+                      <a:srgbClr val="CED4DA"/>
+                    </a:solidFill>
+                  </a:tcPr>
+                </a:tc>
+                <a:tc>
+                  <a:txBody>
+                    <a:bodyPr/>
+                    <a:lstStyle/>
+                    <a:p>
+                      <a:r>
+                        <a:rPr lang="pt-PT" dirty="0"/>
+                        <a:t>0.</a:t>
+                      </a:r>
+                      <a:endParaRPr lang="en-US" dirty="0"/>
+                    </a:p>
+                  </a:txBody>
+                  <a:tcPr>
+                    <a:solidFill>
+                      <a:srgbClr val="CED4DA"/>
+                    </a:solidFill>
+                  </a:tcPr>
+                </a:tc>
+                <a:tc>
+                  <a:txBody>
+                    <a:bodyPr/>
+                    <a:lstStyle/>
+                    <a:p>
+                      <a:r>
+                        <a:rPr lang="pt-PT" dirty="0"/>
+                        <a:t>0.</a:t>
+                      </a:r>
+                      <a:endParaRPr lang="en-US" dirty="0"/>
+                    </a:p>
+                  </a:txBody>
+                  <a:tcPr>
+                    <a:solidFill>
+                      <a:srgbClr val="CED4DA"/>
+                    </a:solidFill>
+                  </a:tcPr>
+                </a:tc>
+                <a:extLst>
+                  <a:ext uri="{0D108BD9-81ED-4DB2-BD59-A6C34878D82A}">
+                    <a16:rowId xmlns:a16="http://schemas.microsoft.com/office/drawing/2014/main" val="1875049150"/>
+                  </a:ext>
+                </a:extLst>
+              </a:tr>
+              <a:tr h="393449">
+                <a:tc>
+                  <a:txBody>
+                    <a:bodyPr/>
+                    <a:lstStyle/>
+                    <a:p>
+                      <a:pPr algn="l"/>
+                      <a:r>
+                        <a:rPr lang="pt-PT" dirty="0"/>
+                        <a:t>CatBoost</a:t>
+                      </a:r>
+                      <a:endParaRPr lang="en-US" dirty="0"/>
+                    </a:p>
+                  </a:txBody>
+                  <a:tcPr>
+                    <a:solidFill>
+                      <a:srgbClr val="CED4DA"/>
+                    </a:solidFill>
+                  </a:tcPr>
+                </a:tc>
+                <a:tc>
+                  <a:txBody>
+                    <a:bodyPr/>
+                    <a:lstStyle/>
+                    <a:p>
+                      <a:r>
+                        <a:rPr lang="pt-PT" dirty="0"/>
+                        <a:t>0.</a:t>
+                      </a:r>
+                      <a:endParaRPr lang="en-US" dirty="0"/>
+                    </a:p>
+                  </a:txBody>
+                  <a:tcPr>
+                    <a:solidFill>
+                      <a:srgbClr val="CED4DA"/>
+                    </a:solidFill>
+                  </a:tcPr>
+                </a:tc>
+                <a:tc>
+                  <a:txBody>
+                    <a:bodyPr/>
+                    <a:lstStyle/>
+                    <a:p>
+                      <a:r>
+                        <a:rPr lang="pt-PT" dirty="0"/>
+                        <a:t>0.</a:t>
+                      </a:r>
+                      <a:endParaRPr lang="en-US" dirty="0"/>
+                    </a:p>
+                  </a:txBody>
+                  <a:tcPr>
+                    <a:solidFill>
+                      <a:srgbClr val="CED4DA"/>
+                    </a:solidFill>
+                  </a:tcPr>
+                </a:tc>
+                <a:extLst>
+                  <a:ext uri="{0D108BD9-81ED-4DB2-BD59-A6C34878D82A}">
+                    <a16:rowId xmlns:a16="http://schemas.microsoft.com/office/drawing/2014/main" val="3403812791"/>
+                  </a:ext>
+                </a:extLst>
+              </a:tr>
+              <a:tr h="393449">
+                <a:tc>
+                  <a:txBody>
+                    <a:bodyPr/>
+                    <a:lstStyle/>
+                    <a:p>
+                      <a:pPr marL="0" marR="0" lvl="0" indent="0" algn="l" defTabSz="914400" rtl="0" eaLnBrk="1" fontAlgn="auto" latinLnBrk="0" hangingPunct="1">
+                        <a:lnSpc>
+                          <a:spcPct val="100000"/>
+                        </a:lnSpc>
+                        <a:spcBef>
+                          <a:spcPts val="0"/>
+                        </a:spcBef>
+                        <a:spcAft>
+                          <a:spcPts val="0"/>
+                        </a:spcAft>
+                        <a:buClrTx/>
+                        <a:buSzTx/>
+                        <a:buFontTx/>
+                        <a:buNone/>
+                        <a:tabLst/>
+                        <a:defRPr/>
+                      </a:pPr>
+                      <a:r>
+                        <a:rPr lang="pt-PT" b="1" dirty="0"/>
+                        <a:t>Ensemble Model</a:t>
+                      </a:r>
+                      <a:endParaRPr lang="en-US" b="1" dirty="0"/>
+                    </a:p>
+                  </a:txBody>
+                  <a:tcPr>
+                    <a:solidFill>
+                      <a:srgbClr val="CED4DA"/>
+                    </a:solidFill>
+                  </a:tcPr>
+                </a:tc>
+                <a:tc>
+                  <a:txBody>
+                    <a:bodyPr/>
+                    <a:lstStyle/>
+                    <a:p>
+                      <a:r>
+                        <a:rPr lang="pt-PT" dirty="0"/>
+                        <a:t>0.</a:t>
+                      </a:r>
+                      <a:endParaRPr lang="en-US" dirty="0"/>
+                    </a:p>
+                  </a:txBody>
+                  <a:tcPr>
+                    <a:solidFill>
+                      <a:srgbClr val="CED4DA"/>
+                    </a:solidFill>
+                  </a:tcPr>
+                </a:tc>
+                <a:tc>
+                  <a:txBody>
+                    <a:bodyPr/>
+                    <a:lstStyle/>
+                    <a:p>
+                      <a:r>
+                        <a:rPr lang="pt-PT" dirty="0"/>
+                        <a:t>0.</a:t>
+                      </a:r>
+                      <a:endParaRPr lang="en-US" dirty="0"/>
+                    </a:p>
+                  </a:txBody>
+                  <a:tcPr>
+                    <a:solidFill>
+                      <a:srgbClr val="CED4DA"/>
+                    </a:solidFill>
+                  </a:tcPr>
+                </a:tc>
+                <a:extLst>
+                  <a:ext uri="{0D108BD9-81ED-4DB2-BD59-A6C34878D82A}">
+                    <a16:rowId xmlns:a16="http://schemas.microsoft.com/office/drawing/2014/main" val="1705316848"/>
+                  </a:ext>
+                </a:extLst>
+              </a:tr>
+            </a:tbl>
+          </a:graphicData>
+        </a:graphic>
+      </p:graphicFrame>
+    </p:spTree>
+    <p:extLst>
+      <p:ext uri="{BB962C8B-B14F-4D97-AF65-F5344CB8AC3E}">
+        <p14:creationId xmlns:p14="http://schemas.microsoft.com/office/powerpoint/2010/main" val="1752014047"/>
+      </p:ext>
+    </p:extLst>
+  </p:cSld>
+  <p:clrMapOvr>
+    <a:masterClrMapping/>
+  </p:clrMapOvr>
+</p:sld>
+</file>
+
+<file path=ppt/slides/slide25.xml><?xml version="1.0" encoding="utf-8"?>
+<p:sld xmlns:a="http://schemas.openxmlformats.org/drawingml/2006/main" xmlns:r="http://schemas.openxmlformats.org/officeDocument/2006/relationships" xmlns:p="http://schemas.openxmlformats.org/presentationml/2006/main">
+  <p:cSld>
+    <p:spTree>
+      <p:nvGrpSpPr>
+        <p:cNvPr id="1" name=""/>
+        <p:cNvGrpSpPr/>
+        <p:nvPr/>
+      </p:nvGrpSpPr>
+      <p:grpSpPr>
+        <a:xfrm>
+          <a:off x="0" y="0"/>
+          <a:ext cx="0" cy="0"/>
+          <a:chOff x="0" y="0"/>
+          <a:chExt cx="0" cy="0"/>
+        </a:xfrm>
+      </p:grpSpPr>
+      <p:sp>
+        <p:nvSpPr>
+          <p:cNvPr id="3" name="Subtitle 2">
+            <a:extLst>
+              <a:ext uri="{FF2B5EF4-FFF2-40B4-BE49-F238E27FC236}">
+                <a16:creationId xmlns:a16="http://schemas.microsoft.com/office/drawing/2014/main" id="{A0980961-CA71-F844-9A6E-81B6026D170B}"/>
+              </a:ext>
+            </a:extLst>
+          </p:cNvPr>
+          <p:cNvSpPr>
+            <a:spLocks noGrp="1"/>
+          </p:cNvSpPr>
+          <p:nvPr>
+            <p:ph type="subTitle"/>
+          </p:nvPr>
+        </p:nvSpPr>
+        <p:spPr>
+          <a:xfrm>
+            <a:off x="504000" y="1326600"/>
+            <a:ext cx="4898179" cy="3288600"/>
+          </a:xfrm>
+        </p:spPr>
+        <p:txBody>
+          <a:bodyPr/>
+          <a:lstStyle/>
+          <a:p>
+            <a:r>
+              <a:rPr lang="en-US" sz="2400" dirty="0"/>
+              <a:t>Analyzed and cleaned large dataset</a:t>
+            </a:r>
+          </a:p>
+          <a:p>
+            <a:r>
+              <a:rPr lang="en-US" sz="2400" dirty="0"/>
+              <a:t>Performed feature engineering to extract a variety of features of different complexity levels</a:t>
+            </a:r>
+          </a:p>
+          <a:p>
+            <a:r>
+              <a:rPr lang="en-US" sz="2400" dirty="0"/>
+              <a:t>Implemented prediction model based on ensemble of classifiers</a:t>
+            </a:r>
+          </a:p>
+          <a:p>
+            <a:r>
+              <a:rPr lang="en-US" sz="2400" dirty="0"/>
+              <a:t>Submitted our solution on </a:t>
+            </a:r>
+            <a:r>
+              <a:rPr lang="en-US" sz="2400" dirty="0" err="1"/>
+              <a:t>tianchi.aliyun.com</a:t>
+            </a:r>
+            <a:r>
+              <a:rPr lang="en-US" sz="2400" dirty="0"/>
+              <a:t> and made it to the Top 40 Leaderboard!</a:t>
+            </a:r>
+          </a:p>
+        </p:txBody>
+      </p:sp>
+      <p:sp>
+        <p:nvSpPr>
+          <p:cNvPr id="2" name="Title 1">
+            <a:extLst>
+              <a:ext uri="{FF2B5EF4-FFF2-40B4-BE49-F238E27FC236}">
+                <a16:creationId xmlns:a16="http://schemas.microsoft.com/office/drawing/2014/main" id="{712694C3-A3BD-6341-97F5-3D6D5300093C}"/>
+              </a:ext>
+            </a:extLst>
+          </p:cNvPr>
+          <p:cNvSpPr>
+            <a:spLocks noGrp="1"/>
+          </p:cNvSpPr>
+          <p:nvPr>
+            <p:ph type="title"/>
+          </p:nvPr>
+        </p:nvSpPr>
+        <p:spPr/>
+        <p:txBody>
+          <a:bodyPr/>
+          <a:lstStyle/>
+          <a:p>
+            <a:pPr algn="ctr"/>
+            <a:r>
+              <a:rPr lang="en-US" dirty="0"/>
+              <a:t>Conclusion</a:t>
+            </a:r>
+          </a:p>
+        </p:txBody>
+      </p:sp>
+      <p:pic>
+        <p:nvPicPr>
+          <p:cNvPr id="5" name="Picture 4">
+            <a:extLst>
+              <a:ext uri="{FF2B5EF4-FFF2-40B4-BE49-F238E27FC236}">
+                <a16:creationId xmlns:a16="http://schemas.microsoft.com/office/drawing/2014/main" id="{316731C1-76C7-7646-9010-107327F969AA}"/>
+              </a:ext>
+            </a:extLst>
+          </p:cNvPr>
+          <p:cNvPicPr>
+            <a:picLocks noChangeAspect="1"/>
+          </p:cNvPicPr>
+          <p:nvPr/>
+        </p:nvPicPr>
+        <p:blipFill>
+          <a:blip r:embed="rId2">
+            <a:extLst>
+              <a:ext uri="{28A0092B-C50C-407E-A947-70E740481C1C}">
+                <a14:useLocalDpi xmlns:a14="http://schemas.microsoft.com/office/drawing/2010/main" val="0"/>
+              </a:ext>
+            </a:extLst>
+          </a:blip>
+          <a:stretch>
+            <a:fillRect/>
+          </a:stretch>
+        </p:blipFill>
+        <p:spPr>
+          <a:xfrm>
+            <a:off x="5265336" y="942121"/>
+            <a:ext cx="4722726" cy="4787200"/>
+          </a:xfrm>
+          <a:prstGeom prst="rect">
+            <a:avLst/>
+          </a:prstGeom>
+        </p:spPr>
+      </p:pic>
+    </p:spTree>
+    <p:extLst>
+      <p:ext uri="{BB962C8B-B14F-4D97-AF65-F5344CB8AC3E}">
+        <p14:creationId xmlns:p14="http://schemas.microsoft.com/office/powerpoint/2010/main" val="2385777255"/>
+      </p:ext>
+    </p:extLst>
   </p:cSld>
   <p:clrMapOvr>
     <a:masterClrMapping/>

--- a/final_presentation.pptx
+++ b/final_presentation.pptx
@@ -23648,6 +23648,284 @@
   <p:clrMapOvr>
     <a:masterClrMapping/>
   </p:clrMapOvr>
+  <p:timing>
+    <p:tnLst>
+      <p:par>
+        <p:cTn id="1" dur="indefinite" restart="never" nodeType="tmRoot">
+          <p:childTnLst>
+            <p:seq concurrent="1" nextAc="seek">
+              <p:cTn id="2" dur="indefinite" nodeType="mainSeq">
+                <p:childTnLst>
+                  <p:par>
+                    <p:cTn id="3" fill="hold">
+                      <p:stCondLst>
+                        <p:cond delay="indefinite"/>
+                      </p:stCondLst>
+                      <p:childTnLst>
+                        <p:par>
+                          <p:cTn id="4" fill="hold">
+                            <p:stCondLst>
+                              <p:cond delay="0"/>
+                            </p:stCondLst>
+                            <p:childTnLst>
+                              <p:par>
+                                <p:cTn id="5" presetID="1" presetClass="entr" presetSubtype="0" fill="hold" grpId="0" nodeType="clickEffect">
+                                  <p:stCondLst>
+                                    <p:cond delay="0"/>
+                                  </p:stCondLst>
+                                  <p:childTnLst>
+                                    <p:set>
+                                      <p:cBhvr>
+                                        <p:cTn id="6" dur="1" fill="hold">
+                                          <p:stCondLst>
+                                            <p:cond delay="0"/>
+                                          </p:stCondLst>
+                                        </p:cTn>
+                                        <p:tgtEl>
+                                          <p:spTgt spid="12">
+                                            <p:txEl>
+                                              <p:pRg st="0" end="0"/>
+                                            </p:txEl>
+                                          </p:spTgt>
+                                        </p:tgtEl>
+                                        <p:attrNameLst>
+                                          <p:attrName>style.visibility</p:attrName>
+                                        </p:attrNameLst>
+                                      </p:cBhvr>
+                                      <p:to>
+                                        <p:strVal val="visible"/>
+                                      </p:to>
+                                    </p:set>
+                                  </p:childTnLst>
+                                </p:cTn>
+                              </p:par>
+                            </p:childTnLst>
+                          </p:cTn>
+                        </p:par>
+                      </p:childTnLst>
+                    </p:cTn>
+                  </p:par>
+                  <p:par>
+                    <p:cTn id="7" fill="hold">
+                      <p:stCondLst>
+                        <p:cond delay="indefinite"/>
+                      </p:stCondLst>
+                      <p:childTnLst>
+                        <p:par>
+                          <p:cTn id="8" fill="hold">
+                            <p:stCondLst>
+                              <p:cond delay="0"/>
+                            </p:stCondLst>
+                            <p:childTnLst>
+                              <p:par>
+                                <p:cTn id="9" presetID="1" presetClass="entr" presetSubtype="0" fill="hold" grpId="0" nodeType="clickEffect">
+                                  <p:stCondLst>
+                                    <p:cond delay="0"/>
+                                  </p:stCondLst>
+                                  <p:childTnLst>
+                                    <p:set>
+                                      <p:cBhvr>
+                                        <p:cTn id="10" dur="1" fill="hold">
+                                          <p:stCondLst>
+                                            <p:cond delay="0"/>
+                                          </p:stCondLst>
+                                        </p:cTn>
+                                        <p:tgtEl>
+                                          <p:spTgt spid="12">
+                                            <p:txEl>
+                                              <p:pRg st="1" end="1"/>
+                                            </p:txEl>
+                                          </p:spTgt>
+                                        </p:tgtEl>
+                                        <p:attrNameLst>
+                                          <p:attrName>style.visibility</p:attrName>
+                                        </p:attrNameLst>
+                                      </p:cBhvr>
+                                      <p:to>
+                                        <p:strVal val="visible"/>
+                                      </p:to>
+                                    </p:set>
+                                  </p:childTnLst>
+                                </p:cTn>
+                              </p:par>
+                            </p:childTnLst>
+                          </p:cTn>
+                        </p:par>
+                      </p:childTnLst>
+                    </p:cTn>
+                  </p:par>
+                  <p:par>
+                    <p:cTn id="11" fill="hold">
+                      <p:stCondLst>
+                        <p:cond delay="indefinite"/>
+                      </p:stCondLst>
+                      <p:childTnLst>
+                        <p:par>
+                          <p:cTn id="12" fill="hold">
+                            <p:stCondLst>
+                              <p:cond delay="0"/>
+                            </p:stCondLst>
+                            <p:childTnLst>
+                              <p:par>
+                                <p:cTn id="13" presetID="1" presetClass="entr" presetSubtype="0" fill="hold" grpId="0" nodeType="clickEffect">
+                                  <p:stCondLst>
+                                    <p:cond delay="0"/>
+                                  </p:stCondLst>
+                                  <p:childTnLst>
+                                    <p:set>
+                                      <p:cBhvr>
+                                        <p:cTn id="14" dur="1" fill="hold">
+                                          <p:stCondLst>
+                                            <p:cond delay="0"/>
+                                          </p:stCondLst>
+                                        </p:cTn>
+                                        <p:tgtEl>
+                                          <p:spTgt spid="12">
+                                            <p:txEl>
+                                              <p:pRg st="2" end="2"/>
+                                            </p:txEl>
+                                          </p:spTgt>
+                                        </p:tgtEl>
+                                        <p:attrNameLst>
+                                          <p:attrName>style.visibility</p:attrName>
+                                        </p:attrNameLst>
+                                      </p:cBhvr>
+                                      <p:to>
+                                        <p:strVal val="visible"/>
+                                      </p:to>
+                                    </p:set>
+                                  </p:childTnLst>
+                                </p:cTn>
+                              </p:par>
+                            </p:childTnLst>
+                          </p:cTn>
+                        </p:par>
+                      </p:childTnLst>
+                    </p:cTn>
+                  </p:par>
+                  <p:par>
+                    <p:cTn id="15" fill="hold">
+                      <p:stCondLst>
+                        <p:cond delay="indefinite"/>
+                      </p:stCondLst>
+                      <p:childTnLst>
+                        <p:par>
+                          <p:cTn id="16" fill="hold">
+                            <p:stCondLst>
+                              <p:cond delay="0"/>
+                            </p:stCondLst>
+                            <p:childTnLst>
+                              <p:par>
+                                <p:cTn id="17" presetID="1" presetClass="entr" presetSubtype="0" fill="hold" grpId="0" nodeType="clickEffect">
+                                  <p:stCondLst>
+                                    <p:cond delay="0"/>
+                                  </p:stCondLst>
+                                  <p:childTnLst>
+                                    <p:set>
+                                      <p:cBhvr>
+                                        <p:cTn id="18" dur="1" fill="hold">
+                                          <p:stCondLst>
+                                            <p:cond delay="0"/>
+                                          </p:stCondLst>
+                                        </p:cTn>
+                                        <p:tgtEl>
+                                          <p:spTgt spid="12">
+                                            <p:txEl>
+                                              <p:pRg st="3" end="3"/>
+                                            </p:txEl>
+                                          </p:spTgt>
+                                        </p:tgtEl>
+                                        <p:attrNameLst>
+                                          <p:attrName>style.visibility</p:attrName>
+                                        </p:attrNameLst>
+                                      </p:cBhvr>
+                                      <p:to>
+                                        <p:strVal val="visible"/>
+                                      </p:to>
+                                    </p:set>
+                                  </p:childTnLst>
+                                </p:cTn>
+                              </p:par>
+                            </p:childTnLst>
+                          </p:cTn>
+                        </p:par>
+                      </p:childTnLst>
+                    </p:cTn>
+                  </p:par>
+                  <p:par>
+                    <p:cTn id="19" fill="hold">
+                      <p:stCondLst>
+                        <p:cond delay="indefinite"/>
+                      </p:stCondLst>
+                      <p:childTnLst>
+                        <p:par>
+                          <p:cTn id="20" fill="hold">
+                            <p:stCondLst>
+                              <p:cond delay="0"/>
+                            </p:stCondLst>
+                            <p:childTnLst>
+                              <p:par>
+                                <p:cTn id="21" presetID="1" presetClass="entr" presetSubtype="0" fill="hold" grpId="0" nodeType="clickEffect">
+                                  <p:stCondLst>
+                                    <p:cond delay="0"/>
+                                  </p:stCondLst>
+                                  <p:childTnLst>
+                                    <p:set>
+                                      <p:cBhvr>
+                                        <p:cTn id="22" dur="1" fill="hold">
+                                          <p:stCondLst>
+                                            <p:cond delay="0"/>
+                                          </p:stCondLst>
+                                        </p:cTn>
+                                        <p:tgtEl>
+                                          <p:spTgt spid="12">
+                                            <p:txEl>
+                                              <p:pRg st="4" end="4"/>
+                                            </p:txEl>
+                                          </p:spTgt>
+                                        </p:tgtEl>
+                                        <p:attrNameLst>
+                                          <p:attrName>style.visibility</p:attrName>
+                                        </p:attrNameLst>
+                                      </p:cBhvr>
+                                      <p:to>
+                                        <p:strVal val="visible"/>
+                                      </p:to>
+                                    </p:set>
+                                  </p:childTnLst>
+                                </p:cTn>
+                              </p:par>
+                            </p:childTnLst>
+                          </p:cTn>
+                        </p:par>
+                      </p:childTnLst>
+                    </p:cTn>
+                  </p:par>
+                </p:childTnLst>
+              </p:cTn>
+              <p:prevCondLst>
+                <p:cond evt="onPrev" delay="0">
+                  <p:tgtEl>
+                    <p:sldTgt/>
+                  </p:tgtEl>
+                </p:cond>
+              </p:prevCondLst>
+              <p:nextCondLst>
+                <p:cond evt="onNext" delay="0">
+                  <p:tgtEl>
+                    <p:sldTgt/>
+                  </p:tgtEl>
+                </p:cond>
+              </p:nextCondLst>
+            </p:seq>
+          </p:childTnLst>
+        </p:cTn>
+      </p:par>
+    </p:tnLst>
+    <p:bldLst>
+      <p:bldP spid="12" grpId="0" build="p"/>
+    </p:bldLst>
+  </p:timing>
 </p:sld>
 </file>
 
@@ -27327,42 +27605,88 @@
         </p:nvSpPr>
         <p:spPr>
           <a:xfrm>
-            <a:off x="504000" y="1326600"/>
-            <a:ext cx="4898179" cy="3288600"/>
+            <a:off x="381838" y="1326599"/>
+            <a:ext cx="5020342" cy="3456415"/>
           </a:xfrm>
         </p:spPr>
         <p:txBody>
           <a:bodyPr/>
           <a:lstStyle/>
           <a:p>
+            <a:pPr marL="342900" indent="-342900">
+              <a:buFont typeface="Arial" panose="020B0604020202020204" pitchFamily="34" charset="0"/>
+              <a:buChar char="•"/>
+            </a:pPr>
             <a:r>
-              <a:rPr lang="en-US" sz="2400" dirty="0"/>
+              <a:rPr lang="en-US" sz="2400" spc="-1" dirty="0">
+                <a:solidFill>
+                  <a:srgbClr val="808080"/>
+                </a:solidFill>
+                <a:latin typeface="Noto Sans"/>
+              </a:rPr>
               <a:t>Analyzed and cleaned large dataset</a:t>
             </a:r>
           </a:p>
           <a:p>
+            <a:pPr marL="342900" indent="-342900">
+              <a:buFont typeface="Arial" panose="020B0604020202020204" pitchFamily="34" charset="0"/>
+              <a:buChar char="•"/>
+            </a:pPr>
             <a:r>
-              <a:rPr lang="en-US" sz="2400" dirty="0"/>
+              <a:rPr lang="en-US" sz="2400" spc="-1" dirty="0">
+                <a:solidFill>
+                  <a:srgbClr val="808080"/>
+                </a:solidFill>
+                <a:latin typeface="Noto Sans"/>
+              </a:rPr>
               <a:t>Performed feature engineering to extract a variety of features of different complexity levels</a:t>
             </a:r>
           </a:p>
           <a:p>
+            <a:pPr marL="342900" indent="-342900">
+              <a:buFont typeface="Arial" panose="020B0604020202020204" pitchFamily="34" charset="0"/>
+              <a:buChar char="•"/>
+            </a:pPr>
             <a:r>
-              <a:rPr lang="en-US" sz="2400" dirty="0"/>
+              <a:rPr lang="en-US" sz="2400" spc="-1" dirty="0">
+                <a:solidFill>
+                  <a:srgbClr val="808080"/>
+                </a:solidFill>
+                <a:latin typeface="Noto Sans"/>
+              </a:rPr>
               <a:t>Implemented prediction model based on ensemble of classifiers</a:t>
             </a:r>
           </a:p>
           <a:p>
+            <a:pPr marL="342900" indent="-342900">
+              <a:buFont typeface="Arial" panose="020B0604020202020204" pitchFamily="34" charset="0"/>
+              <a:buChar char="•"/>
+            </a:pPr>
             <a:r>
-              <a:rPr lang="en-US" sz="2400" dirty="0"/>
+              <a:rPr lang="en-US" sz="2400" spc="-1" dirty="0">
+                <a:solidFill>
+                  <a:srgbClr val="808080"/>
+                </a:solidFill>
+                <a:latin typeface="Noto Sans"/>
+              </a:rPr>
               <a:t>Submitted our solution on </a:t>
             </a:r>
             <a:r>
-              <a:rPr lang="en-US" sz="2400" dirty="0" err="1"/>
+              <a:rPr lang="en-US" sz="2400" spc="-1" dirty="0" err="1">
+                <a:solidFill>
+                  <a:srgbClr val="808080"/>
+                </a:solidFill>
+                <a:latin typeface="Noto Sans"/>
+              </a:rPr>
               <a:t>tianchi.aliyun.com</a:t>
             </a:r>
             <a:r>
-              <a:rPr lang="en-US" sz="2400" dirty="0"/>
+              <a:rPr lang="en-US" sz="2400" spc="-1" dirty="0">
+                <a:solidFill>
+                  <a:srgbClr val="808080"/>
+                </a:solidFill>
+                <a:latin typeface="Noto Sans"/>
+              </a:rPr>
               <a:t> and made it to the Top 40 Leaderboard!</a:t>
             </a:r>
           </a:p>
@@ -27443,6 +27767,235 @@
   <p:clrMapOvr>
     <a:masterClrMapping/>
   </p:clrMapOvr>
+  <p:timing>
+    <p:tnLst>
+      <p:par>
+        <p:cTn id="1" dur="indefinite" restart="never" nodeType="tmRoot">
+          <p:childTnLst>
+            <p:seq concurrent="1" nextAc="seek">
+              <p:cTn id="2" dur="indefinite" nodeType="mainSeq">
+                <p:childTnLst>
+                  <p:par>
+                    <p:cTn id="3" fill="hold">
+                      <p:stCondLst>
+                        <p:cond delay="indefinite"/>
+                      </p:stCondLst>
+                      <p:childTnLst>
+                        <p:par>
+                          <p:cTn id="4" fill="hold">
+                            <p:stCondLst>
+                              <p:cond delay="0"/>
+                            </p:stCondLst>
+                            <p:childTnLst>
+                              <p:par>
+                                <p:cTn id="5" presetID="1" presetClass="entr" presetSubtype="0" fill="hold" grpId="0" nodeType="clickEffect">
+                                  <p:stCondLst>
+                                    <p:cond delay="0"/>
+                                  </p:stCondLst>
+                                  <p:childTnLst>
+                                    <p:set>
+                                      <p:cBhvr>
+                                        <p:cTn id="6" dur="1" fill="hold">
+                                          <p:stCondLst>
+                                            <p:cond delay="0"/>
+                                          </p:stCondLst>
+                                        </p:cTn>
+                                        <p:tgtEl>
+                                          <p:spTgt spid="3">
+                                            <p:txEl>
+                                              <p:pRg st="0" end="0"/>
+                                            </p:txEl>
+                                          </p:spTgt>
+                                        </p:tgtEl>
+                                        <p:attrNameLst>
+                                          <p:attrName>style.visibility</p:attrName>
+                                        </p:attrNameLst>
+                                      </p:cBhvr>
+                                      <p:to>
+                                        <p:strVal val="visible"/>
+                                      </p:to>
+                                    </p:set>
+                                  </p:childTnLst>
+                                </p:cTn>
+                              </p:par>
+                            </p:childTnLst>
+                          </p:cTn>
+                        </p:par>
+                      </p:childTnLst>
+                    </p:cTn>
+                  </p:par>
+                  <p:par>
+                    <p:cTn id="7" fill="hold">
+                      <p:stCondLst>
+                        <p:cond delay="indefinite"/>
+                      </p:stCondLst>
+                      <p:childTnLst>
+                        <p:par>
+                          <p:cTn id="8" fill="hold">
+                            <p:stCondLst>
+                              <p:cond delay="0"/>
+                            </p:stCondLst>
+                            <p:childTnLst>
+                              <p:par>
+                                <p:cTn id="9" presetID="1" presetClass="entr" presetSubtype="0" fill="hold" grpId="0" nodeType="clickEffect">
+                                  <p:stCondLst>
+                                    <p:cond delay="0"/>
+                                  </p:stCondLst>
+                                  <p:childTnLst>
+                                    <p:set>
+                                      <p:cBhvr>
+                                        <p:cTn id="10" dur="1" fill="hold">
+                                          <p:stCondLst>
+                                            <p:cond delay="0"/>
+                                          </p:stCondLst>
+                                        </p:cTn>
+                                        <p:tgtEl>
+                                          <p:spTgt spid="3">
+                                            <p:txEl>
+                                              <p:pRg st="1" end="1"/>
+                                            </p:txEl>
+                                          </p:spTgt>
+                                        </p:tgtEl>
+                                        <p:attrNameLst>
+                                          <p:attrName>style.visibility</p:attrName>
+                                        </p:attrNameLst>
+                                      </p:cBhvr>
+                                      <p:to>
+                                        <p:strVal val="visible"/>
+                                      </p:to>
+                                    </p:set>
+                                  </p:childTnLst>
+                                </p:cTn>
+                              </p:par>
+                            </p:childTnLst>
+                          </p:cTn>
+                        </p:par>
+                      </p:childTnLst>
+                    </p:cTn>
+                  </p:par>
+                  <p:par>
+                    <p:cTn id="11" fill="hold">
+                      <p:stCondLst>
+                        <p:cond delay="indefinite"/>
+                      </p:stCondLst>
+                      <p:childTnLst>
+                        <p:par>
+                          <p:cTn id="12" fill="hold">
+                            <p:stCondLst>
+                              <p:cond delay="0"/>
+                            </p:stCondLst>
+                            <p:childTnLst>
+                              <p:par>
+                                <p:cTn id="13" presetID="1" presetClass="entr" presetSubtype="0" fill="hold" grpId="0" nodeType="clickEffect">
+                                  <p:stCondLst>
+                                    <p:cond delay="0"/>
+                                  </p:stCondLst>
+                                  <p:childTnLst>
+                                    <p:set>
+                                      <p:cBhvr>
+                                        <p:cTn id="14" dur="1" fill="hold">
+                                          <p:stCondLst>
+                                            <p:cond delay="0"/>
+                                          </p:stCondLst>
+                                        </p:cTn>
+                                        <p:tgtEl>
+                                          <p:spTgt spid="3">
+                                            <p:txEl>
+                                              <p:pRg st="2" end="2"/>
+                                            </p:txEl>
+                                          </p:spTgt>
+                                        </p:tgtEl>
+                                        <p:attrNameLst>
+                                          <p:attrName>style.visibility</p:attrName>
+                                        </p:attrNameLst>
+                                      </p:cBhvr>
+                                      <p:to>
+                                        <p:strVal val="visible"/>
+                                      </p:to>
+                                    </p:set>
+                                  </p:childTnLst>
+                                </p:cTn>
+                              </p:par>
+                            </p:childTnLst>
+                          </p:cTn>
+                        </p:par>
+                      </p:childTnLst>
+                    </p:cTn>
+                  </p:par>
+                  <p:par>
+                    <p:cTn id="15" fill="hold">
+                      <p:stCondLst>
+                        <p:cond delay="indefinite"/>
+                      </p:stCondLst>
+                      <p:childTnLst>
+                        <p:par>
+                          <p:cTn id="16" fill="hold">
+                            <p:stCondLst>
+                              <p:cond delay="0"/>
+                            </p:stCondLst>
+                            <p:childTnLst>
+                              <p:par>
+                                <p:cTn id="17" presetID="1" presetClass="entr" presetSubtype="0" fill="hold" grpId="0" nodeType="clickEffect">
+                                  <p:stCondLst>
+                                    <p:cond delay="0"/>
+                                  </p:stCondLst>
+                                  <p:childTnLst>
+                                    <p:set>
+                                      <p:cBhvr>
+                                        <p:cTn id="18" dur="1" fill="hold">
+                                          <p:stCondLst>
+                                            <p:cond delay="0"/>
+                                          </p:stCondLst>
+                                        </p:cTn>
+                                        <p:tgtEl>
+                                          <p:spTgt spid="3">
+                                            <p:txEl>
+                                              <p:pRg st="3" end="3"/>
+                                            </p:txEl>
+                                          </p:spTgt>
+                                        </p:tgtEl>
+                                        <p:attrNameLst>
+                                          <p:attrName>style.visibility</p:attrName>
+                                        </p:attrNameLst>
+                                      </p:cBhvr>
+                                      <p:to>
+                                        <p:strVal val="visible"/>
+                                      </p:to>
+                                    </p:set>
+                                  </p:childTnLst>
+                                </p:cTn>
+                              </p:par>
+                            </p:childTnLst>
+                          </p:cTn>
+                        </p:par>
+                      </p:childTnLst>
+                    </p:cTn>
+                  </p:par>
+                </p:childTnLst>
+              </p:cTn>
+              <p:prevCondLst>
+                <p:cond evt="onPrev" delay="0">
+                  <p:tgtEl>
+                    <p:sldTgt/>
+                  </p:tgtEl>
+                </p:cond>
+              </p:prevCondLst>
+              <p:nextCondLst>
+                <p:cond evt="onNext" delay="0">
+                  <p:tgtEl>
+                    <p:sldTgt/>
+                  </p:tgtEl>
+                </p:cond>
+              </p:nextCondLst>
+            </p:seq>
+          </p:childTnLst>
+        </p:cTn>
+      </p:par>
+    </p:tnLst>
+    <p:bldLst>
+      <p:bldP spid="3" grpId="0" build="p"/>
+    </p:bldLst>
+  </p:timing>
 </p:sld>
 </file>
 
@@ -28182,6 +28735,235 @@
   <p:clrMapOvr>
     <a:masterClrMapping/>
   </p:clrMapOvr>
+  <p:timing>
+    <p:tnLst>
+      <p:par>
+        <p:cTn id="1" dur="indefinite" restart="never" nodeType="tmRoot">
+          <p:childTnLst>
+            <p:seq concurrent="1" nextAc="seek">
+              <p:cTn id="2" dur="indefinite" nodeType="mainSeq">
+                <p:childTnLst>
+                  <p:par>
+                    <p:cTn id="3" fill="hold">
+                      <p:stCondLst>
+                        <p:cond delay="indefinite"/>
+                      </p:stCondLst>
+                      <p:childTnLst>
+                        <p:par>
+                          <p:cTn id="4" fill="hold">
+                            <p:stCondLst>
+                              <p:cond delay="0"/>
+                            </p:stCondLst>
+                            <p:childTnLst>
+                              <p:par>
+                                <p:cTn id="5" presetID="1" presetClass="entr" presetSubtype="0" fill="hold" grpId="0" nodeType="clickEffect">
+                                  <p:stCondLst>
+                                    <p:cond delay="0"/>
+                                  </p:stCondLst>
+                                  <p:childTnLst>
+                                    <p:set>
+                                      <p:cBhvr>
+                                        <p:cTn id="6" dur="1" fill="hold">
+                                          <p:stCondLst>
+                                            <p:cond delay="0"/>
+                                          </p:stCondLst>
+                                        </p:cTn>
+                                        <p:tgtEl>
+                                          <p:spTgt spid="3">
+                                            <p:txEl>
+                                              <p:pRg st="0" end="0"/>
+                                            </p:txEl>
+                                          </p:spTgt>
+                                        </p:tgtEl>
+                                        <p:attrNameLst>
+                                          <p:attrName>style.visibility</p:attrName>
+                                        </p:attrNameLst>
+                                      </p:cBhvr>
+                                      <p:to>
+                                        <p:strVal val="visible"/>
+                                      </p:to>
+                                    </p:set>
+                                  </p:childTnLst>
+                                </p:cTn>
+                              </p:par>
+                            </p:childTnLst>
+                          </p:cTn>
+                        </p:par>
+                      </p:childTnLst>
+                    </p:cTn>
+                  </p:par>
+                  <p:par>
+                    <p:cTn id="7" fill="hold">
+                      <p:stCondLst>
+                        <p:cond delay="indefinite"/>
+                      </p:stCondLst>
+                      <p:childTnLst>
+                        <p:par>
+                          <p:cTn id="8" fill="hold">
+                            <p:stCondLst>
+                              <p:cond delay="0"/>
+                            </p:stCondLst>
+                            <p:childTnLst>
+                              <p:par>
+                                <p:cTn id="9" presetID="1" presetClass="entr" presetSubtype="0" fill="hold" grpId="0" nodeType="clickEffect">
+                                  <p:stCondLst>
+                                    <p:cond delay="0"/>
+                                  </p:stCondLst>
+                                  <p:childTnLst>
+                                    <p:set>
+                                      <p:cBhvr>
+                                        <p:cTn id="10" dur="1" fill="hold">
+                                          <p:stCondLst>
+                                            <p:cond delay="0"/>
+                                          </p:stCondLst>
+                                        </p:cTn>
+                                        <p:tgtEl>
+                                          <p:spTgt spid="3">
+                                            <p:txEl>
+                                              <p:pRg st="1" end="1"/>
+                                            </p:txEl>
+                                          </p:spTgt>
+                                        </p:tgtEl>
+                                        <p:attrNameLst>
+                                          <p:attrName>style.visibility</p:attrName>
+                                        </p:attrNameLst>
+                                      </p:cBhvr>
+                                      <p:to>
+                                        <p:strVal val="visible"/>
+                                      </p:to>
+                                    </p:set>
+                                  </p:childTnLst>
+                                </p:cTn>
+                              </p:par>
+                            </p:childTnLst>
+                          </p:cTn>
+                        </p:par>
+                      </p:childTnLst>
+                    </p:cTn>
+                  </p:par>
+                  <p:par>
+                    <p:cTn id="11" fill="hold">
+                      <p:stCondLst>
+                        <p:cond delay="indefinite"/>
+                      </p:stCondLst>
+                      <p:childTnLst>
+                        <p:par>
+                          <p:cTn id="12" fill="hold">
+                            <p:stCondLst>
+                              <p:cond delay="0"/>
+                            </p:stCondLst>
+                            <p:childTnLst>
+                              <p:par>
+                                <p:cTn id="13" presetID="1" presetClass="entr" presetSubtype="0" fill="hold" grpId="0" nodeType="clickEffect">
+                                  <p:stCondLst>
+                                    <p:cond delay="0"/>
+                                  </p:stCondLst>
+                                  <p:childTnLst>
+                                    <p:set>
+                                      <p:cBhvr>
+                                        <p:cTn id="14" dur="1" fill="hold">
+                                          <p:stCondLst>
+                                            <p:cond delay="0"/>
+                                          </p:stCondLst>
+                                        </p:cTn>
+                                        <p:tgtEl>
+                                          <p:spTgt spid="3">
+                                            <p:txEl>
+                                              <p:pRg st="2" end="2"/>
+                                            </p:txEl>
+                                          </p:spTgt>
+                                        </p:tgtEl>
+                                        <p:attrNameLst>
+                                          <p:attrName>style.visibility</p:attrName>
+                                        </p:attrNameLst>
+                                      </p:cBhvr>
+                                      <p:to>
+                                        <p:strVal val="visible"/>
+                                      </p:to>
+                                    </p:set>
+                                  </p:childTnLst>
+                                </p:cTn>
+                              </p:par>
+                            </p:childTnLst>
+                          </p:cTn>
+                        </p:par>
+                      </p:childTnLst>
+                    </p:cTn>
+                  </p:par>
+                  <p:par>
+                    <p:cTn id="15" fill="hold">
+                      <p:stCondLst>
+                        <p:cond delay="indefinite"/>
+                      </p:stCondLst>
+                      <p:childTnLst>
+                        <p:par>
+                          <p:cTn id="16" fill="hold">
+                            <p:stCondLst>
+                              <p:cond delay="0"/>
+                            </p:stCondLst>
+                            <p:childTnLst>
+                              <p:par>
+                                <p:cTn id="17" presetID="1" presetClass="entr" presetSubtype="0" fill="hold" grpId="0" nodeType="clickEffect">
+                                  <p:stCondLst>
+                                    <p:cond delay="0"/>
+                                  </p:stCondLst>
+                                  <p:childTnLst>
+                                    <p:set>
+                                      <p:cBhvr>
+                                        <p:cTn id="18" dur="1" fill="hold">
+                                          <p:stCondLst>
+                                            <p:cond delay="0"/>
+                                          </p:stCondLst>
+                                        </p:cTn>
+                                        <p:tgtEl>
+                                          <p:spTgt spid="3">
+                                            <p:txEl>
+                                              <p:pRg st="3" end="3"/>
+                                            </p:txEl>
+                                          </p:spTgt>
+                                        </p:tgtEl>
+                                        <p:attrNameLst>
+                                          <p:attrName>style.visibility</p:attrName>
+                                        </p:attrNameLst>
+                                      </p:cBhvr>
+                                      <p:to>
+                                        <p:strVal val="visible"/>
+                                      </p:to>
+                                    </p:set>
+                                  </p:childTnLst>
+                                </p:cTn>
+                              </p:par>
+                            </p:childTnLst>
+                          </p:cTn>
+                        </p:par>
+                      </p:childTnLst>
+                    </p:cTn>
+                  </p:par>
+                </p:childTnLst>
+              </p:cTn>
+              <p:prevCondLst>
+                <p:cond evt="onPrev" delay="0">
+                  <p:tgtEl>
+                    <p:sldTgt/>
+                  </p:tgtEl>
+                </p:cond>
+              </p:prevCondLst>
+              <p:nextCondLst>
+                <p:cond evt="onNext" delay="0">
+                  <p:tgtEl>
+                    <p:sldTgt/>
+                  </p:tgtEl>
+                </p:cond>
+              </p:nextCondLst>
+            </p:seq>
+          </p:childTnLst>
+        </p:cTn>
+      </p:par>
+    </p:tnLst>
+    <p:bldLst>
+      <p:bldP spid="3" grpId="0" build="p"/>
+    </p:bldLst>
+  </p:timing>
 </p:sld>
 </file>
 
@@ -28398,6 +29180,235 @@
   <p:clrMapOvr>
     <a:masterClrMapping/>
   </p:clrMapOvr>
+  <p:timing>
+    <p:tnLst>
+      <p:par>
+        <p:cTn id="1" dur="indefinite" restart="never" nodeType="tmRoot">
+          <p:childTnLst>
+            <p:seq concurrent="1" nextAc="seek">
+              <p:cTn id="2" dur="indefinite" nodeType="mainSeq">
+                <p:childTnLst>
+                  <p:par>
+                    <p:cTn id="3" fill="hold">
+                      <p:stCondLst>
+                        <p:cond delay="indefinite"/>
+                      </p:stCondLst>
+                      <p:childTnLst>
+                        <p:par>
+                          <p:cTn id="4" fill="hold">
+                            <p:stCondLst>
+                              <p:cond delay="0"/>
+                            </p:stCondLst>
+                            <p:childTnLst>
+                              <p:par>
+                                <p:cTn id="5" presetID="1" presetClass="entr" presetSubtype="0" fill="hold" grpId="0" nodeType="clickEffect">
+                                  <p:stCondLst>
+                                    <p:cond delay="0"/>
+                                  </p:stCondLst>
+                                  <p:childTnLst>
+                                    <p:set>
+                                      <p:cBhvr>
+                                        <p:cTn id="6" dur="1" fill="hold">
+                                          <p:stCondLst>
+                                            <p:cond delay="0"/>
+                                          </p:stCondLst>
+                                        </p:cTn>
+                                        <p:tgtEl>
+                                          <p:spTgt spid="3">
+                                            <p:txEl>
+                                              <p:pRg st="0" end="0"/>
+                                            </p:txEl>
+                                          </p:spTgt>
+                                        </p:tgtEl>
+                                        <p:attrNameLst>
+                                          <p:attrName>style.visibility</p:attrName>
+                                        </p:attrNameLst>
+                                      </p:cBhvr>
+                                      <p:to>
+                                        <p:strVal val="visible"/>
+                                      </p:to>
+                                    </p:set>
+                                  </p:childTnLst>
+                                </p:cTn>
+                              </p:par>
+                            </p:childTnLst>
+                          </p:cTn>
+                        </p:par>
+                      </p:childTnLst>
+                    </p:cTn>
+                  </p:par>
+                  <p:par>
+                    <p:cTn id="7" fill="hold">
+                      <p:stCondLst>
+                        <p:cond delay="indefinite"/>
+                      </p:stCondLst>
+                      <p:childTnLst>
+                        <p:par>
+                          <p:cTn id="8" fill="hold">
+                            <p:stCondLst>
+                              <p:cond delay="0"/>
+                            </p:stCondLst>
+                            <p:childTnLst>
+                              <p:par>
+                                <p:cTn id="9" presetID="1" presetClass="entr" presetSubtype="0" fill="hold" grpId="0" nodeType="clickEffect">
+                                  <p:stCondLst>
+                                    <p:cond delay="0"/>
+                                  </p:stCondLst>
+                                  <p:childTnLst>
+                                    <p:set>
+                                      <p:cBhvr>
+                                        <p:cTn id="10" dur="1" fill="hold">
+                                          <p:stCondLst>
+                                            <p:cond delay="0"/>
+                                          </p:stCondLst>
+                                        </p:cTn>
+                                        <p:tgtEl>
+                                          <p:spTgt spid="3">
+                                            <p:txEl>
+                                              <p:pRg st="1" end="1"/>
+                                            </p:txEl>
+                                          </p:spTgt>
+                                        </p:tgtEl>
+                                        <p:attrNameLst>
+                                          <p:attrName>style.visibility</p:attrName>
+                                        </p:attrNameLst>
+                                      </p:cBhvr>
+                                      <p:to>
+                                        <p:strVal val="visible"/>
+                                      </p:to>
+                                    </p:set>
+                                  </p:childTnLst>
+                                </p:cTn>
+                              </p:par>
+                            </p:childTnLst>
+                          </p:cTn>
+                        </p:par>
+                      </p:childTnLst>
+                    </p:cTn>
+                  </p:par>
+                  <p:par>
+                    <p:cTn id="11" fill="hold">
+                      <p:stCondLst>
+                        <p:cond delay="indefinite"/>
+                      </p:stCondLst>
+                      <p:childTnLst>
+                        <p:par>
+                          <p:cTn id="12" fill="hold">
+                            <p:stCondLst>
+                              <p:cond delay="0"/>
+                            </p:stCondLst>
+                            <p:childTnLst>
+                              <p:par>
+                                <p:cTn id="13" presetID="1" presetClass="entr" presetSubtype="0" fill="hold" grpId="0" nodeType="clickEffect">
+                                  <p:stCondLst>
+                                    <p:cond delay="0"/>
+                                  </p:stCondLst>
+                                  <p:childTnLst>
+                                    <p:set>
+                                      <p:cBhvr>
+                                        <p:cTn id="14" dur="1" fill="hold">
+                                          <p:stCondLst>
+                                            <p:cond delay="0"/>
+                                          </p:stCondLst>
+                                        </p:cTn>
+                                        <p:tgtEl>
+                                          <p:spTgt spid="3">
+                                            <p:txEl>
+                                              <p:pRg st="2" end="2"/>
+                                            </p:txEl>
+                                          </p:spTgt>
+                                        </p:tgtEl>
+                                        <p:attrNameLst>
+                                          <p:attrName>style.visibility</p:attrName>
+                                        </p:attrNameLst>
+                                      </p:cBhvr>
+                                      <p:to>
+                                        <p:strVal val="visible"/>
+                                      </p:to>
+                                    </p:set>
+                                  </p:childTnLst>
+                                </p:cTn>
+                              </p:par>
+                            </p:childTnLst>
+                          </p:cTn>
+                        </p:par>
+                      </p:childTnLst>
+                    </p:cTn>
+                  </p:par>
+                  <p:par>
+                    <p:cTn id="15" fill="hold">
+                      <p:stCondLst>
+                        <p:cond delay="indefinite"/>
+                      </p:stCondLst>
+                      <p:childTnLst>
+                        <p:par>
+                          <p:cTn id="16" fill="hold">
+                            <p:stCondLst>
+                              <p:cond delay="0"/>
+                            </p:stCondLst>
+                            <p:childTnLst>
+                              <p:par>
+                                <p:cTn id="17" presetID="1" presetClass="entr" presetSubtype="0" fill="hold" grpId="0" nodeType="clickEffect">
+                                  <p:stCondLst>
+                                    <p:cond delay="0"/>
+                                  </p:stCondLst>
+                                  <p:childTnLst>
+                                    <p:set>
+                                      <p:cBhvr>
+                                        <p:cTn id="18" dur="1" fill="hold">
+                                          <p:stCondLst>
+                                            <p:cond delay="0"/>
+                                          </p:stCondLst>
+                                        </p:cTn>
+                                        <p:tgtEl>
+                                          <p:spTgt spid="3">
+                                            <p:txEl>
+                                              <p:pRg st="3" end="3"/>
+                                            </p:txEl>
+                                          </p:spTgt>
+                                        </p:tgtEl>
+                                        <p:attrNameLst>
+                                          <p:attrName>style.visibility</p:attrName>
+                                        </p:attrNameLst>
+                                      </p:cBhvr>
+                                      <p:to>
+                                        <p:strVal val="visible"/>
+                                      </p:to>
+                                    </p:set>
+                                  </p:childTnLst>
+                                </p:cTn>
+                              </p:par>
+                            </p:childTnLst>
+                          </p:cTn>
+                        </p:par>
+                      </p:childTnLst>
+                    </p:cTn>
+                  </p:par>
+                </p:childTnLst>
+              </p:cTn>
+              <p:prevCondLst>
+                <p:cond evt="onPrev" delay="0">
+                  <p:tgtEl>
+                    <p:sldTgt/>
+                  </p:tgtEl>
+                </p:cond>
+              </p:prevCondLst>
+              <p:nextCondLst>
+                <p:cond evt="onNext" delay="0">
+                  <p:tgtEl>
+                    <p:sldTgt/>
+                  </p:tgtEl>
+                </p:cond>
+              </p:nextCondLst>
+            </p:seq>
+          </p:childTnLst>
+        </p:cTn>
+      </p:par>
+    </p:tnLst>
+    <p:bldLst>
+      <p:bldP spid="3" grpId="0" build="p"/>
+    </p:bldLst>
+  </p:timing>
 </p:sld>
 </file>
 
@@ -28752,6 +29763,248 @@
   <p:clrMapOvr>
     <a:masterClrMapping/>
   </p:clrMapOvr>
+  <p:timing>
+    <p:tnLst>
+      <p:par>
+        <p:cTn id="1" dur="indefinite" restart="never" nodeType="tmRoot">
+          <p:childTnLst>
+            <p:seq concurrent="1" nextAc="seek">
+              <p:cTn id="2" dur="indefinite" nodeType="mainSeq">
+                <p:childTnLst>
+                  <p:par>
+                    <p:cTn id="3" fill="hold">
+                      <p:stCondLst>
+                        <p:cond delay="indefinite"/>
+                      </p:stCondLst>
+                      <p:childTnLst>
+                        <p:par>
+                          <p:cTn id="4" fill="hold">
+                            <p:stCondLst>
+                              <p:cond delay="0"/>
+                            </p:stCondLst>
+                            <p:childTnLst>
+                              <p:par>
+                                <p:cTn id="5" presetID="1" presetClass="entr" presetSubtype="0" fill="hold" grpId="0" nodeType="clickEffect">
+                                  <p:stCondLst>
+                                    <p:cond delay="0"/>
+                                  </p:stCondLst>
+                                  <p:childTnLst>
+                                    <p:set>
+                                      <p:cBhvr>
+                                        <p:cTn id="6" dur="1" fill="hold">
+                                          <p:stCondLst>
+                                            <p:cond delay="0"/>
+                                          </p:stCondLst>
+                                        </p:cTn>
+                                        <p:tgtEl>
+                                          <p:spTgt spid="8">
+                                            <p:txEl>
+                                              <p:pRg st="0" end="0"/>
+                                            </p:txEl>
+                                          </p:spTgt>
+                                        </p:tgtEl>
+                                        <p:attrNameLst>
+                                          <p:attrName>style.visibility</p:attrName>
+                                        </p:attrNameLst>
+                                      </p:cBhvr>
+                                      <p:to>
+                                        <p:strVal val="visible"/>
+                                      </p:to>
+                                    </p:set>
+                                  </p:childTnLst>
+                                </p:cTn>
+                              </p:par>
+                            </p:childTnLst>
+                          </p:cTn>
+                        </p:par>
+                      </p:childTnLst>
+                    </p:cTn>
+                  </p:par>
+                  <p:par>
+                    <p:cTn id="7" fill="hold">
+                      <p:stCondLst>
+                        <p:cond delay="indefinite"/>
+                      </p:stCondLst>
+                      <p:childTnLst>
+                        <p:par>
+                          <p:cTn id="8" fill="hold">
+                            <p:stCondLst>
+                              <p:cond delay="0"/>
+                            </p:stCondLst>
+                            <p:childTnLst>
+                              <p:par>
+                                <p:cTn id="9" presetID="1" presetClass="entr" presetSubtype="0" fill="hold" grpId="0" nodeType="clickEffect">
+                                  <p:stCondLst>
+                                    <p:cond delay="0"/>
+                                  </p:stCondLst>
+                                  <p:childTnLst>
+                                    <p:set>
+                                      <p:cBhvr>
+                                        <p:cTn id="10" dur="1" fill="hold">
+                                          <p:stCondLst>
+                                            <p:cond delay="0"/>
+                                          </p:stCondLst>
+                                        </p:cTn>
+                                        <p:tgtEl>
+                                          <p:spTgt spid="8">
+                                            <p:txEl>
+                                              <p:pRg st="1" end="1"/>
+                                            </p:txEl>
+                                          </p:spTgt>
+                                        </p:tgtEl>
+                                        <p:attrNameLst>
+                                          <p:attrName>style.visibility</p:attrName>
+                                        </p:attrNameLst>
+                                      </p:cBhvr>
+                                      <p:to>
+                                        <p:strVal val="visible"/>
+                                      </p:to>
+                                    </p:set>
+                                  </p:childTnLst>
+                                </p:cTn>
+                              </p:par>
+                            </p:childTnLst>
+                          </p:cTn>
+                        </p:par>
+                      </p:childTnLst>
+                    </p:cTn>
+                  </p:par>
+                  <p:par>
+                    <p:cTn id="11" fill="hold">
+                      <p:stCondLst>
+                        <p:cond delay="indefinite"/>
+                      </p:stCondLst>
+                      <p:childTnLst>
+                        <p:par>
+                          <p:cTn id="12" fill="hold">
+                            <p:stCondLst>
+                              <p:cond delay="0"/>
+                            </p:stCondLst>
+                            <p:childTnLst>
+                              <p:par>
+                                <p:cTn id="13" presetID="1" presetClass="entr" presetSubtype="0" fill="hold" grpId="0" nodeType="clickEffect">
+                                  <p:stCondLst>
+                                    <p:cond delay="0"/>
+                                  </p:stCondLst>
+                                  <p:childTnLst>
+                                    <p:set>
+                                      <p:cBhvr>
+                                        <p:cTn id="14" dur="1" fill="hold">
+                                          <p:stCondLst>
+                                            <p:cond delay="0"/>
+                                          </p:stCondLst>
+                                        </p:cTn>
+                                        <p:tgtEl>
+                                          <p:spTgt spid="8">
+                                            <p:txEl>
+                                              <p:pRg st="2" end="2"/>
+                                            </p:txEl>
+                                          </p:spTgt>
+                                        </p:tgtEl>
+                                        <p:attrNameLst>
+                                          <p:attrName>style.visibility</p:attrName>
+                                        </p:attrNameLst>
+                                      </p:cBhvr>
+                                      <p:to>
+                                        <p:strVal val="visible"/>
+                                      </p:to>
+                                    </p:set>
+                                  </p:childTnLst>
+                                </p:cTn>
+                              </p:par>
+                              <p:par>
+                                <p:cTn id="15" presetID="1" presetClass="entr" presetSubtype="0" fill="hold" grpId="0" nodeType="withEffect">
+                                  <p:stCondLst>
+                                    <p:cond delay="0"/>
+                                  </p:stCondLst>
+                                  <p:childTnLst>
+                                    <p:set>
+                                      <p:cBhvr>
+                                        <p:cTn id="16" dur="1" fill="hold">
+                                          <p:stCondLst>
+                                            <p:cond delay="0"/>
+                                          </p:stCondLst>
+                                        </p:cTn>
+                                        <p:tgtEl>
+                                          <p:spTgt spid="8">
+                                            <p:txEl>
+                                              <p:pRg st="3" end="3"/>
+                                            </p:txEl>
+                                          </p:spTgt>
+                                        </p:tgtEl>
+                                        <p:attrNameLst>
+                                          <p:attrName>style.visibility</p:attrName>
+                                        </p:attrNameLst>
+                                      </p:cBhvr>
+                                      <p:to>
+                                        <p:strVal val="visible"/>
+                                      </p:to>
+                                    </p:set>
+                                  </p:childTnLst>
+                                </p:cTn>
+                              </p:par>
+                              <p:par>
+                                <p:cTn id="17" presetID="1" presetClass="entr" presetSubtype="0" fill="hold" grpId="0" nodeType="withEffect">
+                                  <p:stCondLst>
+                                    <p:cond delay="0"/>
+                                  </p:stCondLst>
+                                  <p:childTnLst>
+                                    <p:set>
+                                      <p:cBhvr>
+                                        <p:cTn id="18" dur="1" fill="hold">
+                                          <p:stCondLst>
+                                            <p:cond delay="0"/>
+                                          </p:stCondLst>
+                                        </p:cTn>
+                                        <p:tgtEl>
+                                          <p:spTgt spid="8">
+                                            <p:txEl>
+                                              <p:pRg st="4" end="4"/>
+                                            </p:txEl>
+                                          </p:spTgt>
+                                        </p:tgtEl>
+                                        <p:attrNameLst>
+                                          <p:attrName>style.visibility</p:attrName>
+                                        </p:attrNameLst>
+                                      </p:cBhvr>
+                                      <p:to>
+                                        <p:strVal val="visible"/>
+                                      </p:to>
+                                    </p:set>
+                                  </p:childTnLst>
+                                </p:cTn>
+                              </p:par>
+                            </p:childTnLst>
+                          </p:cTn>
+                        </p:par>
+                      </p:childTnLst>
+                    </p:cTn>
+                  </p:par>
+                </p:childTnLst>
+              </p:cTn>
+              <p:prevCondLst>
+                <p:cond evt="onPrev" delay="0">
+                  <p:tgtEl>
+                    <p:sldTgt/>
+                  </p:tgtEl>
+                </p:cond>
+              </p:prevCondLst>
+              <p:nextCondLst>
+                <p:cond evt="onNext" delay="0">
+                  <p:tgtEl>
+                    <p:sldTgt/>
+                  </p:tgtEl>
+                </p:cond>
+              </p:nextCondLst>
+            </p:seq>
+          </p:childTnLst>
+        </p:cTn>
+      </p:par>
+    </p:tnLst>
+    <p:bldLst>
+      <p:bldP spid="8" grpId="0" build="p"/>
+    </p:bldLst>
+  </p:timing>
 </p:sld>
 </file>
 
@@ -28975,6 +30228,235 @@
   <p:clrMapOvr>
     <a:masterClrMapping/>
   </p:clrMapOvr>
+  <p:timing>
+    <p:tnLst>
+      <p:par>
+        <p:cTn id="1" dur="indefinite" restart="never" nodeType="tmRoot">
+          <p:childTnLst>
+            <p:seq concurrent="1" nextAc="seek">
+              <p:cTn id="2" dur="indefinite" nodeType="mainSeq">
+                <p:childTnLst>
+                  <p:par>
+                    <p:cTn id="3" fill="hold">
+                      <p:stCondLst>
+                        <p:cond delay="indefinite"/>
+                      </p:stCondLst>
+                      <p:childTnLst>
+                        <p:par>
+                          <p:cTn id="4" fill="hold">
+                            <p:stCondLst>
+                              <p:cond delay="0"/>
+                            </p:stCondLst>
+                            <p:childTnLst>
+                              <p:par>
+                                <p:cTn id="5" presetID="1" presetClass="entr" presetSubtype="0" fill="hold" grpId="0" nodeType="clickEffect">
+                                  <p:stCondLst>
+                                    <p:cond delay="0"/>
+                                  </p:stCondLst>
+                                  <p:childTnLst>
+                                    <p:set>
+                                      <p:cBhvr>
+                                        <p:cTn id="6" dur="1" fill="hold">
+                                          <p:stCondLst>
+                                            <p:cond delay="0"/>
+                                          </p:stCondLst>
+                                        </p:cTn>
+                                        <p:tgtEl>
+                                          <p:spTgt spid="5">
+                                            <p:txEl>
+                                              <p:pRg st="0" end="0"/>
+                                            </p:txEl>
+                                          </p:spTgt>
+                                        </p:tgtEl>
+                                        <p:attrNameLst>
+                                          <p:attrName>style.visibility</p:attrName>
+                                        </p:attrNameLst>
+                                      </p:cBhvr>
+                                      <p:to>
+                                        <p:strVal val="visible"/>
+                                      </p:to>
+                                    </p:set>
+                                  </p:childTnLst>
+                                </p:cTn>
+                              </p:par>
+                            </p:childTnLst>
+                          </p:cTn>
+                        </p:par>
+                      </p:childTnLst>
+                    </p:cTn>
+                  </p:par>
+                  <p:par>
+                    <p:cTn id="7" fill="hold">
+                      <p:stCondLst>
+                        <p:cond delay="indefinite"/>
+                      </p:stCondLst>
+                      <p:childTnLst>
+                        <p:par>
+                          <p:cTn id="8" fill="hold">
+                            <p:stCondLst>
+                              <p:cond delay="0"/>
+                            </p:stCondLst>
+                            <p:childTnLst>
+                              <p:par>
+                                <p:cTn id="9" presetID="1" presetClass="entr" presetSubtype="0" fill="hold" grpId="0" nodeType="clickEffect">
+                                  <p:stCondLst>
+                                    <p:cond delay="0"/>
+                                  </p:stCondLst>
+                                  <p:childTnLst>
+                                    <p:set>
+                                      <p:cBhvr>
+                                        <p:cTn id="10" dur="1" fill="hold">
+                                          <p:stCondLst>
+                                            <p:cond delay="0"/>
+                                          </p:stCondLst>
+                                        </p:cTn>
+                                        <p:tgtEl>
+                                          <p:spTgt spid="5">
+                                            <p:txEl>
+                                              <p:pRg st="1" end="1"/>
+                                            </p:txEl>
+                                          </p:spTgt>
+                                        </p:tgtEl>
+                                        <p:attrNameLst>
+                                          <p:attrName>style.visibility</p:attrName>
+                                        </p:attrNameLst>
+                                      </p:cBhvr>
+                                      <p:to>
+                                        <p:strVal val="visible"/>
+                                      </p:to>
+                                    </p:set>
+                                  </p:childTnLst>
+                                </p:cTn>
+                              </p:par>
+                            </p:childTnLst>
+                          </p:cTn>
+                        </p:par>
+                      </p:childTnLst>
+                    </p:cTn>
+                  </p:par>
+                  <p:par>
+                    <p:cTn id="11" fill="hold">
+                      <p:stCondLst>
+                        <p:cond delay="indefinite"/>
+                      </p:stCondLst>
+                      <p:childTnLst>
+                        <p:par>
+                          <p:cTn id="12" fill="hold">
+                            <p:stCondLst>
+                              <p:cond delay="0"/>
+                            </p:stCondLst>
+                            <p:childTnLst>
+                              <p:par>
+                                <p:cTn id="13" presetID="1" presetClass="entr" presetSubtype="0" fill="hold" grpId="0" nodeType="clickEffect">
+                                  <p:stCondLst>
+                                    <p:cond delay="0"/>
+                                  </p:stCondLst>
+                                  <p:childTnLst>
+                                    <p:set>
+                                      <p:cBhvr>
+                                        <p:cTn id="14" dur="1" fill="hold">
+                                          <p:stCondLst>
+                                            <p:cond delay="0"/>
+                                          </p:stCondLst>
+                                        </p:cTn>
+                                        <p:tgtEl>
+                                          <p:spTgt spid="5">
+                                            <p:txEl>
+                                              <p:pRg st="2" end="2"/>
+                                            </p:txEl>
+                                          </p:spTgt>
+                                        </p:tgtEl>
+                                        <p:attrNameLst>
+                                          <p:attrName>style.visibility</p:attrName>
+                                        </p:attrNameLst>
+                                      </p:cBhvr>
+                                      <p:to>
+                                        <p:strVal val="visible"/>
+                                      </p:to>
+                                    </p:set>
+                                  </p:childTnLst>
+                                </p:cTn>
+                              </p:par>
+                            </p:childTnLst>
+                          </p:cTn>
+                        </p:par>
+                      </p:childTnLst>
+                    </p:cTn>
+                  </p:par>
+                  <p:par>
+                    <p:cTn id="15" fill="hold">
+                      <p:stCondLst>
+                        <p:cond delay="indefinite"/>
+                      </p:stCondLst>
+                      <p:childTnLst>
+                        <p:par>
+                          <p:cTn id="16" fill="hold">
+                            <p:stCondLst>
+                              <p:cond delay="0"/>
+                            </p:stCondLst>
+                            <p:childTnLst>
+                              <p:par>
+                                <p:cTn id="17" presetID="1" presetClass="entr" presetSubtype="0" fill="hold" grpId="0" nodeType="clickEffect">
+                                  <p:stCondLst>
+                                    <p:cond delay="0"/>
+                                  </p:stCondLst>
+                                  <p:childTnLst>
+                                    <p:set>
+                                      <p:cBhvr>
+                                        <p:cTn id="18" dur="1" fill="hold">
+                                          <p:stCondLst>
+                                            <p:cond delay="0"/>
+                                          </p:stCondLst>
+                                        </p:cTn>
+                                        <p:tgtEl>
+                                          <p:spTgt spid="5">
+                                            <p:txEl>
+                                              <p:pRg st="3" end="3"/>
+                                            </p:txEl>
+                                          </p:spTgt>
+                                        </p:tgtEl>
+                                        <p:attrNameLst>
+                                          <p:attrName>style.visibility</p:attrName>
+                                        </p:attrNameLst>
+                                      </p:cBhvr>
+                                      <p:to>
+                                        <p:strVal val="visible"/>
+                                      </p:to>
+                                    </p:set>
+                                  </p:childTnLst>
+                                </p:cTn>
+                              </p:par>
+                            </p:childTnLst>
+                          </p:cTn>
+                        </p:par>
+                      </p:childTnLst>
+                    </p:cTn>
+                  </p:par>
+                </p:childTnLst>
+              </p:cTn>
+              <p:prevCondLst>
+                <p:cond evt="onPrev" delay="0">
+                  <p:tgtEl>
+                    <p:sldTgt/>
+                  </p:tgtEl>
+                </p:cond>
+              </p:prevCondLst>
+              <p:nextCondLst>
+                <p:cond evt="onNext" delay="0">
+                  <p:tgtEl>
+                    <p:sldTgt/>
+                  </p:tgtEl>
+                </p:cond>
+              </p:nextCondLst>
+            </p:seq>
+          </p:childTnLst>
+        </p:cTn>
+      </p:par>
+    </p:tnLst>
+    <p:bldLst>
+      <p:bldP spid="5" grpId="0" build="p"/>
+    </p:bldLst>
+  </p:timing>
 </p:sld>
 </file>
 
